--- a/report/utilization/python_utilization_slides.pptx
+++ b/report/utilization/python_utilization_slides.pptx
@@ -5,24 +5,24 @@
     <p:sldMasterId id="2147483660" r:id="rId1"/>
   </p:sldMasterIdLst>
   <p:sldIdLst>
-    <p:sldId id="256" r:id="rId2"/>
-    <p:sldId id="257" r:id="rId3"/>
-    <p:sldId id="258" r:id="rId4"/>
-    <p:sldId id="259" r:id="rId5"/>
-    <p:sldId id="260" r:id="rId6"/>
-    <p:sldId id="261" r:id="rId7"/>
-    <p:sldId id="262" r:id="rId8"/>
-    <p:sldId id="263" r:id="rId9"/>
-    <p:sldId id="264" r:id="rId10"/>
-    <p:sldId id="265" r:id="rId11"/>
-    <p:sldId id="266" r:id="rId12"/>
-    <p:sldId id="267" r:id="rId13"/>
-    <p:sldId id="268" r:id="rId14"/>
-    <p:sldId id="269" r:id="rId15"/>
-    <p:sldId id="270" r:id="rId16"/>
-    <p:sldId id="271" r:id="rId17"/>
-    <p:sldId id="272" r:id="rId18"/>
-    <p:sldId id="273" r:id="rId19"/>
+    <p:sldId id="256" r:id="rId8"/>
+    <p:sldId id="257" r:id="rId9"/>
+    <p:sldId id="258" r:id="rId10"/>
+    <p:sldId id="259" r:id="rId11"/>
+    <p:sldId id="260" r:id="rId12"/>
+    <p:sldId id="261" r:id="rId13"/>
+    <p:sldId id="262" r:id="rId14"/>
+    <p:sldId id="263" r:id="rId15"/>
+    <p:sldId id="264" r:id="rId16"/>
+    <p:sldId id="265" r:id="rId17"/>
+    <p:sldId id="266" r:id="rId18"/>
+    <p:sldId id="267" r:id="rId19"/>
+    <p:sldId id="268" r:id="rId20"/>
+    <p:sldId id="269" r:id="rId21"/>
+    <p:sldId id="270" r:id="rId22"/>
+    <p:sldId id="271" r:id="rId23"/>
+    <p:sldId id="272" r:id="rId24"/>
+    <p:sldId id="273" r:id="rId25"/>
   </p:sldIdLst>
   <p:sldSz cx="9144000" cy="6858000" type="screen4x3"/>
   <p:notesSz cx="6858000" cy="9144000"/>
@@ -132,7 +132,7 @@
 <file path=ppt/revisionInfo.xml><?xml version="1.0" encoding="utf-8"?>
 <p1510:revInfo xmlns:a="http://schemas.openxmlformats.org/drawingml/2006/main" xmlns:r="http://schemas.openxmlformats.org/officeDocument/2006/relationships" xmlns:p1510="http://schemas.microsoft.com/office/powerpoint/2015/10/main">
   <p1510:revLst>
-    <p1510:client id="{10897575-3D3A-4043-B80C-0CDCBAC6C2A1}" v="2" dt="2019-08-01T01:34:02.197"/>
+    <p1510:client id="{C22495A6-2D62-4BD6-B0AE-44E64BEEFAB7}" v="86" dt="2019-07-29T13:26:16.018"/>
   </p1510:revLst>
 </p1510:revInfo>
 </file>
@@ -140,1145 +140,65 @@
 <file path=ppt/changesInfos/changesInfo1.xml><?xml version="1.0" encoding="utf-8"?>
 <pc:chgInfo xmlns:a="http://schemas.openxmlformats.org/drawingml/2006/main" xmlns:r="http://schemas.openxmlformats.org/officeDocument/2006/relationships" xmlns:ac="http://schemas.microsoft.com/office/drawing/2013/main/command" xmlns:pc="http://schemas.microsoft.com/office/powerpoint/2013/main/command">
   <pc:docChgLst>
-    <pc:chgData name="Brian Gulbis" userId="8ed87ac563b1c39d" providerId="LiveId" clId="{10897575-3D3A-4043-B80C-0CDCBAC6C2A1}"/>
-    <pc:docChg chg="modSld">
-      <pc:chgData name="Brian Gulbis" userId="8ed87ac563b1c39d" providerId="LiveId" clId="{10897575-3D3A-4043-B80C-0CDCBAC6C2A1}" dt="2019-08-01T01:34:02.197" v="32" actId="1957"/>
-      <pc:docMkLst>
-        <pc:docMk/>
-      </pc:docMkLst>
-      <pc:sldChg chg="modSp mod">
-        <pc:chgData name="Brian Gulbis" userId="8ed87ac563b1c39d" providerId="LiveId" clId="{10897575-3D3A-4043-B80C-0CDCBAC6C2A1}" dt="2019-08-01T01:34:02.197" v="32" actId="1957"/>
-        <pc:sldMkLst>
-          <pc:docMk/>
-          <pc:sldMk cId="0" sldId="257"/>
-        </pc:sldMkLst>
-        <pc:graphicFrameChg chg="mod">
-          <ac:chgData name="Brian Gulbis" userId="8ed87ac563b1c39d" providerId="LiveId" clId="{10897575-3D3A-4043-B80C-0CDCBAC6C2A1}" dt="2019-08-01T01:34:02.197" v="32" actId="1957"/>
-          <ac:graphicFrameMkLst>
-            <pc:docMk/>
-            <pc:sldMk cId="0" sldId="257"/>
-            <ac:graphicFrameMk id="2" creationId="{00000000-0000-0000-0000-000000000000}"/>
-          </ac:graphicFrameMkLst>
-        </pc:graphicFrameChg>
-      </pc:sldChg>
-    </pc:docChg>
-  </pc:docChgLst>
-  <pc:docChgLst>
     <pc:chgData name="Brian Gulbis" userId="8ed87ac563b1c39d" providerId="LiveId" clId="{C22495A6-2D62-4BD6-B0AE-44E64BEEFAB7}"/>
     <pc:docChg chg="addSld delSld modSld">
       <pc:chgData name="Brian Gulbis" userId="8ed87ac563b1c39d" providerId="LiveId" clId="{C22495A6-2D62-4BD6-B0AE-44E64BEEFAB7}" dt="2019-07-29T13:28:40.770" v="62" actId="2696"/>
       <pc:docMkLst>
         <pc:docMk/>
       </pc:docMkLst>
+      <pc:sldChg chg="add del">
+        <pc:chgData name="Brian Gulbis" userId="8ed87ac563b1c39d" providerId="LiveId" clId="{C22495A6-2D62-4BD6-B0AE-44E64BEEFAB7}" dt="2019-07-29T12:37:28.850" v="2" actId="2696"/>
+        <pc:sldMkLst>
+          <pc:docMk/>
+          <pc:sldMk cId="1128218801" sldId="256"/>
+        </pc:sldMkLst>
+      </pc:sldChg>
+      <pc:sldChg chg="del">
+        <pc:chgData name="Brian Gulbis" userId="8ed87ac563b1c39d" providerId="LiveId" clId="{C22495A6-2D62-4BD6-B0AE-44E64BEEFAB7}" dt="2019-07-29T03:59:43.978" v="0" actId="2696"/>
+        <pc:sldMkLst>
+          <pc:docMk/>
+          <pc:sldMk cId="1867820800" sldId="256"/>
+        </pc:sldMkLst>
+      </pc:sldChg>
+      <pc:sldChg chg="addSp delSp modSp add del mod">
+        <pc:chgData name="Brian Gulbis" userId="8ed87ac563b1c39d" providerId="LiveId" clId="{C22495A6-2D62-4BD6-B0AE-44E64BEEFAB7}" dt="2019-07-29T13:28:40.770" v="62" actId="2696"/>
+        <pc:sldMkLst>
+          <pc:docMk/>
+          <pc:sldMk cId="3291821820" sldId="256"/>
+        </pc:sldMkLst>
+        <pc:spChg chg="del">
+          <ac:chgData name="Brian Gulbis" userId="8ed87ac563b1c39d" providerId="LiveId" clId="{C22495A6-2D62-4BD6-B0AE-44E64BEEFAB7}" dt="2019-07-29T13:03:46.172" v="4"/>
+          <ac:spMkLst>
+            <pc:docMk/>
+            <pc:sldMk cId="3291821820" sldId="256"/>
+            <ac:spMk id="2" creationId="{0D9089DF-C8ED-47F9-B65D-EF716CE742D8}"/>
+          </ac:spMkLst>
+        </pc:spChg>
+        <pc:spChg chg="del">
+          <ac:chgData name="Brian Gulbis" userId="8ed87ac563b1c39d" providerId="LiveId" clId="{C22495A6-2D62-4BD6-B0AE-44E64BEEFAB7}" dt="2019-07-29T13:03:46.172" v="4"/>
+          <ac:spMkLst>
+            <pc:docMk/>
+            <pc:sldMk cId="3291821820" sldId="256"/>
+            <ac:spMk id="3" creationId="{E8EF5F21-CEB9-4479-A274-6DDE25201515}"/>
+          </ac:spMkLst>
+        </pc:spChg>
+        <pc:graphicFrameChg chg="add mod">
+          <ac:chgData name="Brian Gulbis" userId="8ed87ac563b1c39d" providerId="LiveId" clId="{C22495A6-2D62-4BD6-B0AE-44E64BEEFAB7}" dt="2019-07-29T13:26:16.018" v="61"/>
+          <ac:graphicFrameMkLst>
+            <pc:docMk/>
+            <pc:sldMk cId="3291821820" sldId="256"/>
+            <ac:graphicFrameMk id="6" creationId="{C68A3D0A-4CCA-4720-9DC8-B2061E680BA0}"/>
+          </ac:graphicFrameMkLst>
+        </pc:graphicFrameChg>
+      </pc:sldChg>
     </pc:docChg>
   </pc:docChgLst>
 </pc:chgInfo>
 </file>
 
 <file path=ppt/charts/chart1.xml><?xml version="1.0" encoding="utf-8"?>
-<c:chartSpace xmlns:c="http://schemas.openxmlformats.org/drawingml/2006/chart" xmlns:a="http://schemas.openxmlformats.org/drawingml/2006/main" xmlns:r="http://schemas.openxmlformats.org/officeDocument/2006/relationships" xmlns:c16r2="http://schemas.microsoft.com/office/drawing/2015/06/chart">
+<c:chartSpace xmlns:c="http://schemas.openxmlformats.org/drawingml/2006/chart" xmlns:a="http://schemas.openxmlformats.org/drawingml/2006/main" xmlns:r="http://schemas.openxmlformats.org/officeDocument/2006/relationships">
   <c:date1904 val="0"/>
-  <c:lang val="en-US"/>
-  <c:roundedCorners val="0"/>
-  <mc:AlternateContent xmlns:mc="http://schemas.openxmlformats.org/markup-compatibility/2006">
-    <mc:Choice xmlns:c14="http://schemas.microsoft.com/office/drawing/2007/8/2/chart" Requires="c14">
-      <c14:style val="102"/>
-    </mc:Choice>
-    <mc:Fallback>
-      <c:style val="2"/>
-    </mc:Fallback>
-  </mc:AlternateContent>
-  <c:clrMapOvr bg1="lt1" tx1="dk1" bg2="lt2" tx2="dk2" accent1="accent1" accent2="accent2" accent3="accent3" accent4="accent4" accent5="accent5" accent6="accent6" hlink="hlink" folHlink="folHlink"/>
-  <c:chart>
-    <c:title>
-      <c:tx>
-        <c:rich>
-          <a:bodyPr rot="0" spcFirstLastPara="1" vertOverflow="ellipsis" vert="horz" wrap="square" anchor="ctr" anchorCtr="1"/>
-          <a:lstStyle/>
-          <a:p>
-            <a:pPr>
-              <a:defRPr sz="2400" b="0" i="0" u="none" strike="noStrike" kern="1200" spc="0" baseline="0">
-                <a:solidFill>
-                  <a:schemeClr val="tx1">
-                    <a:lumMod val="75000"/>
-                    <a:lumOff val="25000"/>
-                  </a:schemeClr>
-                </a:solidFill>
-                <a:latin typeface="+mn-lt"/>
-                <a:ea typeface="+mn-ea"/>
-                <a:cs typeface="+mn-cs"/>
-              </a:defRPr>
-            </a:pPr>
-            <a:r>
-              <a:rPr lang="en-US"/>
-              <a:t>Acetaminophen IV utilization</a:t>
-            </a:r>
-          </a:p>
-        </c:rich>
-      </c:tx>
-      <c:overlay val="0"/>
-      <c:spPr>
-        <a:noFill/>
-        <a:ln>
-          <a:noFill/>
-        </a:ln>
-        <a:effectLst/>
-      </c:spPr>
-      <c:txPr>
-        <a:bodyPr rot="0" spcFirstLastPara="1" vertOverflow="ellipsis" vert="horz" wrap="square" anchor="ctr" anchorCtr="1"/>
-        <a:lstStyle/>
-        <a:p>
-          <a:pPr>
-            <a:defRPr sz="2400" b="0" i="0" u="none" strike="noStrike" kern="1200" spc="0" baseline="0">
-              <a:solidFill>
-                <a:schemeClr val="tx1">
-                  <a:lumMod val="75000"/>
-                  <a:lumOff val="25000"/>
-                </a:schemeClr>
-              </a:solidFill>
-              <a:latin typeface="+mn-lt"/>
-              <a:ea typeface="+mn-ea"/>
-              <a:cs typeface="+mn-cs"/>
-            </a:defRPr>
-          </a:pPr>
-          <a:endParaRPr lang="en-US"/>
-        </a:p>
-      </c:txPr>
-    </c:title>
-    <c:autoTitleDeleted val="0"/>
-    <c:plotArea>
-      <c:layout/>
-      <c:lineChart>
-        <c:grouping val="standard"/>
-        <c:varyColors val="0"/>
-        <c:ser>
-          <c:idx val="3"/>
-          <c:order val="0"/>
-          <c:tx>
-            <c:strRef>
-              <c:f>Sheet1!$B$1</c:f>
-              <c:strCache>
-                <c:ptCount val="1"/>
-                <c:pt idx="0">
-                  <c:v>FY19</c:v>
-                </c:pt>
-              </c:strCache>
-            </c:strRef>
-          </c:tx>
-          <c:spPr>
-            <a:ln w="44450" cap="rnd">
-              <a:solidFill>
-                <a:schemeClr val="tx1"/>
-              </a:solidFill>
-              <a:round/>
-            </a:ln>
-            <a:effectLst/>
-          </c:spPr>
-          <c:marker>
-            <c:symbol val="none"/>
-          </c:marker>
-          <c:dLbls>
-            <c:dLbl>
-              <c:idx val="0"/>
-              <c:dLblPos val="t"/>
-              <c:showLegendKey val="0"/>
-              <c:showVal val="0"/>
-              <c:showCatName val="0"/>
-              <c:showSerName val="1"/>
-              <c:showPercent val="0"/>
-              <c:showBubbleSize val="0"/>
-              <c:extLst>
-                <c:ext xmlns:c15="http://schemas.microsoft.com/office/drawing/2012/chart" uri="{CE6537A1-D6FC-4f65-9D91-7224C49458BB}"/>
-                <c:ext xmlns:c16="http://schemas.microsoft.com/office/drawing/2014/chart" uri="{C3380CC4-5D6E-409C-BE32-E72D297353CC}">
-                  <c16:uniqueId val="{00000002-4B21-4DE2-9A2B-20D0D818C198}"/>
-                </c:ext>
-              </c:extLst>
-            </c:dLbl>
-            <c:dLbl>
-              <c:idx val="11"/>
-              <c:showLegendKey val="0"/>
-              <c:showVal val="1"/>
-              <c:showCatName val="0"/>
-              <c:showSerName val="0"/>
-              <c:showPercent val="0"/>
-              <c:showBubbleSize val="0"/>
-              <c:extLst>
-                <c:ext xmlns:c15="http://schemas.microsoft.com/office/drawing/2012/chart" uri="{CE6537A1-D6FC-4f65-9D91-7224C49458BB}"/>
-                <c:ext xmlns:c16="http://schemas.microsoft.com/office/drawing/2014/chart" uri="{C3380CC4-5D6E-409C-BE32-E72D297353CC}">
-                  <c16:uniqueId val="{00000001-4B21-4DE2-9A2B-20D0D818C198}"/>
-                </c:ext>
-              </c:extLst>
-            </c:dLbl>
-            <c:numFmt formatCode="#,##0" sourceLinked="0"/>
-            <c:spPr>
-              <a:noFill/>
-              <a:ln>
-                <a:noFill/>
-              </a:ln>
-              <a:effectLst/>
-            </c:spPr>
-            <c:txPr>
-              <a:bodyPr rot="0" spcFirstLastPara="1" vertOverflow="ellipsis" vert="horz" wrap="square" lIns="38100" tIns="19050" rIns="38100" bIns="19050" anchor="ctr" anchorCtr="1">
-                <a:spAutoFit/>
-              </a:bodyPr>
-              <a:lstStyle/>
-              <a:p>
-                <a:pPr>
-                  <a:defRPr sz="1197" b="0" i="0" u="none" strike="noStrike" kern="1200" baseline="0">
-                    <a:solidFill>
-                      <a:schemeClr val="tx1"/>
-                    </a:solidFill>
-                    <a:latin typeface="+mn-lt"/>
-                    <a:ea typeface="+mn-ea"/>
-                    <a:cs typeface="+mn-cs"/>
-                  </a:defRPr>
-                </a:pPr>
-                <a:endParaRPr lang="en-US"/>
-              </a:p>
-            </c:txPr>
-            <c:showLegendKey val="0"/>
-            <c:showVal val="0"/>
-            <c:showCatName val="0"/>
-            <c:showSerName val="0"/>
-            <c:showPercent val="0"/>
-            <c:showBubbleSize val="0"/>
-            <c:extLst>
-              <c:ext xmlns:c15="http://schemas.microsoft.com/office/drawing/2012/chart" uri="{CE6537A1-D6FC-4f65-9D91-7224C49458BB}">
-                <c15:showLeaderLines val="1"/>
-                <c15:leaderLines>
-                  <c:spPr>
-                    <a:ln w="9525" cap="flat" cmpd="sng" algn="ctr">
-                      <a:solidFill>
-                        <a:schemeClr val="tx1">
-                          <a:lumMod val="35000"/>
-                          <a:lumOff val="65000"/>
-                        </a:schemeClr>
-                      </a:solidFill>
-                      <a:round/>
-                    </a:ln>
-                    <a:effectLst/>
-                  </c:spPr>
-                </c15:leaderLines>
-              </c:ext>
-            </c:extLst>
-          </c:dLbls>
-          <c:cat>
-            <c:numRef>
-              <c:f>Sheet1!$A$2:$A$13</c:f>
-              <c:numCache>
-                <c:formatCode>yyyy\-mm\-dd</c:formatCode>
-                <c:ptCount val="12"/>
-                <c:pt idx="0">
-                  <c:v>43647</c:v>
-                </c:pt>
-                <c:pt idx="1">
-                  <c:v>43678</c:v>
-                </c:pt>
-                <c:pt idx="2">
-                  <c:v>43709</c:v>
-                </c:pt>
-                <c:pt idx="3">
-                  <c:v>43739</c:v>
-                </c:pt>
-                <c:pt idx="4">
-                  <c:v>43770</c:v>
-                </c:pt>
-                <c:pt idx="5">
-                  <c:v>43800</c:v>
-                </c:pt>
-                <c:pt idx="6">
-                  <c:v>43831</c:v>
-                </c:pt>
-                <c:pt idx="7">
-                  <c:v>43862</c:v>
-                </c:pt>
-                <c:pt idx="8">
-                  <c:v>43891</c:v>
-                </c:pt>
-                <c:pt idx="9">
-                  <c:v>43922</c:v>
-                </c:pt>
-                <c:pt idx="10">
-                  <c:v>43952</c:v>
-                </c:pt>
-                <c:pt idx="11">
-                  <c:v>43983</c:v>
-                </c:pt>
-              </c:numCache>
-            </c:numRef>
-          </c:cat>
-          <c:val>
-            <c:numRef>
-              <c:f>Sheet1!$B$2:$B$13</c:f>
-              <c:numCache>
-                <c:formatCode>General</c:formatCode>
-                <c:ptCount val="12"/>
-                <c:pt idx="0">
-                  <c:v>3823</c:v>
-                </c:pt>
-                <c:pt idx="1">
-                  <c:v>3929</c:v>
-                </c:pt>
-                <c:pt idx="2">
-                  <c:v>3743</c:v>
-                </c:pt>
-                <c:pt idx="3">
-                  <c:v>3797</c:v>
-                </c:pt>
-                <c:pt idx="4">
-                  <c:v>3439</c:v>
-                </c:pt>
-                <c:pt idx="5">
-                  <c:v>3254</c:v>
-                </c:pt>
-                <c:pt idx="6">
-                  <c:v>2636</c:v>
-                </c:pt>
-                <c:pt idx="7">
-                  <c:v>1813</c:v>
-                </c:pt>
-                <c:pt idx="8">
-                  <c:v>1934</c:v>
-                </c:pt>
-                <c:pt idx="9">
-                  <c:v>1692</c:v>
-                </c:pt>
-                <c:pt idx="10">
-                  <c:v>1560</c:v>
-                </c:pt>
-                <c:pt idx="11">
-                  <c:v>1537</c:v>
-                </c:pt>
-              </c:numCache>
-            </c:numRef>
-          </c:val>
-          <c:smooth val="0"/>
-          <c:extLst>
-            <c:ext xmlns:c16="http://schemas.microsoft.com/office/drawing/2014/chart" uri="{C3380CC4-5D6E-409C-BE32-E72D297353CC}">
-              <c16:uniqueId val="{00000000-4B21-4DE2-9A2B-20D0D818C198}"/>
-            </c:ext>
-          </c:extLst>
-        </c:ser>
-        <c:ser>
-          <c:idx val="2"/>
-          <c:order val="1"/>
-          <c:tx>
-            <c:strRef>
-              <c:f>Sheet1!$C$1</c:f>
-              <c:strCache>
-                <c:ptCount val="1"/>
-                <c:pt idx="0">
-                  <c:v>FY18</c:v>
-                </c:pt>
-              </c:strCache>
-            </c:strRef>
-          </c:tx>
-          <c:spPr>
-            <a:ln w="28575" cap="rnd">
-              <a:solidFill>
-                <a:schemeClr val="accent1">
-                  <a:lumMod val="40000"/>
-                  <a:lumOff val="60000"/>
-                </a:schemeClr>
-              </a:solidFill>
-              <a:round/>
-            </a:ln>
-            <a:effectLst/>
-          </c:spPr>
-          <c:marker>
-            <c:symbol val="none"/>
-          </c:marker>
-          <c:dLbls>
-            <c:dLbl>
-              <c:idx val="0"/>
-              <c:dLblPos val="t"/>
-              <c:showLegendKey val="0"/>
-              <c:showVal val="0"/>
-              <c:showCatName val="0"/>
-              <c:showSerName val="1"/>
-              <c:showPercent val="0"/>
-              <c:showBubbleSize val="0"/>
-              <c:extLst>
-                <c:ext xmlns:c15="http://schemas.microsoft.com/office/drawing/2012/chart" uri="{CE6537A1-D6FC-4f65-9D91-7224C49458BB}"/>
-                <c:ext xmlns:c16="http://schemas.microsoft.com/office/drawing/2014/chart" uri="{C3380CC4-5D6E-409C-BE32-E72D297353CC}">
-                  <c16:uniqueId val="{00000006-709A-4749-90F8-8A9C58D95792}"/>
-                </c:ext>
-              </c:extLst>
-            </c:dLbl>
-            <c:dLbl>
-              <c:idx val="11"/>
-              <c:showLegendKey val="0"/>
-              <c:showVal val="1"/>
-              <c:showCatName val="0"/>
-              <c:showSerName val="0"/>
-              <c:showPercent val="0"/>
-              <c:showBubbleSize val="0"/>
-              <c:extLst>
-                <c:ext xmlns:c15="http://schemas.microsoft.com/office/drawing/2012/chart" uri="{CE6537A1-D6FC-4f65-9D91-7224C49458BB}"/>
-                <c:ext xmlns:c16="http://schemas.microsoft.com/office/drawing/2014/chart" uri="{C3380CC4-5D6E-409C-BE32-E72D297353CC}">
-                  <c16:uniqueId val="{00000004-709A-4749-90F8-8A9C58D95792}"/>
-                </c:ext>
-              </c:extLst>
-            </c:dLbl>
-            <c:numFmt formatCode="#,##0" sourceLinked="0"/>
-            <c:spPr>
-              <a:noFill/>
-              <a:ln>
-                <a:noFill/>
-              </a:ln>
-              <a:effectLst/>
-            </c:spPr>
-            <c:txPr>
-              <a:bodyPr rot="0" spcFirstLastPara="1" vertOverflow="ellipsis" vert="horz" wrap="square" lIns="38100" tIns="19050" rIns="38100" bIns="19050" anchor="ctr" anchorCtr="1">
-                <a:spAutoFit/>
-              </a:bodyPr>
-              <a:lstStyle/>
-              <a:p>
-                <a:pPr>
-                  <a:defRPr sz="1197" b="0" i="0" u="none" strike="noStrike" kern="1200" baseline="0">
-                    <a:solidFill>
-                      <a:schemeClr val="accent1">
-                        <a:lumMod val="40000"/>
-                        <a:lumOff val="60000"/>
-                      </a:schemeClr>
-                    </a:solidFill>
-                    <a:latin typeface="+mn-lt"/>
-                    <a:ea typeface="+mn-ea"/>
-                    <a:cs typeface="+mn-cs"/>
-                  </a:defRPr>
-                </a:pPr>
-                <a:endParaRPr lang="en-US"/>
-              </a:p>
-            </c:txPr>
-            <c:showLegendKey val="0"/>
-            <c:showVal val="0"/>
-            <c:showCatName val="0"/>
-            <c:showSerName val="0"/>
-            <c:showPercent val="0"/>
-            <c:showBubbleSize val="0"/>
-            <c:extLst>
-              <c:ext xmlns:c15="http://schemas.microsoft.com/office/drawing/2012/chart" uri="{CE6537A1-D6FC-4f65-9D91-7224C49458BB}">
-                <c15:showLeaderLines val="1"/>
-                <c15:leaderLines>
-                  <c:spPr>
-                    <a:ln w="9525" cap="flat" cmpd="sng" algn="ctr">
-                      <a:solidFill>
-                        <a:schemeClr val="tx1">
-                          <a:lumMod val="35000"/>
-                          <a:lumOff val="65000"/>
-                        </a:schemeClr>
-                      </a:solidFill>
-                      <a:round/>
-                    </a:ln>
-                    <a:effectLst/>
-                  </c:spPr>
-                </c15:leaderLines>
-              </c:ext>
-            </c:extLst>
-          </c:dLbls>
-          <c:cat>
-            <c:numRef>
-              <c:f>Sheet1!$A$2:$A$13</c:f>
-              <c:numCache>
-                <c:formatCode>yyyy\-mm\-dd</c:formatCode>
-                <c:ptCount val="12"/>
-                <c:pt idx="0">
-                  <c:v>43647</c:v>
-                </c:pt>
-                <c:pt idx="1">
-                  <c:v>43678</c:v>
-                </c:pt>
-                <c:pt idx="2">
-                  <c:v>43709</c:v>
-                </c:pt>
-                <c:pt idx="3">
-                  <c:v>43739</c:v>
-                </c:pt>
-                <c:pt idx="4">
-                  <c:v>43770</c:v>
-                </c:pt>
-                <c:pt idx="5">
-                  <c:v>43800</c:v>
-                </c:pt>
-                <c:pt idx="6">
-                  <c:v>43831</c:v>
-                </c:pt>
-                <c:pt idx="7">
-                  <c:v>43862</c:v>
-                </c:pt>
-                <c:pt idx="8">
-                  <c:v>43891</c:v>
-                </c:pt>
-                <c:pt idx="9">
-                  <c:v>43922</c:v>
-                </c:pt>
-                <c:pt idx="10">
-                  <c:v>43952</c:v>
-                </c:pt>
-                <c:pt idx="11">
-                  <c:v>43983</c:v>
-                </c:pt>
-              </c:numCache>
-            </c:numRef>
-          </c:cat>
-          <c:val>
-            <c:numRef>
-              <c:f>Sheet1!$C$2:$C$13</c:f>
-              <c:numCache>
-                <c:formatCode>General</c:formatCode>
-                <c:ptCount val="12"/>
-                <c:pt idx="0">
-                  <c:v>3684</c:v>
-                </c:pt>
-                <c:pt idx="1">
-                  <c:v>3108</c:v>
-                </c:pt>
-                <c:pt idx="2">
-                  <c:v>3085</c:v>
-                </c:pt>
-                <c:pt idx="3">
-                  <c:v>3621</c:v>
-                </c:pt>
-                <c:pt idx="4">
-                  <c:v>3335</c:v>
-                </c:pt>
-                <c:pt idx="5">
-                  <c:v>3878</c:v>
-                </c:pt>
-                <c:pt idx="6">
-                  <c:v>3712</c:v>
-                </c:pt>
-                <c:pt idx="7">
-                  <c:v>3289</c:v>
-                </c:pt>
-                <c:pt idx="8">
-                  <c:v>3496</c:v>
-                </c:pt>
-                <c:pt idx="9">
-                  <c:v>3501</c:v>
-                </c:pt>
-                <c:pt idx="10">
-                  <c:v>3419</c:v>
-                </c:pt>
-                <c:pt idx="11">
-                  <c:v>3715</c:v>
-                </c:pt>
-              </c:numCache>
-            </c:numRef>
-          </c:val>
-          <c:smooth val="0"/>
-          <c:extLst>
-            <c:ext xmlns:c16="http://schemas.microsoft.com/office/drawing/2014/chart" uri="{C3380CC4-5D6E-409C-BE32-E72D297353CC}">
-              <c16:uniqueId val="{00000002-709A-4749-90F8-8A9C58D95792}"/>
-            </c:ext>
-          </c:extLst>
-        </c:ser>
-        <c:ser>
-          <c:idx val="1"/>
-          <c:order val="2"/>
-          <c:tx>
-            <c:strRef>
-              <c:f>Sheet1!$D$1</c:f>
-              <c:strCache>
-                <c:ptCount val="1"/>
-                <c:pt idx="0">
-                  <c:v>FY17</c:v>
-                </c:pt>
-              </c:strCache>
-            </c:strRef>
-          </c:tx>
-          <c:spPr>
-            <a:ln w="28575" cap="rnd">
-              <a:solidFill>
-                <a:schemeClr val="accent2">
-                  <a:lumMod val="40000"/>
-                  <a:lumOff val="60000"/>
-                </a:schemeClr>
-              </a:solidFill>
-              <a:round/>
-            </a:ln>
-            <a:effectLst/>
-          </c:spPr>
-          <c:marker>
-            <c:symbol val="none"/>
-          </c:marker>
-          <c:dLbls>
-            <c:dLbl>
-              <c:idx val="0"/>
-              <c:dLblPos val="t"/>
-              <c:showLegendKey val="0"/>
-              <c:showVal val="0"/>
-              <c:showCatName val="0"/>
-              <c:showSerName val="1"/>
-              <c:showPercent val="0"/>
-              <c:showBubbleSize val="0"/>
-              <c:extLst>
-                <c:ext xmlns:c15="http://schemas.microsoft.com/office/drawing/2012/chart" uri="{CE6537A1-D6FC-4f65-9D91-7224C49458BB}"/>
-                <c:ext xmlns:c16="http://schemas.microsoft.com/office/drawing/2014/chart" uri="{C3380CC4-5D6E-409C-BE32-E72D297353CC}">
-                  <c16:uniqueId val="{00000008-709A-4749-90F8-8A9C58D95792}"/>
-                </c:ext>
-              </c:extLst>
-            </c:dLbl>
-            <c:dLbl>
-              <c:idx val="11"/>
-              <c:showLegendKey val="0"/>
-              <c:showVal val="1"/>
-              <c:showCatName val="0"/>
-              <c:showSerName val="0"/>
-              <c:showPercent val="0"/>
-              <c:showBubbleSize val="0"/>
-              <c:extLst>
-                <c:ext xmlns:c15="http://schemas.microsoft.com/office/drawing/2012/chart" uri="{CE6537A1-D6FC-4f65-9D91-7224C49458BB}"/>
-                <c:ext xmlns:c16="http://schemas.microsoft.com/office/drawing/2014/chart" uri="{C3380CC4-5D6E-409C-BE32-E72D297353CC}">
-                  <c16:uniqueId val="{00000003-709A-4749-90F8-8A9C58D95792}"/>
-                </c:ext>
-              </c:extLst>
-            </c:dLbl>
-            <c:numFmt formatCode="#,##0" sourceLinked="0"/>
-            <c:spPr>
-              <a:noFill/>
-              <a:ln>
-                <a:noFill/>
-              </a:ln>
-              <a:effectLst/>
-            </c:spPr>
-            <c:txPr>
-              <a:bodyPr rot="0" spcFirstLastPara="1" vertOverflow="ellipsis" vert="horz" wrap="square" lIns="38100" tIns="19050" rIns="38100" bIns="19050" anchor="ctr" anchorCtr="1">
-                <a:spAutoFit/>
-              </a:bodyPr>
-              <a:lstStyle/>
-              <a:p>
-                <a:pPr>
-                  <a:defRPr sz="1197" b="0" i="0" u="none" strike="noStrike" kern="1200" baseline="0">
-                    <a:solidFill>
-                      <a:schemeClr val="accent2">
-                        <a:lumMod val="40000"/>
-                        <a:lumOff val="60000"/>
-                      </a:schemeClr>
-                    </a:solidFill>
-                    <a:latin typeface="+mn-lt"/>
-                    <a:ea typeface="+mn-ea"/>
-                    <a:cs typeface="+mn-cs"/>
-                  </a:defRPr>
-                </a:pPr>
-                <a:endParaRPr lang="en-US"/>
-              </a:p>
-            </c:txPr>
-            <c:showLegendKey val="0"/>
-            <c:showVal val="0"/>
-            <c:showCatName val="0"/>
-            <c:showSerName val="0"/>
-            <c:showPercent val="0"/>
-            <c:showBubbleSize val="0"/>
-            <c:extLst>
-              <c:ext xmlns:c15="http://schemas.microsoft.com/office/drawing/2012/chart" uri="{CE6537A1-D6FC-4f65-9D91-7224C49458BB}">
-                <c15:showLeaderLines val="1"/>
-                <c15:leaderLines>
-                  <c:spPr>
-                    <a:ln w="9525" cap="flat" cmpd="sng" algn="ctr">
-                      <a:solidFill>
-                        <a:schemeClr val="tx1">
-                          <a:lumMod val="35000"/>
-                          <a:lumOff val="65000"/>
-                        </a:schemeClr>
-                      </a:solidFill>
-                      <a:round/>
-                    </a:ln>
-                    <a:effectLst/>
-                  </c:spPr>
-                </c15:leaderLines>
-              </c:ext>
-            </c:extLst>
-          </c:dLbls>
-          <c:cat>
-            <c:numRef>
-              <c:f>Sheet1!$A$2:$A$13</c:f>
-              <c:numCache>
-                <c:formatCode>yyyy\-mm\-dd</c:formatCode>
-                <c:ptCount val="12"/>
-                <c:pt idx="0">
-                  <c:v>43647</c:v>
-                </c:pt>
-                <c:pt idx="1">
-                  <c:v>43678</c:v>
-                </c:pt>
-                <c:pt idx="2">
-                  <c:v>43709</c:v>
-                </c:pt>
-                <c:pt idx="3">
-                  <c:v>43739</c:v>
-                </c:pt>
-                <c:pt idx="4">
-                  <c:v>43770</c:v>
-                </c:pt>
-                <c:pt idx="5">
-                  <c:v>43800</c:v>
-                </c:pt>
-                <c:pt idx="6">
-                  <c:v>43831</c:v>
-                </c:pt>
-                <c:pt idx="7">
-                  <c:v>43862</c:v>
-                </c:pt>
-                <c:pt idx="8">
-                  <c:v>43891</c:v>
-                </c:pt>
-                <c:pt idx="9">
-                  <c:v>43922</c:v>
-                </c:pt>
-                <c:pt idx="10">
-                  <c:v>43952</c:v>
-                </c:pt>
-                <c:pt idx="11">
-                  <c:v>43983</c:v>
-                </c:pt>
-              </c:numCache>
-            </c:numRef>
-          </c:cat>
-          <c:val>
-            <c:numRef>
-              <c:f>Sheet1!$D$2:$D$13</c:f>
-              <c:numCache>
-                <c:formatCode>General</c:formatCode>
-                <c:ptCount val="12"/>
-                <c:pt idx="0">
-                  <c:v>3475</c:v>
-                </c:pt>
-                <c:pt idx="1">
-                  <c:v>3238</c:v>
-                </c:pt>
-                <c:pt idx="2">
-                  <c:v>2677</c:v>
-                </c:pt>
-                <c:pt idx="3">
-                  <c:v>2806</c:v>
-                </c:pt>
-                <c:pt idx="4">
-                  <c:v>2463</c:v>
-                </c:pt>
-                <c:pt idx="5">
-                  <c:v>2511</c:v>
-                </c:pt>
-                <c:pt idx="6">
-                  <c:v>2435</c:v>
-                </c:pt>
-                <c:pt idx="7">
-                  <c:v>2393</c:v>
-                </c:pt>
-                <c:pt idx="8">
-                  <c:v>2327</c:v>
-                </c:pt>
-                <c:pt idx="9">
-                  <c:v>3250</c:v>
-                </c:pt>
-                <c:pt idx="10">
-                  <c:v>3500</c:v>
-                </c:pt>
-                <c:pt idx="11">
-                  <c:v>3568</c:v>
-                </c:pt>
-              </c:numCache>
-            </c:numRef>
-          </c:val>
-          <c:smooth val="0"/>
-          <c:extLst>
-            <c:ext xmlns:c16="http://schemas.microsoft.com/office/drawing/2014/chart" uri="{C3380CC4-5D6E-409C-BE32-E72D297353CC}">
-              <c16:uniqueId val="{00000001-709A-4749-90F8-8A9C58D95792}"/>
-            </c:ext>
-          </c:extLst>
-        </c:ser>
-        <c:ser>
-          <c:idx val="0"/>
-          <c:order val="3"/>
-          <c:tx>
-            <c:strRef>
-              <c:f>Sheet1!$E$1</c:f>
-              <c:strCache>
-                <c:ptCount val="1"/>
-                <c:pt idx="0">
-                  <c:v>FY16</c:v>
-                </c:pt>
-              </c:strCache>
-            </c:strRef>
-          </c:tx>
-          <c:spPr>
-            <a:ln w="28575" cap="rnd">
-              <a:solidFill>
-                <a:schemeClr val="accent3">
-                  <a:lumMod val="40000"/>
-                  <a:lumOff val="60000"/>
-                </a:schemeClr>
-              </a:solidFill>
-              <a:round/>
-            </a:ln>
-            <a:effectLst/>
-          </c:spPr>
-          <c:marker>
-            <c:symbol val="none"/>
-          </c:marker>
-          <c:dLbls>
-            <c:dLbl>
-              <c:idx val="0"/>
-              <c:dLblPos val="t"/>
-              <c:showLegendKey val="0"/>
-              <c:showVal val="0"/>
-              <c:showCatName val="0"/>
-              <c:showSerName val="1"/>
-              <c:showPercent val="0"/>
-              <c:showBubbleSize val="0"/>
-              <c:extLst>
-                <c:ext xmlns:c15="http://schemas.microsoft.com/office/drawing/2012/chart" uri="{CE6537A1-D6FC-4f65-9D91-7224C49458BB}"/>
-                <c:ext xmlns:c16="http://schemas.microsoft.com/office/drawing/2014/chart" uri="{C3380CC4-5D6E-409C-BE32-E72D297353CC}">
-                  <c16:uniqueId val="{00000007-709A-4749-90F8-8A9C58D95792}"/>
-                </c:ext>
-              </c:extLst>
-            </c:dLbl>
-            <c:dLbl>
-              <c:idx val="11"/>
-              <c:showLegendKey val="0"/>
-              <c:showVal val="1"/>
-              <c:showCatName val="0"/>
-              <c:showSerName val="0"/>
-              <c:showPercent val="0"/>
-              <c:showBubbleSize val="0"/>
-              <c:extLst>
-                <c:ext xmlns:c15="http://schemas.microsoft.com/office/drawing/2012/chart" uri="{CE6537A1-D6FC-4f65-9D91-7224C49458BB}"/>
-                <c:ext xmlns:c16="http://schemas.microsoft.com/office/drawing/2014/chart" uri="{C3380CC4-5D6E-409C-BE32-E72D297353CC}">
-                  <c16:uniqueId val="{00000005-709A-4749-90F8-8A9C58D95792}"/>
-                </c:ext>
-              </c:extLst>
-            </c:dLbl>
-            <c:numFmt formatCode="#,##0" sourceLinked="0"/>
-            <c:spPr>
-              <a:noFill/>
-              <a:ln>
-                <a:noFill/>
-              </a:ln>
-              <a:effectLst/>
-            </c:spPr>
-            <c:txPr>
-              <a:bodyPr rot="0" spcFirstLastPara="1" vertOverflow="ellipsis" vert="horz" wrap="square" lIns="38100" tIns="19050" rIns="38100" bIns="19050" anchor="ctr" anchorCtr="1">
-                <a:spAutoFit/>
-              </a:bodyPr>
-              <a:lstStyle/>
-              <a:p>
-                <a:pPr>
-                  <a:defRPr sz="1200" b="0" i="0" u="none" strike="noStrike" kern="1200" baseline="0">
-                    <a:solidFill>
-                      <a:schemeClr val="accent3">
-                        <a:lumMod val="40000"/>
-                        <a:lumOff val="60000"/>
-                      </a:schemeClr>
-                    </a:solidFill>
-                    <a:latin typeface="+mn-lt"/>
-                    <a:ea typeface="+mn-ea"/>
-                    <a:cs typeface="+mn-cs"/>
-                  </a:defRPr>
-                </a:pPr>
-                <a:endParaRPr lang="en-US"/>
-              </a:p>
-            </c:txPr>
-            <c:showLegendKey val="0"/>
-            <c:showVal val="0"/>
-            <c:showCatName val="0"/>
-            <c:showSerName val="0"/>
-            <c:showPercent val="0"/>
-            <c:showBubbleSize val="0"/>
-            <c:extLst>
-              <c:ext xmlns:c15="http://schemas.microsoft.com/office/drawing/2012/chart" uri="{CE6537A1-D6FC-4f65-9D91-7224C49458BB}">
-                <c15:showLeaderLines val="1"/>
-                <c15:leaderLines>
-                  <c:spPr>
-                    <a:ln w="9525" cap="flat" cmpd="sng" algn="ctr">
-                      <a:solidFill>
-                        <a:schemeClr val="tx1">
-                          <a:lumMod val="35000"/>
-                          <a:lumOff val="65000"/>
-                        </a:schemeClr>
-                      </a:solidFill>
-                      <a:round/>
-                    </a:ln>
-                    <a:effectLst/>
-                  </c:spPr>
-                </c15:leaderLines>
-              </c:ext>
-            </c:extLst>
-          </c:dLbls>
-          <c:cat>
-            <c:numRef>
-              <c:f>Sheet1!$A$2:$A$13</c:f>
-              <c:numCache>
-                <c:formatCode>yyyy\-mm\-dd</c:formatCode>
-                <c:ptCount val="12"/>
-                <c:pt idx="0">
-                  <c:v>43647</c:v>
-                </c:pt>
-                <c:pt idx="1">
-                  <c:v>43678</c:v>
-                </c:pt>
-                <c:pt idx="2">
-                  <c:v>43709</c:v>
-                </c:pt>
-                <c:pt idx="3">
-                  <c:v>43739</c:v>
-                </c:pt>
-                <c:pt idx="4">
-                  <c:v>43770</c:v>
-                </c:pt>
-                <c:pt idx="5">
-                  <c:v>43800</c:v>
-                </c:pt>
-                <c:pt idx="6">
-                  <c:v>43831</c:v>
-                </c:pt>
-                <c:pt idx="7">
-                  <c:v>43862</c:v>
-                </c:pt>
-                <c:pt idx="8">
-                  <c:v>43891</c:v>
-                </c:pt>
-                <c:pt idx="9">
-                  <c:v>43922</c:v>
-                </c:pt>
-                <c:pt idx="10">
-                  <c:v>43952</c:v>
-                </c:pt>
-                <c:pt idx="11">
-                  <c:v>43983</c:v>
-                </c:pt>
-              </c:numCache>
-            </c:numRef>
-          </c:cat>
-          <c:val>
-            <c:numRef>
-              <c:f>Sheet1!$E$2:$E$13</c:f>
-              <c:numCache>
-                <c:formatCode>General</c:formatCode>
-                <c:ptCount val="12"/>
-                <c:pt idx="0">
-                  <c:v>3797</c:v>
-                </c:pt>
-                <c:pt idx="1">
-                  <c:v>3381</c:v>
-                </c:pt>
-                <c:pt idx="2">
-                  <c:v>3822</c:v>
-                </c:pt>
-                <c:pt idx="3">
-                  <c:v>4276</c:v>
-                </c:pt>
-                <c:pt idx="4">
-                  <c:v>4471</c:v>
-                </c:pt>
-                <c:pt idx="5">
-                  <c:v>4643</c:v>
-                </c:pt>
-                <c:pt idx="6">
-                  <c:v>3649</c:v>
-                </c:pt>
-                <c:pt idx="7">
-                  <c:v>3638</c:v>
-                </c:pt>
-                <c:pt idx="8">
-                  <c:v>3299</c:v>
-                </c:pt>
-                <c:pt idx="9">
-                  <c:v>3265</c:v>
-                </c:pt>
-                <c:pt idx="10">
-                  <c:v>3698</c:v>
-                </c:pt>
-                <c:pt idx="11">
-                  <c:v>3707</c:v>
-                </c:pt>
-              </c:numCache>
-            </c:numRef>
-          </c:val>
-          <c:smooth val="0"/>
-          <c:extLst>
-            <c:ext xmlns:c16="http://schemas.microsoft.com/office/drawing/2014/chart" uri="{C3380CC4-5D6E-409C-BE32-E72D297353CC}">
-              <c16:uniqueId val="{00000000-709A-4749-90F8-8A9C58D95792}"/>
-            </c:ext>
-          </c:extLst>
-        </c:ser>
-        <c:dLbls>
-          <c:showLegendKey val="0"/>
-          <c:showVal val="0"/>
-          <c:showCatName val="0"/>
-          <c:showSerName val="0"/>
-          <c:showPercent val="0"/>
-          <c:showBubbleSize val="0"/>
-        </c:dLbls>
-        <c:smooth val="0"/>
-        <c:axId val="691610936"/>
-        <c:axId val="691611256"/>
-      </c:lineChart>
-      <c:dateAx>
-        <c:axId val="691610936"/>
-        <c:scaling>
-          <c:orientation val="minMax"/>
-        </c:scaling>
-        <c:delete val="0"/>
-        <c:axPos val="b"/>
-        <c:numFmt formatCode="[$-409]mmm;@" sourceLinked="0"/>
-        <c:majorTickMark val="none"/>
-        <c:minorTickMark val="none"/>
-        <c:tickLblPos val="nextTo"/>
-        <c:spPr>
-          <a:noFill/>
-          <a:ln w="9525" cap="flat" cmpd="sng" algn="ctr">
-            <a:solidFill>
-              <a:schemeClr val="tx1">
-                <a:lumMod val="15000"/>
-                <a:lumOff val="85000"/>
-              </a:schemeClr>
-            </a:solidFill>
-            <a:round/>
-          </a:ln>
-          <a:effectLst/>
-        </c:spPr>
-        <c:txPr>
-          <a:bodyPr rot="-60000000" spcFirstLastPara="1" vertOverflow="ellipsis" vert="horz" wrap="square" anchor="ctr" anchorCtr="1"/>
-          <a:lstStyle/>
-          <a:p>
-            <a:pPr>
-              <a:defRPr sz="1400" b="0" i="0" u="none" strike="noStrike" kern="1200" baseline="0">
-                <a:solidFill>
-                  <a:schemeClr val="tx1">
-                    <a:lumMod val="50000"/>
-                    <a:lumOff val="50000"/>
-                  </a:schemeClr>
-                </a:solidFill>
-                <a:latin typeface="+mn-lt"/>
-                <a:ea typeface="+mn-ea"/>
-                <a:cs typeface="+mn-cs"/>
-              </a:defRPr>
-            </a:pPr>
-            <a:endParaRPr lang="en-US"/>
-          </a:p>
-        </c:txPr>
-        <c:crossAx val="691611256"/>
-        <c:crosses val="autoZero"/>
-        <c:auto val="1"/>
-        <c:lblOffset val="100"/>
-        <c:baseTimeUnit val="months"/>
-        <c:majorUnit val="1"/>
-        <c:majorTimeUnit val="months"/>
-      </c:dateAx>
-      <c:valAx>
-        <c:axId val="691611256"/>
-        <c:scaling>
-          <c:orientation val="minMax"/>
-        </c:scaling>
-        <c:delete val="0"/>
-        <c:axPos val="l"/>
-        <c:title>
-          <c:overlay val="0"/>
-          <c:spPr>
-            <a:noFill/>
-            <a:ln>
-              <a:noFill/>
-            </a:ln>
-            <a:effectLst/>
-          </c:spPr>
-          <c:txPr>
-            <a:bodyPr rot="-5400000" spcFirstLastPara="1" vertOverflow="ellipsis" vert="horz" wrap="square" anchor="ctr" anchorCtr="1"/>
-            <a:lstStyle/>
-            <a:p>
-              <a:pPr>
-                <a:defRPr sz="1600" b="0" i="0" u="none" strike="noStrike" kern="1200" baseline="0">
-                  <a:solidFill>
-                    <a:schemeClr val="tx1">
-                      <a:lumMod val="50000"/>
-                      <a:lumOff val="50000"/>
-                    </a:schemeClr>
-                  </a:solidFill>
-                  <a:latin typeface="+mn-lt"/>
-                  <a:ea typeface="+mn-ea"/>
-                  <a:cs typeface="+mn-cs"/>
-                </a:defRPr>
-              </a:pPr>
-              <a:endParaRPr lang="en-US"/>
-            </a:p>
-          </c:txPr>
-        </c:title>
-        <c:numFmt formatCode="#,##0" sourceLinked="0"/>
-        <c:majorTickMark val="none"/>
-        <c:minorTickMark val="none"/>
-        <c:tickLblPos val="nextTo"/>
-        <c:spPr>
-          <a:noFill/>
-          <a:ln>
-            <a:noFill/>
-          </a:ln>
-          <a:effectLst/>
-        </c:spPr>
-        <c:txPr>
-          <a:bodyPr rot="-60000000" spcFirstLastPara="1" vertOverflow="ellipsis" vert="horz" wrap="square" anchor="ctr" anchorCtr="1"/>
-          <a:lstStyle/>
-          <a:p>
-            <a:pPr>
-              <a:defRPr sz="1400" b="0" i="0" u="none" strike="noStrike" kern="1200" baseline="0">
-                <a:solidFill>
-                  <a:schemeClr val="tx1">
-                    <a:lumMod val="50000"/>
-                    <a:lumOff val="50000"/>
-                  </a:schemeClr>
-                </a:solidFill>
-                <a:latin typeface="+mn-lt"/>
-                <a:ea typeface="+mn-ea"/>
-                <a:cs typeface="+mn-cs"/>
-              </a:defRPr>
-            </a:pPr>
-            <a:endParaRPr lang="en-US"/>
-          </a:p>
-        </c:txPr>
-        <c:crossAx val="691610936"/>
-        <c:crosses val="autoZero"/>
-        <c:crossBetween val="between"/>
-      </c:valAx>
-      <c:spPr>
-        <a:noFill/>
-        <a:ln>
-          <a:noFill/>
-        </a:ln>
-        <a:effectLst/>
-      </c:spPr>
-    </c:plotArea>
-    <c:plotVisOnly val="1"/>
-    <c:dispBlanksAs val="gap"/>
-    <c:showDLblsOverMax val="0"/>
-    <c:extLst/>
-  </c:chart>
-  <c:spPr>
-    <a:noFill/>
-    <a:ln>
-      <a:noFill/>
-    </a:ln>
-    <a:effectLst/>
-  </c:spPr>
-  <c:txPr>
-    <a:bodyPr/>
-    <a:lstStyle/>
-    <a:p>
-      <a:pPr>
-        <a:defRPr/>
-      </a:pPr>
-      <a:endParaRPr lang="en-US"/>
-    </a:p>
-  </c:txPr>
-  <c:externalData r:id="rId4">
-    <c:autoUpdate val="0"/>
-  </c:externalData>
-</c:chartSpace>
-</file>
-
-<file path=ppt/charts/chart10.xml><?xml version="1.0" encoding="utf-8"?>
-<c:chartSpace xmlns:c="http://schemas.openxmlformats.org/drawingml/2006/chart" xmlns:a="http://schemas.openxmlformats.org/drawingml/2006/main" xmlns:r="http://schemas.openxmlformats.org/officeDocument/2006/relationships" xmlns:c16r2="http://schemas.microsoft.com/office/drawing/2015/06/chart">
-  <c:date1904 val="0"/>
-  <c:lang val="en-US"/>
-  <c:roundedCorners val="1"/>
-  <c:style val="2"/>
   <c:chart>
     <c:title>
       <c:tx>
@@ -1287,16 +207,16 @@
           <a:lstStyle/>
           <a:p>
             <a:r>
-              <a:t>Pegfilgrastim utilization</a:t>
+              <a:t>Acetaminophen IV utilization</a:t>
             </a:r>
           </a:p>
         </c:rich>
       </c:tx>
+      <c:layout/>
       <c:overlay val="0"/>
     </c:title>
     <c:autoTitleDeleted val="0"/>
     <c:plotArea>
-      <c:layout/>
       <c:lineChart>
         <c:grouping val="standard"/>
         <c:varyColors val="0"/>
@@ -1324,40 +244,40 @@
                 <c:formatCode>yyyy\-mm\-dd</c:formatCode>
                 <c:ptCount val="12"/>
                 <c:pt idx="0">
-                  <c:v>43647</c:v>
-                </c:pt>
-                <c:pt idx="1">
-                  <c:v>43678</c:v>
-                </c:pt>
-                <c:pt idx="2">
-                  <c:v>43709</c:v>
-                </c:pt>
-                <c:pt idx="3">
-                  <c:v>43739</c:v>
-                </c:pt>
-                <c:pt idx="4">
-                  <c:v>43770</c:v>
-                </c:pt>
-                <c:pt idx="5">
-                  <c:v>43800</c:v>
-                </c:pt>
-                <c:pt idx="6">
-                  <c:v>43831</c:v>
+                  <c:v>43647.0</c:v>
+                </c:pt>
+                <c:pt idx="1">
+                  <c:v>43678.0</c:v>
+                </c:pt>
+                <c:pt idx="2">
+                  <c:v>43709.0</c:v>
+                </c:pt>
+                <c:pt idx="3">
+                  <c:v>43739.0</c:v>
+                </c:pt>
+                <c:pt idx="4">
+                  <c:v>43770.0</c:v>
+                </c:pt>
+                <c:pt idx="5">
+                  <c:v>43800.0</c:v>
+                </c:pt>
+                <c:pt idx="6">
+                  <c:v>43831.0</c:v>
                 </c:pt>
                 <c:pt idx="7">
-                  <c:v>43862</c:v>
+                  <c:v>43862.0</c:v>
                 </c:pt>
                 <c:pt idx="8">
-                  <c:v>43891</c:v>
+                  <c:v>43891.0</c:v>
                 </c:pt>
                 <c:pt idx="9">
-                  <c:v>43922</c:v>
+                  <c:v>43922.0</c:v>
                 </c:pt>
                 <c:pt idx="10">
-                  <c:v>43952</c:v>
+                  <c:v>43952.0</c:v>
                 </c:pt>
                 <c:pt idx="11">
-                  <c:v>43983</c:v>
+                  <c:v>43983.0</c:v>
                 </c:pt>
               </c:numCache>
             </c:numRef>
@@ -1369,50 +289,45 @@
                 <c:formatCode>General</c:formatCode>
                 <c:ptCount val="12"/>
                 <c:pt idx="0">
-                  <c:v>60</c:v>
-                </c:pt>
-                <c:pt idx="1">
-                  <c:v>69</c:v>
-                </c:pt>
-                <c:pt idx="2">
-                  <c:v>58</c:v>
-                </c:pt>
-                <c:pt idx="3">
-                  <c:v>83</c:v>
-                </c:pt>
-                <c:pt idx="4">
-                  <c:v>76</c:v>
-                </c:pt>
-                <c:pt idx="5">
-                  <c:v>52</c:v>
-                </c:pt>
-                <c:pt idx="6">
-                  <c:v>68</c:v>
+                  <c:v>3823</c:v>
+                </c:pt>
+                <c:pt idx="1">
+                  <c:v>3929</c:v>
+                </c:pt>
+                <c:pt idx="2">
+                  <c:v>3743</c:v>
+                </c:pt>
+                <c:pt idx="3">
+                  <c:v>3797</c:v>
+                </c:pt>
+                <c:pt idx="4">
+                  <c:v>3439</c:v>
+                </c:pt>
+                <c:pt idx="5">
+                  <c:v>3254</c:v>
+                </c:pt>
+                <c:pt idx="6">
+                  <c:v>2636</c:v>
                 </c:pt>
                 <c:pt idx="7">
-                  <c:v>49</c:v>
+                  <c:v>1813</c:v>
                 </c:pt>
                 <c:pt idx="8">
-                  <c:v>68</c:v>
+                  <c:v>1934</c:v>
                 </c:pt>
                 <c:pt idx="9">
-                  <c:v>60</c:v>
+                  <c:v>1692</c:v>
                 </c:pt>
                 <c:pt idx="10">
-                  <c:v>59</c:v>
+                  <c:v>1560</c:v>
                 </c:pt>
                 <c:pt idx="11">
-                  <c:v>47</c:v>
+                  <c:v>1537</c:v>
                 </c:pt>
               </c:numCache>
             </c:numRef>
           </c:val>
           <c:smooth val="0"/>
-          <c:extLst>
-            <c:ext xmlns:c16="http://schemas.microsoft.com/office/drawing/2014/chart" uri="{C3380CC4-5D6E-409C-BE32-E72D297353CC}">
-              <c16:uniqueId val="{00000000-0875-4EF2-A9F1-B84EAD2A64B4}"/>
-            </c:ext>
-          </c:extLst>
         </c:ser>
         <c:ser>
           <c:idx val="1"/>
@@ -1438,40 +353,40 @@
                 <c:formatCode>yyyy\-mm\-dd</c:formatCode>
                 <c:ptCount val="12"/>
                 <c:pt idx="0">
-                  <c:v>43647</c:v>
-                </c:pt>
-                <c:pt idx="1">
-                  <c:v>43678</c:v>
-                </c:pt>
-                <c:pt idx="2">
-                  <c:v>43709</c:v>
-                </c:pt>
-                <c:pt idx="3">
-                  <c:v>43739</c:v>
-                </c:pt>
-                <c:pt idx="4">
-                  <c:v>43770</c:v>
-                </c:pt>
-                <c:pt idx="5">
-                  <c:v>43800</c:v>
-                </c:pt>
-                <c:pt idx="6">
-                  <c:v>43831</c:v>
+                  <c:v>43647.0</c:v>
+                </c:pt>
+                <c:pt idx="1">
+                  <c:v>43678.0</c:v>
+                </c:pt>
+                <c:pt idx="2">
+                  <c:v>43709.0</c:v>
+                </c:pt>
+                <c:pt idx="3">
+                  <c:v>43739.0</c:v>
+                </c:pt>
+                <c:pt idx="4">
+                  <c:v>43770.0</c:v>
+                </c:pt>
+                <c:pt idx="5">
+                  <c:v>43800.0</c:v>
+                </c:pt>
+                <c:pt idx="6">
+                  <c:v>43831.0</c:v>
                 </c:pt>
                 <c:pt idx="7">
-                  <c:v>43862</c:v>
+                  <c:v>43862.0</c:v>
                 </c:pt>
                 <c:pt idx="8">
-                  <c:v>43891</c:v>
+                  <c:v>43891.0</c:v>
                 </c:pt>
                 <c:pt idx="9">
-                  <c:v>43922</c:v>
+                  <c:v>43922.0</c:v>
                 </c:pt>
                 <c:pt idx="10">
-                  <c:v>43952</c:v>
+                  <c:v>43952.0</c:v>
                 </c:pt>
                 <c:pt idx="11">
-                  <c:v>43983</c:v>
+                  <c:v>43983.0</c:v>
                 </c:pt>
               </c:numCache>
             </c:numRef>
@@ -1483,50 +398,45 @@
                 <c:formatCode>General</c:formatCode>
                 <c:ptCount val="12"/>
                 <c:pt idx="0">
-                  <c:v>63</c:v>
-                </c:pt>
-                <c:pt idx="1">
-                  <c:v>49</c:v>
-                </c:pt>
-                <c:pt idx="2">
-                  <c:v>48</c:v>
-                </c:pt>
-                <c:pt idx="3">
-                  <c:v>61</c:v>
-                </c:pt>
-                <c:pt idx="4">
-                  <c:v>52</c:v>
-                </c:pt>
-                <c:pt idx="5">
-                  <c:v>57</c:v>
-                </c:pt>
-                <c:pt idx="6">
-                  <c:v>53</c:v>
+                  <c:v>3684</c:v>
+                </c:pt>
+                <c:pt idx="1">
+                  <c:v>3108</c:v>
+                </c:pt>
+                <c:pt idx="2">
+                  <c:v>3085</c:v>
+                </c:pt>
+                <c:pt idx="3">
+                  <c:v>3621</c:v>
+                </c:pt>
+                <c:pt idx="4">
+                  <c:v>3335</c:v>
+                </c:pt>
+                <c:pt idx="5">
+                  <c:v>3878</c:v>
+                </c:pt>
+                <c:pt idx="6">
+                  <c:v>3712</c:v>
                 </c:pt>
                 <c:pt idx="7">
-                  <c:v>54</c:v>
+                  <c:v>3289</c:v>
                 </c:pt>
                 <c:pt idx="8">
-                  <c:v>60</c:v>
+                  <c:v>3496</c:v>
                 </c:pt>
                 <c:pt idx="9">
-                  <c:v>60</c:v>
+                  <c:v>3501</c:v>
                 </c:pt>
                 <c:pt idx="10">
-                  <c:v>56</c:v>
+                  <c:v>3419</c:v>
                 </c:pt>
                 <c:pt idx="11">
-                  <c:v>55</c:v>
+                  <c:v>3715</c:v>
                 </c:pt>
               </c:numCache>
             </c:numRef>
           </c:val>
           <c:smooth val="0"/>
-          <c:extLst>
-            <c:ext xmlns:c16="http://schemas.microsoft.com/office/drawing/2014/chart" uri="{C3380CC4-5D6E-409C-BE32-E72D297353CC}">
-              <c16:uniqueId val="{00000001-0875-4EF2-A9F1-B84EAD2A64B4}"/>
-            </c:ext>
-          </c:extLst>
         </c:ser>
         <c:ser>
           <c:idx val="2"/>
@@ -1552,40 +462,40 @@
                 <c:formatCode>yyyy\-mm\-dd</c:formatCode>
                 <c:ptCount val="12"/>
                 <c:pt idx="0">
-                  <c:v>43647</c:v>
-                </c:pt>
-                <c:pt idx="1">
-                  <c:v>43678</c:v>
-                </c:pt>
-                <c:pt idx="2">
-                  <c:v>43709</c:v>
-                </c:pt>
-                <c:pt idx="3">
-                  <c:v>43739</c:v>
-                </c:pt>
-                <c:pt idx="4">
-                  <c:v>43770</c:v>
-                </c:pt>
-                <c:pt idx="5">
-                  <c:v>43800</c:v>
-                </c:pt>
-                <c:pt idx="6">
-                  <c:v>43831</c:v>
+                  <c:v>43647.0</c:v>
+                </c:pt>
+                <c:pt idx="1">
+                  <c:v>43678.0</c:v>
+                </c:pt>
+                <c:pt idx="2">
+                  <c:v>43709.0</c:v>
+                </c:pt>
+                <c:pt idx="3">
+                  <c:v>43739.0</c:v>
+                </c:pt>
+                <c:pt idx="4">
+                  <c:v>43770.0</c:v>
+                </c:pt>
+                <c:pt idx="5">
+                  <c:v>43800.0</c:v>
+                </c:pt>
+                <c:pt idx="6">
+                  <c:v>43831.0</c:v>
                 </c:pt>
                 <c:pt idx="7">
-                  <c:v>43862</c:v>
+                  <c:v>43862.0</c:v>
                 </c:pt>
                 <c:pt idx="8">
-                  <c:v>43891</c:v>
+                  <c:v>43891.0</c:v>
                 </c:pt>
                 <c:pt idx="9">
-                  <c:v>43922</c:v>
+                  <c:v>43922.0</c:v>
                 </c:pt>
                 <c:pt idx="10">
-                  <c:v>43952</c:v>
+                  <c:v>43952.0</c:v>
                 </c:pt>
                 <c:pt idx="11">
-                  <c:v>43983</c:v>
+                  <c:v>43983.0</c:v>
                 </c:pt>
               </c:numCache>
             </c:numRef>
@@ -1597,50 +507,45 @@
                 <c:formatCode>General</c:formatCode>
                 <c:ptCount val="12"/>
                 <c:pt idx="0">
-                  <c:v>45</c:v>
-                </c:pt>
-                <c:pt idx="1">
-                  <c:v>66</c:v>
-                </c:pt>
-                <c:pt idx="2">
-                  <c:v>50</c:v>
-                </c:pt>
-                <c:pt idx="3">
-                  <c:v>52</c:v>
-                </c:pt>
-                <c:pt idx="4">
-                  <c:v>41</c:v>
-                </c:pt>
-                <c:pt idx="5">
-                  <c:v>44</c:v>
-                </c:pt>
-                <c:pt idx="6">
-                  <c:v>38</c:v>
+                  <c:v>3475</c:v>
+                </c:pt>
+                <c:pt idx="1">
+                  <c:v>3238</c:v>
+                </c:pt>
+                <c:pt idx="2">
+                  <c:v>2677</c:v>
+                </c:pt>
+                <c:pt idx="3">
+                  <c:v>2806</c:v>
+                </c:pt>
+                <c:pt idx="4">
+                  <c:v>2463</c:v>
+                </c:pt>
+                <c:pt idx="5">
+                  <c:v>2511</c:v>
+                </c:pt>
+                <c:pt idx="6">
+                  <c:v>2435</c:v>
                 </c:pt>
                 <c:pt idx="7">
-                  <c:v>40</c:v>
+                  <c:v>2393</c:v>
                 </c:pt>
                 <c:pt idx="8">
-                  <c:v>58</c:v>
+                  <c:v>2327</c:v>
                 </c:pt>
                 <c:pt idx="9">
-                  <c:v>38</c:v>
+                  <c:v>3250</c:v>
                 </c:pt>
                 <c:pt idx="10">
-                  <c:v>56</c:v>
+                  <c:v>3500</c:v>
                 </c:pt>
                 <c:pt idx="11">
-                  <c:v>54</c:v>
+                  <c:v>3568</c:v>
                 </c:pt>
               </c:numCache>
             </c:numRef>
           </c:val>
           <c:smooth val="0"/>
-          <c:extLst>
-            <c:ext xmlns:c16="http://schemas.microsoft.com/office/drawing/2014/chart" uri="{C3380CC4-5D6E-409C-BE32-E72D297353CC}">
-              <c16:uniqueId val="{00000002-0875-4EF2-A9F1-B84EAD2A64B4}"/>
-            </c:ext>
-          </c:extLst>
         </c:ser>
         <c:ser>
           <c:idx val="3"/>
@@ -1666,40 +571,40 @@
                 <c:formatCode>yyyy\-mm\-dd</c:formatCode>
                 <c:ptCount val="12"/>
                 <c:pt idx="0">
-                  <c:v>43647</c:v>
-                </c:pt>
-                <c:pt idx="1">
-                  <c:v>43678</c:v>
-                </c:pt>
-                <c:pt idx="2">
-                  <c:v>43709</c:v>
-                </c:pt>
-                <c:pt idx="3">
-                  <c:v>43739</c:v>
-                </c:pt>
-                <c:pt idx="4">
-                  <c:v>43770</c:v>
-                </c:pt>
-                <c:pt idx="5">
-                  <c:v>43800</c:v>
-                </c:pt>
-                <c:pt idx="6">
-                  <c:v>43831</c:v>
+                  <c:v>43647.0</c:v>
+                </c:pt>
+                <c:pt idx="1">
+                  <c:v>43678.0</c:v>
+                </c:pt>
+                <c:pt idx="2">
+                  <c:v>43709.0</c:v>
+                </c:pt>
+                <c:pt idx="3">
+                  <c:v>43739.0</c:v>
+                </c:pt>
+                <c:pt idx="4">
+                  <c:v>43770.0</c:v>
+                </c:pt>
+                <c:pt idx="5">
+                  <c:v>43800.0</c:v>
+                </c:pt>
+                <c:pt idx="6">
+                  <c:v>43831.0</c:v>
                 </c:pt>
                 <c:pt idx="7">
-                  <c:v>43862</c:v>
+                  <c:v>43862.0</c:v>
                 </c:pt>
                 <c:pt idx="8">
-                  <c:v>43891</c:v>
+                  <c:v>43891.0</c:v>
                 </c:pt>
                 <c:pt idx="9">
-                  <c:v>43922</c:v>
+                  <c:v>43922.0</c:v>
                 </c:pt>
                 <c:pt idx="10">
-                  <c:v>43952</c:v>
+                  <c:v>43952.0</c:v>
                 </c:pt>
                 <c:pt idx="11">
-                  <c:v>43983</c:v>
+                  <c:v>43983.0</c:v>
                 </c:pt>
               </c:numCache>
             </c:numRef>
@@ -1711,59 +616,47 @@
                 <c:formatCode>General</c:formatCode>
                 <c:ptCount val="12"/>
                 <c:pt idx="0">
-                  <c:v>56</c:v>
-                </c:pt>
-                <c:pt idx="1">
-                  <c:v>44</c:v>
-                </c:pt>
-                <c:pt idx="2">
-                  <c:v>40</c:v>
-                </c:pt>
-                <c:pt idx="3">
-                  <c:v>47</c:v>
-                </c:pt>
-                <c:pt idx="4">
-                  <c:v>38</c:v>
-                </c:pt>
-                <c:pt idx="5">
-                  <c:v>54</c:v>
-                </c:pt>
-                <c:pt idx="6">
-                  <c:v>44</c:v>
+                  <c:v>3797</c:v>
+                </c:pt>
+                <c:pt idx="1">
+                  <c:v>3381</c:v>
+                </c:pt>
+                <c:pt idx="2">
+                  <c:v>3822</c:v>
+                </c:pt>
+                <c:pt idx="3">
+                  <c:v>4276</c:v>
+                </c:pt>
+                <c:pt idx="4">
+                  <c:v>4471</c:v>
+                </c:pt>
+                <c:pt idx="5">
+                  <c:v>4643</c:v>
+                </c:pt>
+                <c:pt idx="6">
+                  <c:v>3649</c:v>
                 </c:pt>
                 <c:pt idx="7">
-                  <c:v>46</c:v>
+                  <c:v>3638</c:v>
                 </c:pt>
                 <c:pt idx="8">
-                  <c:v>52</c:v>
+                  <c:v>3299</c:v>
                 </c:pt>
                 <c:pt idx="9">
-                  <c:v>50</c:v>
+                  <c:v>3265</c:v>
                 </c:pt>
                 <c:pt idx="10">
-                  <c:v>57</c:v>
+                  <c:v>3698</c:v>
                 </c:pt>
                 <c:pt idx="11">
-                  <c:v>51</c:v>
+                  <c:v>3707</c:v>
                 </c:pt>
               </c:numCache>
             </c:numRef>
           </c:val>
           <c:smooth val="0"/>
-          <c:extLst>
-            <c:ext xmlns:c16="http://schemas.microsoft.com/office/drawing/2014/chart" uri="{C3380CC4-5D6E-409C-BE32-E72D297353CC}">
-              <c16:uniqueId val="{00000003-0875-4EF2-A9F1-B84EAD2A64B4}"/>
-            </c:ext>
-          </c:extLst>
         </c:ser>
-        <c:dLbls>
-          <c:showLegendKey val="0"/>
-          <c:showVal val="0"/>
-          <c:showCatName val="0"/>
-          <c:showSerName val="0"/>
-          <c:showPercent val="0"/>
-          <c:showBubbleSize val="0"/>
-        </c:dLbls>
+        <c:marker val="1"/>
         <c:smooth val="0"/>
         <c:axId val="2118791784"/>
         <c:axId val="2140495176"/>
@@ -1787,9 +680,7 @@
       </c:dateAx>
       <c:valAx>
         <c:axId val="2140495176"/>
-        <c:scaling>
-          <c:orientation val="minMax"/>
-        </c:scaling>
+        <c:scaling/>
         <c:delete val="0"/>
         <c:axPos val="l"/>
         <c:majorGridlines/>
@@ -1805,19 +696,554 @@
               </a:p>
             </c:rich>
           </c:tx>
+          <c:layout/>
           <c:overlay val="0"/>
         </c:title>
-        <c:numFmt formatCode="General" sourceLinked="1"/>
         <c:majorTickMark val="out"/>
         <c:minorTickMark val="none"/>
         <c:tickLblPos val="nextTo"/>
         <c:crossAx val="2118791784"/>
         <c:crosses val="autoZero"/>
-        <c:crossBetween val="between"/>
       </c:valAx>
     </c:plotArea>
     <c:legend>
       <c:legendPos val="r"/>
+      <c:layout/>
+      <c:overlay val="0"/>
+    </c:legend>
+    <c:plotVisOnly val="1"/>
+    <c:dispBlanksAs val="gap"/>
+    <c:showDLblsOverMax val="0"/>
+  </c:chart>
+  <c:txPr>
+    <a:bodyPr/>
+    <a:lstStyle/>
+    <a:p>
+      <a:pPr>
+        <a:defRPr sz="1800"/>
+      </a:pPr>
+      <a:endParaRPr lang="en-US"/>
+    </a:p>
+  </c:txPr>
+  <c:externalData r:id="rId1">
+    <c:autoUpdate val="0"/>
+  </c:externalData>
+</c:chartSpace>
+</file>
+
+<file path=ppt/charts/chart10.xml><?xml version="1.0" encoding="utf-8"?>
+<c:chartSpace xmlns:c="http://schemas.openxmlformats.org/drawingml/2006/chart" xmlns:a="http://schemas.openxmlformats.org/drawingml/2006/main" xmlns:r="http://schemas.openxmlformats.org/officeDocument/2006/relationships">
+  <c:date1904 val="0"/>
+  <c:chart>
+    <c:title>
+      <c:tx>
+        <c:rich>
+          <a:bodyPr/>
+          <a:lstStyle/>
+          <a:p>
+            <a:r>
+              <a:t>Pegfilgrastim utilization</a:t>
+            </a:r>
+          </a:p>
+        </c:rich>
+      </c:tx>
+      <c:layout/>
+      <c:overlay val="0"/>
+    </c:title>
+    <c:autoTitleDeleted val="0"/>
+    <c:plotArea>
+      <c:lineChart>
+        <c:grouping val="standard"/>
+        <c:varyColors val="0"/>
+        <c:ser>
+          <c:idx val="0"/>
+          <c:order val="0"/>
+          <c:tx>
+            <c:strRef>
+              <c:f>Sheet1!$B$1</c:f>
+              <c:strCache>
+                <c:ptCount val="1"/>
+                <c:pt idx="0">
+                  <c:v>FY19</c:v>
+                </c:pt>
+              </c:strCache>
+            </c:strRef>
+          </c:tx>
+          <c:marker>
+            <c:symbol val="none"/>
+          </c:marker>
+          <c:cat>
+            <c:numRef>
+              <c:f>Sheet1!$A$2:$A$13</c:f>
+              <c:numCache>
+                <c:formatCode>yyyy\-mm\-dd</c:formatCode>
+                <c:ptCount val="12"/>
+                <c:pt idx="0">
+                  <c:v>43647.0</c:v>
+                </c:pt>
+                <c:pt idx="1">
+                  <c:v>43678.0</c:v>
+                </c:pt>
+                <c:pt idx="2">
+                  <c:v>43709.0</c:v>
+                </c:pt>
+                <c:pt idx="3">
+                  <c:v>43739.0</c:v>
+                </c:pt>
+                <c:pt idx="4">
+                  <c:v>43770.0</c:v>
+                </c:pt>
+                <c:pt idx="5">
+                  <c:v>43800.0</c:v>
+                </c:pt>
+                <c:pt idx="6">
+                  <c:v>43831.0</c:v>
+                </c:pt>
+                <c:pt idx="7">
+                  <c:v>43862.0</c:v>
+                </c:pt>
+                <c:pt idx="8">
+                  <c:v>43891.0</c:v>
+                </c:pt>
+                <c:pt idx="9">
+                  <c:v>43922.0</c:v>
+                </c:pt>
+                <c:pt idx="10">
+                  <c:v>43952.0</c:v>
+                </c:pt>
+                <c:pt idx="11">
+                  <c:v>43983.0</c:v>
+                </c:pt>
+              </c:numCache>
+            </c:numRef>
+          </c:cat>
+          <c:val>
+            <c:numRef>
+              <c:f>Sheet1!$B$2:$B$13</c:f>
+              <c:numCache>
+                <c:formatCode>General</c:formatCode>
+                <c:ptCount val="12"/>
+                <c:pt idx="0">
+                  <c:v>60</c:v>
+                </c:pt>
+                <c:pt idx="1">
+                  <c:v>69</c:v>
+                </c:pt>
+                <c:pt idx="2">
+                  <c:v>58</c:v>
+                </c:pt>
+                <c:pt idx="3">
+                  <c:v>83</c:v>
+                </c:pt>
+                <c:pt idx="4">
+                  <c:v>76</c:v>
+                </c:pt>
+                <c:pt idx="5">
+                  <c:v>52</c:v>
+                </c:pt>
+                <c:pt idx="6">
+                  <c:v>68</c:v>
+                </c:pt>
+                <c:pt idx="7">
+                  <c:v>49</c:v>
+                </c:pt>
+                <c:pt idx="8">
+                  <c:v>68</c:v>
+                </c:pt>
+                <c:pt idx="9">
+                  <c:v>60</c:v>
+                </c:pt>
+                <c:pt idx="10">
+                  <c:v>59</c:v>
+                </c:pt>
+                <c:pt idx="11">
+                  <c:v>47</c:v>
+                </c:pt>
+              </c:numCache>
+            </c:numRef>
+          </c:val>
+          <c:smooth val="0"/>
+        </c:ser>
+        <c:ser>
+          <c:idx val="1"/>
+          <c:order val="1"/>
+          <c:tx>
+            <c:strRef>
+              <c:f>Sheet1!$C$1</c:f>
+              <c:strCache>
+                <c:ptCount val="1"/>
+                <c:pt idx="0">
+                  <c:v>FY18</c:v>
+                </c:pt>
+              </c:strCache>
+            </c:strRef>
+          </c:tx>
+          <c:marker>
+            <c:symbol val="none"/>
+          </c:marker>
+          <c:cat>
+            <c:numRef>
+              <c:f>Sheet1!$A$2:$A$13</c:f>
+              <c:numCache>
+                <c:formatCode>yyyy\-mm\-dd</c:formatCode>
+                <c:ptCount val="12"/>
+                <c:pt idx="0">
+                  <c:v>43647.0</c:v>
+                </c:pt>
+                <c:pt idx="1">
+                  <c:v>43678.0</c:v>
+                </c:pt>
+                <c:pt idx="2">
+                  <c:v>43709.0</c:v>
+                </c:pt>
+                <c:pt idx="3">
+                  <c:v>43739.0</c:v>
+                </c:pt>
+                <c:pt idx="4">
+                  <c:v>43770.0</c:v>
+                </c:pt>
+                <c:pt idx="5">
+                  <c:v>43800.0</c:v>
+                </c:pt>
+                <c:pt idx="6">
+                  <c:v>43831.0</c:v>
+                </c:pt>
+                <c:pt idx="7">
+                  <c:v>43862.0</c:v>
+                </c:pt>
+                <c:pt idx="8">
+                  <c:v>43891.0</c:v>
+                </c:pt>
+                <c:pt idx="9">
+                  <c:v>43922.0</c:v>
+                </c:pt>
+                <c:pt idx="10">
+                  <c:v>43952.0</c:v>
+                </c:pt>
+                <c:pt idx="11">
+                  <c:v>43983.0</c:v>
+                </c:pt>
+              </c:numCache>
+            </c:numRef>
+          </c:cat>
+          <c:val>
+            <c:numRef>
+              <c:f>Sheet1!$C$2:$C$13</c:f>
+              <c:numCache>
+                <c:formatCode>General</c:formatCode>
+                <c:ptCount val="12"/>
+                <c:pt idx="0">
+                  <c:v>63</c:v>
+                </c:pt>
+                <c:pt idx="1">
+                  <c:v>49</c:v>
+                </c:pt>
+                <c:pt idx="2">
+                  <c:v>48</c:v>
+                </c:pt>
+                <c:pt idx="3">
+                  <c:v>61</c:v>
+                </c:pt>
+                <c:pt idx="4">
+                  <c:v>52</c:v>
+                </c:pt>
+                <c:pt idx="5">
+                  <c:v>57</c:v>
+                </c:pt>
+                <c:pt idx="6">
+                  <c:v>53</c:v>
+                </c:pt>
+                <c:pt idx="7">
+                  <c:v>54</c:v>
+                </c:pt>
+                <c:pt idx="8">
+                  <c:v>60</c:v>
+                </c:pt>
+                <c:pt idx="9">
+                  <c:v>60</c:v>
+                </c:pt>
+                <c:pt idx="10">
+                  <c:v>56</c:v>
+                </c:pt>
+                <c:pt idx="11">
+                  <c:v>55</c:v>
+                </c:pt>
+              </c:numCache>
+            </c:numRef>
+          </c:val>
+          <c:smooth val="0"/>
+        </c:ser>
+        <c:ser>
+          <c:idx val="2"/>
+          <c:order val="2"/>
+          <c:tx>
+            <c:strRef>
+              <c:f>Sheet1!$D$1</c:f>
+              <c:strCache>
+                <c:ptCount val="1"/>
+                <c:pt idx="0">
+                  <c:v>FY17</c:v>
+                </c:pt>
+              </c:strCache>
+            </c:strRef>
+          </c:tx>
+          <c:marker>
+            <c:symbol val="none"/>
+          </c:marker>
+          <c:cat>
+            <c:numRef>
+              <c:f>Sheet1!$A$2:$A$13</c:f>
+              <c:numCache>
+                <c:formatCode>yyyy\-mm\-dd</c:formatCode>
+                <c:ptCount val="12"/>
+                <c:pt idx="0">
+                  <c:v>43647.0</c:v>
+                </c:pt>
+                <c:pt idx="1">
+                  <c:v>43678.0</c:v>
+                </c:pt>
+                <c:pt idx="2">
+                  <c:v>43709.0</c:v>
+                </c:pt>
+                <c:pt idx="3">
+                  <c:v>43739.0</c:v>
+                </c:pt>
+                <c:pt idx="4">
+                  <c:v>43770.0</c:v>
+                </c:pt>
+                <c:pt idx="5">
+                  <c:v>43800.0</c:v>
+                </c:pt>
+                <c:pt idx="6">
+                  <c:v>43831.0</c:v>
+                </c:pt>
+                <c:pt idx="7">
+                  <c:v>43862.0</c:v>
+                </c:pt>
+                <c:pt idx="8">
+                  <c:v>43891.0</c:v>
+                </c:pt>
+                <c:pt idx="9">
+                  <c:v>43922.0</c:v>
+                </c:pt>
+                <c:pt idx="10">
+                  <c:v>43952.0</c:v>
+                </c:pt>
+                <c:pt idx="11">
+                  <c:v>43983.0</c:v>
+                </c:pt>
+              </c:numCache>
+            </c:numRef>
+          </c:cat>
+          <c:val>
+            <c:numRef>
+              <c:f>Sheet1!$D$2:$D$13</c:f>
+              <c:numCache>
+                <c:formatCode>General</c:formatCode>
+                <c:ptCount val="12"/>
+                <c:pt idx="0">
+                  <c:v>45</c:v>
+                </c:pt>
+                <c:pt idx="1">
+                  <c:v>66</c:v>
+                </c:pt>
+                <c:pt idx="2">
+                  <c:v>50</c:v>
+                </c:pt>
+                <c:pt idx="3">
+                  <c:v>52</c:v>
+                </c:pt>
+                <c:pt idx="4">
+                  <c:v>41</c:v>
+                </c:pt>
+                <c:pt idx="5">
+                  <c:v>44</c:v>
+                </c:pt>
+                <c:pt idx="6">
+                  <c:v>38</c:v>
+                </c:pt>
+                <c:pt idx="7">
+                  <c:v>40</c:v>
+                </c:pt>
+                <c:pt idx="8">
+                  <c:v>58</c:v>
+                </c:pt>
+                <c:pt idx="9">
+                  <c:v>38</c:v>
+                </c:pt>
+                <c:pt idx="10">
+                  <c:v>56</c:v>
+                </c:pt>
+                <c:pt idx="11">
+                  <c:v>54</c:v>
+                </c:pt>
+              </c:numCache>
+            </c:numRef>
+          </c:val>
+          <c:smooth val="0"/>
+        </c:ser>
+        <c:ser>
+          <c:idx val="3"/>
+          <c:order val="3"/>
+          <c:tx>
+            <c:strRef>
+              <c:f>Sheet1!$E$1</c:f>
+              <c:strCache>
+                <c:ptCount val="1"/>
+                <c:pt idx="0">
+                  <c:v>FY16</c:v>
+                </c:pt>
+              </c:strCache>
+            </c:strRef>
+          </c:tx>
+          <c:marker>
+            <c:symbol val="none"/>
+          </c:marker>
+          <c:cat>
+            <c:numRef>
+              <c:f>Sheet1!$A$2:$A$13</c:f>
+              <c:numCache>
+                <c:formatCode>yyyy\-mm\-dd</c:formatCode>
+                <c:ptCount val="12"/>
+                <c:pt idx="0">
+                  <c:v>43647.0</c:v>
+                </c:pt>
+                <c:pt idx="1">
+                  <c:v>43678.0</c:v>
+                </c:pt>
+                <c:pt idx="2">
+                  <c:v>43709.0</c:v>
+                </c:pt>
+                <c:pt idx="3">
+                  <c:v>43739.0</c:v>
+                </c:pt>
+                <c:pt idx="4">
+                  <c:v>43770.0</c:v>
+                </c:pt>
+                <c:pt idx="5">
+                  <c:v>43800.0</c:v>
+                </c:pt>
+                <c:pt idx="6">
+                  <c:v>43831.0</c:v>
+                </c:pt>
+                <c:pt idx="7">
+                  <c:v>43862.0</c:v>
+                </c:pt>
+                <c:pt idx="8">
+                  <c:v>43891.0</c:v>
+                </c:pt>
+                <c:pt idx="9">
+                  <c:v>43922.0</c:v>
+                </c:pt>
+                <c:pt idx="10">
+                  <c:v>43952.0</c:v>
+                </c:pt>
+                <c:pt idx="11">
+                  <c:v>43983.0</c:v>
+                </c:pt>
+              </c:numCache>
+            </c:numRef>
+          </c:cat>
+          <c:val>
+            <c:numRef>
+              <c:f>Sheet1!$E$2:$E$13</c:f>
+              <c:numCache>
+                <c:formatCode>General</c:formatCode>
+                <c:ptCount val="12"/>
+                <c:pt idx="0">
+                  <c:v>56</c:v>
+                </c:pt>
+                <c:pt idx="1">
+                  <c:v>44</c:v>
+                </c:pt>
+                <c:pt idx="2">
+                  <c:v>40</c:v>
+                </c:pt>
+                <c:pt idx="3">
+                  <c:v>47</c:v>
+                </c:pt>
+                <c:pt idx="4">
+                  <c:v>38</c:v>
+                </c:pt>
+                <c:pt idx="5">
+                  <c:v>54</c:v>
+                </c:pt>
+                <c:pt idx="6">
+                  <c:v>44</c:v>
+                </c:pt>
+                <c:pt idx="7">
+                  <c:v>46</c:v>
+                </c:pt>
+                <c:pt idx="8">
+                  <c:v>52</c:v>
+                </c:pt>
+                <c:pt idx="9">
+                  <c:v>50</c:v>
+                </c:pt>
+                <c:pt idx="10">
+                  <c:v>57</c:v>
+                </c:pt>
+                <c:pt idx="11">
+                  <c:v>51</c:v>
+                </c:pt>
+              </c:numCache>
+            </c:numRef>
+          </c:val>
+          <c:smooth val="0"/>
+        </c:ser>
+        <c:marker val="1"/>
+        <c:smooth val="0"/>
+        <c:axId val="2118791784"/>
+        <c:axId val="2140495176"/>
+      </c:lineChart>
+      <c:dateAx>
+        <c:axId val="2118791784"/>
+        <c:scaling>
+          <c:orientation val="minMax"/>
+        </c:scaling>
+        <c:delete val="0"/>
+        <c:axPos val="b"/>
+        <c:numFmt formatCode="yyyy\-mm\-dd" sourceLinked="1"/>
+        <c:majorTickMark val="out"/>
+        <c:minorTickMark val="none"/>
+        <c:tickLblPos val="nextTo"/>
+        <c:crossAx val="2140495176"/>
+        <c:crosses val="autoZero"/>
+        <c:auto val="1"/>
+        <c:lblOffset val="100"/>
+        <c:baseTimeUnit val="days"/>
+      </c:dateAx>
+      <c:valAx>
+        <c:axId val="2140495176"/>
+        <c:scaling/>
+        <c:delete val="0"/>
+        <c:axPos val="l"/>
+        <c:majorGridlines/>
+        <c:title>
+          <c:tx>
+            <c:rich>
+              <a:bodyPr/>
+              <a:lstStyle/>
+              <a:p>
+                <a:r>
+                  <a:t>Doses per month</a:t>
+                </a:r>
+              </a:p>
+            </c:rich>
+          </c:tx>
+          <c:layout/>
+          <c:overlay val="0"/>
+        </c:title>
+        <c:majorTickMark val="out"/>
+        <c:minorTickMark val="none"/>
+        <c:tickLblPos val="nextTo"/>
+        <c:crossAx val="2118791784"/>
+        <c:crosses val="autoZero"/>
+      </c:valAx>
+    </c:plotArea>
+    <c:legend>
+      <c:legendPos val="r"/>
+      <c:layout/>
       <c:overlay val="0"/>
     </c:legend>
     <c:plotVisOnly val="1"/>
@@ -1841,11 +1267,8 @@
 </file>
 
 <file path=ppt/charts/chart11.xml><?xml version="1.0" encoding="utf-8"?>
-<c:chartSpace xmlns:c="http://schemas.openxmlformats.org/drawingml/2006/chart" xmlns:a="http://schemas.openxmlformats.org/drawingml/2006/main" xmlns:r="http://schemas.openxmlformats.org/officeDocument/2006/relationships" xmlns:c16r2="http://schemas.microsoft.com/office/drawing/2015/06/chart">
+<c:chartSpace xmlns:c="http://schemas.openxmlformats.org/drawingml/2006/chart" xmlns:a="http://schemas.openxmlformats.org/drawingml/2006/main" xmlns:r="http://schemas.openxmlformats.org/officeDocument/2006/relationships">
   <c:date1904 val="0"/>
-  <c:lang val="en-US"/>
-  <c:roundedCorners val="1"/>
-  <c:style val="2"/>
   <c:chart>
     <c:title>
       <c:tx>
@@ -1859,11 +1282,11 @@
           </a:p>
         </c:rich>
       </c:tx>
+      <c:layout/>
       <c:overlay val="0"/>
     </c:title>
     <c:autoTitleDeleted val="0"/>
     <c:plotArea>
-      <c:layout/>
       <c:lineChart>
         <c:grouping val="standard"/>
         <c:varyColors val="0"/>
@@ -1891,40 +1314,40 @@
                 <c:formatCode>yyyy\-mm\-dd</c:formatCode>
                 <c:ptCount val="12"/>
                 <c:pt idx="0">
-                  <c:v>43647</c:v>
-                </c:pt>
-                <c:pt idx="1">
-                  <c:v>43678</c:v>
-                </c:pt>
-                <c:pt idx="2">
-                  <c:v>43709</c:v>
-                </c:pt>
-                <c:pt idx="3">
-                  <c:v>43739</c:v>
-                </c:pt>
-                <c:pt idx="4">
-                  <c:v>43770</c:v>
-                </c:pt>
-                <c:pt idx="5">
-                  <c:v>43800</c:v>
-                </c:pt>
-                <c:pt idx="6">
-                  <c:v>43831</c:v>
+                  <c:v>43647.0</c:v>
+                </c:pt>
+                <c:pt idx="1">
+                  <c:v>43678.0</c:v>
+                </c:pt>
+                <c:pt idx="2">
+                  <c:v>43709.0</c:v>
+                </c:pt>
+                <c:pt idx="3">
+                  <c:v>43739.0</c:v>
+                </c:pt>
+                <c:pt idx="4">
+                  <c:v>43770.0</c:v>
+                </c:pt>
+                <c:pt idx="5">
+                  <c:v>43800.0</c:v>
+                </c:pt>
+                <c:pt idx="6">
+                  <c:v>43831.0</c:v>
                 </c:pt>
                 <c:pt idx="7">
-                  <c:v>43862</c:v>
+                  <c:v>43862.0</c:v>
                 </c:pt>
                 <c:pt idx="8">
-                  <c:v>43891</c:v>
+                  <c:v>43891.0</c:v>
                 </c:pt>
                 <c:pt idx="9">
-                  <c:v>43922</c:v>
+                  <c:v>43922.0</c:v>
                 </c:pt>
                 <c:pt idx="10">
-                  <c:v>43952</c:v>
+                  <c:v>43952.0</c:v>
                 </c:pt>
                 <c:pt idx="11">
-                  <c:v>43983</c:v>
+                  <c:v>43983.0</c:v>
                 </c:pt>
               </c:numCache>
             </c:numRef>
@@ -1975,11 +1398,6 @@
             </c:numRef>
           </c:val>
           <c:smooth val="0"/>
-          <c:extLst>
-            <c:ext xmlns:c16="http://schemas.microsoft.com/office/drawing/2014/chart" uri="{C3380CC4-5D6E-409C-BE32-E72D297353CC}">
-              <c16:uniqueId val="{00000000-F522-483E-8262-26F536357256}"/>
-            </c:ext>
-          </c:extLst>
         </c:ser>
         <c:ser>
           <c:idx val="1"/>
@@ -2005,40 +1423,40 @@
                 <c:formatCode>yyyy\-mm\-dd</c:formatCode>
                 <c:ptCount val="12"/>
                 <c:pt idx="0">
-                  <c:v>43647</c:v>
-                </c:pt>
-                <c:pt idx="1">
-                  <c:v>43678</c:v>
-                </c:pt>
-                <c:pt idx="2">
-                  <c:v>43709</c:v>
-                </c:pt>
-                <c:pt idx="3">
-                  <c:v>43739</c:v>
-                </c:pt>
-                <c:pt idx="4">
-                  <c:v>43770</c:v>
-                </c:pt>
-                <c:pt idx="5">
-                  <c:v>43800</c:v>
-                </c:pt>
-                <c:pt idx="6">
-                  <c:v>43831</c:v>
+                  <c:v>43647.0</c:v>
+                </c:pt>
+                <c:pt idx="1">
+                  <c:v>43678.0</c:v>
+                </c:pt>
+                <c:pt idx="2">
+                  <c:v>43709.0</c:v>
+                </c:pt>
+                <c:pt idx="3">
+                  <c:v>43739.0</c:v>
+                </c:pt>
+                <c:pt idx="4">
+                  <c:v>43770.0</c:v>
+                </c:pt>
+                <c:pt idx="5">
+                  <c:v>43800.0</c:v>
+                </c:pt>
+                <c:pt idx="6">
+                  <c:v>43831.0</c:v>
                 </c:pt>
                 <c:pt idx="7">
-                  <c:v>43862</c:v>
+                  <c:v>43862.0</c:v>
                 </c:pt>
                 <c:pt idx="8">
-                  <c:v>43891</c:v>
+                  <c:v>43891.0</c:v>
                 </c:pt>
                 <c:pt idx="9">
-                  <c:v>43922</c:v>
+                  <c:v>43922.0</c:v>
                 </c:pt>
                 <c:pt idx="10">
-                  <c:v>43952</c:v>
+                  <c:v>43952.0</c:v>
                 </c:pt>
                 <c:pt idx="11">
-                  <c:v>43983</c:v>
+                  <c:v>43983.0</c:v>
                 </c:pt>
               </c:numCache>
             </c:numRef>
@@ -2089,11 +1507,6 @@
             </c:numRef>
           </c:val>
           <c:smooth val="0"/>
-          <c:extLst>
-            <c:ext xmlns:c16="http://schemas.microsoft.com/office/drawing/2014/chart" uri="{C3380CC4-5D6E-409C-BE32-E72D297353CC}">
-              <c16:uniqueId val="{00000001-F522-483E-8262-26F536357256}"/>
-            </c:ext>
-          </c:extLst>
         </c:ser>
         <c:ser>
           <c:idx val="2"/>
@@ -2119,40 +1532,40 @@
                 <c:formatCode>yyyy\-mm\-dd</c:formatCode>
                 <c:ptCount val="12"/>
                 <c:pt idx="0">
-                  <c:v>43647</c:v>
-                </c:pt>
-                <c:pt idx="1">
-                  <c:v>43678</c:v>
-                </c:pt>
-                <c:pt idx="2">
-                  <c:v>43709</c:v>
-                </c:pt>
-                <c:pt idx="3">
-                  <c:v>43739</c:v>
-                </c:pt>
-                <c:pt idx="4">
-                  <c:v>43770</c:v>
-                </c:pt>
-                <c:pt idx="5">
-                  <c:v>43800</c:v>
-                </c:pt>
-                <c:pt idx="6">
-                  <c:v>43831</c:v>
+                  <c:v>43647.0</c:v>
+                </c:pt>
+                <c:pt idx="1">
+                  <c:v>43678.0</c:v>
+                </c:pt>
+                <c:pt idx="2">
+                  <c:v>43709.0</c:v>
+                </c:pt>
+                <c:pt idx="3">
+                  <c:v>43739.0</c:v>
+                </c:pt>
+                <c:pt idx="4">
+                  <c:v>43770.0</c:v>
+                </c:pt>
+                <c:pt idx="5">
+                  <c:v>43800.0</c:v>
+                </c:pt>
+                <c:pt idx="6">
+                  <c:v>43831.0</c:v>
                 </c:pt>
                 <c:pt idx="7">
-                  <c:v>43862</c:v>
+                  <c:v>43862.0</c:v>
                 </c:pt>
                 <c:pt idx="8">
-                  <c:v>43891</c:v>
+                  <c:v>43891.0</c:v>
                 </c:pt>
                 <c:pt idx="9">
-                  <c:v>43922</c:v>
+                  <c:v>43922.0</c:v>
                 </c:pt>
                 <c:pt idx="10">
-                  <c:v>43952</c:v>
+                  <c:v>43952.0</c:v>
                 </c:pt>
                 <c:pt idx="11">
-                  <c:v>43983</c:v>
+                  <c:v>43983.0</c:v>
                 </c:pt>
               </c:numCache>
             </c:numRef>
@@ -2203,11 +1616,6 @@
             </c:numRef>
           </c:val>
           <c:smooth val="0"/>
-          <c:extLst>
-            <c:ext xmlns:c16="http://schemas.microsoft.com/office/drawing/2014/chart" uri="{C3380CC4-5D6E-409C-BE32-E72D297353CC}">
-              <c16:uniqueId val="{00000002-F522-483E-8262-26F536357256}"/>
-            </c:ext>
-          </c:extLst>
         </c:ser>
         <c:ser>
           <c:idx val="3"/>
@@ -2233,40 +1641,40 @@
                 <c:formatCode>yyyy\-mm\-dd</c:formatCode>
                 <c:ptCount val="12"/>
                 <c:pt idx="0">
-                  <c:v>43647</c:v>
-                </c:pt>
-                <c:pt idx="1">
-                  <c:v>43678</c:v>
-                </c:pt>
-                <c:pt idx="2">
-                  <c:v>43709</c:v>
-                </c:pt>
-                <c:pt idx="3">
-                  <c:v>43739</c:v>
-                </c:pt>
-                <c:pt idx="4">
-                  <c:v>43770</c:v>
-                </c:pt>
-                <c:pt idx="5">
-                  <c:v>43800</c:v>
-                </c:pt>
-                <c:pt idx="6">
-                  <c:v>43831</c:v>
+                  <c:v>43647.0</c:v>
+                </c:pt>
+                <c:pt idx="1">
+                  <c:v>43678.0</c:v>
+                </c:pt>
+                <c:pt idx="2">
+                  <c:v>43709.0</c:v>
+                </c:pt>
+                <c:pt idx="3">
+                  <c:v>43739.0</c:v>
+                </c:pt>
+                <c:pt idx="4">
+                  <c:v>43770.0</c:v>
+                </c:pt>
+                <c:pt idx="5">
+                  <c:v>43800.0</c:v>
+                </c:pt>
+                <c:pt idx="6">
+                  <c:v>43831.0</c:v>
                 </c:pt>
                 <c:pt idx="7">
-                  <c:v>43862</c:v>
+                  <c:v>43862.0</c:v>
                 </c:pt>
                 <c:pt idx="8">
-                  <c:v>43891</c:v>
+                  <c:v>43891.0</c:v>
                 </c:pt>
                 <c:pt idx="9">
-                  <c:v>43922</c:v>
+                  <c:v>43922.0</c:v>
                 </c:pt>
                 <c:pt idx="10">
-                  <c:v>43952</c:v>
+                  <c:v>43952.0</c:v>
                 </c:pt>
                 <c:pt idx="11">
-                  <c:v>43983</c:v>
+                  <c:v>43983.0</c:v>
                 </c:pt>
               </c:numCache>
             </c:numRef>
@@ -2317,20 +1725,8 @@
             </c:numRef>
           </c:val>
           <c:smooth val="0"/>
-          <c:extLst>
-            <c:ext xmlns:c16="http://schemas.microsoft.com/office/drawing/2014/chart" uri="{C3380CC4-5D6E-409C-BE32-E72D297353CC}">
-              <c16:uniqueId val="{00000003-F522-483E-8262-26F536357256}"/>
-            </c:ext>
-          </c:extLst>
         </c:ser>
-        <c:dLbls>
-          <c:showLegendKey val="0"/>
-          <c:showVal val="0"/>
-          <c:showCatName val="0"/>
-          <c:showSerName val="0"/>
-          <c:showPercent val="0"/>
-          <c:showBubbleSize val="0"/>
-        </c:dLbls>
+        <c:marker val="1"/>
         <c:smooth val="0"/>
         <c:axId val="2118791784"/>
         <c:axId val="2140495176"/>
@@ -2354,9 +1750,7 @@
       </c:dateAx>
       <c:valAx>
         <c:axId val="2140495176"/>
-        <c:scaling>
-          <c:orientation val="minMax"/>
-        </c:scaling>
+        <c:scaling/>
         <c:delete val="0"/>
         <c:axPos val="l"/>
         <c:majorGridlines/>
@@ -2372,19 +1766,19 @@
               </a:p>
             </c:rich>
           </c:tx>
+          <c:layout/>
           <c:overlay val="0"/>
         </c:title>
-        <c:numFmt formatCode="General" sourceLinked="1"/>
         <c:majorTickMark val="out"/>
         <c:minorTickMark val="none"/>
         <c:tickLblPos val="nextTo"/>
         <c:crossAx val="2118791784"/>
         <c:crosses val="autoZero"/>
-        <c:crossBetween val="between"/>
       </c:valAx>
     </c:plotArea>
     <c:legend>
       <c:legendPos val="r"/>
+      <c:layout/>
       <c:overlay val="0"/>
     </c:legend>
     <c:plotVisOnly val="1"/>
@@ -2408,11 +1802,8 @@
 </file>
 
 <file path=ppt/charts/chart12.xml><?xml version="1.0" encoding="utf-8"?>
-<c:chartSpace xmlns:c="http://schemas.openxmlformats.org/drawingml/2006/chart" xmlns:a="http://schemas.openxmlformats.org/drawingml/2006/main" xmlns:r="http://schemas.openxmlformats.org/officeDocument/2006/relationships" xmlns:c16r2="http://schemas.microsoft.com/office/drawing/2015/06/chart">
+<c:chartSpace xmlns:c="http://schemas.openxmlformats.org/drawingml/2006/chart" xmlns:a="http://schemas.openxmlformats.org/drawingml/2006/main" xmlns:r="http://schemas.openxmlformats.org/officeDocument/2006/relationships">
   <c:date1904 val="0"/>
-  <c:lang val="en-US"/>
-  <c:roundedCorners val="1"/>
-  <c:style val="2"/>
   <c:chart>
     <c:title>
       <c:tx>
@@ -2426,11 +1817,11 @@
           </a:p>
         </c:rich>
       </c:tx>
+      <c:layout/>
       <c:overlay val="0"/>
     </c:title>
     <c:autoTitleDeleted val="0"/>
     <c:plotArea>
-      <c:layout/>
       <c:lineChart>
         <c:grouping val="standard"/>
         <c:varyColors val="0"/>
@@ -2458,40 +1849,40 @@
                 <c:formatCode>yyyy\-mm\-dd</c:formatCode>
                 <c:ptCount val="12"/>
                 <c:pt idx="0">
-                  <c:v>43647</c:v>
-                </c:pt>
-                <c:pt idx="1">
-                  <c:v>43678</c:v>
-                </c:pt>
-                <c:pt idx="2">
-                  <c:v>43709</c:v>
-                </c:pt>
-                <c:pt idx="3">
-                  <c:v>43739</c:v>
-                </c:pt>
-                <c:pt idx="4">
-                  <c:v>43770</c:v>
-                </c:pt>
-                <c:pt idx="5">
-                  <c:v>43800</c:v>
-                </c:pt>
-                <c:pt idx="6">
-                  <c:v>43831</c:v>
+                  <c:v>43647.0</c:v>
+                </c:pt>
+                <c:pt idx="1">
+                  <c:v>43678.0</c:v>
+                </c:pt>
+                <c:pt idx="2">
+                  <c:v>43709.0</c:v>
+                </c:pt>
+                <c:pt idx="3">
+                  <c:v>43739.0</c:v>
+                </c:pt>
+                <c:pt idx="4">
+                  <c:v>43770.0</c:v>
+                </c:pt>
+                <c:pt idx="5">
+                  <c:v>43800.0</c:v>
+                </c:pt>
+                <c:pt idx="6">
+                  <c:v>43831.0</c:v>
                 </c:pt>
                 <c:pt idx="7">
-                  <c:v>43862</c:v>
+                  <c:v>43862.0</c:v>
                 </c:pt>
                 <c:pt idx="8">
-                  <c:v>43891</c:v>
+                  <c:v>43891.0</c:v>
                 </c:pt>
                 <c:pt idx="9">
-                  <c:v>43922</c:v>
+                  <c:v>43922.0</c:v>
                 </c:pt>
                 <c:pt idx="10">
-                  <c:v>43952</c:v>
+                  <c:v>43952.0</c:v>
                 </c:pt>
                 <c:pt idx="11">
-                  <c:v>43983</c:v>
+                  <c:v>43983.0</c:v>
                 </c:pt>
               </c:numCache>
             </c:numRef>
@@ -2542,11 +1933,6 @@
             </c:numRef>
           </c:val>
           <c:smooth val="0"/>
-          <c:extLst>
-            <c:ext xmlns:c16="http://schemas.microsoft.com/office/drawing/2014/chart" uri="{C3380CC4-5D6E-409C-BE32-E72D297353CC}">
-              <c16:uniqueId val="{00000000-224E-43EC-94C7-C707B471A198}"/>
-            </c:ext>
-          </c:extLst>
         </c:ser>
         <c:ser>
           <c:idx val="1"/>
@@ -2572,40 +1958,40 @@
                 <c:formatCode>yyyy\-mm\-dd</c:formatCode>
                 <c:ptCount val="12"/>
                 <c:pt idx="0">
-                  <c:v>43647</c:v>
-                </c:pt>
-                <c:pt idx="1">
-                  <c:v>43678</c:v>
-                </c:pt>
-                <c:pt idx="2">
-                  <c:v>43709</c:v>
-                </c:pt>
-                <c:pt idx="3">
-                  <c:v>43739</c:v>
-                </c:pt>
-                <c:pt idx="4">
-                  <c:v>43770</c:v>
-                </c:pt>
-                <c:pt idx="5">
-                  <c:v>43800</c:v>
-                </c:pt>
-                <c:pt idx="6">
-                  <c:v>43831</c:v>
+                  <c:v>43647.0</c:v>
+                </c:pt>
+                <c:pt idx="1">
+                  <c:v>43678.0</c:v>
+                </c:pt>
+                <c:pt idx="2">
+                  <c:v>43709.0</c:v>
+                </c:pt>
+                <c:pt idx="3">
+                  <c:v>43739.0</c:v>
+                </c:pt>
+                <c:pt idx="4">
+                  <c:v>43770.0</c:v>
+                </c:pt>
+                <c:pt idx="5">
+                  <c:v>43800.0</c:v>
+                </c:pt>
+                <c:pt idx="6">
+                  <c:v>43831.0</c:v>
                 </c:pt>
                 <c:pt idx="7">
-                  <c:v>43862</c:v>
+                  <c:v>43862.0</c:v>
                 </c:pt>
                 <c:pt idx="8">
-                  <c:v>43891</c:v>
+                  <c:v>43891.0</c:v>
                 </c:pt>
                 <c:pt idx="9">
-                  <c:v>43922</c:v>
+                  <c:v>43922.0</c:v>
                 </c:pt>
                 <c:pt idx="10">
-                  <c:v>43952</c:v>
+                  <c:v>43952.0</c:v>
                 </c:pt>
                 <c:pt idx="11">
-                  <c:v>43983</c:v>
+                  <c:v>43983.0</c:v>
                 </c:pt>
               </c:numCache>
             </c:numRef>
@@ -2656,11 +2042,6 @@
             </c:numRef>
           </c:val>
           <c:smooth val="0"/>
-          <c:extLst>
-            <c:ext xmlns:c16="http://schemas.microsoft.com/office/drawing/2014/chart" uri="{C3380CC4-5D6E-409C-BE32-E72D297353CC}">
-              <c16:uniqueId val="{00000001-224E-43EC-94C7-C707B471A198}"/>
-            </c:ext>
-          </c:extLst>
         </c:ser>
         <c:ser>
           <c:idx val="2"/>
@@ -2686,40 +2067,40 @@
                 <c:formatCode>yyyy\-mm\-dd</c:formatCode>
                 <c:ptCount val="12"/>
                 <c:pt idx="0">
-                  <c:v>43647</c:v>
-                </c:pt>
-                <c:pt idx="1">
-                  <c:v>43678</c:v>
-                </c:pt>
-                <c:pt idx="2">
-                  <c:v>43709</c:v>
-                </c:pt>
-                <c:pt idx="3">
-                  <c:v>43739</c:v>
-                </c:pt>
-                <c:pt idx="4">
-                  <c:v>43770</c:v>
-                </c:pt>
-                <c:pt idx="5">
-                  <c:v>43800</c:v>
-                </c:pt>
-                <c:pt idx="6">
-                  <c:v>43831</c:v>
+                  <c:v>43647.0</c:v>
+                </c:pt>
+                <c:pt idx="1">
+                  <c:v>43678.0</c:v>
+                </c:pt>
+                <c:pt idx="2">
+                  <c:v>43709.0</c:v>
+                </c:pt>
+                <c:pt idx="3">
+                  <c:v>43739.0</c:v>
+                </c:pt>
+                <c:pt idx="4">
+                  <c:v>43770.0</c:v>
+                </c:pt>
+                <c:pt idx="5">
+                  <c:v>43800.0</c:v>
+                </c:pt>
+                <c:pt idx="6">
+                  <c:v>43831.0</c:v>
                 </c:pt>
                 <c:pt idx="7">
-                  <c:v>43862</c:v>
+                  <c:v>43862.0</c:v>
                 </c:pt>
                 <c:pt idx="8">
-                  <c:v>43891</c:v>
+                  <c:v>43891.0</c:v>
                 </c:pt>
                 <c:pt idx="9">
-                  <c:v>43922</c:v>
+                  <c:v>43922.0</c:v>
                 </c:pt>
                 <c:pt idx="10">
-                  <c:v>43952</c:v>
+                  <c:v>43952.0</c:v>
                 </c:pt>
                 <c:pt idx="11">
-                  <c:v>43983</c:v>
+                  <c:v>43983.0</c:v>
                 </c:pt>
               </c:numCache>
             </c:numRef>
@@ -2770,11 +2151,6 @@
             </c:numRef>
           </c:val>
           <c:smooth val="0"/>
-          <c:extLst>
-            <c:ext xmlns:c16="http://schemas.microsoft.com/office/drawing/2014/chart" uri="{C3380CC4-5D6E-409C-BE32-E72D297353CC}">
-              <c16:uniqueId val="{00000002-224E-43EC-94C7-C707B471A198}"/>
-            </c:ext>
-          </c:extLst>
         </c:ser>
         <c:ser>
           <c:idx val="3"/>
@@ -2800,40 +2176,40 @@
                 <c:formatCode>yyyy\-mm\-dd</c:formatCode>
                 <c:ptCount val="12"/>
                 <c:pt idx="0">
-                  <c:v>43647</c:v>
-                </c:pt>
-                <c:pt idx="1">
-                  <c:v>43678</c:v>
-                </c:pt>
-                <c:pt idx="2">
-                  <c:v>43709</c:v>
-                </c:pt>
-                <c:pt idx="3">
-                  <c:v>43739</c:v>
-                </c:pt>
-                <c:pt idx="4">
-                  <c:v>43770</c:v>
-                </c:pt>
-                <c:pt idx="5">
-                  <c:v>43800</c:v>
-                </c:pt>
-                <c:pt idx="6">
-                  <c:v>43831</c:v>
+                  <c:v>43647.0</c:v>
+                </c:pt>
+                <c:pt idx="1">
+                  <c:v>43678.0</c:v>
+                </c:pt>
+                <c:pt idx="2">
+                  <c:v>43709.0</c:v>
+                </c:pt>
+                <c:pt idx="3">
+                  <c:v>43739.0</c:v>
+                </c:pt>
+                <c:pt idx="4">
+                  <c:v>43770.0</c:v>
+                </c:pt>
+                <c:pt idx="5">
+                  <c:v>43800.0</c:v>
+                </c:pt>
+                <c:pt idx="6">
+                  <c:v>43831.0</c:v>
                 </c:pt>
                 <c:pt idx="7">
-                  <c:v>43862</c:v>
+                  <c:v>43862.0</c:v>
                 </c:pt>
                 <c:pt idx="8">
-                  <c:v>43891</c:v>
+                  <c:v>43891.0</c:v>
                 </c:pt>
                 <c:pt idx="9">
-                  <c:v>43922</c:v>
+                  <c:v>43922.0</c:v>
                 </c:pt>
                 <c:pt idx="10">
-                  <c:v>43952</c:v>
+                  <c:v>43952.0</c:v>
                 </c:pt>
                 <c:pt idx="11">
-                  <c:v>43983</c:v>
+                  <c:v>43983.0</c:v>
                 </c:pt>
               </c:numCache>
             </c:numRef>
@@ -2884,20 +2260,8 @@
             </c:numRef>
           </c:val>
           <c:smooth val="0"/>
-          <c:extLst>
-            <c:ext xmlns:c16="http://schemas.microsoft.com/office/drawing/2014/chart" uri="{C3380CC4-5D6E-409C-BE32-E72D297353CC}">
-              <c16:uniqueId val="{00000003-224E-43EC-94C7-C707B471A198}"/>
-            </c:ext>
-          </c:extLst>
         </c:ser>
-        <c:dLbls>
-          <c:showLegendKey val="0"/>
-          <c:showVal val="0"/>
-          <c:showCatName val="0"/>
-          <c:showSerName val="0"/>
-          <c:showPercent val="0"/>
-          <c:showBubbleSize val="0"/>
-        </c:dLbls>
+        <c:marker val="1"/>
         <c:smooth val="0"/>
         <c:axId val="2118791784"/>
         <c:axId val="2140495176"/>
@@ -2921,9 +2285,7 @@
       </c:dateAx>
       <c:valAx>
         <c:axId val="2140495176"/>
-        <c:scaling>
-          <c:orientation val="minMax"/>
-        </c:scaling>
+        <c:scaling/>
         <c:delete val="0"/>
         <c:axPos val="l"/>
         <c:majorGridlines/>
@@ -2939,19 +2301,19 @@
               </a:p>
             </c:rich>
           </c:tx>
+          <c:layout/>
           <c:overlay val="0"/>
         </c:title>
-        <c:numFmt formatCode="General" sourceLinked="1"/>
         <c:majorTickMark val="out"/>
         <c:minorTickMark val="none"/>
         <c:tickLblPos val="nextTo"/>
         <c:crossAx val="2118791784"/>
         <c:crosses val="autoZero"/>
-        <c:crossBetween val="between"/>
       </c:valAx>
     </c:plotArea>
     <c:legend>
       <c:legendPos val="r"/>
+      <c:layout/>
       <c:overlay val="0"/>
     </c:legend>
     <c:plotVisOnly val="1"/>
@@ -2975,11 +2337,8 @@
 </file>
 
 <file path=ppt/charts/chart13.xml><?xml version="1.0" encoding="utf-8"?>
-<c:chartSpace xmlns:c="http://schemas.openxmlformats.org/drawingml/2006/chart" xmlns:a="http://schemas.openxmlformats.org/drawingml/2006/main" xmlns:r="http://schemas.openxmlformats.org/officeDocument/2006/relationships" xmlns:c16r2="http://schemas.microsoft.com/office/drawing/2015/06/chart">
+<c:chartSpace xmlns:c="http://schemas.openxmlformats.org/drawingml/2006/chart" xmlns:a="http://schemas.openxmlformats.org/drawingml/2006/main" xmlns:r="http://schemas.openxmlformats.org/officeDocument/2006/relationships">
   <c:date1904 val="0"/>
-  <c:lang val="en-US"/>
-  <c:roundedCorners val="1"/>
-  <c:style val="2"/>
   <c:chart>
     <c:title>
       <c:tx>
@@ -2993,11 +2352,11 @@
           </a:p>
         </c:rich>
       </c:tx>
+      <c:layout/>
       <c:overlay val="0"/>
     </c:title>
     <c:autoTitleDeleted val="0"/>
     <c:plotArea>
-      <c:layout/>
       <c:lineChart>
         <c:grouping val="standard"/>
         <c:varyColors val="0"/>
@@ -3025,40 +2384,40 @@
                 <c:formatCode>yyyy\-mm\-dd</c:formatCode>
                 <c:ptCount val="12"/>
                 <c:pt idx="0">
-                  <c:v>43647</c:v>
-                </c:pt>
-                <c:pt idx="1">
-                  <c:v>43678</c:v>
-                </c:pt>
-                <c:pt idx="2">
-                  <c:v>43709</c:v>
-                </c:pt>
-                <c:pt idx="3">
-                  <c:v>43739</c:v>
-                </c:pt>
-                <c:pt idx="4">
-                  <c:v>43770</c:v>
-                </c:pt>
-                <c:pt idx="5">
-                  <c:v>43800</c:v>
-                </c:pt>
-                <c:pt idx="6">
-                  <c:v>43831</c:v>
+                  <c:v>43647.0</c:v>
+                </c:pt>
+                <c:pt idx="1">
+                  <c:v>43678.0</c:v>
+                </c:pt>
+                <c:pt idx="2">
+                  <c:v>43709.0</c:v>
+                </c:pt>
+                <c:pt idx="3">
+                  <c:v>43739.0</c:v>
+                </c:pt>
+                <c:pt idx="4">
+                  <c:v>43770.0</c:v>
+                </c:pt>
+                <c:pt idx="5">
+                  <c:v>43800.0</c:v>
+                </c:pt>
+                <c:pt idx="6">
+                  <c:v>43831.0</c:v>
                 </c:pt>
                 <c:pt idx="7">
-                  <c:v>43862</c:v>
+                  <c:v>43862.0</c:v>
                 </c:pt>
                 <c:pt idx="8">
-                  <c:v>43891</c:v>
+                  <c:v>43891.0</c:v>
                 </c:pt>
                 <c:pt idx="9">
-                  <c:v>43922</c:v>
+                  <c:v>43922.0</c:v>
                 </c:pt>
                 <c:pt idx="10">
-                  <c:v>43952</c:v>
+                  <c:v>43952.0</c:v>
                 </c:pt>
                 <c:pt idx="11">
-                  <c:v>43983</c:v>
+                  <c:v>43983.0</c:v>
                 </c:pt>
               </c:numCache>
             </c:numRef>
@@ -3109,11 +2468,6 @@
             </c:numRef>
           </c:val>
           <c:smooth val="0"/>
-          <c:extLst>
-            <c:ext xmlns:c16="http://schemas.microsoft.com/office/drawing/2014/chart" uri="{C3380CC4-5D6E-409C-BE32-E72D297353CC}">
-              <c16:uniqueId val="{00000000-C934-4758-AD98-EDC23CF7CBB1}"/>
-            </c:ext>
-          </c:extLst>
         </c:ser>
         <c:ser>
           <c:idx val="1"/>
@@ -3139,40 +2493,40 @@
                 <c:formatCode>yyyy\-mm\-dd</c:formatCode>
                 <c:ptCount val="12"/>
                 <c:pt idx="0">
-                  <c:v>43647</c:v>
-                </c:pt>
-                <c:pt idx="1">
-                  <c:v>43678</c:v>
-                </c:pt>
-                <c:pt idx="2">
-                  <c:v>43709</c:v>
-                </c:pt>
-                <c:pt idx="3">
-                  <c:v>43739</c:v>
-                </c:pt>
-                <c:pt idx="4">
-                  <c:v>43770</c:v>
-                </c:pt>
-                <c:pt idx="5">
-                  <c:v>43800</c:v>
-                </c:pt>
-                <c:pt idx="6">
-                  <c:v>43831</c:v>
+                  <c:v>43647.0</c:v>
+                </c:pt>
+                <c:pt idx="1">
+                  <c:v>43678.0</c:v>
+                </c:pt>
+                <c:pt idx="2">
+                  <c:v>43709.0</c:v>
+                </c:pt>
+                <c:pt idx="3">
+                  <c:v>43739.0</c:v>
+                </c:pt>
+                <c:pt idx="4">
+                  <c:v>43770.0</c:v>
+                </c:pt>
+                <c:pt idx="5">
+                  <c:v>43800.0</c:v>
+                </c:pt>
+                <c:pt idx="6">
+                  <c:v>43831.0</c:v>
                 </c:pt>
                 <c:pt idx="7">
-                  <c:v>43862</c:v>
+                  <c:v>43862.0</c:v>
                 </c:pt>
                 <c:pt idx="8">
-                  <c:v>43891</c:v>
+                  <c:v>43891.0</c:v>
                 </c:pt>
                 <c:pt idx="9">
-                  <c:v>43922</c:v>
+                  <c:v>43922.0</c:v>
                 </c:pt>
                 <c:pt idx="10">
-                  <c:v>43952</c:v>
+                  <c:v>43952.0</c:v>
                 </c:pt>
                 <c:pt idx="11">
-                  <c:v>43983</c:v>
+                  <c:v>43983.0</c:v>
                 </c:pt>
               </c:numCache>
             </c:numRef>
@@ -3223,11 +2577,6 @@
             </c:numRef>
           </c:val>
           <c:smooth val="0"/>
-          <c:extLst>
-            <c:ext xmlns:c16="http://schemas.microsoft.com/office/drawing/2014/chart" uri="{C3380CC4-5D6E-409C-BE32-E72D297353CC}">
-              <c16:uniqueId val="{00000001-C934-4758-AD98-EDC23CF7CBB1}"/>
-            </c:ext>
-          </c:extLst>
         </c:ser>
         <c:ser>
           <c:idx val="2"/>
@@ -3253,40 +2602,40 @@
                 <c:formatCode>yyyy\-mm\-dd</c:formatCode>
                 <c:ptCount val="12"/>
                 <c:pt idx="0">
-                  <c:v>43647</c:v>
-                </c:pt>
-                <c:pt idx="1">
-                  <c:v>43678</c:v>
-                </c:pt>
-                <c:pt idx="2">
-                  <c:v>43709</c:v>
-                </c:pt>
-                <c:pt idx="3">
-                  <c:v>43739</c:v>
-                </c:pt>
-                <c:pt idx="4">
-                  <c:v>43770</c:v>
-                </c:pt>
-                <c:pt idx="5">
-                  <c:v>43800</c:v>
-                </c:pt>
-                <c:pt idx="6">
-                  <c:v>43831</c:v>
+                  <c:v>43647.0</c:v>
+                </c:pt>
+                <c:pt idx="1">
+                  <c:v>43678.0</c:v>
+                </c:pt>
+                <c:pt idx="2">
+                  <c:v>43709.0</c:v>
+                </c:pt>
+                <c:pt idx="3">
+                  <c:v>43739.0</c:v>
+                </c:pt>
+                <c:pt idx="4">
+                  <c:v>43770.0</c:v>
+                </c:pt>
+                <c:pt idx="5">
+                  <c:v>43800.0</c:v>
+                </c:pt>
+                <c:pt idx="6">
+                  <c:v>43831.0</c:v>
                 </c:pt>
                 <c:pt idx="7">
-                  <c:v>43862</c:v>
+                  <c:v>43862.0</c:v>
                 </c:pt>
                 <c:pt idx="8">
-                  <c:v>43891</c:v>
+                  <c:v>43891.0</c:v>
                 </c:pt>
                 <c:pt idx="9">
-                  <c:v>43922</c:v>
+                  <c:v>43922.0</c:v>
                 </c:pt>
                 <c:pt idx="10">
-                  <c:v>43952</c:v>
+                  <c:v>43952.0</c:v>
                 </c:pt>
                 <c:pt idx="11">
-                  <c:v>43983</c:v>
+                  <c:v>43983.0</c:v>
                 </c:pt>
               </c:numCache>
             </c:numRef>
@@ -3337,11 +2686,6 @@
             </c:numRef>
           </c:val>
           <c:smooth val="0"/>
-          <c:extLst>
-            <c:ext xmlns:c16="http://schemas.microsoft.com/office/drawing/2014/chart" uri="{C3380CC4-5D6E-409C-BE32-E72D297353CC}">
-              <c16:uniqueId val="{00000002-C934-4758-AD98-EDC23CF7CBB1}"/>
-            </c:ext>
-          </c:extLst>
         </c:ser>
         <c:ser>
           <c:idx val="3"/>
@@ -3367,40 +2711,40 @@
                 <c:formatCode>yyyy\-mm\-dd</c:formatCode>
                 <c:ptCount val="12"/>
                 <c:pt idx="0">
-                  <c:v>43647</c:v>
-                </c:pt>
-                <c:pt idx="1">
-                  <c:v>43678</c:v>
-                </c:pt>
-                <c:pt idx="2">
-                  <c:v>43709</c:v>
-                </c:pt>
-                <c:pt idx="3">
-                  <c:v>43739</c:v>
-                </c:pt>
-                <c:pt idx="4">
-                  <c:v>43770</c:v>
-                </c:pt>
-                <c:pt idx="5">
-                  <c:v>43800</c:v>
-                </c:pt>
-                <c:pt idx="6">
-                  <c:v>43831</c:v>
+                  <c:v>43647.0</c:v>
+                </c:pt>
+                <c:pt idx="1">
+                  <c:v>43678.0</c:v>
+                </c:pt>
+                <c:pt idx="2">
+                  <c:v>43709.0</c:v>
+                </c:pt>
+                <c:pt idx="3">
+                  <c:v>43739.0</c:v>
+                </c:pt>
+                <c:pt idx="4">
+                  <c:v>43770.0</c:v>
+                </c:pt>
+                <c:pt idx="5">
+                  <c:v>43800.0</c:v>
+                </c:pt>
+                <c:pt idx="6">
+                  <c:v>43831.0</c:v>
                 </c:pt>
                 <c:pt idx="7">
-                  <c:v>43862</c:v>
+                  <c:v>43862.0</c:v>
                 </c:pt>
                 <c:pt idx="8">
-                  <c:v>43891</c:v>
+                  <c:v>43891.0</c:v>
                 </c:pt>
                 <c:pt idx="9">
-                  <c:v>43922</c:v>
+                  <c:v>43922.0</c:v>
                 </c:pt>
                 <c:pt idx="10">
-                  <c:v>43952</c:v>
+                  <c:v>43952.0</c:v>
                 </c:pt>
                 <c:pt idx="11">
-                  <c:v>43983</c:v>
+                  <c:v>43983.0</c:v>
                 </c:pt>
               </c:numCache>
             </c:numRef>
@@ -3451,20 +2795,8 @@
             </c:numRef>
           </c:val>
           <c:smooth val="0"/>
-          <c:extLst>
-            <c:ext xmlns:c16="http://schemas.microsoft.com/office/drawing/2014/chart" uri="{C3380CC4-5D6E-409C-BE32-E72D297353CC}">
-              <c16:uniqueId val="{00000003-C934-4758-AD98-EDC23CF7CBB1}"/>
-            </c:ext>
-          </c:extLst>
         </c:ser>
-        <c:dLbls>
-          <c:showLegendKey val="0"/>
-          <c:showVal val="0"/>
-          <c:showCatName val="0"/>
-          <c:showSerName val="0"/>
-          <c:showPercent val="0"/>
-          <c:showBubbleSize val="0"/>
-        </c:dLbls>
+        <c:marker val="1"/>
         <c:smooth val="0"/>
         <c:axId val="2118791784"/>
         <c:axId val="2140495176"/>
@@ -3488,9 +2820,7 @@
       </c:dateAx>
       <c:valAx>
         <c:axId val="2140495176"/>
-        <c:scaling>
-          <c:orientation val="minMax"/>
-        </c:scaling>
+        <c:scaling/>
         <c:delete val="0"/>
         <c:axPos val="l"/>
         <c:majorGridlines/>
@@ -3506,19 +2836,19 @@
               </a:p>
             </c:rich>
           </c:tx>
+          <c:layout/>
           <c:overlay val="0"/>
         </c:title>
-        <c:numFmt formatCode="General" sourceLinked="1"/>
         <c:majorTickMark val="out"/>
         <c:minorTickMark val="none"/>
         <c:tickLblPos val="nextTo"/>
         <c:crossAx val="2118791784"/>
         <c:crosses val="autoZero"/>
-        <c:crossBetween val="between"/>
       </c:valAx>
     </c:plotArea>
     <c:legend>
       <c:legendPos val="r"/>
+      <c:layout/>
       <c:overlay val="0"/>
     </c:legend>
     <c:plotVisOnly val="1"/>
@@ -3542,11 +2872,8 @@
 </file>
 
 <file path=ppt/charts/chart14.xml><?xml version="1.0" encoding="utf-8"?>
-<c:chartSpace xmlns:c="http://schemas.openxmlformats.org/drawingml/2006/chart" xmlns:a="http://schemas.openxmlformats.org/drawingml/2006/main" xmlns:r="http://schemas.openxmlformats.org/officeDocument/2006/relationships" xmlns:c16r2="http://schemas.microsoft.com/office/drawing/2015/06/chart">
+<c:chartSpace xmlns:c="http://schemas.openxmlformats.org/drawingml/2006/chart" xmlns:a="http://schemas.openxmlformats.org/drawingml/2006/main" xmlns:r="http://schemas.openxmlformats.org/officeDocument/2006/relationships">
   <c:date1904 val="0"/>
-  <c:lang val="en-US"/>
-  <c:roundedCorners val="1"/>
-  <c:style val="2"/>
   <c:chart>
     <c:title>
       <c:tx>
@@ -3560,11 +2887,11 @@
           </a:p>
         </c:rich>
       </c:tx>
+      <c:layout/>
       <c:overlay val="0"/>
     </c:title>
     <c:autoTitleDeleted val="0"/>
     <c:plotArea>
-      <c:layout/>
       <c:lineChart>
         <c:grouping val="standard"/>
         <c:varyColors val="0"/>
@@ -3592,40 +2919,40 @@
                 <c:formatCode>yyyy\-mm\-dd</c:formatCode>
                 <c:ptCount val="12"/>
                 <c:pt idx="0">
-                  <c:v>43647</c:v>
-                </c:pt>
-                <c:pt idx="1">
-                  <c:v>43678</c:v>
-                </c:pt>
-                <c:pt idx="2">
-                  <c:v>43709</c:v>
-                </c:pt>
-                <c:pt idx="3">
-                  <c:v>43739</c:v>
-                </c:pt>
-                <c:pt idx="4">
-                  <c:v>43770</c:v>
-                </c:pt>
-                <c:pt idx="5">
-                  <c:v>43800</c:v>
-                </c:pt>
-                <c:pt idx="6">
-                  <c:v>43831</c:v>
+                  <c:v>43647.0</c:v>
+                </c:pt>
+                <c:pt idx="1">
+                  <c:v>43678.0</c:v>
+                </c:pt>
+                <c:pt idx="2">
+                  <c:v>43709.0</c:v>
+                </c:pt>
+                <c:pt idx="3">
+                  <c:v>43739.0</c:v>
+                </c:pt>
+                <c:pt idx="4">
+                  <c:v>43770.0</c:v>
+                </c:pt>
+                <c:pt idx="5">
+                  <c:v>43800.0</c:v>
+                </c:pt>
+                <c:pt idx="6">
+                  <c:v>43831.0</c:v>
                 </c:pt>
                 <c:pt idx="7">
-                  <c:v>43862</c:v>
+                  <c:v>43862.0</c:v>
                 </c:pt>
                 <c:pt idx="8">
-                  <c:v>43891</c:v>
+                  <c:v>43891.0</c:v>
                 </c:pt>
                 <c:pt idx="9">
-                  <c:v>43922</c:v>
+                  <c:v>43922.0</c:v>
                 </c:pt>
                 <c:pt idx="10">
-                  <c:v>43952</c:v>
+                  <c:v>43952.0</c:v>
                 </c:pt>
                 <c:pt idx="11">
-                  <c:v>43983</c:v>
+                  <c:v>43983.0</c:v>
                 </c:pt>
               </c:numCache>
             </c:numRef>
@@ -3676,11 +3003,6 @@
             </c:numRef>
           </c:val>
           <c:smooth val="0"/>
-          <c:extLst>
-            <c:ext xmlns:c16="http://schemas.microsoft.com/office/drawing/2014/chart" uri="{C3380CC4-5D6E-409C-BE32-E72D297353CC}">
-              <c16:uniqueId val="{00000000-D235-4139-8982-EAE9652CC6D1}"/>
-            </c:ext>
-          </c:extLst>
         </c:ser>
         <c:ser>
           <c:idx val="1"/>
@@ -3706,40 +3028,40 @@
                 <c:formatCode>yyyy\-mm\-dd</c:formatCode>
                 <c:ptCount val="12"/>
                 <c:pt idx="0">
-                  <c:v>43647</c:v>
-                </c:pt>
-                <c:pt idx="1">
-                  <c:v>43678</c:v>
-                </c:pt>
-                <c:pt idx="2">
-                  <c:v>43709</c:v>
-                </c:pt>
-                <c:pt idx="3">
-                  <c:v>43739</c:v>
-                </c:pt>
-                <c:pt idx="4">
-                  <c:v>43770</c:v>
-                </c:pt>
-                <c:pt idx="5">
-                  <c:v>43800</c:v>
-                </c:pt>
-                <c:pt idx="6">
-                  <c:v>43831</c:v>
+                  <c:v>43647.0</c:v>
+                </c:pt>
+                <c:pt idx="1">
+                  <c:v>43678.0</c:v>
+                </c:pt>
+                <c:pt idx="2">
+                  <c:v>43709.0</c:v>
+                </c:pt>
+                <c:pt idx="3">
+                  <c:v>43739.0</c:v>
+                </c:pt>
+                <c:pt idx="4">
+                  <c:v>43770.0</c:v>
+                </c:pt>
+                <c:pt idx="5">
+                  <c:v>43800.0</c:v>
+                </c:pt>
+                <c:pt idx="6">
+                  <c:v>43831.0</c:v>
                 </c:pt>
                 <c:pt idx="7">
-                  <c:v>43862</c:v>
+                  <c:v>43862.0</c:v>
                 </c:pt>
                 <c:pt idx="8">
-                  <c:v>43891</c:v>
+                  <c:v>43891.0</c:v>
                 </c:pt>
                 <c:pt idx="9">
-                  <c:v>43922</c:v>
+                  <c:v>43922.0</c:v>
                 </c:pt>
                 <c:pt idx="10">
-                  <c:v>43952</c:v>
+                  <c:v>43952.0</c:v>
                 </c:pt>
                 <c:pt idx="11">
-                  <c:v>43983</c:v>
+                  <c:v>43983.0</c:v>
                 </c:pt>
               </c:numCache>
             </c:numRef>
@@ -3790,11 +3112,6 @@
             </c:numRef>
           </c:val>
           <c:smooth val="0"/>
-          <c:extLst>
-            <c:ext xmlns:c16="http://schemas.microsoft.com/office/drawing/2014/chart" uri="{C3380CC4-5D6E-409C-BE32-E72D297353CC}">
-              <c16:uniqueId val="{00000001-D235-4139-8982-EAE9652CC6D1}"/>
-            </c:ext>
-          </c:extLst>
         </c:ser>
         <c:ser>
           <c:idx val="2"/>
@@ -3820,40 +3137,40 @@
                 <c:formatCode>yyyy\-mm\-dd</c:formatCode>
                 <c:ptCount val="12"/>
                 <c:pt idx="0">
-                  <c:v>43647</c:v>
-                </c:pt>
-                <c:pt idx="1">
-                  <c:v>43678</c:v>
-                </c:pt>
-                <c:pt idx="2">
-                  <c:v>43709</c:v>
-                </c:pt>
-                <c:pt idx="3">
-                  <c:v>43739</c:v>
-                </c:pt>
-                <c:pt idx="4">
-                  <c:v>43770</c:v>
-                </c:pt>
-                <c:pt idx="5">
-                  <c:v>43800</c:v>
-                </c:pt>
-                <c:pt idx="6">
-                  <c:v>43831</c:v>
+                  <c:v>43647.0</c:v>
+                </c:pt>
+                <c:pt idx="1">
+                  <c:v>43678.0</c:v>
+                </c:pt>
+                <c:pt idx="2">
+                  <c:v>43709.0</c:v>
+                </c:pt>
+                <c:pt idx="3">
+                  <c:v>43739.0</c:v>
+                </c:pt>
+                <c:pt idx="4">
+                  <c:v>43770.0</c:v>
+                </c:pt>
+                <c:pt idx="5">
+                  <c:v>43800.0</c:v>
+                </c:pt>
+                <c:pt idx="6">
+                  <c:v>43831.0</c:v>
                 </c:pt>
                 <c:pt idx="7">
-                  <c:v>43862</c:v>
+                  <c:v>43862.0</c:v>
                 </c:pt>
                 <c:pt idx="8">
-                  <c:v>43891</c:v>
+                  <c:v>43891.0</c:v>
                 </c:pt>
                 <c:pt idx="9">
-                  <c:v>43922</c:v>
+                  <c:v>43922.0</c:v>
                 </c:pt>
                 <c:pt idx="10">
-                  <c:v>43952</c:v>
+                  <c:v>43952.0</c:v>
                 </c:pt>
                 <c:pt idx="11">
-                  <c:v>43983</c:v>
+                  <c:v>43983.0</c:v>
                 </c:pt>
               </c:numCache>
             </c:numRef>
@@ -3904,11 +3221,6 @@
             </c:numRef>
           </c:val>
           <c:smooth val="0"/>
-          <c:extLst>
-            <c:ext xmlns:c16="http://schemas.microsoft.com/office/drawing/2014/chart" uri="{C3380CC4-5D6E-409C-BE32-E72D297353CC}">
-              <c16:uniqueId val="{00000002-D235-4139-8982-EAE9652CC6D1}"/>
-            </c:ext>
-          </c:extLst>
         </c:ser>
         <c:ser>
           <c:idx val="3"/>
@@ -3934,40 +3246,40 @@
                 <c:formatCode>yyyy\-mm\-dd</c:formatCode>
                 <c:ptCount val="12"/>
                 <c:pt idx="0">
-                  <c:v>43647</c:v>
-                </c:pt>
-                <c:pt idx="1">
-                  <c:v>43678</c:v>
-                </c:pt>
-                <c:pt idx="2">
-                  <c:v>43709</c:v>
-                </c:pt>
-                <c:pt idx="3">
-                  <c:v>43739</c:v>
-                </c:pt>
-                <c:pt idx="4">
-                  <c:v>43770</c:v>
-                </c:pt>
-                <c:pt idx="5">
-                  <c:v>43800</c:v>
-                </c:pt>
-                <c:pt idx="6">
-                  <c:v>43831</c:v>
+                  <c:v>43647.0</c:v>
+                </c:pt>
+                <c:pt idx="1">
+                  <c:v>43678.0</c:v>
+                </c:pt>
+                <c:pt idx="2">
+                  <c:v>43709.0</c:v>
+                </c:pt>
+                <c:pt idx="3">
+                  <c:v>43739.0</c:v>
+                </c:pt>
+                <c:pt idx="4">
+                  <c:v>43770.0</c:v>
+                </c:pt>
+                <c:pt idx="5">
+                  <c:v>43800.0</c:v>
+                </c:pt>
+                <c:pt idx="6">
+                  <c:v>43831.0</c:v>
                 </c:pt>
                 <c:pt idx="7">
-                  <c:v>43862</c:v>
+                  <c:v>43862.0</c:v>
                 </c:pt>
                 <c:pt idx="8">
-                  <c:v>43891</c:v>
+                  <c:v>43891.0</c:v>
                 </c:pt>
                 <c:pt idx="9">
-                  <c:v>43922</c:v>
+                  <c:v>43922.0</c:v>
                 </c:pt>
                 <c:pt idx="10">
-                  <c:v>43952</c:v>
+                  <c:v>43952.0</c:v>
                 </c:pt>
                 <c:pt idx="11">
-                  <c:v>43983</c:v>
+                  <c:v>43983.0</c:v>
                 </c:pt>
               </c:numCache>
             </c:numRef>
@@ -4018,20 +3330,8 @@
             </c:numRef>
           </c:val>
           <c:smooth val="0"/>
-          <c:extLst>
-            <c:ext xmlns:c16="http://schemas.microsoft.com/office/drawing/2014/chart" uri="{C3380CC4-5D6E-409C-BE32-E72D297353CC}">
-              <c16:uniqueId val="{00000003-D235-4139-8982-EAE9652CC6D1}"/>
-            </c:ext>
-          </c:extLst>
         </c:ser>
-        <c:dLbls>
-          <c:showLegendKey val="0"/>
-          <c:showVal val="0"/>
-          <c:showCatName val="0"/>
-          <c:showSerName val="0"/>
-          <c:showPercent val="0"/>
-          <c:showBubbleSize val="0"/>
-        </c:dLbls>
+        <c:marker val="1"/>
         <c:smooth val="0"/>
         <c:axId val="2118791784"/>
         <c:axId val="2140495176"/>
@@ -4055,9 +3355,7 @@
       </c:dateAx>
       <c:valAx>
         <c:axId val="2140495176"/>
-        <c:scaling>
-          <c:orientation val="minMax"/>
-        </c:scaling>
+        <c:scaling/>
         <c:delete val="0"/>
         <c:axPos val="l"/>
         <c:majorGridlines/>
@@ -4073,19 +3371,19 @@
               </a:p>
             </c:rich>
           </c:tx>
+          <c:layout/>
           <c:overlay val="0"/>
         </c:title>
-        <c:numFmt formatCode="General" sourceLinked="1"/>
         <c:majorTickMark val="out"/>
         <c:minorTickMark val="none"/>
         <c:tickLblPos val="nextTo"/>
         <c:crossAx val="2118791784"/>
         <c:crosses val="autoZero"/>
-        <c:crossBetween val="between"/>
       </c:valAx>
     </c:plotArea>
     <c:legend>
       <c:legendPos val="r"/>
+      <c:layout/>
       <c:overlay val="0"/>
     </c:legend>
     <c:plotVisOnly val="1"/>
@@ -4109,11 +3407,8 @@
 </file>
 
 <file path=ppt/charts/chart15.xml><?xml version="1.0" encoding="utf-8"?>
-<c:chartSpace xmlns:c="http://schemas.openxmlformats.org/drawingml/2006/chart" xmlns:a="http://schemas.openxmlformats.org/drawingml/2006/main" xmlns:r="http://schemas.openxmlformats.org/officeDocument/2006/relationships" xmlns:c16r2="http://schemas.microsoft.com/office/drawing/2015/06/chart">
+<c:chartSpace xmlns:c="http://schemas.openxmlformats.org/drawingml/2006/chart" xmlns:a="http://schemas.openxmlformats.org/drawingml/2006/main" xmlns:r="http://schemas.openxmlformats.org/officeDocument/2006/relationships">
   <c:date1904 val="0"/>
-  <c:lang val="en-US"/>
-  <c:roundedCorners val="1"/>
-  <c:style val="2"/>
   <c:chart>
     <c:title>
       <c:tx>
@@ -4127,11 +3422,11 @@
           </a:p>
         </c:rich>
       </c:tx>
+      <c:layout/>
       <c:overlay val="0"/>
     </c:title>
     <c:autoTitleDeleted val="0"/>
     <c:plotArea>
-      <c:layout/>
       <c:lineChart>
         <c:grouping val="standard"/>
         <c:varyColors val="0"/>
@@ -4159,40 +3454,40 @@
                 <c:formatCode>yyyy\-mm\-dd</c:formatCode>
                 <c:ptCount val="12"/>
                 <c:pt idx="0">
-                  <c:v>43647</c:v>
-                </c:pt>
-                <c:pt idx="1">
-                  <c:v>43678</c:v>
-                </c:pt>
-                <c:pt idx="2">
-                  <c:v>43709</c:v>
-                </c:pt>
-                <c:pt idx="3">
-                  <c:v>43739</c:v>
-                </c:pt>
-                <c:pt idx="4">
-                  <c:v>43770</c:v>
-                </c:pt>
-                <c:pt idx="5">
-                  <c:v>43800</c:v>
-                </c:pt>
-                <c:pt idx="6">
-                  <c:v>43831</c:v>
+                  <c:v>43647.0</c:v>
+                </c:pt>
+                <c:pt idx="1">
+                  <c:v>43678.0</c:v>
+                </c:pt>
+                <c:pt idx="2">
+                  <c:v>43709.0</c:v>
+                </c:pt>
+                <c:pt idx="3">
+                  <c:v>43739.0</c:v>
+                </c:pt>
+                <c:pt idx="4">
+                  <c:v>43770.0</c:v>
+                </c:pt>
+                <c:pt idx="5">
+                  <c:v>43800.0</c:v>
+                </c:pt>
+                <c:pt idx="6">
+                  <c:v>43831.0</c:v>
                 </c:pt>
                 <c:pt idx="7">
-                  <c:v>43862</c:v>
+                  <c:v>43862.0</c:v>
                 </c:pt>
                 <c:pt idx="8">
-                  <c:v>43891</c:v>
+                  <c:v>43891.0</c:v>
                 </c:pt>
                 <c:pt idx="9">
-                  <c:v>43922</c:v>
+                  <c:v>43922.0</c:v>
                 </c:pt>
                 <c:pt idx="10">
-                  <c:v>43952</c:v>
+                  <c:v>43952.0</c:v>
                 </c:pt>
                 <c:pt idx="11">
-                  <c:v>43983</c:v>
+                  <c:v>43983.0</c:v>
                 </c:pt>
               </c:numCache>
             </c:numRef>
@@ -4243,11 +3538,6 @@
             </c:numRef>
           </c:val>
           <c:smooth val="0"/>
-          <c:extLst>
-            <c:ext xmlns:c16="http://schemas.microsoft.com/office/drawing/2014/chart" uri="{C3380CC4-5D6E-409C-BE32-E72D297353CC}">
-              <c16:uniqueId val="{00000000-86E8-4471-83D3-55838D5D734D}"/>
-            </c:ext>
-          </c:extLst>
         </c:ser>
         <c:ser>
           <c:idx val="1"/>
@@ -4273,40 +3563,40 @@
                 <c:formatCode>yyyy\-mm\-dd</c:formatCode>
                 <c:ptCount val="12"/>
                 <c:pt idx="0">
-                  <c:v>43647</c:v>
-                </c:pt>
-                <c:pt idx="1">
-                  <c:v>43678</c:v>
-                </c:pt>
-                <c:pt idx="2">
-                  <c:v>43709</c:v>
-                </c:pt>
-                <c:pt idx="3">
-                  <c:v>43739</c:v>
-                </c:pt>
-                <c:pt idx="4">
-                  <c:v>43770</c:v>
-                </c:pt>
-                <c:pt idx="5">
-                  <c:v>43800</c:v>
-                </c:pt>
-                <c:pt idx="6">
-                  <c:v>43831</c:v>
+                  <c:v>43647.0</c:v>
+                </c:pt>
+                <c:pt idx="1">
+                  <c:v>43678.0</c:v>
+                </c:pt>
+                <c:pt idx="2">
+                  <c:v>43709.0</c:v>
+                </c:pt>
+                <c:pt idx="3">
+                  <c:v>43739.0</c:v>
+                </c:pt>
+                <c:pt idx="4">
+                  <c:v>43770.0</c:v>
+                </c:pt>
+                <c:pt idx="5">
+                  <c:v>43800.0</c:v>
+                </c:pt>
+                <c:pt idx="6">
+                  <c:v>43831.0</c:v>
                 </c:pt>
                 <c:pt idx="7">
-                  <c:v>43862</c:v>
+                  <c:v>43862.0</c:v>
                 </c:pt>
                 <c:pt idx="8">
-                  <c:v>43891</c:v>
+                  <c:v>43891.0</c:v>
                 </c:pt>
                 <c:pt idx="9">
-                  <c:v>43922</c:v>
+                  <c:v>43922.0</c:v>
                 </c:pt>
                 <c:pt idx="10">
-                  <c:v>43952</c:v>
+                  <c:v>43952.0</c:v>
                 </c:pt>
                 <c:pt idx="11">
-                  <c:v>43983</c:v>
+                  <c:v>43983.0</c:v>
                 </c:pt>
               </c:numCache>
             </c:numRef>
@@ -4357,11 +3647,6 @@
             </c:numRef>
           </c:val>
           <c:smooth val="0"/>
-          <c:extLst>
-            <c:ext xmlns:c16="http://schemas.microsoft.com/office/drawing/2014/chart" uri="{C3380CC4-5D6E-409C-BE32-E72D297353CC}">
-              <c16:uniqueId val="{00000001-86E8-4471-83D3-55838D5D734D}"/>
-            </c:ext>
-          </c:extLst>
         </c:ser>
         <c:ser>
           <c:idx val="2"/>
@@ -4387,40 +3672,40 @@
                 <c:formatCode>yyyy\-mm\-dd</c:formatCode>
                 <c:ptCount val="12"/>
                 <c:pt idx="0">
-                  <c:v>43647</c:v>
-                </c:pt>
-                <c:pt idx="1">
-                  <c:v>43678</c:v>
-                </c:pt>
-                <c:pt idx="2">
-                  <c:v>43709</c:v>
-                </c:pt>
-                <c:pt idx="3">
-                  <c:v>43739</c:v>
-                </c:pt>
-                <c:pt idx="4">
-                  <c:v>43770</c:v>
-                </c:pt>
-                <c:pt idx="5">
-                  <c:v>43800</c:v>
-                </c:pt>
-                <c:pt idx="6">
-                  <c:v>43831</c:v>
+                  <c:v>43647.0</c:v>
+                </c:pt>
+                <c:pt idx="1">
+                  <c:v>43678.0</c:v>
+                </c:pt>
+                <c:pt idx="2">
+                  <c:v>43709.0</c:v>
+                </c:pt>
+                <c:pt idx="3">
+                  <c:v>43739.0</c:v>
+                </c:pt>
+                <c:pt idx="4">
+                  <c:v>43770.0</c:v>
+                </c:pt>
+                <c:pt idx="5">
+                  <c:v>43800.0</c:v>
+                </c:pt>
+                <c:pt idx="6">
+                  <c:v>43831.0</c:v>
                 </c:pt>
                 <c:pt idx="7">
-                  <c:v>43862</c:v>
+                  <c:v>43862.0</c:v>
                 </c:pt>
                 <c:pt idx="8">
-                  <c:v>43891</c:v>
+                  <c:v>43891.0</c:v>
                 </c:pt>
                 <c:pt idx="9">
-                  <c:v>43922</c:v>
+                  <c:v>43922.0</c:v>
                 </c:pt>
                 <c:pt idx="10">
-                  <c:v>43952</c:v>
+                  <c:v>43952.0</c:v>
                 </c:pt>
                 <c:pt idx="11">
-                  <c:v>43983</c:v>
+                  <c:v>43983.0</c:v>
                 </c:pt>
               </c:numCache>
             </c:numRef>
@@ -4471,11 +3756,6 @@
             </c:numRef>
           </c:val>
           <c:smooth val="0"/>
-          <c:extLst>
-            <c:ext xmlns:c16="http://schemas.microsoft.com/office/drawing/2014/chart" uri="{C3380CC4-5D6E-409C-BE32-E72D297353CC}">
-              <c16:uniqueId val="{00000002-86E8-4471-83D3-55838D5D734D}"/>
-            </c:ext>
-          </c:extLst>
         </c:ser>
         <c:ser>
           <c:idx val="3"/>
@@ -4501,40 +3781,40 @@
                 <c:formatCode>yyyy\-mm\-dd</c:formatCode>
                 <c:ptCount val="12"/>
                 <c:pt idx="0">
-                  <c:v>43647</c:v>
-                </c:pt>
-                <c:pt idx="1">
-                  <c:v>43678</c:v>
-                </c:pt>
-                <c:pt idx="2">
-                  <c:v>43709</c:v>
-                </c:pt>
-                <c:pt idx="3">
-                  <c:v>43739</c:v>
-                </c:pt>
-                <c:pt idx="4">
-                  <c:v>43770</c:v>
-                </c:pt>
-                <c:pt idx="5">
-                  <c:v>43800</c:v>
-                </c:pt>
-                <c:pt idx="6">
-                  <c:v>43831</c:v>
+                  <c:v>43647.0</c:v>
+                </c:pt>
+                <c:pt idx="1">
+                  <c:v>43678.0</c:v>
+                </c:pt>
+                <c:pt idx="2">
+                  <c:v>43709.0</c:v>
+                </c:pt>
+                <c:pt idx="3">
+                  <c:v>43739.0</c:v>
+                </c:pt>
+                <c:pt idx="4">
+                  <c:v>43770.0</c:v>
+                </c:pt>
+                <c:pt idx="5">
+                  <c:v>43800.0</c:v>
+                </c:pt>
+                <c:pt idx="6">
+                  <c:v>43831.0</c:v>
                 </c:pt>
                 <c:pt idx="7">
-                  <c:v>43862</c:v>
+                  <c:v>43862.0</c:v>
                 </c:pt>
                 <c:pt idx="8">
-                  <c:v>43891</c:v>
+                  <c:v>43891.0</c:v>
                 </c:pt>
                 <c:pt idx="9">
-                  <c:v>43922</c:v>
+                  <c:v>43922.0</c:v>
                 </c:pt>
                 <c:pt idx="10">
-                  <c:v>43952</c:v>
+                  <c:v>43952.0</c:v>
                 </c:pt>
                 <c:pt idx="11">
-                  <c:v>43983</c:v>
+                  <c:v>43983.0</c:v>
                 </c:pt>
               </c:numCache>
             </c:numRef>
@@ -4585,20 +3865,8 @@
             </c:numRef>
           </c:val>
           <c:smooth val="0"/>
-          <c:extLst>
-            <c:ext xmlns:c16="http://schemas.microsoft.com/office/drawing/2014/chart" uri="{C3380CC4-5D6E-409C-BE32-E72D297353CC}">
-              <c16:uniqueId val="{00000003-86E8-4471-83D3-55838D5D734D}"/>
-            </c:ext>
-          </c:extLst>
         </c:ser>
-        <c:dLbls>
-          <c:showLegendKey val="0"/>
-          <c:showVal val="0"/>
-          <c:showCatName val="0"/>
-          <c:showSerName val="0"/>
-          <c:showPercent val="0"/>
-          <c:showBubbleSize val="0"/>
-        </c:dLbls>
+        <c:marker val="1"/>
         <c:smooth val="0"/>
         <c:axId val="2118791784"/>
         <c:axId val="2140495176"/>
@@ -4622,9 +3890,7 @@
       </c:dateAx>
       <c:valAx>
         <c:axId val="2140495176"/>
-        <c:scaling>
-          <c:orientation val="minMax"/>
-        </c:scaling>
+        <c:scaling/>
         <c:delete val="0"/>
         <c:axPos val="l"/>
         <c:majorGridlines/>
@@ -4640,19 +3906,19 @@
               </a:p>
             </c:rich>
           </c:tx>
+          <c:layout/>
           <c:overlay val="0"/>
         </c:title>
-        <c:numFmt formatCode="General" sourceLinked="1"/>
         <c:majorTickMark val="out"/>
         <c:minorTickMark val="none"/>
         <c:tickLblPos val="nextTo"/>
         <c:crossAx val="2118791784"/>
         <c:crosses val="autoZero"/>
-        <c:crossBetween val="between"/>
       </c:valAx>
     </c:plotArea>
     <c:legend>
       <c:legendPos val="r"/>
+      <c:layout/>
       <c:overlay val="0"/>
     </c:legend>
     <c:plotVisOnly val="1"/>
@@ -4676,11 +3942,8 @@
 </file>
 
 <file path=ppt/charts/chart16.xml><?xml version="1.0" encoding="utf-8"?>
-<c:chartSpace xmlns:c="http://schemas.openxmlformats.org/drawingml/2006/chart" xmlns:a="http://schemas.openxmlformats.org/drawingml/2006/main" xmlns:r="http://schemas.openxmlformats.org/officeDocument/2006/relationships" xmlns:c16r2="http://schemas.microsoft.com/office/drawing/2015/06/chart">
+<c:chartSpace xmlns:c="http://schemas.openxmlformats.org/drawingml/2006/chart" xmlns:a="http://schemas.openxmlformats.org/drawingml/2006/main" xmlns:r="http://schemas.openxmlformats.org/officeDocument/2006/relationships">
   <c:date1904 val="0"/>
-  <c:lang val="en-US"/>
-  <c:roundedCorners val="1"/>
-  <c:style val="2"/>
   <c:chart>
     <c:title>
       <c:tx>
@@ -4694,11 +3957,11 @@
           </a:p>
         </c:rich>
       </c:tx>
+      <c:layout/>
       <c:overlay val="0"/>
     </c:title>
     <c:autoTitleDeleted val="0"/>
     <c:plotArea>
-      <c:layout/>
       <c:lineChart>
         <c:grouping val="standard"/>
         <c:varyColors val="0"/>
@@ -4726,40 +3989,40 @@
                 <c:formatCode>yyyy\-mm\-dd</c:formatCode>
                 <c:ptCount val="12"/>
                 <c:pt idx="0">
-                  <c:v>43647</c:v>
-                </c:pt>
-                <c:pt idx="1">
-                  <c:v>43678</c:v>
-                </c:pt>
-                <c:pt idx="2">
-                  <c:v>43709</c:v>
-                </c:pt>
-                <c:pt idx="3">
-                  <c:v>43739</c:v>
-                </c:pt>
-                <c:pt idx="4">
-                  <c:v>43770</c:v>
-                </c:pt>
-                <c:pt idx="5">
-                  <c:v>43800</c:v>
-                </c:pt>
-                <c:pt idx="6">
-                  <c:v>43831</c:v>
+                  <c:v>43647.0</c:v>
+                </c:pt>
+                <c:pt idx="1">
+                  <c:v>43678.0</c:v>
+                </c:pt>
+                <c:pt idx="2">
+                  <c:v>43709.0</c:v>
+                </c:pt>
+                <c:pt idx="3">
+                  <c:v>43739.0</c:v>
+                </c:pt>
+                <c:pt idx="4">
+                  <c:v>43770.0</c:v>
+                </c:pt>
+                <c:pt idx="5">
+                  <c:v>43800.0</c:v>
+                </c:pt>
+                <c:pt idx="6">
+                  <c:v>43831.0</c:v>
                 </c:pt>
                 <c:pt idx="7">
-                  <c:v>43862</c:v>
+                  <c:v>43862.0</c:v>
                 </c:pt>
                 <c:pt idx="8">
-                  <c:v>43891</c:v>
+                  <c:v>43891.0</c:v>
                 </c:pt>
                 <c:pt idx="9">
-                  <c:v>43922</c:v>
+                  <c:v>43922.0</c:v>
                 </c:pt>
                 <c:pt idx="10">
-                  <c:v>43952</c:v>
+                  <c:v>43952.0</c:v>
                 </c:pt>
                 <c:pt idx="11">
-                  <c:v>43983</c:v>
+                  <c:v>43983.0</c:v>
                 </c:pt>
               </c:numCache>
             </c:numRef>
@@ -4810,11 +4073,6 @@
             </c:numRef>
           </c:val>
           <c:smooth val="0"/>
-          <c:extLst>
-            <c:ext xmlns:c16="http://schemas.microsoft.com/office/drawing/2014/chart" uri="{C3380CC4-5D6E-409C-BE32-E72D297353CC}">
-              <c16:uniqueId val="{00000000-8270-4E29-9EBE-D0E864FA1B94}"/>
-            </c:ext>
-          </c:extLst>
         </c:ser>
         <c:ser>
           <c:idx val="1"/>
@@ -4840,40 +4098,40 @@
                 <c:formatCode>yyyy\-mm\-dd</c:formatCode>
                 <c:ptCount val="12"/>
                 <c:pt idx="0">
-                  <c:v>43647</c:v>
-                </c:pt>
-                <c:pt idx="1">
-                  <c:v>43678</c:v>
-                </c:pt>
-                <c:pt idx="2">
-                  <c:v>43709</c:v>
-                </c:pt>
-                <c:pt idx="3">
-                  <c:v>43739</c:v>
-                </c:pt>
-                <c:pt idx="4">
-                  <c:v>43770</c:v>
-                </c:pt>
-                <c:pt idx="5">
-                  <c:v>43800</c:v>
-                </c:pt>
-                <c:pt idx="6">
-                  <c:v>43831</c:v>
+                  <c:v>43647.0</c:v>
+                </c:pt>
+                <c:pt idx="1">
+                  <c:v>43678.0</c:v>
+                </c:pt>
+                <c:pt idx="2">
+                  <c:v>43709.0</c:v>
+                </c:pt>
+                <c:pt idx="3">
+                  <c:v>43739.0</c:v>
+                </c:pt>
+                <c:pt idx="4">
+                  <c:v>43770.0</c:v>
+                </c:pt>
+                <c:pt idx="5">
+                  <c:v>43800.0</c:v>
+                </c:pt>
+                <c:pt idx="6">
+                  <c:v>43831.0</c:v>
                 </c:pt>
                 <c:pt idx="7">
-                  <c:v>43862</c:v>
+                  <c:v>43862.0</c:v>
                 </c:pt>
                 <c:pt idx="8">
-                  <c:v>43891</c:v>
+                  <c:v>43891.0</c:v>
                 </c:pt>
                 <c:pt idx="9">
-                  <c:v>43922</c:v>
+                  <c:v>43922.0</c:v>
                 </c:pt>
                 <c:pt idx="10">
-                  <c:v>43952</c:v>
+                  <c:v>43952.0</c:v>
                 </c:pt>
                 <c:pt idx="11">
-                  <c:v>43983</c:v>
+                  <c:v>43983.0</c:v>
                 </c:pt>
               </c:numCache>
             </c:numRef>
@@ -4924,11 +4182,6 @@
             </c:numRef>
           </c:val>
           <c:smooth val="0"/>
-          <c:extLst>
-            <c:ext xmlns:c16="http://schemas.microsoft.com/office/drawing/2014/chart" uri="{C3380CC4-5D6E-409C-BE32-E72D297353CC}">
-              <c16:uniqueId val="{00000001-8270-4E29-9EBE-D0E864FA1B94}"/>
-            </c:ext>
-          </c:extLst>
         </c:ser>
         <c:ser>
           <c:idx val="2"/>
@@ -4954,40 +4207,40 @@
                 <c:formatCode>yyyy\-mm\-dd</c:formatCode>
                 <c:ptCount val="12"/>
                 <c:pt idx="0">
-                  <c:v>43647</c:v>
-                </c:pt>
-                <c:pt idx="1">
-                  <c:v>43678</c:v>
-                </c:pt>
-                <c:pt idx="2">
-                  <c:v>43709</c:v>
-                </c:pt>
-                <c:pt idx="3">
-                  <c:v>43739</c:v>
-                </c:pt>
-                <c:pt idx="4">
-                  <c:v>43770</c:v>
-                </c:pt>
-                <c:pt idx="5">
-                  <c:v>43800</c:v>
-                </c:pt>
-                <c:pt idx="6">
-                  <c:v>43831</c:v>
+                  <c:v>43647.0</c:v>
+                </c:pt>
+                <c:pt idx="1">
+                  <c:v>43678.0</c:v>
+                </c:pt>
+                <c:pt idx="2">
+                  <c:v>43709.0</c:v>
+                </c:pt>
+                <c:pt idx="3">
+                  <c:v>43739.0</c:v>
+                </c:pt>
+                <c:pt idx="4">
+                  <c:v>43770.0</c:v>
+                </c:pt>
+                <c:pt idx="5">
+                  <c:v>43800.0</c:v>
+                </c:pt>
+                <c:pt idx="6">
+                  <c:v>43831.0</c:v>
                 </c:pt>
                 <c:pt idx="7">
-                  <c:v>43862</c:v>
+                  <c:v>43862.0</c:v>
                 </c:pt>
                 <c:pt idx="8">
-                  <c:v>43891</c:v>
+                  <c:v>43891.0</c:v>
                 </c:pt>
                 <c:pt idx="9">
-                  <c:v>43922</c:v>
+                  <c:v>43922.0</c:v>
                 </c:pt>
                 <c:pt idx="10">
-                  <c:v>43952</c:v>
+                  <c:v>43952.0</c:v>
                 </c:pt>
                 <c:pt idx="11">
-                  <c:v>43983</c:v>
+                  <c:v>43983.0</c:v>
                 </c:pt>
               </c:numCache>
             </c:numRef>
@@ -5038,11 +4291,6 @@
             </c:numRef>
           </c:val>
           <c:smooth val="0"/>
-          <c:extLst>
-            <c:ext xmlns:c16="http://schemas.microsoft.com/office/drawing/2014/chart" uri="{C3380CC4-5D6E-409C-BE32-E72D297353CC}">
-              <c16:uniqueId val="{00000002-8270-4E29-9EBE-D0E864FA1B94}"/>
-            </c:ext>
-          </c:extLst>
         </c:ser>
         <c:ser>
           <c:idx val="3"/>
@@ -5068,40 +4316,40 @@
                 <c:formatCode>yyyy\-mm\-dd</c:formatCode>
                 <c:ptCount val="12"/>
                 <c:pt idx="0">
-                  <c:v>43647</c:v>
-                </c:pt>
-                <c:pt idx="1">
-                  <c:v>43678</c:v>
-                </c:pt>
-                <c:pt idx="2">
-                  <c:v>43709</c:v>
-                </c:pt>
-                <c:pt idx="3">
-                  <c:v>43739</c:v>
-                </c:pt>
-                <c:pt idx="4">
-                  <c:v>43770</c:v>
-                </c:pt>
-                <c:pt idx="5">
-                  <c:v>43800</c:v>
-                </c:pt>
-                <c:pt idx="6">
-                  <c:v>43831</c:v>
+                  <c:v>43647.0</c:v>
+                </c:pt>
+                <c:pt idx="1">
+                  <c:v>43678.0</c:v>
+                </c:pt>
+                <c:pt idx="2">
+                  <c:v>43709.0</c:v>
+                </c:pt>
+                <c:pt idx="3">
+                  <c:v>43739.0</c:v>
+                </c:pt>
+                <c:pt idx="4">
+                  <c:v>43770.0</c:v>
+                </c:pt>
+                <c:pt idx="5">
+                  <c:v>43800.0</c:v>
+                </c:pt>
+                <c:pt idx="6">
+                  <c:v>43831.0</c:v>
                 </c:pt>
                 <c:pt idx="7">
-                  <c:v>43862</c:v>
+                  <c:v>43862.0</c:v>
                 </c:pt>
                 <c:pt idx="8">
-                  <c:v>43891</c:v>
+                  <c:v>43891.0</c:v>
                 </c:pt>
                 <c:pt idx="9">
-                  <c:v>43922</c:v>
+                  <c:v>43922.0</c:v>
                 </c:pt>
                 <c:pt idx="10">
-                  <c:v>43952</c:v>
+                  <c:v>43952.0</c:v>
                 </c:pt>
                 <c:pt idx="11">
-                  <c:v>43983</c:v>
+                  <c:v>43983.0</c:v>
                 </c:pt>
               </c:numCache>
             </c:numRef>
@@ -5152,20 +4400,8 @@
             </c:numRef>
           </c:val>
           <c:smooth val="0"/>
-          <c:extLst>
-            <c:ext xmlns:c16="http://schemas.microsoft.com/office/drawing/2014/chart" uri="{C3380CC4-5D6E-409C-BE32-E72D297353CC}">
-              <c16:uniqueId val="{00000003-8270-4E29-9EBE-D0E864FA1B94}"/>
-            </c:ext>
-          </c:extLst>
         </c:ser>
-        <c:dLbls>
-          <c:showLegendKey val="0"/>
-          <c:showVal val="0"/>
-          <c:showCatName val="0"/>
-          <c:showSerName val="0"/>
-          <c:showPercent val="0"/>
-          <c:showBubbleSize val="0"/>
-        </c:dLbls>
+        <c:marker val="1"/>
         <c:smooth val="0"/>
         <c:axId val="2118791784"/>
         <c:axId val="2140495176"/>
@@ -5189,9 +4425,7 @@
       </c:dateAx>
       <c:valAx>
         <c:axId val="2140495176"/>
-        <c:scaling>
-          <c:orientation val="minMax"/>
-        </c:scaling>
+        <c:scaling/>
         <c:delete val="0"/>
         <c:axPos val="l"/>
         <c:majorGridlines/>
@@ -5207,19 +4441,19 @@
               </a:p>
             </c:rich>
           </c:tx>
+          <c:layout/>
           <c:overlay val="0"/>
         </c:title>
-        <c:numFmt formatCode="General" sourceLinked="1"/>
         <c:majorTickMark val="out"/>
         <c:minorTickMark val="none"/>
         <c:tickLblPos val="nextTo"/>
         <c:crossAx val="2118791784"/>
         <c:crosses val="autoZero"/>
-        <c:crossBetween val="between"/>
       </c:valAx>
     </c:plotArea>
     <c:legend>
       <c:legendPos val="r"/>
+      <c:layout/>
       <c:overlay val="0"/>
     </c:legend>
     <c:plotVisOnly val="1"/>
@@ -5243,11 +4477,8 @@
 </file>
 
 <file path=ppt/charts/chart17.xml><?xml version="1.0" encoding="utf-8"?>
-<c:chartSpace xmlns:c="http://schemas.openxmlformats.org/drawingml/2006/chart" xmlns:a="http://schemas.openxmlformats.org/drawingml/2006/main" xmlns:r="http://schemas.openxmlformats.org/officeDocument/2006/relationships" xmlns:c16r2="http://schemas.microsoft.com/office/drawing/2015/06/chart">
+<c:chartSpace xmlns:c="http://schemas.openxmlformats.org/drawingml/2006/chart" xmlns:a="http://schemas.openxmlformats.org/drawingml/2006/main" xmlns:r="http://schemas.openxmlformats.org/officeDocument/2006/relationships">
   <c:date1904 val="0"/>
-  <c:lang val="en-US"/>
-  <c:roundedCorners val="1"/>
-  <c:style val="2"/>
   <c:chart>
     <c:title>
       <c:tx>
@@ -5261,11 +4492,11 @@
           </a:p>
         </c:rich>
       </c:tx>
+      <c:layout/>
       <c:overlay val="0"/>
     </c:title>
     <c:autoTitleDeleted val="0"/>
     <c:plotArea>
-      <c:layout/>
       <c:lineChart>
         <c:grouping val="standard"/>
         <c:varyColors val="0"/>
@@ -5293,25 +4524,25 @@
                 <c:formatCode>yyyy\-mm\-dd</c:formatCode>
                 <c:ptCount val="7"/>
                 <c:pt idx="0">
-                  <c:v>43800</c:v>
-                </c:pt>
-                <c:pt idx="1">
-                  <c:v>43831</c:v>
-                </c:pt>
-                <c:pt idx="2">
-                  <c:v>43862</c:v>
-                </c:pt>
-                <c:pt idx="3">
-                  <c:v>43891</c:v>
-                </c:pt>
-                <c:pt idx="4">
-                  <c:v>43922</c:v>
-                </c:pt>
-                <c:pt idx="5">
-                  <c:v>43952</c:v>
-                </c:pt>
-                <c:pt idx="6">
-                  <c:v>43983</c:v>
+                  <c:v>43800.0</c:v>
+                </c:pt>
+                <c:pt idx="1">
+                  <c:v>43831.0</c:v>
+                </c:pt>
+                <c:pt idx="2">
+                  <c:v>43862.0</c:v>
+                </c:pt>
+                <c:pt idx="3">
+                  <c:v>43891.0</c:v>
+                </c:pt>
+                <c:pt idx="4">
+                  <c:v>43922.0</c:v>
+                </c:pt>
+                <c:pt idx="5">
+                  <c:v>43952.0</c:v>
+                </c:pt>
+                <c:pt idx="6">
+                  <c:v>43983.0</c:v>
                 </c:pt>
               </c:numCache>
             </c:numRef>
@@ -5347,20 +4578,8 @@
             </c:numRef>
           </c:val>
           <c:smooth val="0"/>
-          <c:extLst>
-            <c:ext xmlns:c16="http://schemas.microsoft.com/office/drawing/2014/chart" uri="{C3380CC4-5D6E-409C-BE32-E72D297353CC}">
-              <c16:uniqueId val="{00000000-63AA-4CE0-9F9D-4D3A41432BB1}"/>
-            </c:ext>
-          </c:extLst>
         </c:ser>
-        <c:dLbls>
-          <c:showLegendKey val="0"/>
-          <c:showVal val="0"/>
-          <c:showCatName val="0"/>
-          <c:showSerName val="0"/>
-          <c:showPercent val="0"/>
-          <c:showBubbleSize val="0"/>
-        </c:dLbls>
+        <c:marker val="1"/>
         <c:smooth val="0"/>
         <c:axId val="2118791784"/>
         <c:axId val="2140495176"/>
@@ -5384,9 +4603,7 @@
       </c:dateAx>
       <c:valAx>
         <c:axId val="2140495176"/>
-        <c:scaling>
-          <c:orientation val="minMax"/>
-        </c:scaling>
+        <c:scaling/>
         <c:delete val="0"/>
         <c:axPos val="l"/>
         <c:majorGridlines/>
@@ -5402,19 +4619,19 @@
               </a:p>
             </c:rich>
           </c:tx>
+          <c:layout/>
           <c:overlay val="0"/>
         </c:title>
-        <c:numFmt formatCode="General" sourceLinked="1"/>
         <c:majorTickMark val="out"/>
         <c:minorTickMark val="none"/>
         <c:tickLblPos val="nextTo"/>
         <c:crossAx val="2118791784"/>
         <c:crosses val="autoZero"/>
-        <c:crossBetween val="between"/>
       </c:valAx>
     </c:plotArea>
     <c:legend>
       <c:legendPos val="r"/>
+      <c:layout/>
       <c:overlay val="0"/>
     </c:legend>
     <c:plotVisOnly val="1"/>
@@ -5438,11 +4655,8 @@
 </file>
 
 <file path=ppt/charts/chart2.xml><?xml version="1.0" encoding="utf-8"?>
-<c:chartSpace xmlns:c="http://schemas.openxmlformats.org/drawingml/2006/chart" xmlns:a="http://schemas.openxmlformats.org/drawingml/2006/main" xmlns:r="http://schemas.openxmlformats.org/officeDocument/2006/relationships" xmlns:c16r2="http://schemas.microsoft.com/office/drawing/2015/06/chart">
+<c:chartSpace xmlns:c="http://schemas.openxmlformats.org/drawingml/2006/chart" xmlns:a="http://schemas.openxmlformats.org/drawingml/2006/main" xmlns:r="http://schemas.openxmlformats.org/officeDocument/2006/relationships">
   <c:date1904 val="0"/>
-  <c:lang val="en-US"/>
-  <c:roundedCorners val="1"/>
-  <c:style val="2"/>
   <c:chart>
     <c:title>
       <c:tx>
@@ -5456,11 +4670,11 @@
           </a:p>
         </c:rich>
       </c:tx>
+      <c:layout/>
       <c:overlay val="0"/>
     </c:title>
     <c:autoTitleDeleted val="0"/>
     <c:plotArea>
-      <c:layout/>
       <c:lineChart>
         <c:grouping val="standard"/>
         <c:varyColors val="0"/>
@@ -5488,40 +4702,40 @@
                 <c:formatCode>yyyy\-mm\-dd</c:formatCode>
                 <c:ptCount val="12"/>
                 <c:pt idx="0">
-                  <c:v>43647</c:v>
-                </c:pt>
-                <c:pt idx="1">
-                  <c:v>43678</c:v>
-                </c:pt>
-                <c:pt idx="2">
-                  <c:v>43709</c:v>
-                </c:pt>
-                <c:pt idx="3">
-                  <c:v>43739</c:v>
-                </c:pt>
-                <c:pt idx="4">
-                  <c:v>43770</c:v>
-                </c:pt>
-                <c:pt idx="5">
-                  <c:v>43800</c:v>
-                </c:pt>
-                <c:pt idx="6">
-                  <c:v>43831</c:v>
+                  <c:v>43647.0</c:v>
+                </c:pt>
+                <c:pt idx="1">
+                  <c:v>43678.0</c:v>
+                </c:pt>
+                <c:pt idx="2">
+                  <c:v>43709.0</c:v>
+                </c:pt>
+                <c:pt idx="3">
+                  <c:v>43739.0</c:v>
+                </c:pt>
+                <c:pt idx="4">
+                  <c:v>43770.0</c:v>
+                </c:pt>
+                <c:pt idx="5">
+                  <c:v>43800.0</c:v>
+                </c:pt>
+                <c:pt idx="6">
+                  <c:v>43831.0</c:v>
                 </c:pt>
                 <c:pt idx="7">
-                  <c:v>43862</c:v>
+                  <c:v>43862.0</c:v>
                 </c:pt>
                 <c:pt idx="8">
-                  <c:v>43891</c:v>
+                  <c:v>43891.0</c:v>
                 </c:pt>
                 <c:pt idx="9">
-                  <c:v>43922</c:v>
+                  <c:v>43922.0</c:v>
                 </c:pt>
                 <c:pt idx="10">
-                  <c:v>43952</c:v>
+                  <c:v>43952.0</c:v>
                 </c:pt>
                 <c:pt idx="11">
-                  <c:v>43983</c:v>
+                  <c:v>43983.0</c:v>
                 </c:pt>
               </c:numCache>
             </c:numRef>
@@ -5572,11 +4786,6 @@
             </c:numRef>
           </c:val>
           <c:smooth val="0"/>
-          <c:extLst>
-            <c:ext xmlns:c16="http://schemas.microsoft.com/office/drawing/2014/chart" uri="{C3380CC4-5D6E-409C-BE32-E72D297353CC}">
-              <c16:uniqueId val="{00000000-417D-4F71-BEC3-77BABC8C6F77}"/>
-            </c:ext>
-          </c:extLst>
         </c:ser>
         <c:ser>
           <c:idx val="1"/>
@@ -5602,40 +4811,40 @@
                 <c:formatCode>yyyy\-mm\-dd</c:formatCode>
                 <c:ptCount val="12"/>
                 <c:pt idx="0">
-                  <c:v>43647</c:v>
-                </c:pt>
-                <c:pt idx="1">
-                  <c:v>43678</c:v>
-                </c:pt>
-                <c:pt idx="2">
-                  <c:v>43709</c:v>
-                </c:pt>
-                <c:pt idx="3">
-                  <c:v>43739</c:v>
-                </c:pt>
-                <c:pt idx="4">
-                  <c:v>43770</c:v>
-                </c:pt>
-                <c:pt idx="5">
-                  <c:v>43800</c:v>
-                </c:pt>
-                <c:pt idx="6">
-                  <c:v>43831</c:v>
+                  <c:v>43647.0</c:v>
+                </c:pt>
+                <c:pt idx="1">
+                  <c:v>43678.0</c:v>
+                </c:pt>
+                <c:pt idx="2">
+                  <c:v>43709.0</c:v>
+                </c:pt>
+                <c:pt idx="3">
+                  <c:v>43739.0</c:v>
+                </c:pt>
+                <c:pt idx="4">
+                  <c:v>43770.0</c:v>
+                </c:pt>
+                <c:pt idx="5">
+                  <c:v>43800.0</c:v>
+                </c:pt>
+                <c:pt idx="6">
+                  <c:v>43831.0</c:v>
                 </c:pt>
                 <c:pt idx="7">
-                  <c:v>43862</c:v>
+                  <c:v>43862.0</c:v>
                 </c:pt>
                 <c:pt idx="8">
-                  <c:v>43891</c:v>
+                  <c:v>43891.0</c:v>
                 </c:pt>
                 <c:pt idx="9">
-                  <c:v>43922</c:v>
+                  <c:v>43922.0</c:v>
                 </c:pt>
                 <c:pt idx="10">
-                  <c:v>43952</c:v>
+                  <c:v>43952.0</c:v>
                 </c:pt>
                 <c:pt idx="11">
-                  <c:v>43983</c:v>
+                  <c:v>43983.0</c:v>
                 </c:pt>
               </c:numCache>
             </c:numRef>
@@ -5686,11 +4895,6 @@
             </c:numRef>
           </c:val>
           <c:smooth val="0"/>
-          <c:extLst>
-            <c:ext xmlns:c16="http://schemas.microsoft.com/office/drawing/2014/chart" uri="{C3380CC4-5D6E-409C-BE32-E72D297353CC}">
-              <c16:uniqueId val="{00000001-417D-4F71-BEC3-77BABC8C6F77}"/>
-            </c:ext>
-          </c:extLst>
         </c:ser>
         <c:ser>
           <c:idx val="2"/>
@@ -5716,40 +4920,40 @@
                 <c:formatCode>yyyy\-mm\-dd</c:formatCode>
                 <c:ptCount val="12"/>
                 <c:pt idx="0">
-                  <c:v>43647</c:v>
-                </c:pt>
-                <c:pt idx="1">
-                  <c:v>43678</c:v>
-                </c:pt>
-                <c:pt idx="2">
-                  <c:v>43709</c:v>
-                </c:pt>
-                <c:pt idx="3">
-                  <c:v>43739</c:v>
-                </c:pt>
-                <c:pt idx="4">
-                  <c:v>43770</c:v>
-                </c:pt>
-                <c:pt idx="5">
-                  <c:v>43800</c:v>
-                </c:pt>
-                <c:pt idx="6">
-                  <c:v>43831</c:v>
+                  <c:v>43647.0</c:v>
+                </c:pt>
+                <c:pt idx="1">
+                  <c:v>43678.0</c:v>
+                </c:pt>
+                <c:pt idx="2">
+                  <c:v>43709.0</c:v>
+                </c:pt>
+                <c:pt idx="3">
+                  <c:v>43739.0</c:v>
+                </c:pt>
+                <c:pt idx="4">
+                  <c:v>43770.0</c:v>
+                </c:pt>
+                <c:pt idx="5">
+                  <c:v>43800.0</c:v>
+                </c:pt>
+                <c:pt idx="6">
+                  <c:v>43831.0</c:v>
                 </c:pt>
                 <c:pt idx="7">
-                  <c:v>43862</c:v>
+                  <c:v>43862.0</c:v>
                 </c:pt>
                 <c:pt idx="8">
-                  <c:v>43891</c:v>
+                  <c:v>43891.0</c:v>
                 </c:pt>
                 <c:pt idx="9">
-                  <c:v>43922</c:v>
+                  <c:v>43922.0</c:v>
                 </c:pt>
                 <c:pt idx="10">
-                  <c:v>43952</c:v>
+                  <c:v>43952.0</c:v>
                 </c:pt>
                 <c:pt idx="11">
-                  <c:v>43983</c:v>
+                  <c:v>43983.0</c:v>
                 </c:pt>
               </c:numCache>
             </c:numRef>
@@ -5800,11 +5004,6 @@
             </c:numRef>
           </c:val>
           <c:smooth val="0"/>
-          <c:extLst>
-            <c:ext xmlns:c16="http://schemas.microsoft.com/office/drawing/2014/chart" uri="{C3380CC4-5D6E-409C-BE32-E72D297353CC}">
-              <c16:uniqueId val="{00000002-417D-4F71-BEC3-77BABC8C6F77}"/>
-            </c:ext>
-          </c:extLst>
         </c:ser>
         <c:ser>
           <c:idx val="3"/>
@@ -5830,40 +5029,40 @@
                 <c:formatCode>yyyy\-mm\-dd</c:formatCode>
                 <c:ptCount val="12"/>
                 <c:pt idx="0">
-                  <c:v>43647</c:v>
-                </c:pt>
-                <c:pt idx="1">
-                  <c:v>43678</c:v>
-                </c:pt>
-                <c:pt idx="2">
-                  <c:v>43709</c:v>
-                </c:pt>
-                <c:pt idx="3">
-                  <c:v>43739</c:v>
-                </c:pt>
-                <c:pt idx="4">
-                  <c:v>43770</c:v>
-                </c:pt>
-                <c:pt idx="5">
-                  <c:v>43800</c:v>
-                </c:pt>
-                <c:pt idx="6">
-                  <c:v>43831</c:v>
+                  <c:v>43647.0</c:v>
+                </c:pt>
+                <c:pt idx="1">
+                  <c:v>43678.0</c:v>
+                </c:pt>
+                <c:pt idx="2">
+                  <c:v>43709.0</c:v>
+                </c:pt>
+                <c:pt idx="3">
+                  <c:v>43739.0</c:v>
+                </c:pt>
+                <c:pt idx="4">
+                  <c:v>43770.0</c:v>
+                </c:pt>
+                <c:pt idx="5">
+                  <c:v>43800.0</c:v>
+                </c:pt>
+                <c:pt idx="6">
+                  <c:v>43831.0</c:v>
                 </c:pt>
                 <c:pt idx="7">
-                  <c:v>43862</c:v>
+                  <c:v>43862.0</c:v>
                 </c:pt>
                 <c:pt idx="8">
-                  <c:v>43891</c:v>
+                  <c:v>43891.0</c:v>
                 </c:pt>
                 <c:pt idx="9">
-                  <c:v>43922</c:v>
+                  <c:v>43922.0</c:v>
                 </c:pt>
                 <c:pt idx="10">
-                  <c:v>43952</c:v>
+                  <c:v>43952.0</c:v>
                 </c:pt>
                 <c:pt idx="11">
-                  <c:v>43983</c:v>
+                  <c:v>43983.0</c:v>
                 </c:pt>
               </c:numCache>
             </c:numRef>
@@ -5914,20 +5113,8 @@
             </c:numRef>
           </c:val>
           <c:smooth val="0"/>
-          <c:extLst>
-            <c:ext xmlns:c16="http://schemas.microsoft.com/office/drawing/2014/chart" uri="{C3380CC4-5D6E-409C-BE32-E72D297353CC}">
-              <c16:uniqueId val="{00000003-417D-4F71-BEC3-77BABC8C6F77}"/>
-            </c:ext>
-          </c:extLst>
         </c:ser>
-        <c:dLbls>
-          <c:showLegendKey val="0"/>
-          <c:showVal val="0"/>
-          <c:showCatName val="0"/>
-          <c:showSerName val="0"/>
-          <c:showPercent val="0"/>
-          <c:showBubbleSize val="0"/>
-        </c:dLbls>
+        <c:marker val="1"/>
         <c:smooth val="0"/>
         <c:axId val="2118791784"/>
         <c:axId val="2140495176"/>
@@ -5951,9 +5138,7 @@
       </c:dateAx>
       <c:valAx>
         <c:axId val="2140495176"/>
-        <c:scaling>
-          <c:orientation val="minMax"/>
-        </c:scaling>
+        <c:scaling/>
         <c:delete val="0"/>
         <c:axPos val="l"/>
         <c:majorGridlines/>
@@ -5969,19 +5154,19 @@
               </a:p>
             </c:rich>
           </c:tx>
+          <c:layout/>
           <c:overlay val="0"/>
         </c:title>
-        <c:numFmt formatCode="General" sourceLinked="1"/>
         <c:majorTickMark val="out"/>
         <c:minorTickMark val="none"/>
         <c:tickLblPos val="nextTo"/>
         <c:crossAx val="2118791784"/>
         <c:crosses val="autoZero"/>
-        <c:crossBetween val="between"/>
       </c:valAx>
     </c:plotArea>
     <c:legend>
       <c:legendPos val="r"/>
+      <c:layout/>
       <c:overlay val="0"/>
     </c:legend>
     <c:plotVisOnly val="1"/>
@@ -6005,11 +5190,8 @@
 </file>
 
 <file path=ppt/charts/chart3.xml><?xml version="1.0" encoding="utf-8"?>
-<c:chartSpace xmlns:c="http://schemas.openxmlformats.org/drawingml/2006/chart" xmlns:a="http://schemas.openxmlformats.org/drawingml/2006/main" xmlns:r="http://schemas.openxmlformats.org/officeDocument/2006/relationships" xmlns:c16r2="http://schemas.microsoft.com/office/drawing/2015/06/chart">
+<c:chartSpace xmlns:c="http://schemas.openxmlformats.org/drawingml/2006/chart" xmlns:a="http://schemas.openxmlformats.org/drawingml/2006/main" xmlns:r="http://schemas.openxmlformats.org/officeDocument/2006/relationships">
   <c:date1904 val="0"/>
-  <c:lang val="en-US"/>
-  <c:roundedCorners val="1"/>
-  <c:style val="2"/>
   <c:chart>
     <c:title>
       <c:tx>
@@ -6023,11 +5205,11 @@
           </a:p>
         </c:rich>
       </c:tx>
+      <c:layout/>
       <c:overlay val="0"/>
     </c:title>
     <c:autoTitleDeleted val="0"/>
     <c:plotArea>
-      <c:layout/>
       <c:lineChart>
         <c:grouping val="standard"/>
         <c:varyColors val="0"/>
@@ -6055,40 +5237,40 @@
                 <c:formatCode>yyyy\-mm\-dd</c:formatCode>
                 <c:ptCount val="12"/>
                 <c:pt idx="0">
-                  <c:v>43647</c:v>
-                </c:pt>
-                <c:pt idx="1">
-                  <c:v>43678</c:v>
-                </c:pt>
-                <c:pt idx="2">
-                  <c:v>43709</c:v>
-                </c:pt>
-                <c:pt idx="3">
-                  <c:v>43739</c:v>
-                </c:pt>
-                <c:pt idx="4">
-                  <c:v>43770</c:v>
-                </c:pt>
-                <c:pt idx="5">
-                  <c:v>43800</c:v>
-                </c:pt>
-                <c:pt idx="6">
-                  <c:v>43831</c:v>
+                  <c:v>43647.0</c:v>
+                </c:pt>
+                <c:pt idx="1">
+                  <c:v>43678.0</c:v>
+                </c:pt>
+                <c:pt idx="2">
+                  <c:v>43709.0</c:v>
+                </c:pt>
+                <c:pt idx="3">
+                  <c:v>43739.0</c:v>
+                </c:pt>
+                <c:pt idx="4">
+                  <c:v>43770.0</c:v>
+                </c:pt>
+                <c:pt idx="5">
+                  <c:v>43800.0</c:v>
+                </c:pt>
+                <c:pt idx="6">
+                  <c:v>43831.0</c:v>
                 </c:pt>
                 <c:pt idx="7">
-                  <c:v>43862</c:v>
+                  <c:v>43862.0</c:v>
                 </c:pt>
                 <c:pt idx="8">
-                  <c:v>43891</c:v>
+                  <c:v>43891.0</c:v>
                 </c:pt>
                 <c:pt idx="9">
-                  <c:v>43922</c:v>
+                  <c:v>43922.0</c:v>
                 </c:pt>
                 <c:pt idx="10">
-                  <c:v>43952</c:v>
+                  <c:v>43952.0</c:v>
                 </c:pt>
                 <c:pt idx="11">
-                  <c:v>43983</c:v>
+                  <c:v>43983.0</c:v>
                 </c:pt>
               </c:numCache>
             </c:numRef>
@@ -6100,50 +5282,45 @@
                 <c:formatCode>General</c:formatCode>
                 <c:ptCount val="12"/>
                 <c:pt idx="0">
-                  <c:v>202</c:v>
-                </c:pt>
-                <c:pt idx="1">
-                  <c:v>238</c:v>
-                </c:pt>
-                <c:pt idx="2">
-                  <c:v>213</c:v>
-                </c:pt>
-                <c:pt idx="3">
-                  <c:v>250</c:v>
-                </c:pt>
-                <c:pt idx="4">
-                  <c:v>264</c:v>
-                </c:pt>
-                <c:pt idx="5">
-                  <c:v>298</c:v>
-                </c:pt>
-                <c:pt idx="6">
-                  <c:v>326</c:v>
+                  <c:v>202.0</c:v>
+                </c:pt>
+                <c:pt idx="1">
+                  <c:v>238.0</c:v>
+                </c:pt>
+                <c:pt idx="2">
+                  <c:v>213.0</c:v>
+                </c:pt>
+                <c:pt idx="3">
+                  <c:v>250.0</c:v>
+                </c:pt>
+                <c:pt idx="4">
+                  <c:v>264.0</c:v>
+                </c:pt>
+                <c:pt idx="5">
+                  <c:v>298.0</c:v>
+                </c:pt>
+                <c:pt idx="6">
+                  <c:v>326.0</c:v>
                 </c:pt>
                 <c:pt idx="7">
-                  <c:v>284</c:v>
+                  <c:v>284.0</c:v>
                 </c:pt>
                 <c:pt idx="8">
-                  <c:v>343</c:v>
+                  <c:v>343.0</c:v>
                 </c:pt>
                 <c:pt idx="9">
-                  <c:v>367</c:v>
+                  <c:v>367.0</c:v>
                 </c:pt>
                 <c:pt idx="10">
-                  <c:v>397</c:v>
+                  <c:v>397.0</c:v>
                 </c:pt>
                 <c:pt idx="11">
-                  <c:v>334</c:v>
+                  <c:v>334.0</c:v>
                 </c:pt>
               </c:numCache>
             </c:numRef>
           </c:val>
           <c:smooth val="0"/>
-          <c:extLst>
-            <c:ext xmlns:c16="http://schemas.microsoft.com/office/drawing/2014/chart" uri="{C3380CC4-5D6E-409C-BE32-E72D297353CC}">
-              <c16:uniqueId val="{00000000-854B-44C8-A81A-EB4DAC6998FE}"/>
-            </c:ext>
-          </c:extLst>
         </c:ser>
         <c:ser>
           <c:idx val="1"/>
@@ -6169,40 +5346,40 @@
                 <c:formatCode>yyyy\-mm\-dd</c:formatCode>
                 <c:ptCount val="12"/>
                 <c:pt idx="0">
-                  <c:v>43647</c:v>
-                </c:pt>
-                <c:pt idx="1">
-                  <c:v>43678</c:v>
-                </c:pt>
-                <c:pt idx="2">
-                  <c:v>43709</c:v>
-                </c:pt>
-                <c:pt idx="3">
-                  <c:v>43739</c:v>
-                </c:pt>
-                <c:pt idx="4">
-                  <c:v>43770</c:v>
-                </c:pt>
-                <c:pt idx="5">
-                  <c:v>43800</c:v>
-                </c:pt>
-                <c:pt idx="6">
-                  <c:v>43831</c:v>
+                  <c:v>43647.0</c:v>
+                </c:pt>
+                <c:pt idx="1">
+                  <c:v>43678.0</c:v>
+                </c:pt>
+                <c:pt idx="2">
+                  <c:v>43709.0</c:v>
+                </c:pt>
+                <c:pt idx="3">
+                  <c:v>43739.0</c:v>
+                </c:pt>
+                <c:pt idx="4">
+                  <c:v>43770.0</c:v>
+                </c:pt>
+                <c:pt idx="5">
+                  <c:v>43800.0</c:v>
+                </c:pt>
+                <c:pt idx="6">
+                  <c:v>43831.0</c:v>
                 </c:pt>
                 <c:pt idx="7">
-                  <c:v>43862</c:v>
+                  <c:v>43862.0</c:v>
                 </c:pt>
                 <c:pt idx="8">
-                  <c:v>43891</c:v>
+                  <c:v>43891.0</c:v>
                 </c:pt>
                 <c:pt idx="9">
-                  <c:v>43922</c:v>
+                  <c:v>43922.0</c:v>
                 </c:pt>
                 <c:pt idx="10">
-                  <c:v>43952</c:v>
+                  <c:v>43952.0</c:v>
                 </c:pt>
                 <c:pt idx="11">
-                  <c:v>43983</c:v>
+                  <c:v>43983.0</c:v>
                 </c:pt>
               </c:numCache>
             </c:numRef>
@@ -6214,50 +5391,45 @@
                 <c:formatCode>General</c:formatCode>
                 <c:ptCount val="12"/>
                 <c:pt idx="0">
-                  <c:v>68</c:v>
-                </c:pt>
-                <c:pt idx="1">
-                  <c:v>71</c:v>
-                </c:pt>
-                <c:pt idx="2">
-                  <c:v>75</c:v>
-                </c:pt>
-                <c:pt idx="3">
-                  <c:v>103</c:v>
-                </c:pt>
-                <c:pt idx="4">
-                  <c:v>116</c:v>
-                </c:pt>
-                <c:pt idx="5">
-                  <c:v>127</c:v>
-                </c:pt>
-                <c:pt idx="6">
-                  <c:v>127</c:v>
+                  <c:v>68.0</c:v>
+                </c:pt>
+                <c:pt idx="1">
+                  <c:v>71.0</c:v>
+                </c:pt>
+                <c:pt idx="2">
+                  <c:v>75.0</c:v>
+                </c:pt>
+                <c:pt idx="3">
+                  <c:v>103.0</c:v>
+                </c:pt>
+                <c:pt idx="4">
+                  <c:v>116.0</c:v>
+                </c:pt>
+                <c:pt idx="5">
+                  <c:v>127.0</c:v>
+                </c:pt>
+                <c:pt idx="6">
+                  <c:v>127.0</c:v>
                 </c:pt>
                 <c:pt idx="7">
-                  <c:v>125</c:v>
+                  <c:v>125.0</c:v>
                 </c:pt>
                 <c:pt idx="8">
-                  <c:v>149</c:v>
+                  <c:v>149.0</c:v>
                 </c:pt>
                 <c:pt idx="9">
-                  <c:v>182</c:v>
+                  <c:v>182.0</c:v>
                 </c:pt>
                 <c:pt idx="10">
-                  <c:v>200</c:v>
+                  <c:v>200.0</c:v>
                 </c:pt>
                 <c:pt idx="11">
-                  <c:v>210</c:v>
+                  <c:v>210.0</c:v>
                 </c:pt>
               </c:numCache>
             </c:numRef>
           </c:val>
           <c:smooth val="0"/>
-          <c:extLst>
-            <c:ext xmlns:c16="http://schemas.microsoft.com/office/drawing/2014/chart" uri="{C3380CC4-5D6E-409C-BE32-E72D297353CC}">
-              <c16:uniqueId val="{00000001-854B-44C8-A81A-EB4DAC6998FE}"/>
-            </c:ext>
-          </c:extLst>
         </c:ser>
         <c:ser>
           <c:idx val="2"/>
@@ -6283,40 +5455,40 @@
                 <c:formatCode>yyyy\-mm\-dd</c:formatCode>
                 <c:ptCount val="12"/>
                 <c:pt idx="0">
-                  <c:v>43647</c:v>
-                </c:pt>
-                <c:pt idx="1">
-                  <c:v>43678</c:v>
-                </c:pt>
-                <c:pt idx="2">
-                  <c:v>43709</c:v>
-                </c:pt>
-                <c:pt idx="3">
-                  <c:v>43739</c:v>
-                </c:pt>
-                <c:pt idx="4">
-                  <c:v>43770</c:v>
-                </c:pt>
-                <c:pt idx="5">
-                  <c:v>43800</c:v>
-                </c:pt>
-                <c:pt idx="6">
-                  <c:v>43831</c:v>
+                  <c:v>43647.0</c:v>
+                </c:pt>
+                <c:pt idx="1">
+                  <c:v>43678.0</c:v>
+                </c:pt>
+                <c:pt idx="2">
+                  <c:v>43709.0</c:v>
+                </c:pt>
+                <c:pt idx="3">
+                  <c:v>43739.0</c:v>
+                </c:pt>
+                <c:pt idx="4">
+                  <c:v>43770.0</c:v>
+                </c:pt>
+                <c:pt idx="5">
+                  <c:v>43800.0</c:v>
+                </c:pt>
+                <c:pt idx="6">
+                  <c:v>43831.0</c:v>
                 </c:pt>
                 <c:pt idx="7">
-                  <c:v>43862</c:v>
+                  <c:v>43862.0</c:v>
                 </c:pt>
                 <c:pt idx="8">
-                  <c:v>43891</c:v>
+                  <c:v>43891.0</c:v>
                 </c:pt>
                 <c:pt idx="9">
-                  <c:v>43922</c:v>
+                  <c:v>43922.0</c:v>
                 </c:pt>
                 <c:pt idx="10">
-                  <c:v>43952</c:v>
+                  <c:v>43952.0</c:v>
                 </c:pt>
                 <c:pt idx="11">
-                  <c:v>43983</c:v>
+                  <c:v>43983.0</c:v>
                 </c:pt>
               </c:numCache>
             </c:numRef>
@@ -6328,41 +5500,29 @@
                 <c:formatCode>General</c:formatCode>
                 <c:ptCount val="12"/>
                 <c:pt idx="6">
-                  <c:v>2</c:v>
+                  <c:v>2.0</c:v>
                 </c:pt>
                 <c:pt idx="7">
-                  <c:v>4</c:v>
+                  <c:v>4.0</c:v>
                 </c:pt>
                 <c:pt idx="8">
-                  <c:v>9</c:v>
+                  <c:v>9.0</c:v>
                 </c:pt>
                 <c:pt idx="9">
-                  <c:v>62</c:v>
+                  <c:v>62.0</c:v>
                 </c:pt>
                 <c:pt idx="10">
-                  <c:v>81</c:v>
+                  <c:v>81.0</c:v>
                 </c:pt>
                 <c:pt idx="11">
-                  <c:v>82</c:v>
+                  <c:v>82.0</c:v>
                 </c:pt>
               </c:numCache>
             </c:numRef>
           </c:val>
           <c:smooth val="0"/>
-          <c:extLst>
-            <c:ext xmlns:c16="http://schemas.microsoft.com/office/drawing/2014/chart" uri="{C3380CC4-5D6E-409C-BE32-E72D297353CC}">
-              <c16:uniqueId val="{00000002-854B-44C8-A81A-EB4DAC6998FE}"/>
-            </c:ext>
-          </c:extLst>
         </c:ser>
-        <c:dLbls>
-          <c:showLegendKey val="0"/>
-          <c:showVal val="0"/>
-          <c:showCatName val="0"/>
-          <c:showSerName val="0"/>
-          <c:showPercent val="0"/>
-          <c:showBubbleSize val="0"/>
-        </c:dLbls>
+        <c:marker val="1"/>
         <c:smooth val="0"/>
         <c:axId val="2118791784"/>
         <c:axId val="2140495176"/>
@@ -6386,9 +5546,7 @@
       </c:dateAx>
       <c:valAx>
         <c:axId val="2140495176"/>
-        <c:scaling>
-          <c:orientation val="minMax"/>
-        </c:scaling>
+        <c:scaling/>
         <c:delete val="0"/>
         <c:axPos val="l"/>
         <c:majorGridlines/>
@@ -6404,19 +5562,19 @@
               </a:p>
             </c:rich>
           </c:tx>
+          <c:layout/>
           <c:overlay val="0"/>
         </c:title>
-        <c:numFmt formatCode="General" sourceLinked="1"/>
         <c:majorTickMark val="out"/>
         <c:minorTickMark val="none"/>
         <c:tickLblPos val="nextTo"/>
         <c:crossAx val="2118791784"/>
         <c:crosses val="autoZero"/>
-        <c:crossBetween val="between"/>
       </c:valAx>
     </c:plotArea>
     <c:legend>
       <c:legendPos val="r"/>
+      <c:layout/>
       <c:overlay val="0"/>
     </c:legend>
     <c:plotVisOnly val="1"/>
@@ -6440,11 +5598,8 @@
 </file>
 
 <file path=ppt/charts/chart4.xml><?xml version="1.0" encoding="utf-8"?>
-<c:chartSpace xmlns:c="http://schemas.openxmlformats.org/drawingml/2006/chart" xmlns:a="http://schemas.openxmlformats.org/drawingml/2006/main" xmlns:r="http://schemas.openxmlformats.org/officeDocument/2006/relationships" xmlns:c16r2="http://schemas.microsoft.com/office/drawing/2015/06/chart">
+<c:chartSpace xmlns:c="http://schemas.openxmlformats.org/drawingml/2006/chart" xmlns:a="http://schemas.openxmlformats.org/drawingml/2006/main" xmlns:r="http://schemas.openxmlformats.org/officeDocument/2006/relationships">
   <c:date1904 val="0"/>
-  <c:lang val="en-US"/>
-  <c:roundedCorners val="1"/>
-  <c:style val="2"/>
   <c:chart>
     <c:title>
       <c:tx>
@@ -6458,11 +5613,11 @@
           </a:p>
         </c:rich>
       </c:tx>
+      <c:layout/>
       <c:overlay val="0"/>
     </c:title>
     <c:autoTitleDeleted val="0"/>
     <c:plotArea>
-      <c:layout/>
       <c:lineChart>
         <c:grouping val="standard"/>
         <c:varyColors val="0"/>
@@ -6490,40 +5645,40 @@
                 <c:formatCode>yyyy\-mm\-dd</c:formatCode>
                 <c:ptCount val="12"/>
                 <c:pt idx="0">
-                  <c:v>43647</c:v>
-                </c:pt>
-                <c:pt idx="1">
-                  <c:v>43678</c:v>
-                </c:pt>
-                <c:pt idx="2">
-                  <c:v>43709</c:v>
-                </c:pt>
-                <c:pt idx="3">
-                  <c:v>43739</c:v>
-                </c:pt>
-                <c:pt idx="4">
-                  <c:v>43770</c:v>
-                </c:pt>
-                <c:pt idx="5">
-                  <c:v>43800</c:v>
-                </c:pt>
-                <c:pt idx="6">
-                  <c:v>43831</c:v>
+                  <c:v>43647.0</c:v>
+                </c:pt>
+                <c:pt idx="1">
+                  <c:v>43678.0</c:v>
+                </c:pt>
+                <c:pt idx="2">
+                  <c:v>43709.0</c:v>
+                </c:pt>
+                <c:pt idx="3">
+                  <c:v>43739.0</c:v>
+                </c:pt>
+                <c:pt idx="4">
+                  <c:v>43770.0</c:v>
+                </c:pt>
+                <c:pt idx="5">
+                  <c:v>43800.0</c:v>
+                </c:pt>
+                <c:pt idx="6">
+                  <c:v>43831.0</c:v>
                 </c:pt>
                 <c:pt idx="7">
-                  <c:v>43862</c:v>
+                  <c:v>43862.0</c:v>
                 </c:pt>
                 <c:pt idx="8">
-                  <c:v>43891</c:v>
+                  <c:v>43891.0</c:v>
                 </c:pt>
                 <c:pt idx="9">
-                  <c:v>43922</c:v>
+                  <c:v>43922.0</c:v>
                 </c:pt>
                 <c:pt idx="10">
-                  <c:v>43952</c:v>
+                  <c:v>43952.0</c:v>
                 </c:pt>
                 <c:pt idx="11">
-                  <c:v>43983</c:v>
+                  <c:v>43983.0</c:v>
                 </c:pt>
               </c:numCache>
             </c:numRef>
@@ -6574,11 +5729,6 @@
             </c:numRef>
           </c:val>
           <c:smooth val="0"/>
-          <c:extLst>
-            <c:ext xmlns:c16="http://schemas.microsoft.com/office/drawing/2014/chart" uri="{C3380CC4-5D6E-409C-BE32-E72D297353CC}">
-              <c16:uniqueId val="{00000000-E140-416D-9DFF-38B198794F43}"/>
-            </c:ext>
-          </c:extLst>
         </c:ser>
         <c:ser>
           <c:idx val="1"/>
@@ -6604,40 +5754,40 @@
                 <c:formatCode>yyyy\-mm\-dd</c:formatCode>
                 <c:ptCount val="12"/>
                 <c:pt idx="0">
-                  <c:v>43647</c:v>
-                </c:pt>
-                <c:pt idx="1">
-                  <c:v>43678</c:v>
-                </c:pt>
-                <c:pt idx="2">
-                  <c:v>43709</c:v>
-                </c:pt>
-                <c:pt idx="3">
-                  <c:v>43739</c:v>
-                </c:pt>
-                <c:pt idx="4">
-                  <c:v>43770</c:v>
-                </c:pt>
-                <c:pt idx="5">
-                  <c:v>43800</c:v>
-                </c:pt>
-                <c:pt idx="6">
-                  <c:v>43831</c:v>
+                  <c:v>43647.0</c:v>
+                </c:pt>
+                <c:pt idx="1">
+                  <c:v>43678.0</c:v>
+                </c:pt>
+                <c:pt idx="2">
+                  <c:v>43709.0</c:v>
+                </c:pt>
+                <c:pt idx="3">
+                  <c:v>43739.0</c:v>
+                </c:pt>
+                <c:pt idx="4">
+                  <c:v>43770.0</c:v>
+                </c:pt>
+                <c:pt idx="5">
+                  <c:v>43800.0</c:v>
+                </c:pt>
+                <c:pt idx="6">
+                  <c:v>43831.0</c:v>
                 </c:pt>
                 <c:pt idx="7">
-                  <c:v>43862</c:v>
+                  <c:v>43862.0</c:v>
                 </c:pt>
                 <c:pt idx="8">
-                  <c:v>43891</c:v>
+                  <c:v>43891.0</c:v>
                 </c:pt>
                 <c:pt idx="9">
-                  <c:v>43922</c:v>
+                  <c:v>43922.0</c:v>
                 </c:pt>
                 <c:pt idx="10">
-                  <c:v>43952</c:v>
+                  <c:v>43952.0</c:v>
                 </c:pt>
                 <c:pt idx="11">
-                  <c:v>43983</c:v>
+                  <c:v>43983.0</c:v>
                 </c:pt>
               </c:numCache>
             </c:numRef>
@@ -6688,11 +5838,6 @@
             </c:numRef>
           </c:val>
           <c:smooth val="0"/>
-          <c:extLst>
-            <c:ext xmlns:c16="http://schemas.microsoft.com/office/drawing/2014/chart" uri="{C3380CC4-5D6E-409C-BE32-E72D297353CC}">
-              <c16:uniqueId val="{00000001-E140-416D-9DFF-38B198794F43}"/>
-            </c:ext>
-          </c:extLst>
         </c:ser>
         <c:ser>
           <c:idx val="2"/>
@@ -6718,40 +5863,40 @@
                 <c:formatCode>yyyy\-mm\-dd</c:formatCode>
                 <c:ptCount val="12"/>
                 <c:pt idx="0">
-                  <c:v>43647</c:v>
-                </c:pt>
-                <c:pt idx="1">
-                  <c:v>43678</c:v>
-                </c:pt>
-                <c:pt idx="2">
-                  <c:v>43709</c:v>
-                </c:pt>
-                <c:pt idx="3">
-                  <c:v>43739</c:v>
-                </c:pt>
-                <c:pt idx="4">
-                  <c:v>43770</c:v>
-                </c:pt>
-                <c:pt idx="5">
-                  <c:v>43800</c:v>
-                </c:pt>
-                <c:pt idx="6">
-                  <c:v>43831</c:v>
+                  <c:v>43647.0</c:v>
+                </c:pt>
+                <c:pt idx="1">
+                  <c:v>43678.0</c:v>
+                </c:pt>
+                <c:pt idx="2">
+                  <c:v>43709.0</c:v>
+                </c:pt>
+                <c:pt idx="3">
+                  <c:v>43739.0</c:v>
+                </c:pt>
+                <c:pt idx="4">
+                  <c:v>43770.0</c:v>
+                </c:pt>
+                <c:pt idx="5">
+                  <c:v>43800.0</c:v>
+                </c:pt>
+                <c:pt idx="6">
+                  <c:v>43831.0</c:v>
                 </c:pt>
                 <c:pt idx="7">
-                  <c:v>43862</c:v>
+                  <c:v>43862.0</c:v>
                 </c:pt>
                 <c:pt idx="8">
-                  <c:v>43891</c:v>
+                  <c:v>43891.0</c:v>
                 </c:pt>
                 <c:pt idx="9">
-                  <c:v>43922</c:v>
+                  <c:v>43922.0</c:v>
                 </c:pt>
                 <c:pt idx="10">
-                  <c:v>43952</c:v>
+                  <c:v>43952.0</c:v>
                 </c:pt>
                 <c:pt idx="11">
-                  <c:v>43983</c:v>
+                  <c:v>43983.0</c:v>
                 </c:pt>
               </c:numCache>
             </c:numRef>
@@ -6802,11 +5947,6 @@
             </c:numRef>
           </c:val>
           <c:smooth val="0"/>
-          <c:extLst>
-            <c:ext xmlns:c16="http://schemas.microsoft.com/office/drawing/2014/chart" uri="{C3380CC4-5D6E-409C-BE32-E72D297353CC}">
-              <c16:uniqueId val="{00000002-E140-416D-9DFF-38B198794F43}"/>
-            </c:ext>
-          </c:extLst>
         </c:ser>
         <c:ser>
           <c:idx val="3"/>
@@ -6832,40 +5972,40 @@
                 <c:formatCode>yyyy\-mm\-dd</c:formatCode>
                 <c:ptCount val="12"/>
                 <c:pt idx="0">
-                  <c:v>43647</c:v>
-                </c:pt>
-                <c:pt idx="1">
-                  <c:v>43678</c:v>
-                </c:pt>
-                <c:pt idx="2">
-                  <c:v>43709</c:v>
-                </c:pt>
-                <c:pt idx="3">
-                  <c:v>43739</c:v>
-                </c:pt>
-                <c:pt idx="4">
-                  <c:v>43770</c:v>
-                </c:pt>
-                <c:pt idx="5">
-                  <c:v>43800</c:v>
-                </c:pt>
-                <c:pt idx="6">
-                  <c:v>43831</c:v>
+                  <c:v>43647.0</c:v>
+                </c:pt>
+                <c:pt idx="1">
+                  <c:v>43678.0</c:v>
+                </c:pt>
+                <c:pt idx="2">
+                  <c:v>43709.0</c:v>
+                </c:pt>
+                <c:pt idx="3">
+                  <c:v>43739.0</c:v>
+                </c:pt>
+                <c:pt idx="4">
+                  <c:v>43770.0</c:v>
+                </c:pt>
+                <c:pt idx="5">
+                  <c:v>43800.0</c:v>
+                </c:pt>
+                <c:pt idx="6">
+                  <c:v>43831.0</c:v>
                 </c:pt>
                 <c:pt idx="7">
-                  <c:v>43862</c:v>
+                  <c:v>43862.0</c:v>
                 </c:pt>
                 <c:pt idx="8">
-                  <c:v>43891</c:v>
+                  <c:v>43891.0</c:v>
                 </c:pt>
                 <c:pt idx="9">
-                  <c:v>43922</c:v>
+                  <c:v>43922.0</c:v>
                 </c:pt>
                 <c:pt idx="10">
-                  <c:v>43952</c:v>
+                  <c:v>43952.0</c:v>
                 </c:pt>
                 <c:pt idx="11">
-                  <c:v>43983</c:v>
+                  <c:v>43983.0</c:v>
                 </c:pt>
               </c:numCache>
             </c:numRef>
@@ -6916,20 +6056,8 @@
             </c:numRef>
           </c:val>
           <c:smooth val="0"/>
-          <c:extLst>
-            <c:ext xmlns:c16="http://schemas.microsoft.com/office/drawing/2014/chart" uri="{C3380CC4-5D6E-409C-BE32-E72D297353CC}">
-              <c16:uniqueId val="{00000003-E140-416D-9DFF-38B198794F43}"/>
-            </c:ext>
-          </c:extLst>
         </c:ser>
-        <c:dLbls>
-          <c:showLegendKey val="0"/>
-          <c:showVal val="0"/>
-          <c:showCatName val="0"/>
-          <c:showSerName val="0"/>
-          <c:showPercent val="0"/>
-          <c:showBubbleSize val="0"/>
-        </c:dLbls>
+        <c:marker val="1"/>
         <c:smooth val="0"/>
         <c:axId val="2118791784"/>
         <c:axId val="2140495176"/>
@@ -6953,9 +6081,7 @@
       </c:dateAx>
       <c:valAx>
         <c:axId val="2140495176"/>
-        <c:scaling>
-          <c:orientation val="minMax"/>
-        </c:scaling>
+        <c:scaling/>
         <c:delete val="0"/>
         <c:axPos val="l"/>
         <c:majorGridlines/>
@@ -6971,19 +6097,19 @@
               </a:p>
             </c:rich>
           </c:tx>
+          <c:layout/>
           <c:overlay val="0"/>
         </c:title>
-        <c:numFmt formatCode="General" sourceLinked="1"/>
         <c:majorTickMark val="out"/>
         <c:minorTickMark val="none"/>
         <c:tickLblPos val="nextTo"/>
         <c:crossAx val="2118791784"/>
         <c:crosses val="autoZero"/>
-        <c:crossBetween val="between"/>
       </c:valAx>
     </c:plotArea>
     <c:legend>
       <c:legendPos val="r"/>
+      <c:layout/>
       <c:overlay val="0"/>
     </c:legend>
     <c:plotVisOnly val="1"/>
@@ -7007,11 +6133,8 @@
 </file>
 
 <file path=ppt/charts/chart5.xml><?xml version="1.0" encoding="utf-8"?>
-<c:chartSpace xmlns:c="http://schemas.openxmlformats.org/drawingml/2006/chart" xmlns:a="http://schemas.openxmlformats.org/drawingml/2006/main" xmlns:r="http://schemas.openxmlformats.org/officeDocument/2006/relationships" xmlns:c16r2="http://schemas.microsoft.com/office/drawing/2015/06/chart">
+<c:chartSpace xmlns:c="http://schemas.openxmlformats.org/drawingml/2006/chart" xmlns:a="http://schemas.openxmlformats.org/drawingml/2006/main" xmlns:r="http://schemas.openxmlformats.org/officeDocument/2006/relationships">
   <c:date1904 val="0"/>
-  <c:lang val="en-US"/>
-  <c:roundedCorners val="1"/>
-  <c:style val="2"/>
   <c:chart>
     <c:title>
       <c:tx>
@@ -7025,11 +6148,11 @@
           </a:p>
         </c:rich>
       </c:tx>
+      <c:layout/>
       <c:overlay val="0"/>
     </c:title>
     <c:autoTitleDeleted val="0"/>
     <c:plotArea>
-      <c:layout/>
       <c:lineChart>
         <c:grouping val="standard"/>
         <c:varyColors val="0"/>
@@ -7057,40 +6180,40 @@
                 <c:formatCode>yyyy\-mm\-dd</c:formatCode>
                 <c:ptCount val="12"/>
                 <c:pt idx="0">
-                  <c:v>43647</c:v>
-                </c:pt>
-                <c:pt idx="1">
-                  <c:v>43678</c:v>
-                </c:pt>
-                <c:pt idx="2">
-                  <c:v>43709</c:v>
-                </c:pt>
-                <c:pt idx="3">
-                  <c:v>43739</c:v>
-                </c:pt>
-                <c:pt idx="4">
-                  <c:v>43770</c:v>
-                </c:pt>
-                <c:pt idx="5">
-                  <c:v>43800</c:v>
-                </c:pt>
-                <c:pt idx="6">
-                  <c:v>43831</c:v>
+                  <c:v>43647.0</c:v>
+                </c:pt>
+                <c:pt idx="1">
+                  <c:v>43678.0</c:v>
+                </c:pt>
+                <c:pt idx="2">
+                  <c:v>43709.0</c:v>
+                </c:pt>
+                <c:pt idx="3">
+                  <c:v>43739.0</c:v>
+                </c:pt>
+                <c:pt idx="4">
+                  <c:v>43770.0</c:v>
+                </c:pt>
+                <c:pt idx="5">
+                  <c:v>43800.0</c:v>
+                </c:pt>
+                <c:pt idx="6">
+                  <c:v>43831.0</c:v>
                 </c:pt>
                 <c:pt idx="7">
-                  <c:v>43862</c:v>
+                  <c:v>43862.0</c:v>
                 </c:pt>
                 <c:pt idx="8">
-                  <c:v>43891</c:v>
+                  <c:v>43891.0</c:v>
                 </c:pt>
                 <c:pt idx="9">
-                  <c:v>43922</c:v>
+                  <c:v>43922.0</c:v>
                 </c:pt>
                 <c:pt idx="10">
-                  <c:v>43952</c:v>
+                  <c:v>43952.0</c:v>
                 </c:pt>
                 <c:pt idx="11">
-                  <c:v>43983</c:v>
+                  <c:v>43983.0</c:v>
                 </c:pt>
               </c:numCache>
             </c:numRef>
@@ -7141,11 +6264,6 @@
             </c:numRef>
           </c:val>
           <c:smooth val="0"/>
-          <c:extLst>
-            <c:ext xmlns:c16="http://schemas.microsoft.com/office/drawing/2014/chart" uri="{C3380CC4-5D6E-409C-BE32-E72D297353CC}">
-              <c16:uniqueId val="{00000000-BFFF-4C07-8CEB-39522521AE75}"/>
-            </c:ext>
-          </c:extLst>
         </c:ser>
         <c:ser>
           <c:idx val="1"/>
@@ -7171,40 +6289,40 @@
                 <c:formatCode>yyyy\-mm\-dd</c:formatCode>
                 <c:ptCount val="12"/>
                 <c:pt idx="0">
-                  <c:v>43647</c:v>
-                </c:pt>
-                <c:pt idx="1">
-                  <c:v>43678</c:v>
-                </c:pt>
-                <c:pt idx="2">
-                  <c:v>43709</c:v>
-                </c:pt>
-                <c:pt idx="3">
-                  <c:v>43739</c:v>
-                </c:pt>
-                <c:pt idx="4">
-                  <c:v>43770</c:v>
-                </c:pt>
-                <c:pt idx="5">
-                  <c:v>43800</c:v>
-                </c:pt>
-                <c:pt idx="6">
-                  <c:v>43831</c:v>
+                  <c:v>43647.0</c:v>
+                </c:pt>
+                <c:pt idx="1">
+                  <c:v>43678.0</c:v>
+                </c:pt>
+                <c:pt idx="2">
+                  <c:v>43709.0</c:v>
+                </c:pt>
+                <c:pt idx="3">
+                  <c:v>43739.0</c:v>
+                </c:pt>
+                <c:pt idx="4">
+                  <c:v>43770.0</c:v>
+                </c:pt>
+                <c:pt idx="5">
+                  <c:v>43800.0</c:v>
+                </c:pt>
+                <c:pt idx="6">
+                  <c:v>43831.0</c:v>
                 </c:pt>
                 <c:pt idx="7">
-                  <c:v>43862</c:v>
+                  <c:v>43862.0</c:v>
                 </c:pt>
                 <c:pt idx="8">
-                  <c:v>43891</c:v>
+                  <c:v>43891.0</c:v>
                 </c:pt>
                 <c:pt idx="9">
-                  <c:v>43922</c:v>
+                  <c:v>43922.0</c:v>
                 </c:pt>
                 <c:pt idx="10">
-                  <c:v>43952</c:v>
+                  <c:v>43952.0</c:v>
                 </c:pt>
                 <c:pt idx="11">
-                  <c:v>43983</c:v>
+                  <c:v>43983.0</c:v>
                 </c:pt>
               </c:numCache>
             </c:numRef>
@@ -7255,11 +6373,6 @@
             </c:numRef>
           </c:val>
           <c:smooth val="0"/>
-          <c:extLst>
-            <c:ext xmlns:c16="http://schemas.microsoft.com/office/drawing/2014/chart" uri="{C3380CC4-5D6E-409C-BE32-E72D297353CC}">
-              <c16:uniqueId val="{00000001-BFFF-4C07-8CEB-39522521AE75}"/>
-            </c:ext>
-          </c:extLst>
         </c:ser>
         <c:ser>
           <c:idx val="2"/>
@@ -7285,40 +6398,40 @@
                 <c:formatCode>yyyy\-mm\-dd</c:formatCode>
                 <c:ptCount val="12"/>
                 <c:pt idx="0">
-                  <c:v>43647</c:v>
-                </c:pt>
-                <c:pt idx="1">
-                  <c:v>43678</c:v>
-                </c:pt>
-                <c:pt idx="2">
-                  <c:v>43709</c:v>
-                </c:pt>
-                <c:pt idx="3">
-                  <c:v>43739</c:v>
-                </c:pt>
-                <c:pt idx="4">
-                  <c:v>43770</c:v>
-                </c:pt>
-                <c:pt idx="5">
-                  <c:v>43800</c:v>
-                </c:pt>
-                <c:pt idx="6">
-                  <c:v>43831</c:v>
+                  <c:v>43647.0</c:v>
+                </c:pt>
+                <c:pt idx="1">
+                  <c:v>43678.0</c:v>
+                </c:pt>
+                <c:pt idx="2">
+                  <c:v>43709.0</c:v>
+                </c:pt>
+                <c:pt idx="3">
+                  <c:v>43739.0</c:v>
+                </c:pt>
+                <c:pt idx="4">
+                  <c:v>43770.0</c:v>
+                </c:pt>
+                <c:pt idx="5">
+                  <c:v>43800.0</c:v>
+                </c:pt>
+                <c:pt idx="6">
+                  <c:v>43831.0</c:v>
                 </c:pt>
                 <c:pt idx="7">
-                  <c:v>43862</c:v>
+                  <c:v>43862.0</c:v>
                 </c:pt>
                 <c:pt idx="8">
-                  <c:v>43891</c:v>
+                  <c:v>43891.0</c:v>
                 </c:pt>
                 <c:pt idx="9">
-                  <c:v>43922</c:v>
+                  <c:v>43922.0</c:v>
                 </c:pt>
                 <c:pt idx="10">
-                  <c:v>43952</c:v>
+                  <c:v>43952.0</c:v>
                 </c:pt>
                 <c:pt idx="11">
-                  <c:v>43983</c:v>
+                  <c:v>43983.0</c:v>
                 </c:pt>
               </c:numCache>
             </c:numRef>
@@ -7369,11 +6482,6 @@
             </c:numRef>
           </c:val>
           <c:smooth val="0"/>
-          <c:extLst>
-            <c:ext xmlns:c16="http://schemas.microsoft.com/office/drawing/2014/chart" uri="{C3380CC4-5D6E-409C-BE32-E72D297353CC}">
-              <c16:uniqueId val="{00000002-BFFF-4C07-8CEB-39522521AE75}"/>
-            </c:ext>
-          </c:extLst>
         </c:ser>
         <c:ser>
           <c:idx val="3"/>
@@ -7399,40 +6507,40 @@
                 <c:formatCode>yyyy\-mm\-dd</c:formatCode>
                 <c:ptCount val="12"/>
                 <c:pt idx="0">
-                  <c:v>43647</c:v>
-                </c:pt>
-                <c:pt idx="1">
-                  <c:v>43678</c:v>
-                </c:pt>
-                <c:pt idx="2">
-                  <c:v>43709</c:v>
-                </c:pt>
-                <c:pt idx="3">
-                  <c:v>43739</c:v>
-                </c:pt>
-                <c:pt idx="4">
-                  <c:v>43770</c:v>
-                </c:pt>
-                <c:pt idx="5">
-                  <c:v>43800</c:v>
-                </c:pt>
-                <c:pt idx="6">
-                  <c:v>43831</c:v>
+                  <c:v>43647.0</c:v>
+                </c:pt>
+                <c:pt idx="1">
+                  <c:v>43678.0</c:v>
+                </c:pt>
+                <c:pt idx="2">
+                  <c:v>43709.0</c:v>
+                </c:pt>
+                <c:pt idx="3">
+                  <c:v>43739.0</c:v>
+                </c:pt>
+                <c:pt idx="4">
+                  <c:v>43770.0</c:v>
+                </c:pt>
+                <c:pt idx="5">
+                  <c:v>43800.0</c:v>
+                </c:pt>
+                <c:pt idx="6">
+                  <c:v>43831.0</c:v>
                 </c:pt>
                 <c:pt idx="7">
-                  <c:v>43862</c:v>
+                  <c:v>43862.0</c:v>
                 </c:pt>
                 <c:pt idx="8">
-                  <c:v>43891</c:v>
+                  <c:v>43891.0</c:v>
                 </c:pt>
                 <c:pt idx="9">
-                  <c:v>43922</c:v>
+                  <c:v>43922.0</c:v>
                 </c:pt>
                 <c:pt idx="10">
-                  <c:v>43952</c:v>
+                  <c:v>43952.0</c:v>
                 </c:pt>
                 <c:pt idx="11">
-                  <c:v>43983</c:v>
+                  <c:v>43983.0</c:v>
                 </c:pt>
               </c:numCache>
             </c:numRef>
@@ -7483,20 +6591,8 @@
             </c:numRef>
           </c:val>
           <c:smooth val="0"/>
-          <c:extLst>
-            <c:ext xmlns:c16="http://schemas.microsoft.com/office/drawing/2014/chart" uri="{C3380CC4-5D6E-409C-BE32-E72D297353CC}">
-              <c16:uniqueId val="{00000003-BFFF-4C07-8CEB-39522521AE75}"/>
-            </c:ext>
-          </c:extLst>
         </c:ser>
-        <c:dLbls>
-          <c:showLegendKey val="0"/>
-          <c:showVal val="0"/>
-          <c:showCatName val="0"/>
-          <c:showSerName val="0"/>
-          <c:showPercent val="0"/>
-          <c:showBubbleSize val="0"/>
-        </c:dLbls>
+        <c:marker val="1"/>
         <c:smooth val="0"/>
         <c:axId val="2118791784"/>
         <c:axId val="2140495176"/>
@@ -7520,9 +6616,7 @@
       </c:dateAx>
       <c:valAx>
         <c:axId val="2140495176"/>
-        <c:scaling>
-          <c:orientation val="minMax"/>
-        </c:scaling>
+        <c:scaling/>
         <c:delete val="0"/>
         <c:axPos val="l"/>
         <c:majorGridlines/>
@@ -7538,19 +6632,19 @@
               </a:p>
             </c:rich>
           </c:tx>
+          <c:layout/>
           <c:overlay val="0"/>
         </c:title>
-        <c:numFmt formatCode="General" sourceLinked="1"/>
         <c:majorTickMark val="out"/>
         <c:minorTickMark val="none"/>
         <c:tickLblPos val="nextTo"/>
         <c:crossAx val="2118791784"/>
         <c:crosses val="autoZero"/>
-        <c:crossBetween val="between"/>
       </c:valAx>
     </c:plotArea>
     <c:legend>
       <c:legendPos val="r"/>
+      <c:layout/>
       <c:overlay val="0"/>
     </c:legend>
     <c:plotVisOnly val="1"/>
@@ -7574,11 +6668,8 @@
 </file>
 
 <file path=ppt/charts/chart6.xml><?xml version="1.0" encoding="utf-8"?>
-<c:chartSpace xmlns:c="http://schemas.openxmlformats.org/drawingml/2006/chart" xmlns:a="http://schemas.openxmlformats.org/drawingml/2006/main" xmlns:r="http://schemas.openxmlformats.org/officeDocument/2006/relationships" xmlns:c16r2="http://schemas.microsoft.com/office/drawing/2015/06/chart">
+<c:chartSpace xmlns:c="http://schemas.openxmlformats.org/drawingml/2006/chart" xmlns:a="http://schemas.openxmlformats.org/drawingml/2006/main" xmlns:r="http://schemas.openxmlformats.org/officeDocument/2006/relationships">
   <c:date1904 val="0"/>
-  <c:lang val="en-US"/>
-  <c:roundedCorners val="1"/>
-  <c:style val="2"/>
   <c:chart>
     <c:title>
       <c:tx>
@@ -7592,11 +6683,11 @@
           </a:p>
         </c:rich>
       </c:tx>
+      <c:layout/>
       <c:overlay val="0"/>
     </c:title>
     <c:autoTitleDeleted val="0"/>
     <c:plotArea>
-      <c:layout/>
       <c:lineChart>
         <c:grouping val="standard"/>
         <c:varyColors val="0"/>
@@ -7624,40 +6715,40 @@
                 <c:formatCode>yyyy\-mm\-dd</c:formatCode>
                 <c:ptCount val="12"/>
                 <c:pt idx="0">
-                  <c:v>43647</c:v>
-                </c:pt>
-                <c:pt idx="1">
-                  <c:v>43678</c:v>
-                </c:pt>
-                <c:pt idx="2">
-                  <c:v>43709</c:v>
-                </c:pt>
-                <c:pt idx="3">
-                  <c:v>43739</c:v>
-                </c:pt>
-                <c:pt idx="4">
-                  <c:v>43770</c:v>
-                </c:pt>
-                <c:pt idx="5">
-                  <c:v>43800</c:v>
-                </c:pt>
-                <c:pt idx="6">
-                  <c:v>43831</c:v>
+                  <c:v>43647.0</c:v>
+                </c:pt>
+                <c:pt idx="1">
+                  <c:v>43678.0</c:v>
+                </c:pt>
+                <c:pt idx="2">
+                  <c:v>43709.0</c:v>
+                </c:pt>
+                <c:pt idx="3">
+                  <c:v>43739.0</c:v>
+                </c:pt>
+                <c:pt idx="4">
+                  <c:v>43770.0</c:v>
+                </c:pt>
+                <c:pt idx="5">
+                  <c:v>43800.0</c:v>
+                </c:pt>
+                <c:pt idx="6">
+                  <c:v>43831.0</c:v>
                 </c:pt>
                 <c:pt idx="7">
-                  <c:v>43862</c:v>
+                  <c:v>43862.0</c:v>
                 </c:pt>
                 <c:pt idx="8">
-                  <c:v>43891</c:v>
+                  <c:v>43891.0</c:v>
                 </c:pt>
                 <c:pt idx="9">
-                  <c:v>43922</c:v>
+                  <c:v>43922.0</c:v>
                 </c:pt>
                 <c:pt idx="10">
-                  <c:v>43952</c:v>
+                  <c:v>43952.0</c:v>
                 </c:pt>
                 <c:pt idx="11">
-                  <c:v>43983</c:v>
+                  <c:v>43983.0</c:v>
                 </c:pt>
               </c:numCache>
             </c:numRef>
@@ -7708,11 +6799,6 @@
             </c:numRef>
           </c:val>
           <c:smooth val="0"/>
-          <c:extLst>
-            <c:ext xmlns:c16="http://schemas.microsoft.com/office/drawing/2014/chart" uri="{C3380CC4-5D6E-409C-BE32-E72D297353CC}">
-              <c16:uniqueId val="{00000000-211D-48EC-8163-3DD14A8DB5D7}"/>
-            </c:ext>
-          </c:extLst>
         </c:ser>
         <c:ser>
           <c:idx val="1"/>
@@ -7738,40 +6824,40 @@
                 <c:formatCode>yyyy\-mm\-dd</c:formatCode>
                 <c:ptCount val="12"/>
                 <c:pt idx="0">
-                  <c:v>43647</c:v>
-                </c:pt>
-                <c:pt idx="1">
-                  <c:v>43678</c:v>
-                </c:pt>
-                <c:pt idx="2">
-                  <c:v>43709</c:v>
-                </c:pt>
-                <c:pt idx="3">
-                  <c:v>43739</c:v>
-                </c:pt>
-                <c:pt idx="4">
-                  <c:v>43770</c:v>
-                </c:pt>
-                <c:pt idx="5">
-                  <c:v>43800</c:v>
-                </c:pt>
-                <c:pt idx="6">
-                  <c:v>43831</c:v>
+                  <c:v>43647.0</c:v>
+                </c:pt>
+                <c:pt idx="1">
+                  <c:v>43678.0</c:v>
+                </c:pt>
+                <c:pt idx="2">
+                  <c:v>43709.0</c:v>
+                </c:pt>
+                <c:pt idx="3">
+                  <c:v>43739.0</c:v>
+                </c:pt>
+                <c:pt idx="4">
+                  <c:v>43770.0</c:v>
+                </c:pt>
+                <c:pt idx="5">
+                  <c:v>43800.0</c:v>
+                </c:pt>
+                <c:pt idx="6">
+                  <c:v>43831.0</c:v>
                 </c:pt>
                 <c:pt idx="7">
-                  <c:v>43862</c:v>
+                  <c:v>43862.0</c:v>
                 </c:pt>
                 <c:pt idx="8">
-                  <c:v>43891</c:v>
+                  <c:v>43891.0</c:v>
                 </c:pt>
                 <c:pt idx="9">
-                  <c:v>43922</c:v>
+                  <c:v>43922.0</c:v>
                 </c:pt>
                 <c:pt idx="10">
-                  <c:v>43952</c:v>
+                  <c:v>43952.0</c:v>
                 </c:pt>
                 <c:pt idx="11">
-                  <c:v>43983</c:v>
+                  <c:v>43983.0</c:v>
                 </c:pt>
               </c:numCache>
             </c:numRef>
@@ -7822,11 +6908,6 @@
             </c:numRef>
           </c:val>
           <c:smooth val="0"/>
-          <c:extLst>
-            <c:ext xmlns:c16="http://schemas.microsoft.com/office/drawing/2014/chart" uri="{C3380CC4-5D6E-409C-BE32-E72D297353CC}">
-              <c16:uniqueId val="{00000001-211D-48EC-8163-3DD14A8DB5D7}"/>
-            </c:ext>
-          </c:extLst>
         </c:ser>
         <c:ser>
           <c:idx val="2"/>
@@ -7852,40 +6933,40 @@
                 <c:formatCode>yyyy\-mm\-dd</c:formatCode>
                 <c:ptCount val="12"/>
                 <c:pt idx="0">
-                  <c:v>43647</c:v>
-                </c:pt>
-                <c:pt idx="1">
-                  <c:v>43678</c:v>
-                </c:pt>
-                <c:pt idx="2">
-                  <c:v>43709</c:v>
-                </c:pt>
-                <c:pt idx="3">
-                  <c:v>43739</c:v>
-                </c:pt>
-                <c:pt idx="4">
-                  <c:v>43770</c:v>
-                </c:pt>
-                <c:pt idx="5">
-                  <c:v>43800</c:v>
-                </c:pt>
-                <c:pt idx="6">
-                  <c:v>43831</c:v>
+                  <c:v>43647.0</c:v>
+                </c:pt>
+                <c:pt idx="1">
+                  <c:v>43678.0</c:v>
+                </c:pt>
+                <c:pt idx="2">
+                  <c:v>43709.0</c:v>
+                </c:pt>
+                <c:pt idx="3">
+                  <c:v>43739.0</c:v>
+                </c:pt>
+                <c:pt idx="4">
+                  <c:v>43770.0</c:v>
+                </c:pt>
+                <c:pt idx="5">
+                  <c:v>43800.0</c:v>
+                </c:pt>
+                <c:pt idx="6">
+                  <c:v>43831.0</c:v>
                 </c:pt>
                 <c:pt idx="7">
-                  <c:v>43862</c:v>
+                  <c:v>43862.0</c:v>
                 </c:pt>
                 <c:pt idx="8">
-                  <c:v>43891</c:v>
+                  <c:v>43891.0</c:v>
                 </c:pt>
                 <c:pt idx="9">
-                  <c:v>43922</c:v>
+                  <c:v>43922.0</c:v>
                 </c:pt>
                 <c:pt idx="10">
-                  <c:v>43952</c:v>
+                  <c:v>43952.0</c:v>
                 </c:pt>
                 <c:pt idx="11">
-                  <c:v>43983</c:v>
+                  <c:v>43983.0</c:v>
                 </c:pt>
               </c:numCache>
             </c:numRef>
@@ -7936,11 +7017,6 @@
             </c:numRef>
           </c:val>
           <c:smooth val="0"/>
-          <c:extLst>
-            <c:ext xmlns:c16="http://schemas.microsoft.com/office/drawing/2014/chart" uri="{C3380CC4-5D6E-409C-BE32-E72D297353CC}">
-              <c16:uniqueId val="{00000002-211D-48EC-8163-3DD14A8DB5D7}"/>
-            </c:ext>
-          </c:extLst>
         </c:ser>
         <c:ser>
           <c:idx val="3"/>
@@ -7966,40 +7042,40 @@
                 <c:formatCode>yyyy\-mm\-dd</c:formatCode>
                 <c:ptCount val="12"/>
                 <c:pt idx="0">
-                  <c:v>43647</c:v>
-                </c:pt>
-                <c:pt idx="1">
-                  <c:v>43678</c:v>
-                </c:pt>
-                <c:pt idx="2">
-                  <c:v>43709</c:v>
-                </c:pt>
-                <c:pt idx="3">
-                  <c:v>43739</c:v>
-                </c:pt>
-                <c:pt idx="4">
-                  <c:v>43770</c:v>
-                </c:pt>
-                <c:pt idx="5">
-                  <c:v>43800</c:v>
-                </c:pt>
-                <c:pt idx="6">
-                  <c:v>43831</c:v>
+                  <c:v>43647.0</c:v>
+                </c:pt>
+                <c:pt idx="1">
+                  <c:v>43678.0</c:v>
+                </c:pt>
+                <c:pt idx="2">
+                  <c:v>43709.0</c:v>
+                </c:pt>
+                <c:pt idx="3">
+                  <c:v>43739.0</c:v>
+                </c:pt>
+                <c:pt idx="4">
+                  <c:v>43770.0</c:v>
+                </c:pt>
+                <c:pt idx="5">
+                  <c:v>43800.0</c:v>
+                </c:pt>
+                <c:pt idx="6">
+                  <c:v>43831.0</c:v>
                 </c:pt>
                 <c:pt idx="7">
-                  <c:v>43862</c:v>
+                  <c:v>43862.0</c:v>
                 </c:pt>
                 <c:pt idx="8">
-                  <c:v>43891</c:v>
+                  <c:v>43891.0</c:v>
                 </c:pt>
                 <c:pt idx="9">
-                  <c:v>43922</c:v>
+                  <c:v>43922.0</c:v>
                 </c:pt>
                 <c:pt idx="10">
-                  <c:v>43952</c:v>
+                  <c:v>43952.0</c:v>
                 </c:pt>
                 <c:pt idx="11">
-                  <c:v>43983</c:v>
+                  <c:v>43983.0</c:v>
                 </c:pt>
               </c:numCache>
             </c:numRef>
@@ -8050,20 +7126,8 @@
             </c:numRef>
           </c:val>
           <c:smooth val="0"/>
-          <c:extLst>
-            <c:ext xmlns:c16="http://schemas.microsoft.com/office/drawing/2014/chart" uri="{C3380CC4-5D6E-409C-BE32-E72D297353CC}">
-              <c16:uniqueId val="{00000003-211D-48EC-8163-3DD14A8DB5D7}"/>
-            </c:ext>
-          </c:extLst>
         </c:ser>
-        <c:dLbls>
-          <c:showLegendKey val="0"/>
-          <c:showVal val="0"/>
-          <c:showCatName val="0"/>
-          <c:showSerName val="0"/>
-          <c:showPercent val="0"/>
-          <c:showBubbleSize val="0"/>
-        </c:dLbls>
+        <c:marker val="1"/>
         <c:smooth val="0"/>
         <c:axId val="2118791784"/>
         <c:axId val="2140495176"/>
@@ -8087,9 +7151,7 @@
       </c:dateAx>
       <c:valAx>
         <c:axId val="2140495176"/>
-        <c:scaling>
-          <c:orientation val="minMax"/>
-        </c:scaling>
+        <c:scaling/>
         <c:delete val="0"/>
         <c:axPos val="l"/>
         <c:majorGridlines/>
@@ -8105,19 +7167,19 @@
               </a:p>
             </c:rich>
           </c:tx>
+          <c:layout/>
           <c:overlay val="0"/>
         </c:title>
-        <c:numFmt formatCode="General" sourceLinked="1"/>
         <c:majorTickMark val="out"/>
         <c:minorTickMark val="none"/>
         <c:tickLblPos val="nextTo"/>
         <c:crossAx val="2118791784"/>
         <c:crosses val="autoZero"/>
-        <c:crossBetween val="between"/>
       </c:valAx>
     </c:plotArea>
     <c:legend>
       <c:legendPos val="r"/>
+      <c:layout/>
       <c:overlay val="0"/>
     </c:legend>
     <c:plotVisOnly val="1"/>
@@ -8141,11 +7203,8 @@
 </file>
 
 <file path=ppt/charts/chart7.xml><?xml version="1.0" encoding="utf-8"?>
-<c:chartSpace xmlns:c="http://schemas.openxmlformats.org/drawingml/2006/chart" xmlns:a="http://schemas.openxmlformats.org/drawingml/2006/main" xmlns:r="http://schemas.openxmlformats.org/officeDocument/2006/relationships" xmlns:c16r2="http://schemas.microsoft.com/office/drawing/2015/06/chart">
+<c:chartSpace xmlns:c="http://schemas.openxmlformats.org/drawingml/2006/chart" xmlns:a="http://schemas.openxmlformats.org/drawingml/2006/main" xmlns:r="http://schemas.openxmlformats.org/officeDocument/2006/relationships">
   <c:date1904 val="0"/>
-  <c:lang val="en-US"/>
-  <c:roundedCorners val="1"/>
-  <c:style val="2"/>
   <c:chart>
     <c:title>
       <c:tx>
@@ -8159,11 +7218,11 @@
           </a:p>
         </c:rich>
       </c:tx>
+      <c:layout/>
       <c:overlay val="0"/>
     </c:title>
     <c:autoTitleDeleted val="0"/>
     <c:plotArea>
-      <c:layout/>
       <c:lineChart>
         <c:grouping val="standard"/>
         <c:varyColors val="0"/>
@@ -8191,40 +7250,40 @@
                 <c:formatCode>yyyy\-mm\-dd</c:formatCode>
                 <c:ptCount val="12"/>
                 <c:pt idx="0">
-                  <c:v>43647</c:v>
-                </c:pt>
-                <c:pt idx="1">
-                  <c:v>43678</c:v>
-                </c:pt>
-                <c:pt idx="2">
-                  <c:v>43709</c:v>
-                </c:pt>
-                <c:pt idx="3">
-                  <c:v>43739</c:v>
-                </c:pt>
-                <c:pt idx="4">
-                  <c:v>43770</c:v>
-                </c:pt>
-                <c:pt idx="5">
-                  <c:v>43800</c:v>
-                </c:pt>
-                <c:pt idx="6">
-                  <c:v>43831</c:v>
+                  <c:v>43647.0</c:v>
+                </c:pt>
+                <c:pt idx="1">
+                  <c:v>43678.0</c:v>
+                </c:pt>
+                <c:pt idx="2">
+                  <c:v>43709.0</c:v>
+                </c:pt>
+                <c:pt idx="3">
+                  <c:v>43739.0</c:v>
+                </c:pt>
+                <c:pt idx="4">
+                  <c:v>43770.0</c:v>
+                </c:pt>
+                <c:pt idx="5">
+                  <c:v>43800.0</c:v>
+                </c:pt>
+                <c:pt idx="6">
+                  <c:v>43831.0</c:v>
                 </c:pt>
                 <c:pt idx="7">
-                  <c:v>43862</c:v>
+                  <c:v>43862.0</c:v>
                 </c:pt>
                 <c:pt idx="8">
-                  <c:v>43891</c:v>
+                  <c:v>43891.0</c:v>
                 </c:pt>
                 <c:pt idx="9">
-                  <c:v>43922</c:v>
+                  <c:v>43922.0</c:v>
                 </c:pt>
                 <c:pt idx="10">
-                  <c:v>43952</c:v>
+                  <c:v>43952.0</c:v>
                 </c:pt>
                 <c:pt idx="11">
-                  <c:v>43983</c:v>
+                  <c:v>43983.0</c:v>
                 </c:pt>
               </c:numCache>
             </c:numRef>
@@ -8236,50 +7295,45 @@
                 <c:formatCode>General</c:formatCode>
                 <c:ptCount val="12"/>
                 <c:pt idx="0">
-                  <c:v>55</c:v>
-                </c:pt>
-                <c:pt idx="1">
-                  <c:v>36</c:v>
-                </c:pt>
-                <c:pt idx="2">
-                  <c:v>24</c:v>
-                </c:pt>
-                <c:pt idx="3">
-                  <c:v>66</c:v>
-                </c:pt>
-                <c:pt idx="4">
-                  <c:v>96</c:v>
-                </c:pt>
-                <c:pt idx="5">
-                  <c:v>92</c:v>
-                </c:pt>
-                <c:pt idx="6">
-                  <c:v>27</c:v>
+                  <c:v>82</c:v>
+                </c:pt>
+                <c:pt idx="1">
+                  <c:v>53</c:v>
+                </c:pt>
+                <c:pt idx="2">
+                  <c:v>61</c:v>
+                </c:pt>
+                <c:pt idx="3">
+                  <c:v>85</c:v>
+                </c:pt>
+                <c:pt idx="4">
+                  <c:v>147</c:v>
+                </c:pt>
+                <c:pt idx="5">
+                  <c:v>178</c:v>
+                </c:pt>
+                <c:pt idx="6">
+                  <c:v>44</c:v>
                 </c:pt>
                 <c:pt idx="7">
-                  <c:v>16</c:v>
+                  <c:v>46</c:v>
                 </c:pt>
                 <c:pt idx="8">
-                  <c:v>63</c:v>
+                  <c:v>100</c:v>
                 </c:pt>
                 <c:pt idx="9">
-                  <c:v>68</c:v>
+                  <c:v>74</c:v>
                 </c:pt>
                 <c:pt idx="10">
-                  <c:v>8</c:v>
+                  <c:v>85</c:v>
                 </c:pt>
                 <c:pt idx="11">
-                  <c:v>15</c:v>
+                  <c:v>33</c:v>
                 </c:pt>
               </c:numCache>
             </c:numRef>
           </c:val>
           <c:smooth val="0"/>
-          <c:extLst>
-            <c:ext xmlns:c16="http://schemas.microsoft.com/office/drawing/2014/chart" uri="{C3380CC4-5D6E-409C-BE32-E72D297353CC}">
-              <c16:uniqueId val="{00000000-EA76-42F7-80A2-A4BA3FEB20C3}"/>
-            </c:ext>
-          </c:extLst>
         </c:ser>
         <c:ser>
           <c:idx val="1"/>
@@ -8305,40 +7359,40 @@
                 <c:formatCode>yyyy\-mm\-dd</c:formatCode>
                 <c:ptCount val="12"/>
                 <c:pt idx="0">
-                  <c:v>43647</c:v>
-                </c:pt>
-                <c:pt idx="1">
-                  <c:v>43678</c:v>
-                </c:pt>
-                <c:pt idx="2">
-                  <c:v>43709</c:v>
-                </c:pt>
-                <c:pt idx="3">
-                  <c:v>43739</c:v>
-                </c:pt>
-                <c:pt idx="4">
-                  <c:v>43770</c:v>
-                </c:pt>
-                <c:pt idx="5">
-                  <c:v>43800</c:v>
-                </c:pt>
-                <c:pt idx="6">
-                  <c:v>43831</c:v>
+                  <c:v>43647.0</c:v>
+                </c:pt>
+                <c:pt idx="1">
+                  <c:v>43678.0</c:v>
+                </c:pt>
+                <c:pt idx="2">
+                  <c:v>43709.0</c:v>
+                </c:pt>
+                <c:pt idx="3">
+                  <c:v>43739.0</c:v>
+                </c:pt>
+                <c:pt idx="4">
+                  <c:v>43770.0</c:v>
+                </c:pt>
+                <c:pt idx="5">
+                  <c:v>43800.0</c:v>
+                </c:pt>
+                <c:pt idx="6">
+                  <c:v>43831.0</c:v>
                 </c:pt>
                 <c:pt idx="7">
-                  <c:v>43862</c:v>
+                  <c:v>43862.0</c:v>
                 </c:pt>
                 <c:pt idx="8">
-                  <c:v>43891</c:v>
+                  <c:v>43891.0</c:v>
                 </c:pt>
                 <c:pt idx="9">
-                  <c:v>43922</c:v>
+                  <c:v>43922.0</c:v>
                 </c:pt>
                 <c:pt idx="10">
-                  <c:v>43952</c:v>
+                  <c:v>43952.0</c:v>
                 </c:pt>
                 <c:pt idx="11">
-                  <c:v>43983</c:v>
+                  <c:v>43983.0</c:v>
                 </c:pt>
               </c:numCache>
             </c:numRef>
@@ -8350,50 +7404,45 @@
                 <c:formatCode>General</c:formatCode>
                 <c:ptCount val="12"/>
                 <c:pt idx="0">
-                  <c:v>37</c:v>
-                </c:pt>
-                <c:pt idx="1">
+                  <c:v>127</c:v>
+                </c:pt>
+                <c:pt idx="1">
+                  <c:v>138</c:v>
+                </c:pt>
+                <c:pt idx="2">
+                  <c:v>53</c:v>
+                </c:pt>
+                <c:pt idx="3">
+                  <c:v>30</c:v>
+                </c:pt>
+                <c:pt idx="4">
+                  <c:v>45</c:v>
+                </c:pt>
+                <c:pt idx="5">
+                  <c:v>78</c:v>
+                </c:pt>
+                <c:pt idx="6">
+                  <c:v>103</c:v>
+                </c:pt>
+                <c:pt idx="7">
+                  <c:v>54</c:v>
+                </c:pt>
+                <c:pt idx="8">
+                  <c:v>81</c:v>
+                </c:pt>
+                <c:pt idx="9">
                   <c:v>84</c:v>
                 </c:pt>
-                <c:pt idx="2">
-                  <c:v>21</c:v>
-                </c:pt>
-                <c:pt idx="3">
-                  <c:v>20</c:v>
-                </c:pt>
-                <c:pt idx="4">
-                  <c:v>16</c:v>
-                </c:pt>
-                <c:pt idx="5">
-                  <c:v>40</c:v>
-                </c:pt>
-                <c:pt idx="6">
-                  <c:v>68</c:v>
-                </c:pt>
-                <c:pt idx="7">
-                  <c:v>48</c:v>
-                </c:pt>
-                <c:pt idx="8">
-                  <c:v>68</c:v>
-                </c:pt>
-                <c:pt idx="9">
-                  <c:v>44</c:v>
-                </c:pt>
                 <c:pt idx="10">
-                  <c:v>36</c:v>
+                  <c:v>76</c:v>
                 </c:pt>
                 <c:pt idx="11">
-                  <c:v>40</c:v>
+                  <c:v>64</c:v>
                 </c:pt>
               </c:numCache>
             </c:numRef>
           </c:val>
           <c:smooth val="0"/>
-          <c:extLst>
-            <c:ext xmlns:c16="http://schemas.microsoft.com/office/drawing/2014/chart" uri="{C3380CC4-5D6E-409C-BE32-E72D297353CC}">
-              <c16:uniqueId val="{00000001-EA76-42F7-80A2-A4BA3FEB20C3}"/>
-            </c:ext>
-          </c:extLst>
         </c:ser>
         <c:ser>
           <c:idx val="2"/>
@@ -8419,40 +7468,40 @@
                 <c:formatCode>yyyy\-mm\-dd</c:formatCode>
                 <c:ptCount val="12"/>
                 <c:pt idx="0">
-                  <c:v>43647</c:v>
-                </c:pt>
-                <c:pt idx="1">
-                  <c:v>43678</c:v>
-                </c:pt>
-                <c:pt idx="2">
-                  <c:v>43709</c:v>
-                </c:pt>
-                <c:pt idx="3">
-                  <c:v>43739</c:v>
-                </c:pt>
-                <c:pt idx="4">
-                  <c:v>43770</c:v>
-                </c:pt>
-                <c:pt idx="5">
-                  <c:v>43800</c:v>
-                </c:pt>
-                <c:pt idx="6">
-                  <c:v>43831</c:v>
+                  <c:v>43647.0</c:v>
+                </c:pt>
+                <c:pt idx="1">
+                  <c:v>43678.0</c:v>
+                </c:pt>
+                <c:pt idx="2">
+                  <c:v>43709.0</c:v>
+                </c:pt>
+                <c:pt idx="3">
+                  <c:v>43739.0</c:v>
+                </c:pt>
+                <c:pt idx="4">
+                  <c:v>43770.0</c:v>
+                </c:pt>
+                <c:pt idx="5">
+                  <c:v>43800.0</c:v>
+                </c:pt>
+                <c:pt idx="6">
+                  <c:v>43831.0</c:v>
                 </c:pt>
                 <c:pt idx="7">
-                  <c:v>43862</c:v>
+                  <c:v>43862.0</c:v>
                 </c:pt>
                 <c:pt idx="8">
-                  <c:v>43891</c:v>
+                  <c:v>43891.0</c:v>
                 </c:pt>
                 <c:pt idx="9">
-                  <c:v>43922</c:v>
+                  <c:v>43922.0</c:v>
                 </c:pt>
                 <c:pt idx="10">
-                  <c:v>43952</c:v>
+                  <c:v>43952.0</c:v>
                 </c:pt>
                 <c:pt idx="11">
-                  <c:v>43983</c:v>
+                  <c:v>43983.0</c:v>
                 </c:pt>
               </c:numCache>
             </c:numRef>
@@ -8464,50 +7513,45 @@
                 <c:formatCode>General</c:formatCode>
                 <c:ptCount val="12"/>
                 <c:pt idx="0">
-                  <c:v>62</c:v>
-                </c:pt>
-                <c:pt idx="1">
-                  <c:v>49</c:v>
-                </c:pt>
-                <c:pt idx="2">
-                  <c:v>30</c:v>
-                </c:pt>
-                <c:pt idx="3">
-                  <c:v>37</c:v>
-                </c:pt>
-                <c:pt idx="4">
-                  <c:v>85</c:v>
-                </c:pt>
-                <c:pt idx="5">
-                  <c:v>116</c:v>
-                </c:pt>
-                <c:pt idx="6">
-                  <c:v>81</c:v>
+                  <c:v>160</c:v>
+                </c:pt>
+                <c:pt idx="1">
+                  <c:v>104</c:v>
+                </c:pt>
+                <c:pt idx="2">
+                  <c:v>90</c:v>
+                </c:pt>
+                <c:pt idx="3">
+                  <c:v>124</c:v>
+                </c:pt>
+                <c:pt idx="4">
+                  <c:v>158</c:v>
+                </c:pt>
+                <c:pt idx="5">
+                  <c:v>186</c:v>
+                </c:pt>
+                <c:pt idx="6">
+                  <c:v>105</c:v>
                 </c:pt>
                 <c:pt idx="7">
-                  <c:v>64</c:v>
+                  <c:v>70</c:v>
                 </c:pt>
                 <c:pt idx="8">
-                  <c:v>39</c:v>
+                  <c:v>136</c:v>
                 </c:pt>
                 <c:pt idx="9">
-                  <c:v>31</c:v>
+                  <c:v>66</c:v>
                 </c:pt>
                 <c:pt idx="10">
+                  <c:v>141</c:v>
+                </c:pt>
+                <c:pt idx="11">
                   <c:v>54</c:v>
-                </c:pt>
-                <c:pt idx="11">
-                  <c:v>36</c:v>
                 </c:pt>
               </c:numCache>
             </c:numRef>
           </c:val>
           <c:smooth val="0"/>
-          <c:extLst>
-            <c:ext xmlns:c16="http://schemas.microsoft.com/office/drawing/2014/chart" uri="{C3380CC4-5D6E-409C-BE32-E72D297353CC}">
-              <c16:uniqueId val="{00000002-EA76-42F7-80A2-A4BA3FEB20C3}"/>
-            </c:ext>
-          </c:extLst>
         </c:ser>
         <c:ser>
           <c:idx val="3"/>
@@ -8533,40 +7577,40 @@
                 <c:formatCode>yyyy\-mm\-dd</c:formatCode>
                 <c:ptCount val="12"/>
                 <c:pt idx="0">
-                  <c:v>43647</c:v>
-                </c:pt>
-                <c:pt idx="1">
-                  <c:v>43678</c:v>
-                </c:pt>
-                <c:pt idx="2">
-                  <c:v>43709</c:v>
-                </c:pt>
-                <c:pt idx="3">
-                  <c:v>43739</c:v>
-                </c:pt>
-                <c:pt idx="4">
-                  <c:v>43770</c:v>
-                </c:pt>
-                <c:pt idx="5">
-                  <c:v>43800</c:v>
-                </c:pt>
-                <c:pt idx="6">
-                  <c:v>43831</c:v>
+                  <c:v>43647.0</c:v>
+                </c:pt>
+                <c:pt idx="1">
+                  <c:v>43678.0</c:v>
+                </c:pt>
+                <c:pt idx="2">
+                  <c:v>43709.0</c:v>
+                </c:pt>
+                <c:pt idx="3">
+                  <c:v>43739.0</c:v>
+                </c:pt>
+                <c:pt idx="4">
+                  <c:v>43770.0</c:v>
+                </c:pt>
+                <c:pt idx="5">
+                  <c:v>43800.0</c:v>
+                </c:pt>
+                <c:pt idx="6">
+                  <c:v>43831.0</c:v>
                 </c:pt>
                 <c:pt idx="7">
-                  <c:v>43862</c:v>
+                  <c:v>43862.0</c:v>
                 </c:pt>
                 <c:pt idx="8">
-                  <c:v>43891</c:v>
+                  <c:v>43891.0</c:v>
                 </c:pt>
                 <c:pt idx="9">
-                  <c:v>43922</c:v>
+                  <c:v>43922.0</c:v>
                 </c:pt>
                 <c:pt idx="10">
-                  <c:v>43952</c:v>
+                  <c:v>43952.0</c:v>
                 </c:pt>
                 <c:pt idx="11">
-                  <c:v>43983</c:v>
+                  <c:v>43983.0</c:v>
                 </c:pt>
               </c:numCache>
             </c:numRef>
@@ -8578,59 +7622,47 @@
                 <c:formatCode>General</c:formatCode>
                 <c:ptCount val="12"/>
                 <c:pt idx="0">
-                  <c:v>43</c:v>
-                </c:pt>
-                <c:pt idx="1">
-                  <c:v>74</c:v>
-                </c:pt>
-                <c:pt idx="2">
-                  <c:v>51</c:v>
-                </c:pt>
-                <c:pt idx="3">
-                  <c:v>80</c:v>
-                </c:pt>
-                <c:pt idx="4">
-                  <c:v>112</c:v>
-                </c:pt>
-                <c:pt idx="5">
-                  <c:v>88</c:v>
-                </c:pt>
-                <c:pt idx="6">
-                  <c:v>76</c:v>
+                  <c:v>69</c:v>
+                </c:pt>
+                <c:pt idx="1">
+                  <c:v>94</c:v>
+                </c:pt>
+                <c:pt idx="2">
+                  <c:v>60</c:v>
+                </c:pt>
+                <c:pt idx="3">
+                  <c:v>95</c:v>
+                </c:pt>
+                <c:pt idx="4">
+                  <c:v>163</c:v>
+                </c:pt>
+                <c:pt idx="5">
+                  <c:v>131</c:v>
+                </c:pt>
+                <c:pt idx="6">
+                  <c:v>100</c:v>
                 </c:pt>
                 <c:pt idx="7">
-                  <c:v>39</c:v>
+                  <c:v>75</c:v>
                 </c:pt>
                 <c:pt idx="8">
-                  <c:v>53</c:v>
+                  <c:v>83</c:v>
                 </c:pt>
                 <c:pt idx="9">
+                  <c:v>75</c:v>
+                </c:pt>
+                <c:pt idx="10">
                   <c:v>50</c:v>
                 </c:pt>
-                <c:pt idx="10">
-                  <c:v>17</c:v>
-                </c:pt>
                 <c:pt idx="11">
-                  <c:v>42</c:v>
+                  <c:v>71</c:v>
                 </c:pt>
               </c:numCache>
             </c:numRef>
           </c:val>
           <c:smooth val="0"/>
-          <c:extLst>
-            <c:ext xmlns:c16="http://schemas.microsoft.com/office/drawing/2014/chart" uri="{C3380CC4-5D6E-409C-BE32-E72D297353CC}">
-              <c16:uniqueId val="{00000003-EA76-42F7-80A2-A4BA3FEB20C3}"/>
-            </c:ext>
-          </c:extLst>
         </c:ser>
-        <c:dLbls>
-          <c:showLegendKey val="0"/>
-          <c:showVal val="0"/>
-          <c:showCatName val="0"/>
-          <c:showSerName val="0"/>
-          <c:showPercent val="0"/>
-          <c:showBubbleSize val="0"/>
-        </c:dLbls>
+        <c:marker val="1"/>
         <c:smooth val="0"/>
         <c:axId val="2118791784"/>
         <c:axId val="2140495176"/>
@@ -8654,9 +7686,7 @@
       </c:dateAx>
       <c:valAx>
         <c:axId val="2140495176"/>
-        <c:scaling>
-          <c:orientation val="minMax"/>
-        </c:scaling>
+        <c:scaling/>
         <c:delete val="0"/>
         <c:axPos val="l"/>
         <c:majorGridlines/>
@@ -8672,19 +7702,19 @@
               </a:p>
             </c:rich>
           </c:tx>
+          <c:layout/>
           <c:overlay val="0"/>
         </c:title>
-        <c:numFmt formatCode="General" sourceLinked="1"/>
         <c:majorTickMark val="out"/>
         <c:minorTickMark val="none"/>
         <c:tickLblPos val="nextTo"/>
         <c:crossAx val="2118791784"/>
         <c:crosses val="autoZero"/>
-        <c:crossBetween val="between"/>
       </c:valAx>
     </c:plotArea>
     <c:legend>
       <c:legendPos val="r"/>
+      <c:layout/>
       <c:overlay val="0"/>
     </c:legend>
     <c:plotVisOnly val="1"/>
@@ -8708,11 +7738,8 @@
 </file>
 
 <file path=ppt/charts/chart8.xml><?xml version="1.0" encoding="utf-8"?>
-<c:chartSpace xmlns:c="http://schemas.openxmlformats.org/drawingml/2006/chart" xmlns:a="http://schemas.openxmlformats.org/drawingml/2006/main" xmlns:r="http://schemas.openxmlformats.org/officeDocument/2006/relationships" xmlns:c16r2="http://schemas.microsoft.com/office/drawing/2015/06/chart">
+<c:chartSpace xmlns:c="http://schemas.openxmlformats.org/drawingml/2006/chart" xmlns:a="http://schemas.openxmlformats.org/drawingml/2006/main" xmlns:r="http://schemas.openxmlformats.org/officeDocument/2006/relationships">
   <c:date1904 val="0"/>
-  <c:lang val="en-US"/>
-  <c:roundedCorners val="1"/>
-  <c:style val="2"/>
   <c:chart>
     <c:title>
       <c:tx>
@@ -8726,11 +7753,11 @@
           </a:p>
         </c:rich>
       </c:tx>
+      <c:layout/>
       <c:overlay val="0"/>
     </c:title>
     <c:autoTitleDeleted val="0"/>
     <c:plotArea>
-      <c:layout/>
       <c:lineChart>
         <c:grouping val="standard"/>
         <c:varyColors val="0"/>
@@ -8758,40 +7785,40 @@
                 <c:formatCode>yyyy\-mm\-dd</c:formatCode>
                 <c:ptCount val="12"/>
                 <c:pt idx="0">
-                  <c:v>43647</c:v>
-                </c:pt>
-                <c:pt idx="1">
-                  <c:v>43678</c:v>
-                </c:pt>
-                <c:pt idx="2">
-                  <c:v>43709</c:v>
-                </c:pt>
-                <c:pt idx="3">
-                  <c:v>43739</c:v>
-                </c:pt>
-                <c:pt idx="4">
-                  <c:v>43770</c:v>
-                </c:pt>
-                <c:pt idx="5">
-                  <c:v>43800</c:v>
-                </c:pt>
-                <c:pt idx="6">
-                  <c:v>43831</c:v>
+                  <c:v>43647.0</c:v>
+                </c:pt>
+                <c:pt idx="1">
+                  <c:v>43678.0</c:v>
+                </c:pt>
+                <c:pt idx="2">
+                  <c:v>43709.0</c:v>
+                </c:pt>
+                <c:pt idx="3">
+                  <c:v>43739.0</c:v>
+                </c:pt>
+                <c:pt idx="4">
+                  <c:v>43770.0</c:v>
+                </c:pt>
+                <c:pt idx="5">
+                  <c:v>43800.0</c:v>
+                </c:pt>
+                <c:pt idx="6">
+                  <c:v>43831.0</c:v>
                 </c:pt>
                 <c:pt idx="7">
-                  <c:v>43862</c:v>
+                  <c:v>43862.0</c:v>
                 </c:pt>
                 <c:pt idx="8">
-                  <c:v>43891</c:v>
+                  <c:v>43891.0</c:v>
                 </c:pt>
                 <c:pt idx="9">
-                  <c:v>43922</c:v>
+                  <c:v>43922.0</c:v>
                 </c:pt>
                 <c:pt idx="10">
-                  <c:v>43952</c:v>
+                  <c:v>43952.0</c:v>
                 </c:pt>
                 <c:pt idx="11">
-                  <c:v>43983</c:v>
+                  <c:v>43983.0</c:v>
                 </c:pt>
               </c:numCache>
             </c:numRef>
@@ -8842,11 +7869,6 @@
             </c:numRef>
           </c:val>
           <c:smooth val="0"/>
-          <c:extLst>
-            <c:ext xmlns:c16="http://schemas.microsoft.com/office/drawing/2014/chart" uri="{C3380CC4-5D6E-409C-BE32-E72D297353CC}">
-              <c16:uniqueId val="{00000000-F2BE-41E6-B8ED-8823E2E1EFAE}"/>
-            </c:ext>
-          </c:extLst>
         </c:ser>
         <c:ser>
           <c:idx val="1"/>
@@ -8872,40 +7894,40 @@
                 <c:formatCode>yyyy\-mm\-dd</c:formatCode>
                 <c:ptCount val="12"/>
                 <c:pt idx="0">
-                  <c:v>43647</c:v>
-                </c:pt>
-                <c:pt idx="1">
-                  <c:v>43678</c:v>
-                </c:pt>
-                <c:pt idx="2">
-                  <c:v>43709</c:v>
-                </c:pt>
-                <c:pt idx="3">
-                  <c:v>43739</c:v>
-                </c:pt>
-                <c:pt idx="4">
-                  <c:v>43770</c:v>
-                </c:pt>
-                <c:pt idx="5">
-                  <c:v>43800</c:v>
-                </c:pt>
-                <c:pt idx="6">
-                  <c:v>43831</c:v>
+                  <c:v>43647.0</c:v>
+                </c:pt>
+                <c:pt idx="1">
+                  <c:v>43678.0</c:v>
+                </c:pt>
+                <c:pt idx="2">
+                  <c:v>43709.0</c:v>
+                </c:pt>
+                <c:pt idx="3">
+                  <c:v>43739.0</c:v>
+                </c:pt>
+                <c:pt idx="4">
+                  <c:v>43770.0</c:v>
+                </c:pt>
+                <c:pt idx="5">
+                  <c:v>43800.0</c:v>
+                </c:pt>
+                <c:pt idx="6">
+                  <c:v>43831.0</c:v>
                 </c:pt>
                 <c:pt idx="7">
-                  <c:v>43862</c:v>
+                  <c:v>43862.0</c:v>
                 </c:pt>
                 <c:pt idx="8">
-                  <c:v>43891</c:v>
+                  <c:v>43891.0</c:v>
                 </c:pt>
                 <c:pt idx="9">
-                  <c:v>43922</c:v>
+                  <c:v>43922.0</c:v>
                 </c:pt>
                 <c:pt idx="10">
-                  <c:v>43952</c:v>
+                  <c:v>43952.0</c:v>
                 </c:pt>
                 <c:pt idx="11">
-                  <c:v>43983</c:v>
+                  <c:v>43983.0</c:v>
                 </c:pt>
               </c:numCache>
             </c:numRef>
@@ -8956,11 +7978,6 @@
             </c:numRef>
           </c:val>
           <c:smooth val="0"/>
-          <c:extLst>
-            <c:ext xmlns:c16="http://schemas.microsoft.com/office/drawing/2014/chart" uri="{C3380CC4-5D6E-409C-BE32-E72D297353CC}">
-              <c16:uniqueId val="{00000001-F2BE-41E6-B8ED-8823E2E1EFAE}"/>
-            </c:ext>
-          </c:extLst>
         </c:ser>
         <c:ser>
           <c:idx val="2"/>
@@ -8986,40 +8003,40 @@
                 <c:formatCode>yyyy\-mm\-dd</c:formatCode>
                 <c:ptCount val="12"/>
                 <c:pt idx="0">
-                  <c:v>43647</c:v>
-                </c:pt>
-                <c:pt idx="1">
-                  <c:v>43678</c:v>
-                </c:pt>
-                <c:pt idx="2">
-                  <c:v>43709</c:v>
-                </c:pt>
-                <c:pt idx="3">
-                  <c:v>43739</c:v>
-                </c:pt>
-                <c:pt idx="4">
-                  <c:v>43770</c:v>
-                </c:pt>
-                <c:pt idx="5">
-                  <c:v>43800</c:v>
-                </c:pt>
-                <c:pt idx="6">
-                  <c:v>43831</c:v>
+                  <c:v>43647.0</c:v>
+                </c:pt>
+                <c:pt idx="1">
+                  <c:v>43678.0</c:v>
+                </c:pt>
+                <c:pt idx="2">
+                  <c:v>43709.0</c:v>
+                </c:pt>
+                <c:pt idx="3">
+                  <c:v>43739.0</c:v>
+                </c:pt>
+                <c:pt idx="4">
+                  <c:v>43770.0</c:v>
+                </c:pt>
+                <c:pt idx="5">
+                  <c:v>43800.0</c:v>
+                </c:pt>
+                <c:pt idx="6">
+                  <c:v>43831.0</c:v>
                 </c:pt>
                 <c:pt idx="7">
-                  <c:v>43862</c:v>
+                  <c:v>43862.0</c:v>
                 </c:pt>
                 <c:pt idx="8">
-                  <c:v>43891</c:v>
+                  <c:v>43891.0</c:v>
                 </c:pt>
                 <c:pt idx="9">
-                  <c:v>43922</c:v>
+                  <c:v>43922.0</c:v>
                 </c:pt>
                 <c:pt idx="10">
-                  <c:v>43952</c:v>
+                  <c:v>43952.0</c:v>
                 </c:pt>
                 <c:pt idx="11">
-                  <c:v>43983</c:v>
+                  <c:v>43983.0</c:v>
                 </c:pt>
               </c:numCache>
             </c:numRef>
@@ -9070,11 +8087,6 @@
             </c:numRef>
           </c:val>
           <c:smooth val="0"/>
-          <c:extLst>
-            <c:ext xmlns:c16="http://schemas.microsoft.com/office/drawing/2014/chart" uri="{C3380CC4-5D6E-409C-BE32-E72D297353CC}">
-              <c16:uniqueId val="{00000002-F2BE-41E6-B8ED-8823E2E1EFAE}"/>
-            </c:ext>
-          </c:extLst>
         </c:ser>
         <c:ser>
           <c:idx val="3"/>
@@ -9100,40 +8112,40 @@
                 <c:formatCode>yyyy\-mm\-dd</c:formatCode>
                 <c:ptCount val="12"/>
                 <c:pt idx="0">
-                  <c:v>43647</c:v>
-                </c:pt>
-                <c:pt idx="1">
-                  <c:v>43678</c:v>
-                </c:pt>
-                <c:pt idx="2">
-                  <c:v>43709</c:v>
-                </c:pt>
-                <c:pt idx="3">
-                  <c:v>43739</c:v>
-                </c:pt>
-                <c:pt idx="4">
-                  <c:v>43770</c:v>
-                </c:pt>
-                <c:pt idx="5">
-                  <c:v>43800</c:v>
-                </c:pt>
-                <c:pt idx="6">
-                  <c:v>43831</c:v>
+                  <c:v>43647.0</c:v>
+                </c:pt>
+                <c:pt idx="1">
+                  <c:v>43678.0</c:v>
+                </c:pt>
+                <c:pt idx="2">
+                  <c:v>43709.0</c:v>
+                </c:pt>
+                <c:pt idx="3">
+                  <c:v>43739.0</c:v>
+                </c:pt>
+                <c:pt idx="4">
+                  <c:v>43770.0</c:v>
+                </c:pt>
+                <c:pt idx="5">
+                  <c:v>43800.0</c:v>
+                </c:pt>
+                <c:pt idx="6">
+                  <c:v>43831.0</c:v>
                 </c:pt>
                 <c:pt idx="7">
-                  <c:v>43862</c:v>
+                  <c:v>43862.0</c:v>
                 </c:pt>
                 <c:pt idx="8">
-                  <c:v>43891</c:v>
+                  <c:v>43891.0</c:v>
                 </c:pt>
                 <c:pt idx="9">
-                  <c:v>43922</c:v>
+                  <c:v>43922.0</c:v>
                 </c:pt>
                 <c:pt idx="10">
-                  <c:v>43952</c:v>
+                  <c:v>43952.0</c:v>
                 </c:pt>
                 <c:pt idx="11">
-                  <c:v>43983</c:v>
+                  <c:v>43983.0</c:v>
                 </c:pt>
               </c:numCache>
             </c:numRef>
@@ -9184,20 +8196,8 @@
             </c:numRef>
           </c:val>
           <c:smooth val="0"/>
-          <c:extLst>
-            <c:ext xmlns:c16="http://schemas.microsoft.com/office/drawing/2014/chart" uri="{C3380CC4-5D6E-409C-BE32-E72D297353CC}">
-              <c16:uniqueId val="{00000003-F2BE-41E6-B8ED-8823E2E1EFAE}"/>
-            </c:ext>
-          </c:extLst>
         </c:ser>
-        <c:dLbls>
-          <c:showLegendKey val="0"/>
-          <c:showVal val="0"/>
-          <c:showCatName val="0"/>
-          <c:showSerName val="0"/>
-          <c:showPercent val="0"/>
-          <c:showBubbleSize val="0"/>
-        </c:dLbls>
+        <c:marker val="1"/>
         <c:smooth val="0"/>
         <c:axId val="2118791784"/>
         <c:axId val="2140495176"/>
@@ -9221,9 +8221,7 @@
       </c:dateAx>
       <c:valAx>
         <c:axId val="2140495176"/>
-        <c:scaling>
-          <c:orientation val="minMax"/>
-        </c:scaling>
+        <c:scaling/>
         <c:delete val="0"/>
         <c:axPos val="l"/>
         <c:majorGridlines/>
@@ -9239,19 +8237,19 @@
               </a:p>
             </c:rich>
           </c:tx>
+          <c:layout/>
           <c:overlay val="0"/>
         </c:title>
-        <c:numFmt formatCode="General" sourceLinked="1"/>
         <c:majorTickMark val="out"/>
         <c:minorTickMark val="none"/>
         <c:tickLblPos val="nextTo"/>
         <c:crossAx val="2118791784"/>
         <c:crosses val="autoZero"/>
-        <c:crossBetween val="between"/>
       </c:valAx>
     </c:plotArea>
     <c:legend>
       <c:legendPos val="r"/>
+      <c:layout/>
       <c:overlay val="0"/>
     </c:legend>
     <c:plotVisOnly val="1"/>
@@ -9275,11 +8273,8 @@
 </file>
 
 <file path=ppt/charts/chart9.xml><?xml version="1.0" encoding="utf-8"?>
-<c:chartSpace xmlns:c="http://schemas.openxmlformats.org/drawingml/2006/chart" xmlns:a="http://schemas.openxmlformats.org/drawingml/2006/main" xmlns:r="http://schemas.openxmlformats.org/officeDocument/2006/relationships" xmlns:c16r2="http://schemas.microsoft.com/office/drawing/2015/06/chart">
+<c:chartSpace xmlns:c="http://schemas.openxmlformats.org/drawingml/2006/chart" xmlns:a="http://schemas.openxmlformats.org/drawingml/2006/main" xmlns:r="http://schemas.openxmlformats.org/officeDocument/2006/relationships">
   <c:date1904 val="0"/>
-  <c:lang val="en-US"/>
-  <c:roundedCorners val="1"/>
-  <c:style val="2"/>
   <c:chart>
     <c:title>
       <c:tx>
@@ -9293,11 +8288,11 @@
           </a:p>
         </c:rich>
       </c:tx>
+      <c:layout/>
       <c:overlay val="0"/>
     </c:title>
     <c:autoTitleDeleted val="0"/>
     <c:plotArea>
-      <c:layout/>
       <c:lineChart>
         <c:grouping val="standard"/>
         <c:varyColors val="0"/>
@@ -9325,40 +8320,40 @@
                 <c:formatCode>yyyy\-mm\-dd</c:formatCode>
                 <c:ptCount val="12"/>
                 <c:pt idx="0">
-                  <c:v>43647</c:v>
-                </c:pt>
-                <c:pt idx="1">
-                  <c:v>43678</c:v>
-                </c:pt>
-                <c:pt idx="2">
-                  <c:v>43709</c:v>
-                </c:pt>
-                <c:pt idx="3">
-                  <c:v>43739</c:v>
-                </c:pt>
-                <c:pt idx="4">
-                  <c:v>43770</c:v>
-                </c:pt>
-                <c:pt idx="5">
-                  <c:v>43800</c:v>
-                </c:pt>
-                <c:pt idx="6">
-                  <c:v>43831</c:v>
+                  <c:v>43647.0</c:v>
+                </c:pt>
+                <c:pt idx="1">
+                  <c:v>43678.0</c:v>
+                </c:pt>
+                <c:pt idx="2">
+                  <c:v>43709.0</c:v>
+                </c:pt>
+                <c:pt idx="3">
+                  <c:v>43739.0</c:v>
+                </c:pt>
+                <c:pt idx="4">
+                  <c:v>43770.0</c:v>
+                </c:pt>
+                <c:pt idx="5">
+                  <c:v>43800.0</c:v>
+                </c:pt>
+                <c:pt idx="6">
+                  <c:v>43831.0</c:v>
                 </c:pt>
                 <c:pt idx="7">
-                  <c:v>43862</c:v>
+                  <c:v>43862.0</c:v>
                 </c:pt>
                 <c:pt idx="8">
-                  <c:v>43891</c:v>
+                  <c:v>43891.0</c:v>
                 </c:pt>
                 <c:pt idx="9">
-                  <c:v>43922</c:v>
+                  <c:v>43922.0</c:v>
                 </c:pt>
                 <c:pt idx="10">
-                  <c:v>43952</c:v>
+                  <c:v>43952.0</c:v>
                 </c:pt>
                 <c:pt idx="11">
-                  <c:v>43983</c:v>
+                  <c:v>43983.0</c:v>
                 </c:pt>
               </c:numCache>
             </c:numRef>
@@ -9409,11 +8404,6 @@
             </c:numRef>
           </c:val>
           <c:smooth val="0"/>
-          <c:extLst>
-            <c:ext xmlns:c16="http://schemas.microsoft.com/office/drawing/2014/chart" uri="{C3380CC4-5D6E-409C-BE32-E72D297353CC}">
-              <c16:uniqueId val="{00000000-ACC9-47FE-A65F-8EA688F0B4B7}"/>
-            </c:ext>
-          </c:extLst>
         </c:ser>
         <c:ser>
           <c:idx val="1"/>
@@ -9439,40 +8429,40 @@
                 <c:formatCode>yyyy\-mm\-dd</c:formatCode>
                 <c:ptCount val="12"/>
                 <c:pt idx="0">
-                  <c:v>43647</c:v>
-                </c:pt>
-                <c:pt idx="1">
-                  <c:v>43678</c:v>
-                </c:pt>
-                <c:pt idx="2">
-                  <c:v>43709</c:v>
-                </c:pt>
-                <c:pt idx="3">
-                  <c:v>43739</c:v>
-                </c:pt>
-                <c:pt idx="4">
-                  <c:v>43770</c:v>
-                </c:pt>
-                <c:pt idx="5">
-                  <c:v>43800</c:v>
-                </c:pt>
-                <c:pt idx="6">
-                  <c:v>43831</c:v>
+                  <c:v>43647.0</c:v>
+                </c:pt>
+                <c:pt idx="1">
+                  <c:v>43678.0</c:v>
+                </c:pt>
+                <c:pt idx="2">
+                  <c:v>43709.0</c:v>
+                </c:pt>
+                <c:pt idx="3">
+                  <c:v>43739.0</c:v>
+                </c:pt>
+                <c:pt idx="4">
+                  <c:v>43770.0</c:v>
+                </c:pt>
+                <c:pt idx="5">
+                  <c:v>43800.0</c:v>
+                </c:pt>
+                <c:pt idx="6">
+                  <c:v>43831.0</c:v>
                 </c:pt>
                 <c:pt idx="7">
-                  <c:v>43862</c:v>
+                  <c:v>43862.0</c:v>
                 </c:pt>
                 <c:pt idx="8">
-                  <c:v>43891</c:v>
+                  <c:v>43891.0</c:v>
                 </c:pt>
                 <c:pt idx="9">
-                  <c:v>43922</c:v>
+                  <c:v>43922.0</c:v>
                 </c:pt>
                 <c:pt idx="10">
-                  <c:v>43952</c:v>
+                  <c:v>43952.0</c:v>
                 </c:pt>
                 <c:pt idx="11">
-                  <c:v>43983</c:v>
+                  <c:v>43983.0</c:v>
                 </c:pt>
               </c:numCache>
             </c:numRef>
@@ -9523,11 +8513,6 @@
             </c:numRef>
           </c:val>
           <c:smooth val="0"/>
-          <c:extLst>
-            <c:ext xmlns:c16="http://schemas.microsoft.com/office/drawing/2014/chart" uri="{C3380CC4-5D6E-409C-BE32-E72D297353CC}">
-              <c16:uniqueId val="{00000001-ACC9-47FE-A65F-8EA688F0B4B7}"/>
-            </c:ext>
-          </c:extLst>
         </c:ser>
         <c:ser>
           <c:idx val="2"/>
@@ -9553,40 +8538,40 @@
                 <c:formatCode>yyyy\-mm\-dd</c:formatCode>
                 <c:ptCount val="12"/>
                 <c:pt idx="0">
-                  <c:v>43647</c:v>
-                </c:pt>
-                <c:pt idx="1">
-                  <c:v>43678</c:v>
-                </c:pt>
-                <c:pt idx="2">
-                  <c:v>43709</c:v>
-                </c:pt>
-                <c:pt idx="3">
-                  <c:v>43739</c:v>
-                </c:pt>
-                <c:pt idx="4">
-                  <c:v>43770</c:v>
-                </c:pt>
-                <c:pt idx="5">
-                  <c:v>43800</c:v>
-                </c:pt>
-                <c:pt idx="6">
-                  <c:v>43831</c:v>
+                  <c:v>43647.0</c:v>
+                </c:pt>
+                <c:pt idx="1">
+                  <c:v>43678.0</c:v>
+                </c:pt>
+                <c:pt idx="2">
+                  <c:v>43709.0</c:v>
+                </c:pt>
+                <c:pt idx="3">
+                  <c:v>43739.0</c:v>
+                </c:pt>
+                <c:pt idx="4">
+                  <c:v>43770.0</c:v>
+                </c:pt>
+                <c:pt idx="5">
+                  <c:v>43800.0</c:v>
+                </c:pt>
+                <c:pt idx="6">
+                  <c:v>43831.0</c:v>
                 </c:pt>
                 <c:pt idx="7">
-                  <c:v>43862</c:v>
+                  <c:v>43862.0</c:v>
                 </c:pt>
                 <c:pt idx="8">
-                  <c:v>43891</c:v>
+                  <c:v>43891.0</c:v>
                 </c:pt>
                 <c:pt idx="9">
-                  <c:v>43922</c:v>
+                  <c:v>43922.0</c:v>
                 </c:pt>
                 <c:pt idx="10">
-                  <c:v>43952</c:v>
+                  <c:v>43952.0</c:v>
                 </c:pt>
                 <c:pt idx="11">
-                  <c:v>43983</c:v>
+                  <c:v>43983.0</c:v>
                 </c:pt>
               </c:numCache>
             </c:numRef>
@@ -9637,11 +8622,6 @@
             </c:numRef>
           </c:val>
           <c:smooth val="0"/>
-          <c:extLst>
-            <c:ext xmlns:c16="http://schemas.microsoft.com/office/drawing/2014/chart" uri="{C3380CC4-5D6E-409C-BE32-E72D297353CC}">
-              <c16:uniqueId val="{00000002-ACC9-47FE-A65F-8EA688F0B4B7}"/>
-            </c:ext>
-          </c:extLst>
         </c:ser>
         <c:ser>
           <c:idx val="3"/>
@@ -9667,40 +8647,40 @@
                 <c:formatCode>yyyy\-mm\-dd</c:formatCode>
                 <c:ptCount val="12"/>
                 <c:pt idx="0">
-                  <c:v>43647</c:v>
-                </c:pt>
-                <c:pt idx="1">
-                  <c:v>43678</c:v>
-                </c:pt>
-                <c:pt idx="2">
-                  <c:v>43709</c:v>
-                </c:pt>
-                <c:pt idx="3">
-                  <c:v>43739</c:v>
-                </c:pt>
-                <c:pt idx="4">
-                  <c:v>43770</c:v>
-                </c:pt>
-                <c:pt idx="5">
-                  <c:v>43800</c:v>
-                </c:pt>
-                <c:pt idx="6">
-                  <c:v>43831</c:v>
+                  <c:v>43647.0</c:v>
+                </c:pt>
+                <c:pt idx="1">
+                  <c:v>43678.0</c:v>
+                </c:pt>
+                <c:pt idx="2">
+                  <c:v>43709.0</c:v>
+                </c:pt>
+                <c:pt idx="3">
+                  <c:v>43739.0</c:v>
+                </c:pt>
+                <c:pt idx="4">
+                  <c:v>43770.0</c:v>
+                </c:pt>
+                <c:pt idx="5">
+                  <c:v>43800.0</c:v>
+                </c:pt>
+                <c:pt idx="6">
+                  <c:v>43831.0</c:v>
                 </c:pt>
                 <c:pt idx="7">
-                  <c:v>43862</c:v>
+                  <c:v>43862.0</c:v>
                 </c:pt>
                 <c:pt idx="8">
-                  <c:v>43891</c:v>
+                  <c:v>43891.0</c:v>
                 </c:pt>
                 <c:pt idx="9">
-                  <c:v>43922</c:v>
+                  <c:v>43922.0</c:v>
                 </c:pt>
                 <c:pt idx="10">
-                  <c:v>43952</c:v>
+                  <c:v>43952.0</c:v>
                 </c:pt>
                 <c:pt idx="11">
-                  <c:v>43983</c:v>
+                  <c:v>43983.0</c:v>
                 </c:pt>
               </c:numCache>
             </c:numRef>
@@ -9751,20 +8731,8 @@
             </c:numRef>
           </c:val>
           <c:smooth val="0"/>
-          <c:extLst>
-            <c:ext xmlns:c16="http://schemas.microsoft.com/office/drawing/2014/chart" uri="{C3380CC4-5D6E-409C-BE32-E72D297353CC}">
-              <c16:uniqueId val="{00000003-ACC9-47FE-A65F-8EA688F0B4B7}"/>
-            </c:ext>
-          </c:extLst>
         </c:ser>
-        <c:dLbls>
-          <c:showLegendKey val="0"/>
-          <c:showVal val="0"/>
-          <c:showCatName val="0"/>
-          <c:showSerName val="0"/>
-          <c:showPercent val="0"/>
-          <c:showBubbleSize val="0"/>
-        </c:dLbls>
+        <c:marker val="1"/>
         <c:smooth val="0"/>
         <c:axId val="2118791784"/>
         <c:axId val="2140495176"/>
@@ -9788,9 +8756,7 @@
       </c:dateAx>
       <c:valAx>
         <c:axId val="2140495176"/>
-        <c:scaling>
-          <c:orientation val="minMax"/>
-        </c:scaling>
+        <c:scaling/>
         <c:delete val="0"/>
         <c:axPos val="l"/>
         <c:majorGridlines/>
@@ -9806,19 +8772,19 @@
               </a:p>
             </c:rich>
           </c:tx>
+          <c:layout/>
           <c:overlay val="0"/>
         </c:title>
-        <c:numFmt formatCode="General" sourceLinked="1"/>
         <c:majorTickMark val="out"/>
         <c:minorTickMark val="none"/>
         <c:tickLblPos val="nextTo"/>
         <c:crossAx val="2118791784"/>
         <c:crosses val="autoZero"/>
-        <c:crossBetween val="between"/>
       </c:valAx>
     </c:plotArea>
     <c:legend>
       <c:legendPos val="r"/>
+      <c:layout/>
       <c:overlay val="0"/>
     </c:legend>
     <c:plotVisOnly val="1"/>
@@ -9839,562 +8805,6 @@
     <c:autoUpdate val="0"/>
   </c:externalData>
 </c:chartSpace>
-</file>
-
-<file path=ppt/charts/colors1.xml><?xml version="1.0" encoding="utf-8"?>
-<cs:colorStyle xmlns:cs="http://schemas.microsoft.com/office/drawing/2012/chartStyle" xmlns:a="http://schemas.openxmlformats.org/drawingml/2006/main" meth="cycle" id="10">
-  <a:schemeClr val="accent1"/>
-  <a:schemeClr val="accent2"/>
-  <a:schemeClr val="accent3"/>
-  <a:schemeClr val="accent4"/>
-  <a:schemeClr val="accent5"/>
-  <a:schemeClr val="accent6"/>
-  <cs:variation/>
-  <cs:variation>
-    <a:lumMod val="60000"/>
-  </cs:variation>
-  <cs:variation>
-    <a:lumMod val="80000"/>
-    <a:lumOff val="20000"/>
-  </cs:variation>
-  <cs:variation>
-    <a:lumMod val="80000"/>
-  </cs:variation>
-  <cs:variation>
-    <a:lumMod val="60000"/>
-    <a:lumOff val="40000"/>
-  </cs:variation>
-  <cs:variation>
-    <a:lumMod val="50000"/>
-  </cs:variation>
-  <cs:variation>
-    <a:lumMod val="70000"/>
-    <a:lumOff val="30000"/>
-  </cs:variation>
-  <cs:variation>
-    <a:lumMod val="70000"/>
-  </cs:variation>
-  <cs:variation>
-    <a:lumMod val="50000"/>
-    <a:lumOff val="50000"/>
-  </cs:variation>
-</cs:colorStyle>
-</file>
-
-<file path=ppt/charts/style1.xml><?xml version="1.0" encoding="utf-8"?>
-<cs:chartStyle xmlns:cs="http://schemas.microsoft.com/office/drawing/2012/chartStyle" xmlns:a="http://schemas.openxmlformats.org/drawingml/2006/main" id="227">
-  <cs:axisTitle>
-    <cs:lnRef idx="0"/>
-    <cs:fillRef idx="0"/>
-    <cs:effectRef idx="0"/>
-    <cs:fontRef idx="minor">
-      <a:schemeClr val="tx1">
-        <a:lumMod val="65000"/>
-        <a:lumOff val="35000"/>
-      </a:schemeClr>
-    </cs:fontRef>
-    <cs:defRPr sz="1330" kern="1200"/>
-  </cs:axisTitle>
-  <cs:categoryAxis>
-    <cs:lnRef idx="0"/>
-    <cs:fillRef idx="0"/>
-    <cs:effectRef idx="0"/>
-    <cs:fontRef idx="minor">
-      <a:schemeClr val="tx1">
-        <a:lumMod val="65000"/>
-        <a:lumOff val="35000"/>
-      </a:schemeClr>
-    </cs:fontRef>
-    <cs:spPr>
-      <a:ln w="9525" cap="flat" cmpd="sng" algn="ctr">
-        <a:solidFill>
-          <a:schemeClr val="tx1">
-            <a:lumMod val="15000"/>
-            <a:lumOff val="85000"/>
-          </a:schemeClr>
-        </a:solidFill>
-        <a:round/>
-      </a:ln>
-    </cs:spPr>
-    <cs:defRPr sz="1197" kern="1200"/>
-  </cs:categoryAxis>
-  <cs:chartArea mods="allowNoFillOverride allowNoLineOverride">
-    <cs:lnRef idx="0"/>
-    <cs:fillRef idx="0"/>
-    <cs:effectRef idx="0"/>
-    <cs:fontRef idx="minor">
-      <a:schemeClr val="tx1"/>
-    </cs:fontRef>
-    <cs:spPr>
-      <a:solidFill>
-        <a:schemeClr val="bg1"/>
-      </a:solidFill>
-      <a:ln w="9525" cap="flat" cmpd="sng" algn="ctr">
-        <a:solidFill>
-          <a:schemeClr val="tx1">
-            <a:lumMod val="15000"/>
-            <a:lumOff val="85000"/>
-          </a:schemeClr>
-        </a:solidFill>
-        <a:round/>
-      </a:ln>
-    </cs:spPr>
-    <cs:defRPr sz="1330" kern="1200"/>
-  </cs:chartArea>
-  <cs:dataLabel>
-    <cs:lnRef idx="0"/>
-    <cs:fillRef idx="0"/>
-    <cs:effectRef idx="0"/>
-    <cs:fontRef idx="minor">
-      <a:schemeClr val="tx1">
-        <a:lumMod val="75000"/>
-        <a:lumOff val="25000"/>
-      </a:schemeClr>
-    </cs:fontRef>
-    <cs:defRPr sz="1197" kern="1200"/>
-  </cs:dataLabel>
-  <cs:dataLabelCallout>
-    <cs:lnRef idx="0"/>
-    <cs:fillRef idx="0"/>
-    <cs:effectRef idx="0"/>
-    <cs:fontRef idx="minor">
-      <a:schemeClr val="dk1">
-        <a:lumMod val="65000"/>
-        <a:lumOff val="35000"/>
-      </a:schemeClr>
-    </cs:fontRef>
-    <cs:spPr>
-      <a:solidFill>
-        <a:schemeClr val="lt1"/>
-      </a:solidFill>
-      <a:ln>
-        <a:solidFill>
-          <a:schemeClr val="dk1">
-            <a:lumMod val="25000"/>
-            <a:lumOff val="75000"/>
-          </a:schemeClr>
-        </a:solidFill>
-      </a:ln>
-    </cs:spPr>
-    <cs:defRPr sz="1197" kern="1200"/>
-    <cs:bodyPr rot="0" spcFirstLastPara="1" vertOverflow="clip" horzOverflow="clip" vert="horz" wrap="square" lIns="36576" tIns="18288" rIns="36576" bIns="18288" anchor="ctr" anchorCtr="1">
-      <a:spAutoFit/>
-    </cs:bodyPr>
-  </cs:dataLabelCallout>
-  <cs:dataPoint>
-    <cs:lnRef idx="0"/>
-    <cs:fillRef idx="1">
-      <cs:styleClr val="auto"/>
-    </cs:fillRef>
-    <cs:effectRef idx="0"/>
-    <cs:fontRef idx="minor">
-      <a:schemeClr val="tx1"/>
-    </cs:fontRef>
-    <cs:spPr>
-      <a:solidFill>
-        <a:schemeClr val="phClr"/>
-      </a:solidFill>
-    </cs:spPr>
-  </cs:dataPoint>
-  <cs:dataPoint3D>
-    <cs:lnRef idx="0"/>
-    <cs:fillRef idx="1">
-      <cs:styleClr val="auto"/>
-    </cs:fillRef>
-    <cs:effectRef idx="0"/>
-    <cs:fontRef idx="minor">
-      <a:schemeClr val="tx1"/>
-    </cs:fontRef>
-    <cs:spPr>
-      <a:solidFill>
-        <a:schemeClr val="phClr"/>
-      </a:solidFill>
-    </cs:spPr>
-  </cs:dataPoint3D>
-  <cs:dataPointLine>
-    <cs:lnRef idx="0">
-      <cs:styleClr val="auto"/>
-    </cs:lnRef>
-    <cs:fillRef idx="1"/>
-    <cs:effectRef idx="0"/>
-    <cs:fontRef idx="minor">
-      <a:schemeClr val="tx1"/>
-    </cs:fontRef>
-    <cs:spPr>
-      <a:ln w="28575" cap="rnd">
-        <a:solidFill>
-          <a:schemeClr val="phClr"/>
-        </a:solidFill>
-        <a:round/>
-      </a:ln>
-    </cs:spPr>
-  </cs:dataPointLine>
-  <cs:dataPointMarker>
-    <cs:lnRef idx="0">
-      <cs:styleClr val="auto"/>
-    </cs:lnRef>
-    <cs:fillRef idx="1">
-      <cs:styleClr val="auto"/>
-    </cs:fillRef>
-    <cs:effectRef idx="0"/>
-    <cs:fontRef idx="minor">
-      <a:schemeClr val="tx1"/>
-    </cs:fontRef>
-    <cs:spPr>
-      <a:solidFill>
-        <a:schemeClr val="phClr"/>
-      </a:solidFill>
-      <a:ln w="9525">
-        <a:solidFill>
-          <a:schemeClr val="phClr"/>
-        </a:solidFill>
-      </a:ln>
-    </cs:spPr>
-  </cs:dataPointMarker>
-  <cs:dataPointMarkerLayout symbol="circle" size="5"/>
-  <cs:dataPointWireframe>
-    <cs:lnRef idx="0">
-      <cs:styleClr val="auto"/>
-    </cs:lnRef>
-    <cs:fillRef idx="1"/>
-    <cs:effectRef idx="0"/>
-    <cs:fontRef idx="minor">
-      <a:schemeClr val="tx1"/>
-    </cs:fontRef>
-    <cs:spPr>
-      <a:ln w="9525" cap="rnd">
-        <a:solidFill>
-          <a:schemeClr val="phClr"/>
-        </a:solidFill>
-        <a:round/>
-      </a:ln>
-    </cs:spPr>
-  </cs:dataPointWireframe>
-  <cs:dataTable>
-    <cs:lnRef idx="0"/>
-    <cs:fillRef idx="0"/>
-    <cs:effectRef idx="0"/>
-    <cs:fontRef idx="minor">
-      <a:schemeClr val="tx1">
-        <a:lumMod val="65000"/>
-        <a:lumOff val="35000"/>
-      </a:schemeClr>
-    </cs:fontRef>
-    <cs:spPr>
-      <a:noFill/>
-      <a:ln w="9525" cap="flat" cmpd="sng" algn="ctr">
-        <a:solidFill>
-          <a:schemeClr val="tx1">
-            <a:lumMod val="15000"/>
-            <a:lumOff val="85000"/>
-          </a:schemeClr>
-        </a:solidFill>
-        <a:round/>
-      </a:ln>
-    </cs:spPr>
-    <cs:defRPr sz="1197" kern="1200"/>
-  </cs:dataTable>
-  <cs:downBar>
-    <cs:lnRef idx="0"/>
-    <cs:fillRef idx="0"/>
-    <cs:effectRef idx="0"/>
-    <cs:fontRef idx="minor">
-      <a:schemeClr val="dk1"/>
-    </cs:fontRef>
-    <cs:spPr>
-      <a:solidFill>
-        <a:schemeClr val="dk1">
-          <a:lumMod val="65000"/>
-          <a:lumOff val="35000"/>
-        </a:schemeClr>
-      </a:solidFill>
-      <a:ln w="9525">
-        <a:solidFill>
-          <a:schemeClr val="tx1">
-            <a:lumMod val="65000"/>
-            <a:lumOff val="35000"/>
-          </a:schemeClr>
-        </a:solidFill>
-      </a:ln>
-    </cs:spPr>
-  </cs:downBar>
-  <cs:dropLine>
-    <cs:lnRef idx="0"/>
-    <cs:fillRef idx="0"/>
-    <cs:effectRef idx="0"/>
-    <cs:fontRef idx="minor">
-      <a:schemeClr val="tx1"/>
-    </cs:fontRef>
-    <cs:spPr>
-      <a:ln w="9525" cap="flat" cmpd="sng" algn="ctr">
-        <a:solidFill>
-          <a:schemeClr val="tx1">
-            <a:lumMod val="35000"/>
-            <a:lumOff val="65000"/>
-          </a:schemeClr>
-        </a:solidFill>
-        <a:round/>
-      </a:ln>
-    </cs:spPr>
-  </cs:dropLine>
-  <cs:errorBar>
-    <cs:lnRef idx="0"/>
-    <cs:fillRef idx="0"/>
-    <cs:effectRef idx="0"/>
-    <cs:fontRef idx="minor">
-      <a:schemeClr val="tx1"/>
-    </cs:fontRef>
-    <cs:spPr>
-      <a:ln w="9525" cap="flat" cmpd="sng" algn="ctr">
-        <a:solidFill>
-          <a:schemeClr val="tx1">
-            <a:lumMod val="65000"/>
-            <a:lumOff val="35000"/>
-          </a:schemeClr>
-        </a:solidFill>
-        <a:round/>
-      </a:ln>
-    </cs:spPr>
-  </cs:errorBar>
-  <cs:floor>
-    <cs:lnRef idx="0"/>
-    <cs:fillRef idx="0"/>
-    <cs:effectRef idx="0"/>
-    <cs:fontRef idx="minor">
-      <a:schemeClr val="tx1"/>
-    </cs:fontRef>
-    <cs:spPr>
-      <a:noFill/>
-      <a:ln>
-        <a:noFill/>
-      </a:ln>
-    </cs:spPr>
-  </cs:floor>
-  <cs:gridlineMajor>
-    <cs:lnRef idx="0"/>
-    <cs:fillRef idx="0"/>
-    <cs:effectRef idx="0"/>
-    <cs:fontRef idx="minor">
-      <a:schemeClr val="tx1"/>
-    </cs:fontRef>
-    <cs:spPr>
-      <a:ln w="9525" cap="flat" cmpd="sng" algn="ctr">
-        <a:solidFill>
-          <a:schemeClr val="tx1">
-            <a:lumMod val="15000"/>
-            <a:lumOff val="85000"/>
-          </a:schemeClr>
-        </a:solidFill>
-        <a:round/>
-      </a:ln>
-    </cs:spPr>
-  </cs:gridlineMajor>
-  <cs:gridlineMinor>
-    <cs:lnRef idx="0"/>
-    <cs:fillRef idx="0"/>
-    <cs:effectRef idx="0"/>
-    <cs:fontRef idx="minor">
-      <a:schemeClr val="tx1"/>
-    </cs:fontRef>
-    <cs:spPr>
-      <a:ln w="9525" cap="flat" cmpd="sng" algn="ctr">
-        <a:solidFill>
-          <a:schemeClr val="tx1">
-            <a:lumMod val="5000"/>
-            <a:lumOff val="95000"/>
-          </a:schemeClr>
-        </a:solidFill>
-        <a:round/>
-      </a:ln>
-    </cs:spPr>
-  </cs:gridlineMinor>
-  <cs:hiLoLine>
-    <cs:lnRef idx="0"/>
-    <cs:fillRef idx="0"/>
-    <cs:effectRef idx="0"/>
-    <cs:fontRef idx="minor">
-      <a:schemeClr val="tx1"/>
-    </cs:fontRef>
-    <cs:spPr>
-      <a:ln w="9525" cap="flat" cmpd="sng" algn="ctr">
-        <a:solidFill>
-          <a:schemeClr val="tx1">
-            <a:lumMod val="75000"/>
-            <a:lumOff val="25000"/>
-          </a:schemeClr>
-        </a:solidFill>
-        <a:round/>
-      </a:ln>
-    </cs:spPr>
-  </cs:hiLoLine>
-  <cs:leaderLine>
-    <cs:lnRef idx="0"/>
-    <cs:fillRef idx="0"/>
-    <cs:effectRef idx="0"/>
-    <cs:fontRef idx="minor">
-      <a:schemeClr val="tx1"/>
-    </cs:fontRef>
-    <cs:spPr>
-      <a:ln w="9525" cap="flat" cmpd="sng" algn="ctr">
-        <a:solidFill>
-          <a:schemeClr val="tx1">
-            <a:lumMod val="35000"/>
-            <a:lumOff val="65000"/>
-          </a:schemeClr>
-        </a:solidFill>
-        <a:round/>
-      </a:ln>
-    </cs:spPr>
-  </cs:leaderLine>
-  <cs:legend>
-    <cs:lnRef idx="0"/>
-    <cs:fillRef idx="0"/>
-    <cs:effectRef idx="0"/>
-    <cs:fontRef idx="minor">
-      <a:schemeClr val="tx1">
-        <a:lumMod val="65000"/>
-        <a:lumOff val="35000"/>
-      </a:schemeClr>
-    </cs:fontRef>
-    <cs:defRPr sz="1197" kern="1200"/>
-  </cs:legend>
-  <cs:plotArea mods="allowNoFillOverride allowNoLineOverride">
-    <cs:lnRef idx="0"/>
-    <cs:fillRef idx="0"/>
-    <cs:effectRef idx="0"/>
-    <cs:fontRef idx="minor">
-      <a:schemeClr val="tx1"/>
-    </cs:fontRef>
-  </cs:plotArea>
-  <cs:plotArea3D mods="allowNoFillOverride allowNoLineOverride">
-    <cs:lnRef idx="0"/>
-    <cs:fillRef idx="0"/>
-    <cs:effectRef idx="0"/>
-    <cs:fontRef idx="minor">
-      <a:schemeClr val="tx1"/>
-    </cs:fontRef>
-  </cs:plotArea3D>
-  <cs:seriesAxis>
-    <cs:lnRef idx="0"/>
-    <cs:fillRef idx="0"/>
-    <cs:effectRef idx="0"/>
-    <cs:fontRef idx="minor">
-      <a:schemeClr val="tx1">
-        <a:lumMod val="65000"/>
-        <a:lumOff val="35000"/>
-      </a:schemeClr>
-    </cs:fontRef>
-    <cs:defRPr sz="1197" kern="1200"/>
-  </cs:seriesAxis>
-  <cs:seriesLine>
-    <cs:lnRef idx="0"/>
-    <cs:fillRef idx="0"/>
-    <cs:effectRef idx="0"/>
-    <cs:fontRef idx="minor">
-      <a:schemeClr val="tx1"/>
-    </cs:fontRef>
-    <cs:spPr>
-      <a:ln w="9525" cap="flat" cmpd="sng" algn="ctr">
-        <a:solidFill>
-          <a:schemeClr val="tx1">
-            <a:lumMod val="35000"/>
-            <a:lumOff val="65000"/>
-          </a:schemeClr>
-        </a:solidFill>
-        <a:round/>
-      </a:ln>
-    </cs:spPr>
-  </cs:seriesLine>
-  <cs:title>
-    <cs:lnRef idx="0"/>
-    <cs:fillRef idx="0"/>
-    <cs:effectRef idx="0"/>
-    <cs:fontRef idx="minor">
-      <a:schemeClr val="tx1">
-        <a:lumMod val="65000"/>
-        <a:lumOff val="35000"/>
-      </a:schemeClr>
-    </cs:fontRef>
-    <cs:defRPr sz="1862" b="0" kern="1200" spc="0" baseline="0"/>
-  </cs:title>
-  <cs:trendline>
-    <cs:lnRef idx="0">
-      <cs:styleClr val="auto"/>
-    </cs:lnRef>
-    <cs:fillRef idx="0"/>
-    <cs:effectRef idx="0"/>
-    <cs:fontRef idx="minor">
-      <a:schemeClr val="tx1"/>
-    </cs:fontRef>
-    <cs:spPr>
-      <a:ln w="19050" cap="rnd">
-        <a:solidFill>
-          <a:schemeClr val="phClr"/>
-        </a:solidFill>
-        <a:prstDash val="sysDot"/>
-      </a:ln>
-    </cs:spPr>
-  </cs:trendline>
-  <cs:trendlineLabel>
-    <cs:lnRef idx="0"/>
-    <cs:fillRef idx="0"/>
-    <cs:effectRef idx="0"/>
-    <cs:fontRef idx="minor">
-      <a:schemeClr val="tx1">
-        <a:lumMod val="65000"/>
-        <a:lumOff val="35000"/>
-      </a:schemeClr>
-    </cs:fontRef>
-    <cs:defRPr sz="1197" kern="1200"/>
-  </cs:trendlineLabel>
-  <cs:upBar>
-    <cs:lnRef idx="0"/>
-    <cs:fillRef idx="0"/>
-    <cs:effectRef idx="0"/>
-    <cs:fontRef idx="minor">
-      <a:schemeClr val="dk1"/>
-    </cs:fontRef>
-    <cs:spPr>
-      <a:solidFill>
-        <a:schemeClr val="lt1"/>
-      </a:solidFill>
-      <a:ln w="9525">
-        <a:solidFill>
-          <a:schemeClr val="tx1">
-            <a:lumMod val="15000"/>
-            <a:lumOff val="85000"/>
-          </a:schemeClr>
-        </a:solidFill>
-      </a:ln>
-    </cs:spPr>
-  </cs:upBar>
-  <cs:valueAxis>
-    <cs:lnRef idx="0"/>
-    <cs:fillRef idx="0"/>
-    <cs:effectRef idx="0"/>
-    <cs:fontRef idx="minor">
-      <a:schemeClr val="tx1">
-        <a:lumMod val="65000"/>
-        <a:lumOff val="35000"/>
-      </a:schemeClr>
-    </cs:fontRef>
-    <cs:defRPr sz="1197" kern="1200"/>
-  </cs:valueAxis>
-  <cs:wall>
-    <cs:lnRef idx="0"/>
-    <cs:fillRef idx="0"/>
-    <cs:effectRef idx="0"/>
-    <cs:fontRef idx="minor">
-      <a:schemeClr val="tx1"/>
-    </cs:fontRef>
-    <cs:spPr>
-      <a:noFill/>
-      <a:ln>
-        <a:noFill/>
-      </a:ln>
-    </cs:spPr>
-  </cs:wall>
-</cs:chartStyle>
 </file>
 
 <file path=ppt/slideLayouts/slideLayout1.xml><?xml version="1.0" encoding="utf-8"?>
@@ -10528,7 +8938,7 @@
           <a:p>
             <a:fld id="{1ED6B14A-890B-41B1-BF8F-0DE335D705D5}" type="datetimeFigureOut">
               <a:rPr lang="en-US" smtClean="0"/>
-              <a:t>7/31/2019</a:t>
+              <a:t>7/29/2019</a:t>
             </a:fld>
             <a:endParaRPr lang="en-US"/>
           </a:p>
@@ -10698,7 +9108,7 @@
           <a:p>
             <a:fld id="{1ED6B14A-890B-41B1-BF8F-0DE335D705D5}" type="datetimeFigureOut">
               <a:rPr lang="en-US" smtClean="0"/>
-              <a:t>7/31/2019</a:t>
+              <a:t>7/29/2019</a:t>
             </a:fld>
             <a:endParaRPr lang="en-US"/>
           </a:p>
@@ -10878,7 +9288,7 @@
           <a:p>
             <a:fld id="{1ED6B14A-890B-41B1-BF8F-0DE335D705D5}" type="datetimeFigureOut">
               <a:rPr lang="en-US" smtClean="0"/>
-              <a:t>7/31/2019</a:t>
+              <a:t>7/29/2019</a:t>
             </a:fld>
             <a:endParaRPr lang="en-US"/>
           </a:p>
@@ -11048,7 +9458,7 @@
           <a:p>
             <a:fld id="{1ED6B14A-890B-41B1-BF8F-0DE335D705D5}" type="datetimeFigureOut">
               <a:rPr lang="en-US" smtClean="0"/>
-              <a:t>7/31/2019</a:t>
+              <a:t>7/29/2019</a:t>
             </a:fld>
             <a:endParaRPr lang="en-US"/>
           </a:p>
@@ -11292,7 +9702,7 @@
           <a:p>
             <a:fld id="{1ED6B14A-890B-41B1-BF8F-0DE335D705D5}" type="datetimeFigureOut">
               <a:rPr lang="en-US" smtClean="0"/>
-              <a:t>7/31/2019</a:t>
+              <a:t>7/29/2019</a:t>
             </a:fld>
             <a:endParaRPr lang="en-US"/>
           </a:p>
@@ -11524,7 +9934,7 @@
           <a:p>
             <a:fld id="{1ED6B14A-890B-41B1-BF8F-0DE335D705D5}" type="datetimeFigureOut">
               <a:rPr lang="en-US" smtClean="0"/>
-              <a:t>7/31/2019</a:t>
+              <a:t>7/29/2019</a:t>
             </a:fld>
             <a:endParaRPr lang="en-US"/>
           </a:p>
@@ -11891,7 +10301,7 @@
           <a:p>
             <a:fld id="{1ED6B14A-890B-41B1-BF8F-0DE335D705D5}" type="datetimeFigureOut">
               <a:rPr lang="en-US" smtClean="0"/>
-              <a:t>7/31/2019</a:t>
+              <a:t>7/29/2019</a:t>
             </a:fld>
             <a:endParaRPr lang="en-US"/>
           </a:p>
@@ -12009,7 +10419,7 @@
           <a:p>
             <a:fld id="{1ED6B14A-890B-41B1-BF8F-0DE335D705D5}" type="datetimeFigureOut">
               <a:rPr lang="en-US" smtClean="0"/>
-              <a:t>7/31/2019</a:t>
+              <a:t>7/29/2019</a:t>
             </a:fld>
             <a:endParaRPr lang="en-US"/>
           </a:p>
@@ -12104,7 +10514,7 @@
           <a:p>
             <a:fld id="{1ED6B14A-890B-41B1-BF8F-0DE335D705D5}" type="datetimeFigureOut">
               <a:rPr lang="en-US" smtClean="0"/>
-              <a:t>7/31/2019</a:t>
+              <a:t>7/29/2019</a:t>
             </a:fld>
             <a:endParaRPr lang="en-US"/>
           </a:p>
@@ -12381,7 +10791,7 @@
           <a:p>
             <a:fld id="{1ED6B14A-890B-41B1-BF8F-0DE335D705D5}" type="datetimeFigureOut">
               <a:rPr lang="en-US" smtClean="0"/>
-              <a:t>7/31/2019</a:t>
+              <a:t>7/29/2019</a:t>
             </a:fld>
             <a:endParaRPr lang="en-US"/>
           </a:p>
@@ -12638,7 +11048,7 @@
           <a:p>
             <a:fld id="{1ED6B14A-890B-41B1-BF8F-0DE335D705D5}" type="datetimeFigureOut">
               <a:rPr lang="en-US" smtClean="0"/>
-              <a:t>7/31/2019</a:t>
+              <a:t>7/29/2019</a:t>
             </a:fld>
             <a:endParaRPr lang="en-US"/>
           </a:p>
@@ -12851,7 +11261,7 @@
           <a:p>
             <a:fld id="{1ED6B14A-890B-41B1-BF8F-0DE335D705D5}" type="datetimeFigureOut">
               <a:rPr lang="en-US" smtClean="0"/>
-              <a:t>7/31/2019</a:t>
+              <a:t>7/29/2019</a:t>
             </a:fld>
             <a:endParaRPr lang="en-US"/>
           </a:p>
@@ -13240,7 +11650,7 @@
 </file>
 
 <file path=ppt/slides/slide1.xml><?xml version="1.0" encoding="utf-8"?>
-<p:sld xmlns:a="http://schemas.openxmlformats.org/drawingml/2006/main" xmlns:r="http://schemas.openxmlformats.org/officeDocument/2006/relationships" xmlns:p="http://schemas.openxmlformats.org/presentationml/2006/main">
+<p:sld xmlns:a="http://schemas.openxmlformats.org/drawingml/2006/main" xmlns:p="http://schemas.openxmlformats.org/presentationml/2006/main" xmlns:r="http://schemas.openxmlformats.org/officeDocument/2006/relationships">
   <p:cSld>
     <p:spTree>
       <p:nvGrpSpPr>
@@ -13248,14 +11658,7 @@
         <p:cNvGrpSpPr/>
         <p:nvPr/>
       </p:nvGrpSpPr>
-      <p:grpSpPr>
-        <a:xfrm>
-          <a:off x="0" y="0"/>
-          <a:ext cx="0" cy="0"/>
-          <a:chOff x="0" y="0"/>
-          <a:chExt cx="0" cy="0"/>
-        </a:xfrm>
-      </p:grpSpPr>
+      <p:grpSpPr/>
       <p:sp>
         <p:nvSpPr>
           <p:cNvPr id="2" name="Title 1"/>
@@ -13312,7 +11715,7 @@
 </file>
 
 <file path=ppt/slides/slide10.xml><?xml version="1.0" encoding="utf-8"?>
-<p:sld xmlns:a="http://schemas.openxmlformats.org/drawingml/2006/main" xmlns:r="http://schemas.openxmlformats.org/officeDocument/2006/relationships" xmlns:p="http://schemas.openxmlformats.org/presentationml/2006/main">
+<p:sld xmlns:a="http://schemas.openxmlformats.org/drawingml/2006/main" xmlns:p="http://schemas.openxmlformats.org/presentationml/2006/main" xmlns:r="http://schemas.openxmlformats.org/officeDocument/2006/relationships">
   <p:cSld>
     <p:spTree>
       <p:nvGrpSpPr>
@@ -13320,14 +11723,7 @@
         <p:cNvGrpSpPr/>
         <p:nvPr/>
       </p:nvGrpSpPr>
-      <p:grpSpPr>
-        <a:xfrm>
-          <a:off x="0" y="0"/>
-          <a:ext cx="0" cy="0"/>
-          <a:chOff x="0" y="0"/>
-          <a:chExt cx="0" cy="0"/>
-        </a:xfrm>
-      </p:grpSpPr>
+      <p:grpSpPr/>
       <p:graphicFrame>
         <p:nvGraphicFramePr>
           <p:cNvPr id="2" name="Chart 1"/>
@@ -13342,7 +11738,7 @@
         </p:xfrm>
         <a:graphic>
           <a:graphicData uri="http://schemas.openxmlformats.org/drawingml/2006/chart">
-            <c:chart xmlns:c="http://schemas.openxmlformats.org/drawingml/2006/chart" xmlns:r="http://schemas.openxmlformats.org/officeDocument/2006/relationships" r:id="rId2"/>
+            <c:chart xmlns:c="http://schemas.openxmlformats.org/drawingml/2006/chart" r:id="rId2"/>
           </a:graphicData>
         </a:graphic>
       </p:graphicFrame>
@@ -13355,7 +11751,7 @@
 </file>
 
 <file path=ppt/slides/slide11.xml><?xml version="1.0" encoding="utf-8"?>
-<p:sld xmlns:a="http://schemas.openxmlformats.org/drawingml/2006/main" xmlns:r="http://schemas.openxmlformats.org/officeDocument/2006/relationships" xmlns:p="http://schemas.openxmlformats.org/presentationml/2006/main">
+<p:sld xmlns:a="http://schemas.openxmlformats.org/drawingml/2006/main" xmlns:p="http://schemas.openxmlformats.org/presentationml/2006/main" xmlns:r="http://schemas.openxmlformats.org/officeDocument/2006/relationships">
   <p:cSld>
     <p:spTree>
       <p:nvGrpSpPr>
@@ -13363,14 +11759,7 @@
         <p:cNvGrpSpPr/>
         <p:nvPr/>
       </p:nvGrpSpPr>
-      <p:grpSpPr>
-        <a:xfrm>
-          <a:off x="0" y="0"/>
-          <a:ext cx="0" cy="0"/>
-          <a:chOff x="0" y="0"/>
-          <a:chExt cx="0" cy="0"/>
-        </a:xfrm>
-      </p:grpSpPr>
+      <p:grpSpPr/>
       <p:graphicFrame>
         <p:nvGraphicFramePr>
           <p:cNvPr id="2" name="Chart 1"/>
@@ -13385,7 +11774,7 @@
         </p:xfrm>
         <a:graphic>
           <a:graphicData uri="http://schemas.openxmlformats.org/drawingml/2006/chart">
-            <c:chart xmlns:c="http://schemas.openxmlformats.org/drawingml/2006/chart" xmlns:r="http://schemas.openxmlformats.org/officeDocument/2006/relationships" r:id="rId2"/>
+            <c:chart xmlns:c="http://schemas.openxmlformats.org/drawingml/2006/chart" r:id="rId2"/>
           </a:graphicData>
         </a:graphic>
       </p:graphicFrame>
@@ -13398,7 +11787,7 @@
 </file>
 
 <file path=ppt/slides/slide12.xml><?xml version="1.0" encoding="utf-8"?>
-<p:sld xmlns:a="http://schemas.openxmlformats.org/drawingml/2006/main" xmlns:r="http://schemas.openxmlformats.org/officeDocument/2006/relationships" xmlns:p="http://schemas.openxmlformats.org/presentationml/2006/main">
+<p:sld xmlns:a="http://schemas.openxmlformats.org/drawingml/2006/main" xmlns:p="http://schemas.openxmlformats.org/presentationml/2006/main" xmlns:r="http://schemas.openxmlformats.org/officeDocument/2006/relationships">
   <p:cSld>
     <p:spTree>
       <p:nvGrpSpPr>
@@ -13406,14 +11795,7 @@
         <p:cNvGrpSpPr/>
         <p:nvPr/>
       </p:nvGrpSpPr>
-      <p:grpSpPr>
-        <a:xfrm>
-          <a:off x="0" y="0"/>
-          <a:ext cx="0" cy="0"/>
-          <a:chOff x="0" y="0"/>
-          <a:chExt cx="0" cy="0"/>
-        </a:xfrm>
-      </p:grpSpPr>
+      <p:grpSpPr/>
       <p:graphicFrame>
         <p:nvGraphicFramePr>
           <p:cNvPr id="2" name="Chart 1"/>
@@ -13428,7 +11810,7 @@
         </p:xfrm>
         <a:graphic>
           <a:graphicData uri="http://schemas.openxmlformats.org/drawingml/2006/chart">
-            <c:chart xmlns:c="http://schemas.openxmlformats.org/drawingml/2006/chart" xmlns:r="http://schemas.openxmlformats.org/officeDocument/2006/relationships" r:id="rId2"/>
+            <c:chart xmlns:c="http://schemas.openxmlformats.org/drawingml/2006/chart" r:id="rId2"/>
           </a:graphicData>
         </a:graphic>
       </p:graphicFrame>
@@ -13441,7 +11823,7 @@
 </file>
 
 <file path=ppt/slides/slide13.xml><?xml version="1.0" encoding="utf-8"?>
-<p:sld xmlns:a="http://schemas.openxmlformats.org/drawingml/2006/main" xmlns:r="http://schemas.openxmlformats.org/officeDocument/2006/relationships" xmlns:p="http://schemas.openxmlformats.org/presentationml/2006/main">
+<p:sld xmlns:a="http://schemas.openxmlformats.org/drawingml/2006/main" xmlns:p="http://schemas.openxmlformats.org/presentationml/2006/main" xmlns:r="http://schemas.openxmlformats.org/officeDocument/2006/relationships">
   <p:cSld>
     <p:spTree>
       <p:nvGrpSpPr>
@@ -13449,14 +11831,7 @@
         <p:cNvGrpSpPr/>
         <p:nvPr/>
       </p:nvGrpSpPr>
-      <p:grpSpPr>
-        <a:xfrm>
-          <a:off x="0" y="0"/>
-          <a:ext cx="0" cy="0"/>
-          <a:chOff x="0" y="0"/>
-          <a:chExt cx="0" cy="0"/>
-        </a:xfrm>
-      </p:grpSpPr>
+      <p:grpSpPr/>
       <p:graphicFrame>
         <p:nvGraphicFramePr>
           <p:cNvPr id="2" name="Chart 1"/>
@@ -13471,7 +11846,7 @@
         </p:xfrm>
         <a:graphic>
           <a:graphicData uri="http://schemas.openxmlformats.org/drawingml/2006/chart">
-            <c:chart xmlns:c="http://schemas.openxmlformats.org/drawingml/2006/chart" xmlns:r="http://schemas.openxmlformats.org/officeDocument/2006/relationships" r:id="rId2"/>
+            <c:chart xmlns:c="http://schemas.openxmlformats.org/drawingml/2006/chart" r:id="rId2"/>
           </a:graphicData>
         </a:graphic>
       </p:graphicFrame>
@@ -13484,7 +11859,7 @@
 </file>
 
 <file path=ppt/slides/slide14.xml><?xml version="1.0" encoding="utf-8"?>
-<p:sld xmlns:a="http://schemas.openxmlformats.org/drawingml/2006/main" xmlns:r="http://schemas.openxmlformats.org/officeDocument/2006/relationships" xmlns:p="http://schemas.openxmlformats.org/presentationml/2006/main">
+<p:sld xmlns:a="http://schemas.openxmlformats.org/drawingml/2006/main" xmlns:p="http://schemas.openxmlformats.org/presentationml/2006/main" xmlns:r="http://schemas.openxmlformats.org/officeDocument/2006/relationships">
   <p:cSld>
     <p:spTree>
       <p:nvGrpSpPr>
@@ -13492,14 +11867,7 @@
         <p:cNvGrpSpPr/>
         <p:nvPr/>
       </p:nvGrpSpPr>
-      <p:grpSpPr>
-        <a:xfrm>
-          <a:off x="0" y="0"/>
-          <a:ext cx="0" cy="0"/>
-          <a:chOff x="0" y="0"/>
-          <a:chExt cx="0" cy="0"/>
-        </a:xfrm>
-      </p:grpSpPr>
+      <p:grpSpPr/>
       <p:graphicFrame>
         <p:nvGraphicFramePr>
           <p:cNvPr id="2" name="Chart 1"/>
@@ -13514,7 +11882,7 @@
         </p:xfrm>
         <a:graphic>
           <a:graphicData uri="http://schemas.openxmlformats.org/drawingml/2006/chart">
-            <c:chart xmlns:c="http://schemas.openxmlformats.org/drawingml/2006/chart" xmlns:r="http://schemas.openxmlformats.org/officeDocument/2006/relationships" r:id="rId2"/>
+            <c:chart xmlns:c="http://schemas.openxmlformats.org/drawingml/2006/chart" r:id="rId2"/>
           </a:graphicData>
         </a:graphic>
       </p:graphicFrame>
@@ -13527,7 +11895,7 @@
 </file>
 
 <file path=ppt/slides/slide15.xml><?xml version="1.0" encoding="utf-8"?>
-<p:sld xmlns:a="http://schemas.openxmlformats.org/drawingml/2006/main" xmlns:r="http://schemas.openxmlformats.org/officeDocument/2006/relationships" xmlns:p="http://schemas.openxmlformats.org/presentationml/2006/main">
+<p:sld xmlns:a="http://schemas.openxmlformats.org/drawingml/2006/main" xmlns:p="http://schemas.openxmlformats.org/presentationml/2006/main" xmlns:r="http://schemas.openxmlformats.org/officeDocument/2006/relationships">
   <p:cSld>
     <p:spTree>
       <p:nvGrpSpPr>
@@ -13535,14 +11903,7 @@
         <p:cNvGrpSpPr/>
         <p:nvPr/>
       </p:nvGrpSpPr>
-      <p:grpSpPr>
-        <a:xfrm>
-          <a:off x="0" y="0"/>
-          <a:ext cx="0" cy="0"/>
-          <a:chOff x="0" y="0"/>
-          <a:chExt cx="0" cy="0"/>
-        </a:xfrm>
-      </p:grpSpPr>
+      <p:grpSpPr/>
       <p:graphicFrame>
         <p:nvGraphicFramePr>
           <p:cNvPr id="2" name="Chart 1"/>
@@ -13557,7 +11918,7 @@
         </p:xfrm>
         <a:graphic>
           <a:graphicData uri="http://schemas.openxmlformats.org/drawingml/2006/chart">
-            <c:chart xmlns:c="http://schemas.openxmlformats.org/drawingml/2006/chart" xmlns:r="http://schemas.openxmlformats.org/officeDocument/2006/relationships" r:id="rId2"/>
+            <c:chart xmlns:c="http://schemas.openxmlformats.org/drawingml/2006/chart" r:id="rId2"/>
           </a:graphicData>
         </a:graphic>
       </p:graphicFrame>
@@ -13570,7 +11931,7 @@
 </file>
 
 <file path=ppt/slides/slide16.xml><?xml version="1.0" encoding="utf-8"?>
-<p:sld xmlns:a="http://schemas.openxmlformats.org/drawingml/2006/main" xmlns:r="http://schemas.openxmlformats.org/officeDocument/2006/relationships" xmlns:p="http://schemas.openxmlformats.org/presentationml/2006/main">
+<p:sld xmlns:a="http://schemas.openxmlformats.org/drawingml/2006/main" xmlns:p="http://schemas.openxmlformats.org/presentationml/2006/main" xmlns:r="http://schemas.openxmlformats.org/officeDocument/2006/relationships">
   <p:cSld>
     <p:spTree>
       <p:nvGrpSpPr>
@@ -13578,14 +11939,7 @@
         <p:cNvGrpSpPr/>
         <p:nvPr/>
       </p:nvGrpSpPr>
-      <p:grpSpPr>
-        <a:xfrm>
-          <a:off x="0" y="0"/>
-          <a:ext cx="0" cy="0"/>
-          <a:chOff x="0" y="0"/>
-          <a:chExt cx="0" cy="0"/>
-        </a:xfrm>
-      </p:grpSpPr>
+      <p:grpSpPr/>
       <p:graphicFrame>
         <p:nvGraphicFramePr>
           <p:cNvPr id="2" name="Chart 1"/>
@@ -13600,7 +11954,7 @@
         </p:xfrm>
         <a:graphic>
           <a:graphicData uri="http://schemas.openxmlformats.org/drawingml/2006/chart">
-            <c:chart xmlns:c="http://schemas.openxmlformats.org/drawingml/2006/chart" xmlns:r="http://schemas.openxmlformats.org/officeDocument/2006/relationships" r:id="rId2"/>
+            <c:chart xmlns:c="http://schemas.openxmlformats.org/drawingml/2006/chart" r:id="rId2"/>
           </a:graphicData>
         </a:graphic>
       </p:graphicFrame>
@@ -13613,7 +11967,7 @@
 </file>
 
 <file path=ppt/slides/slide17.xml><?xml version="1.0" encoding="utf-8"?>
-<p:sld xmlns:a="http://schemas.openxmlformats.org/drawingml/2006/main" xmlns:r="http://schemas.openxmlformats.org/officeDocument/2006/relationships" xmlns:p="http://schemas.openxmlformats.org/presentationml/2006/main">
+<p:sld xmlns:a="http://schemas.openxmlformats.org/drawingml/2006/main" xmlns:p="http://schemas.openxmlformats.org/presentationml/2006/main" xmlns:r="http://schemas.openxmlformats.org/officeDocument/2006/relationships">
   <p:cSld>
     <p:spTree>
       <p:nvGrpSpPr>
@@ -13621,14 +11975,7 @@
         <p:cNvGrpSpPr/>
         <p:nvPr/>
       </p:nvGrpSpPr>
-      <p:grpSpPr>
-        <a:xfrm>
-          <a:off x="0" y="0"/>
-          <a:ext cx="0" cy="0"/>
-          <a:chOff x="0" y="0"/>
-          <a:chExt cx="0" cy="0"/>
-        </a:xfrm>
-      </p:grpSpPr>
+      <p:grpSpPr/>
       <p:graphicFrame>
         <p:nvGraphicFramePr>
           <p:cNvPr id="2" name="Chart 1"/>
@@ -13643,7 +11990,7 @@
         </p:xfrm>
         <a:graphic>
           <a:graphicData uri="http://schemas.openxmlformats.org/drawingml/2006/chart">
-            <c:chart xmlns:c="http://schemas.openxmlformats.org/drawingml/2006/chart" xmlns:r="http://schemas.openxmlformats.org/officeDocument/2006/relationships" r:id="rId2"/>
+            <c:chart xmlns:c="http://schemas.openxmlformats.org/drawingml/2006/chart" r:id="rId2"/>
           </a:graphicData>
         </a:graphic>
       </p:graphicFrame>
@@ -13656,7 +12003,7 @@
 </file>
 
 <file path=ppt/slides/slide18.xml><?xml version="1.0" encoding="utf-8"?>
-<p:sld xmlns:a="http://schemas.openxmlformats.org/drawingml/2006/main" xmlns:r="http://schemas.openxmlformats.org/officeDocument/2006/relationships" xmlns:p="http://schemas.openxmlformats.org/presentationml/2006/main">
+<p:sld xmlns:a="http://schemas.openxmlformats.org/drawingml/2006/main" xmlns:p="http://schemas.openxmlformats.org/presentationml/2006/main" xmlns:r="http://schemas.openxmlformats.org/officeDocument/2006/relationships">
   <p:cSld>
     <p:spTree>
       <p:nvGrpSpPr>
@@ -13664,14 +12011,7 @@
         <p:cNvGrpSpPr/>
         <p:nvPr/>
       </p:nvGrpSpPr>
-      <p:grpSpPr>
-        <a:xfrm>
-          <a:off x="0" y="0"/>
-          <a:ext cx="0" cy="0"/>
-          <a:chOff x="0" y="0"/>
-          <a:chExt cx="0" cy="0"/>
-        </a:xfrm>
-      </p:grpSpPr>
+      <p:grpSpPr/>
       <p:graphicFrame>
         <p:nvGraphicFramePr>
           <p:cNvPr id="2" name="Chart 1"/>
@@ -13686,7 +12026,7 @@
         </p:xfrm>
         <a:graphic>
           <a:graphicData uri="http://schemas.openxmlformats.org/drawingml/2006/chart">
-            <c:chart xmlns:c="http://schemas.openxmlformats.org/drawingml/2006/chart" xmlns:r="http://schemas.openxmlformats.org/officeDocument/2006/relationships" r:id="rId2"/>
+            <c:chart xmlns:c="http://schemas.openxmlformats.org/drawingml/2006/chart" r:id="rId2"/>
           </a:graphicData>
         </a:graphic>
       </p:graphicFrame>
@@ -13699,7 +12039,7 @@
 </file>
 
 <file path=ppt/slides/slide2.xml><?xml version="1.0" encoding="utf-8"?>
-<p:sld xmlns:a="http://schemas.openxmlformats.org/drawingml/2006/main" xmlns:r="http://schemas.openxmlformats.org/officeDocument/2006/relationships" xmlns:p="http://schemas.openxmlformats.org/presentationml/2006/main">
+<p:sld xmlns:a="http://schemas.openxmlformats.org/drawingml/2006/main" xmlns:p="http://schemas.openxmlformats.org/presentationml/2006/main" xmlns:r="http://schemas.openxmlformats.org/officeDocument/2006/relationships">
   <p:cSld>
     <p:spTree>
       <p:nvGrpSpPr>
@@ -13707,63 +12047,7 @@
         <p:cNvGrpSpPr/>
         <p:nvPr/>
       </p:nvGrpSpPr>
-      <p:grpSpPr>
-        <a:xfrm>
-          <a:off x="0" y="0"/>
-          <a:ext cx="0" cy="0"/>
-          <a:chOff x="0" y="0"/>
-          <a:chExt cx="0" cy="0"/>
-        </a:xfrm>
-      </p:grpSpPr>
-      <p:graphicFrame>
-        <p:nvGraphicFramePr>
-          <p:cNvPr id="2" name="Chart 1"/>
-          <p:cNvGraphicFramePr>
-            <a:graphicFrameLocks noGrp="1"/>
-          </p:cNvGraphicFramePr>
-          <p:nvPr>
-            <p:extLst>
-              <p:ext uri="{D42A27DB-BD31-4B8C-83A1-F6EECF244321}">
-                <p14:modId xmlns:p14="http://schemas.microsoft.com/office/powerpoint/2010/main" val="2132306739"/>
-              </p:ext>
-            </p:extLst>
-          </p:nvPr>
-        </p:nvGraphicFramePr>
-        <p:xfrm>
-          <a:off x="457200" y="914400"/>
-          <a:ext cx="8229600" cy="5486400"/>
-        </p:xfrm>
-        <a:graphic>
-          <a:graphicData uri="http://schemas.openxmlformats.org/drawingml/2006/chart">
-            <c:chart xmlns:c="http://schemas.openxmlformats.org/drawingml/2006/chart" xmlns:r="http://schemas.openxmlformats.org/officeDocument/2006/relationships" r:id="rId2"/>
-          </a:graphicData>
-        </a:graphic>
-      </p:graphicFrame>
-    </p:spTree>
-  </p:cSld>
-  <p:clrMapOvr>
-    <a:masterClrMapping/>
-  </p:clrMapOvr>
-</p:sld>
-</file>
-
-<file path=ppt/slides/slide3.xml><?xml version="1.0" encoding="utf-8"?>
-<p:sld xmlns:a="http://schemas.openxmlformats.org/drawingml/2006/main" xmlns:r="http://schemas.openxmlformats.org/officeDocument/2006/relationships" xmlns:p="http://schemas.openxmlformats.org/presentationml/2006/main">
-  <p:cSld>
-    <p:spTree>
-      <p:nvGrpSpPr>
-        <p:cNvPr id="1" name=""/>
-        <p:cNvGrpSpPr/>
-        <p:nvPr/>
-      </p:nvGrpSpPr>
-      <p:grpSpPr>
-        <a:xfrm>
-          <a:off x="0" y="0"/>
-          <a:ext cx="0" cy="0"/>
-          <a:chOff x="0" y="0"/>
-          <a:chExt cx="0" cy="0"/>
-        </a:xfrm>
-      </p:grpSpPr>
+      <p:grpSpPr/>
       <p:graphicFrame>
         <p:nvGraphicFramePr>
           <p:cNvPr id="2" name="Chart 1"/>
@@ -13778,7 +12062,7 @@
         </p:xfrm>
         <a:graphic>
           <a:graphicData uri="http://schemas.openxmlformats.org/drawingml/2006/chart">
-            <c:chart xmlns:c="http://schemas.openxmlformats.org/drawingml/2006/chart" xmlns:r="http://schemas.openxmlformats.org/officeDocument/2006/relationships" r:id="rId2"/>
+            <c:chart xmlns:c="http://schemas.openxmlformats.org/drawingml/2006/chart" r:id="rId2"/>
           </a:graphicData>
         </a:graphic>
       </p:graphicFrame>
@@ -13790,8 +12074,8 @@
 </p:sld>
 </file>
 
-<file path=ppt/slides/slide4.xml><?xml version="1.0" encoding="utf-8"?>
-<p:sld xmlns:a="http://schemas.openxmlformats.org/drawingml/2006/main" xmlns:r="http://schemas.openxmlformats.org/officeDocument/2006/relationships" xmlns:p="http://schemas.openxmlformats.org/presentationml/2006/main">
+<file path=ppt/slides/slide3.xml><?xml version="1.0" encoding="utf-8"?>
+<p:sld xmlns:a="http://schemas.openxmlformats.org/drawingml/2006/main" xmlns:p="http://schemas.openxmlformats.org/presentationml/2006/main" xmlns:r="http://schemas.openxmlformats.org/officeDocument/2006/relationships">
   <p:cSld>
     <p:spTree>
       <p:nvGrpSpPr>
@@ -13799,14 +12083,7 @@
         <p:cNvGrpSpPr/>
         <p:nvPr/>
       </p:nvGrpSpPr>
-      <p:grpSpPr>
-        <a:xfrm>
-          <a:off x="0" y="0"/>
-          <a:ext cx="0" cy="0"/>
-          <a:chOff x="0" y="0"/>
-          <a:chExt cx="0" cy="0"/>
-        </a:xfrm>
-      </p:grpSpPr>
+      <p:grpSpPr/>
       <p:graphicFrame>
         <p:nvGraphicFramePr>
           <p:cNvPr id="2" name="Chart 1"/>
@@ -13821,7 +12098,7 @@
         </p:xfrm>
         <a:graphic>
           <a:graphicData uri="http://schemas.openxmlformats.org/drawingml/2006/chart">
-            <c:chart xmlns:c="http://schemas.openxmlformats.org/drawingml/2006/chart" xmlns:r="http://schemas.openxmlformats.org/officeDocument/2006/relationships" r:id="rId2"/>
+            <c:chart xmlns:c="http://schemas.openxmlformats.org/drawingml/2006/chart" r:id="rId2"/>
           </a:graphicData>
         </a:graphic>
       </p:graphicFrame>
@@ -13833,8 +12110,8 @@
 </p:sld>
 </file>
 
-<file path=ppt/slides/slide5.xml><?xml version="1.0" encoding="utf-8"?>
-<p:sld xmlns:a="http://schemas.openxmlformats.org/drawingml/2006/main" xmlns:r="http://schemas.openxmlformats.org/officeDocument/2006/relationships" xmlns:p="http://schemas.openxmlformats.org/presentationml/2006/main">
+<file path=ppt/slides/slide4.xml><?xml version="1.0" encoding="utf-8"?>
+<p:sld xmlns:a="http://schemas.openxmlformats.org/drawingml/2006/main" xmlns:p="http://schemas.openxmlformats.org/presentationml/2006/main" xmlns:r="http://schemas.openxmlformats.org/officeDocument/2006/relationships">
   <p:cSld>
     <p:spTree>
       <p:nvGrpSpPr>
@@ -13842,14 +12119,7 @@
         <p:cNvGrpSpPr/>
         <p:nvPr/>
       </p:nvGrpSpPr>
-      <p:grpSpPr>
-        <a:xfrm>
-          <a:off x="0" y="0"/>
-          <a:ext cx="0" cy="0"/>
-          <a:chOff x="0" y="0"/>
-          <a:chExt cx="0" cy="0"/>
-        </a:xfrm>
-      </p:grpSpPr>
+      <p:grpSpPr/>
       <p:graphicFrame>
         <p:nvGraphicFramePr>
           <p:cNvPr id="2" name="Chart 1"/>
@@ -13864,7 +12134,7 @@
         </p:xfrm>
         <a:graphic>
           <a:graphicData uri="http://schemas.openxmlformats.org/drawingml/2006/chart">
-            <c:chart xmlns:c="http://schemas.openxmlformats.org/drawingml/2006/chart" xmlns:r="http://schemas.openxmlformats.org/officeDocument/2006/relationships" r:id="rId2"/>
+            <c:chart xmlns:c="http://schemas.openxmlformats.org/drawingml/2006/chart" r:id="rId2"/>
           </a:graphicData>
         </a:graphic>
       </p:graphicFrame>
@@ -13876,8 +12146,8 @@
 </p:sld>
 </file>
 
-<file path=ppt/slides/slide6.xml><?xml version="1.0" encoding="utf-8"?>
-<p:sld xmlns:a="http://schemas.openxmlformats.org/drawingml/2006/main" xmlns:r="http://schemas.openxmlformats.org/officeDocument/2006/relationships" xmlns:p="http://schemas.openxmlformats.org/presentationml/2006/main">
+<file path=ppt/slides/slide5.xml><?xml version="1.0" encoding="utf-8"?>
+<p:sld xmlns:a="http://schemas.openxmlformats.org/drawingml/2006/main" xmlns:p="http://schemas.openxmlformats.org/presentationml/2006/main" xmlns:r="http://schemas.openxmlformats.org/officeDocument/2006/relationships">
   <p:cSld>
     <p:spTree>
       <p:nvGrpSpPr>
@@ -13885,14 +12155,7 @@
         <p:cNvGrpSpPr/>
         <p:nvPr/>
       </p:nvGrpSpPr>
-      <p:grpSpPr>
-        <a:xfrm>
-          <a:off x="0" y="0"/>
-          <a:ext cx="0" cy="0"/>
-          <a:chOff x="0" y="0"/>
-          <a:chExt cx="0" cy="0"/>
-        </a:xfrm>
-      </p:grpSpPr>
+      <p:grpSpPr/>
       <p:graphicFrame>
         <p:nvGraphicFramePr>
           <p:cNvPr id="2" name="Chart 1"/>
@@ -13907,7 +12170,7 @@
         </p:xfrm>
         <a:graphic>
           <a:graphicData uri="http://schemas.openxmlformats.org/drawingml/2006/chart">
-            <c:chart xmlns:c="http://schemas.openxmlformats.org/drawingml/2006/chart" xmlns:r="http://schemas.openxmlformats.org/officeDocument/2006/relationships" r:id="rId2"/>
+            <c:chart xmlns:c="http://schemas.openxmlformats.org/drawingml/2006/chart" r:id="rId2"/>
           </a:graphicData>
         </a:graphic>
       </p:graphicFrame>
@@ -13919,8 +12182,8 @@
 </p:sld>
 </file>
 
-<file path=ppt/slides/slide7.xml><?xml version="1.0" encoding="utf-8"?>
-<p:sld xmlns:a="http://schemas.openxmlformats.org/drawingml/2006/main" xmlns:r="http://schemas.openxmlformats.org/officeDocument/2006/relationships" xmlns:p="http://schemas.openxmlformats.org/presentationml/2006/main">
+<file path=ppt/slides/slide6.xml><?xml version="1.0" encoding="utf-8"?>
+<p:sld xmlns:a="http://schemas.openxmlformats.org/drawingml/2006/main" xmlns:p="http://schemas.openxmlformats.org/presentationml/2006/main" xmlns:r="http://schemas.openxmlformats.org/officeDocument/2006/relationships">
   <p:cSld>
     <p:spTree>
       <p:nvGrpSpPr>
@@ -13928,14 +12191,7 @@
         <p:cNvGrpSpPr/>
         <p:nvPr/>
       </p:nvGrpSpPr>
-      <p:grpSpPr>
-        <a:xfrm>
-          <a:off x="0" y="0"/>
-          <a:ext cx="0" cy="0"/>
-          <a:chOff x="0" y="0"/>
-          <a:chExt cx="0" cy="0"/>
-        </a:xfrm>
-      </p:grpSpPr>
+      <p:grpSpPr/>
       <p:graphicFrame>
         <p:nvGraphicFramePr>
           <p:cNvPr id="2" name="Chart 1"/>
@@ -13950,7 +12206,7 @@
         </p:xfrm>
         <a:graphic>
           <a:graphicData uri="http://schemas.openxmlformats.org/drawingml/2006/chart">
-            <c:chart xmlns:c="http://schemas.openxmlformats.org/drawingml/2006/chart" xmlns:r="http://schemas.openxmlformats.org/officeDocument/2006/relationships" r:id="rId2"/>
+            <c:chart xmlns:c="http://schemas.openxmlformats.org/drawingml/2006/chart" r:id="rId2"/>
           </a:graphicData>
         </a:graphic>
       </p:graphicFrame>
@@ -13962,8 +12218,8 @@
 </p:sld>
 </file>
 
-<file path=ppt/slides/slide8.xml><?xml version="1.0" encoding="utf-8"?>
-<p:sld xmlns:a="http://schemas.openxmlformats.org/drawingml/2006/main" xmlns:r="http://schemas.openxmlformats.org/officeDocument/2006/relationships" xmlns:p="http://schemas.openxmlformats.org/presentationml/2006/main">
+<file path=ppt/slides/slide7.xml><?xml version="1.0" encoding="utf-8"?>
+<p:sld xmlns:a="http://schemas.openxmlformats.org/drawingml/2006/main" xmlns:p="http://schemas.openxmlformats.org/presentationml/2006/main" xmlns:r="http://schemas.openxmlformats.org/officeDocument/2006/relationships">
   <p:cSld>
     <p:spTree>
       <p:nvGrpSpPr>
@@ -13971,14 +12227,7 @@
         <p:cNvGrpSpPr/>
         <p:nvPr/>
       </p:nvGrpSpPr>
-      <p:grpSpPr>
-        <a:xfrm>
-          <a:off x="0" y="0"/>
-          <a:ext cx="0" cy="0"/>
-          <a:chOff x="0" y="0"/>
-          <a:chExt cx="0" cy="0"/>
-        </a:xfrm>
-      </p:grpSpPr>
+      <p:grpSpPr/>
       <p:graphicFrame>
         <p:nvGraphicFramePr>
           <p:cNvPr id="2" name="Chart 1"/>
@@ -13993,7 +12242,7 @@
         </p:xfrm>
         <a:graphic>
           <a:graphicData uri="http://schemas.openxmlformats.org/drawingml/2006/chart">
-            <c:chart xmlns:c="http://schemas.openxmlformats.org/drawingml/2006/chart" xmlns:r="http://schemas.openxmlformats.org/officeDocument/2006/relationships" r:id="rId2"/>
+            <c:chart xmlns:c="http://schemas.openxmlformats.org/drawingml/2006/chart" r:id="rId2"/>
           </a:graphicData>
         </a:graphic>
       </p:graphicFrame>
@@ -14005,8 +12254,8 @@
 </p:sld>
 </file>
 
-<file path=ppt/slides/slide9.xml><?xml version="1.0" encoding="utf-8"?>
-<p:sld xmlns:a="http://schemas.openxmlformats.org/drawingml/2006/main" xmlns:r="http://schemas.openxmlformats.org/officeDocument/2006/relationships" xmlns:p="http://schemas.openxmlformats.org/presentationml/2006/main">
+<file path=ppt/slides/slide8.xml><?xml version="1.0" encoding="utf-8"?>
+<p:sld xmlns:a="http://schemas.openxmlformats.org/drawingml/2006/main" xmlns:p="http://schemas.openxmlformats.org/presentationml/2006/main" xmlns:r="http://schemas.openxmlformats.org/officeDocument/2006/relationships">
   <p:cSld>
     <p:spTree>
       <p:nvGrpSpPr>
@@ -14014,14 +12263,7 @@
         <p:cNvGrpSpPr/>
         <p:nvPr/>
       </p:nvGrpSpPr>
-      <p:grpSpPr>
-        <a:xfrm>
-          <a:off x="0" y="0"/>
-          <a:ext cx="0" cy="0"/>
-          <a:chOff x="0" y="0"/>
-          <a:chExt cx="0" cy="0"/>
-        </a:xfrm>
-      </p:grpSpPr>
+      <p:grpSpPr/>
       <p:graphicFrame>
         <p:nvGraphicFramePr>
           <p:cNvPr id="2" name="Chart 1"/>
@@ -14036,7 +12278,43 @@
         </p:xfrm>
         <a:graphic>
           <a:graphicData uri="http://schemas.openxmlformats.org/drawingml/2006/chart">
-            <c:chart xmlns:c="http://schemas.openxmlformats.org/drawingml/2006/chart" xmlns:r="http://schemas.openxmlformats.org/officeDocument/2006/relationships" r:id="rId2"/>
+            <c:chart xmlns:c="http://schemas.openxmlformats.org/drawingml/2006/chart" r:id="rId2"/>
+          </a:graphicData>
+        </a:graphic>
+      </p:graphicFrame>
+    </p:spTree>
+  </p:cSld>
+  <p:clrMapOvr>
+    <a:masterClrMapping/>
+  </p:clrMapOvr>
+</p:sld>
+</file>
+
+<file path=ppt/slides/slide9.xml><?xml version="1.0" encoding="utf-8"?>
+<p:sld xmlns:a="http://schemas.openxmlformats.org/drawingml/2006/main" xmlns:p="http://schemas.openxmlformats.org/presentationml/2006/main" xmlns:r="http://schemas.openxmlformats.org/officeDocument/2006/relationships">
+  <p:cSld>
+    <p:spTree>
+      <p:nvGrpSpPr>
+        <p:cNvPr id="1" name=""/>
+        <p:cNvGrpSpPr/>
+        <p:nvPr/>
+      </p:nvGrpSpPr>
+      <p:grpSpPr/>
+      <p:graphicFrame>
+        <p:nvGraphicFramePr>
+          <p:cNvPr id="2" name="Chart 1"/>
+          <p:cNvGraphicFramePr>
+            <a:graphicFrameLocks noGrp="1"/>
+          </p:cNvGraphicFramePr>
+          <p:nvPr/>
+        </p:nvGraphicFramePr>
+        <p:xfrm>
+          <a:off x="457200" y="914400"/>
+          <a:ext cx="8229600" cy="5486400"/>
+        </p:xfrm>
+        <a:graphic>
+          <a:graphicData uri="http://schemas.openxmlformats.org/drawingml/2006/chart">
+            <c:chart xmlns:c="http://schemas.openxmlformats.org/drawingml/2006/chart" r:id="rId2"/>
           </a:graphicData>
         </a:graphic>
       </p:graphicFrame>
@@ -14307,256 +12585,4 @@
     </a:ext>
   </a:extLst>
 </a:theme>
-</file>
-
-<file path=ppt/theme/themeOverride1.xml><?xml version="1.0" encoding="utf-8"?>
-<a:themeOverride xmlns:a="http://schemas.openxmlformats.org/drawingml/2006/main">
-  <a:clrScheme name="Office Theme">
-    <a:dk1>
-      <a:sysClr val="windowText" lastClr="000000"/>
-    </a:dk1>
-    <a:lt1>
-      <a:sysClr val="window" lastClr="FFFFFF"/>
-    </a:lt1>
-    <a:dk2>
-      <a:srgbClr val="44546A"/>
-    </a:dk2>
-    <a:lt2>
-      <a:srgbClr val="E7E6E6"/>
-    </a:lt2>
-    <a:accent1>
-      <a:srgbClr val="4472C4"/>
-    </a:accent1>
-    <a:accent2>
-      <a:srgbClr val="ED7D31"/>
-    </a:accent2>
-    <a:accent3>
-      <a:srgbClr val="A5A5A5"/>
-    </a:accent3>
-    <a:accent4>
-      <a:srgbClr val="FFC000"/>
-    </a:accent4>
-    <a:accent5>
-      <a:srgbClr val="5B9BD5"/>
-    </a:accent5>
-    <a:accent6>
-      <a:srgbClr val="70AD47"/>
-    </a:accent6>
-    <a:hlink>
-      <a:srgbClr val="0563C1"/>
-    </a:hlink>
-    <a:folHlink>
-      <a:srgbClr val="954F72"/>
-    </a:folHlink>
-  </a:clrScheme>
-  <a:fontScheme name="Office Theme">
-    <a:majorFont>
-      <a:latin typeface="Calibri Light" panose="020F0302020204030204"/>
-      <a:ea typeface=""/>
-      <a:cs typeface=""/>
-      <a:font script="Jpan" typeface="游ゴシック Light"/>
-      <a:font script="Hang" typeface="맑은 고딕"/>
-      <a:font script="Hans" typeface="等线 Light"/>
-      <a:font script="Hant" typeface="新細明體"/>
-      <a:font script="Arab" typeface="Times New Roman"/>
-      <a:font script="Hebr" typeface="Times New Roman"/>
-      <a:font script="Thai" typeface="Angsana New"/>
-      <a:font script="Ethi" typeface="Nyala"/>
-      <a:font script="Beng" typeface="Vrinda"/>
-      <a:font script="Gujr" typeface="Shruti"/>
-      <a:font script="Khmr" typeface="MoolBoran"/>
-      <a:font script="Knda" typeface="Tunga"/>
-      <a:font script="Guru" typeface="Raavi"/>
-      <a:font script="Cans" typeface="Euphemia"/>
-      <a:font script="Cher" typeface="Plantagenet Cherokee"/>
-      <a:font script="Yiii" typeface="Microsoft Yi Baiti"/>
-      <a:font script="Tibt" typeface="Microsoft Himalaya"/>
-      <a:font script="Thaa" typeface="MV Boli"/>
-      <a:font script="Deva" typeface="Mangal"/>
-      <a:font script="Telu" typeface="Gautami"/>
-      <a:font script="Taml" typeface="Latha"/>
-      <a:font script="Syrc" typeface="Estrangelo Edessa"/>
-      <a:font script="Orya" typeface="Kalinga"/>
-      <a:font script="Mlym" typeface="Kartika"/>
-      <a:font script="Laoo" typeface="DokChampa"/>
-      <a:font script="Sinh" typeface="Iskoola Pota"/>
-      <a:font script="Mong" typeface="Mongolian Baiti"/>
-      <a:font script="Viet" typeface="Times New Roman"/>
-      <a:font script="Uigh" typeface="Microsoft Uighur"/>
-      <a:font script="Geor" typeface="Sylfaen"/>
-    </a:majorFont>
-    <a:minorFont>
-      <a:latin typeface="Calibri" panose="020F0502020204030204"/>
-      <a:ea typeface=""/>
-      <a:cs typeface=""/>
-      <a:font script="Jpan" typeface="游ゴシック"/>
-      <a:font script="Hang" typeface="맑은 고딕"/>
-      <a:font script="Hans" typeface="等线"/>
-      <a:font script="Hant" typeface="新細明體"/>
-      <a:font script="Arab" typeface="Arial"/>
-      <a:font script="Hebr" typeface="Arial"/>
-      <a:font script="Thai" typeface="Cordia New"/>
-      <a:font script="Ethi" typeface="Nyala"/>
-      <a:font script="Beng" typeface="Vrinda"/>
-      <a:font script="Gujr" typeface="Shruti"/>
-      <a:font script="Khmr" typeface="DaunPenh"/>
-      <a:font script="Knda" typeface="Tunga"/>
-      <a:font script="Guru" typeface="Raavi"/>
-      <a:font script="Cans" typeface="Euphemia"/>
-      <a:font script="Cher" typeface="Plantagenet Cherokee"/>
-      <a:font script="Yiii" typeface="Microsoft Yi Baiti"/>
-      <a:font script="Tibt" typeface="Microsoft Himalaya"/>
-      <a:font script="Thaa" typeface="MV Boli"/>
-      <a:font script="Deva" typeface="Mangal"/>
-      <a:font script="Telu" typeface="Gautami"/>
-      <a:font script="Taml" typeface="Latha"/>
-      <a:font script="Syrc" typeface="Estrangelo Edessa"/>
-      <a:font script="Orya" typeface="Kalinga"/>
-      <a:font script="Mlym" typeface="Kartika"/>
-      <a:font script="Laoo" typeface="DokChampa"/>
-      <a:font script="Sinh" typeface="Iskoola Pota"/>
-      <a:font script="Mong" typeface="Mongolian Baiti"/>
-      <a:font script="Viet" typeface="Arial"/>
-      <a:font script="Uigh" typeface="Microsoft Uighur"/>
-      <a:font script="Geor" typeface="Sylfaen"/>
-    </a:minorFont>
-  </a:fontScheme>
-  <a:fmtScheme name="Office Theme">
-    <a:fillStyleLst>
-      <a:solidFill>
-        <a:schemeClr val="phClr"/>
-      </a:solidFill>
-      <a:gradFill rotWithShape="1">
-        <a:gsLst>
-          <a:gs pos="0">
-            <a:schemeClr val="phClr">
-              <a:lumMod val="110000"/>
-              <a:satMod val="105000"/>
-              <a:tint val="67000"/>
-            </a:schemeClr>
-          </a:gs>
-          <a:gs pos="50000">
-            <a:schemeClr val="phClr">
-              <a:lumMod val="105000"/>
-              <a:satMod val="103000"/>
-              <a:tint val="73000"/>
-            </a:schemeClr>
-          </a:gs>
-          <a:gs pos="100000">
-            <a:schemeClr val="phClr">
-              <a:lumMod val="105000"/>
-              <a:satMod val="109000"/>
-              <a:tint val="81000"/>
-            </a:schemeClr>
-          </a:gs>
-        </a:gsLst>
-        <a:lin ang="5400000" scaled="0"/>
-      </a:gradFill>
-      <a:gradFill rotWithShape="1">
-        <a:gsLst>
-          <a:gs pos="0">
-            <a:schemeClr val="phClr">
-              <a:satMod val="103000"/>
-              <a:lumMod val="102000"/>
-              <a:tint val="94000"/>
-            </a:schemeClr>
-          </a:gs>
-          <a:gs pos="50000">
-            <a:schemeClr val="phClr">
-              <a:satMod val="110000"/>
-              <a:lumMod val="100000"/>
-              <a:shade val="100000"/>
-            </a:schemeClr>
-          </a:gs>
-          <a:gs pos="100000">
-            <a:schemeClr val="phClr">
-              <a:lumMod val="99000"/>
-              <a:satMod val="120000"/>
-              <a:shade val="78000"/>
-            </a:schemeClr>
-          </a:gs>
-        </a:gsLst>
-        <a:lin ang="5400000" scaled="0"/>
-      </a:gradFill>
-    </a:fillStyleLst>
-    <a:lnStyleLst>
-      <a:ln w="6350" cap="flat" cmpd="sng" algn="ctr">
-        <a:solidFill>
-          <a:schemeClr val="phClr"/>
-        </a:solidFill>
-        <a:prstDash val="solid"/>
-        <a:miter lim="800000"/>
-      </a:ln>
-      <a:ln w="12700" cap="flat" cmpd="sng" algn="ctr">
-        <a:solidFill>
-          <a:schemeClr val="phClr"/>
-        </a:solidFill>
-        <a:prstDash val="solid"/>
-        <a:miter lim="800000"/>
-      </a:ln>
-      <a:ln w="19050" cap="flat" cmpd="sng" algn="ctr">
-        <a:solidFill>
-          <a:schemeClr val="phClr"/>
-        </a:solidFill>
-        <a:prstDash val="solid"/>
-        <a:miter lim="800000"/>
-      </a:ln>
-    </a:lnStyleLst>
-    <a:effectStyleLst>
-      <a:effectStyle>
-        <a:effectLst/>
-      </a:effectStyle>
-      <a:effectStyle>
-        <a:effectLst/>
-      </a:effectStyle>
-      <a:effectStyle>
-        <a:effectLst>
-          <a:outerShdw blurRad="57150" dist="19050" dir="5400000" algn="ctr" rotWithShape="0">
-            <a:srgbClr val="000000">
-              <a:alpha val="63000"/>
-            </a:srgbClr>
-          </a:outerShdw>
-        </a:effectLst>
-      </a:effectStyle>
-    </a:effectStyleLst>
-    <a:bgFillStyleLst>
-      <a:solidFill>
-        <a:schemeClr val="phClr"/>
-      </a:solidFill>
-      <a:solidFill>
-        <a:schemeClr val="phClr">
-          <a:tint val="95000"/>
-          <a:satMod val="170000"/>
-        </a:schemeClr>
-      </a:solidFill>
-      <a:gradFill rotWithShape="1">
-        <a:gsLst>
-          <a:gs pos="0">
-            <a:schemeClr val="phClr">
-              <a:tint val="93000"/>
-              <a:satMod val="150000"/>
-              <a:shade val="98000"/>
-              <a:lumMod val="102000"/>
-            </a:schemeClr>
-          </a:gs>
-          <a:gs pos="50000">
-            <a:schemeClr val="phClr">
-              <a:tint val="98000"/>
-              <a:satMod val="130000"/>
-              <a:shade val="90000"/>
-              <a:lumMod val="103000"/>
-            </a:schemeClr>
-          </a:gs>
-          <a:gs pos="100000">
-            <a:schemeClr val="phClr">
-              <a:shade val="63000"/>
-              <a:satMod val="120000"/>
-            </a:schemeClr>
-          </a:gs>
-        </a:gsLst>
-        <a:lin ang="5400000" scaled="0"/>
-      </a:gradFill>
-    </a:bgFillStyleLst>
-  </a:fmtScheme>
-</a:themeOverride>
 </file>
--- a/report/utilization/python_utilization_slides.pptx
+++ b/report/utilization/python_utilization_slides.pptx
@@ -229,7 +229,7 @@
               <c:strCache>
                 <c:ptCount val="1"/>
                 <c:pt idx="0">
-                  <c:v>FY19</c:v>
+                  <c:v>FY20</c:v>
                 </c:pt>
               </c:strCache>
             </c:strRef>
@@ -289,40 +289,7 @@
                 <c:formatCode>General</c:formatCode>
                 <c:ptCount val="12"/>
                 <c:pt idx="0">
-                  <c:v>3823</c:v>
-                </c:pt>
-                <c:pt idx="1">
-                  <c:v>3929</c:v>
-                </c:pt>
-                <c:pt idx="2">
-                  <c:v>3743</c:v>
-                </c:pt>
-                <c:pt idx="3">
-                  <c:v>3797</c:v>
-                </c:pt>
-                <c:pt idx="4">
-                  <c:v>3439</c:v>
-                </c:pt>
-                <c:pt idx="5">
-                  <c:v>3254</c:v>
-                </c:pt>
-                <c:pt idx="6">
-                  <c:v>2636</c:v>
-                </c:pt>
-                <c:pt idx="7">
-                  <c:v>1813</c:v>
-                </c:pt>
-                <c:pt idx="8">
-                  <c:v>1934</c:v>
-                </c:pt>
-                <c:pt idx="9">
-                  <c:v>1692</c:v>
-                </c:pt>
-                <c:pt idx="10">
-                  <c:v>1560</c:v>
-                </c:pt>
-                <c:pt idx="11">
-                  <c:v>1537</c:v>
+                  <c:v>1772.0</c:v>
                 </c:pt>
               </c:numCache>
             </c:numRef>
@@ -338,7 +305,7 @@
               <c:strCache>
                 <c:ptCount val="1"/>
                 <c:pt idx="0">
-                  <c:v>FY18</c:v>
+                  <c:v>FY19</c:v>
                 </c:pt>
               </c:strCache>
             </c:strRef>
@@ -398,40 +365,40 @@
                 <c:formatCode>General</c:formatCode>
                 <c:ptCount val="12"/>
                 <c:pt idx="0">
-                  <c:v>3684</c:v>
+                  <c:v>3823.0</c:v>
                 </c:pt>
                 <c:pt idx="1">
-                  <c:v>3108</c:v>
+                  <c:v>3929.0</c:v>
                 </c:pt>
                 <c:pt idx="2">
-                  <c:v>3085</c:v>
+                  <c:v>3743.0</c:v>
                 </c:pt>
                 <c:pt idx="3">
-                  <c:v>3621</c:v>
+                  <c:v>3797.0</c:v>
                 </c:pt>
                 <c:pt idx="4">
-                  <c:v>3335</c:v>
+                  <c:v>3439.0</c:v>
                 </c:pt>
                 <c:pt idx="5">
-                  <c:v>3878</c:v>
+                  <c:v>3254.0</c:v>
                 </c:pt>
                 <c:pt idx="6">
-                  <c:v>3712</c:v>
+                  <c:v>2636.0</c:v>
                 </c:pt>
                 <c:pt idx="7">
-                  <c:v>3289</c:v>
+                  <c:v>1813.0</c:v>
                 </c:pt>
                 <c:pt idx="8">
-                  <c:v>3496</c:v>
+                  <c:v>1934.0</c:v>
                 </c:pt>
                 <c:pt idx="9">
-                  <c:v>3501</c:v>
+                  <c:v>1692.0</c:v>
                 </c:pt>
                 <c:pt idx="10">
-                  <c:v>3419</c:v>
+                  <c:v>1560.0</c:v>
                 </c:pt>
                 <c:pt idx="11">
-                  <c:v>3715</c:v>
+                  <c:v>1537.0</c:v>
                 </c:pt>
               </c:numCache>
             </c:numRef>
@@ -447,7 +414,7 @@
               <c:strCache>
                 <c:ptCount val="1"/>
                 <c:pt idx="0">
-                  <c:v>FY17</c:v>
+                  <c:v>FY18</c:v>
                 </c:pt>
               </c:strCache>
             </c:strRef>
@@ -507,40 +474,40 @@
                 <c:formatCode>General</c:formatCode>
                 <c:ptCount val="12"/>
                 <c:pt idx="0">
-                  <c:v>3475</c:v>
+                  <c:v>3684.0</c:v>
                 </c:pt>
                 <c:pt idx="1">
-                  <c:v>3238</c:v>
+                  <c:v>3108.0</c:v>
                 </c:pt>
                 <c:pt idx="2">
-                  <c:v>2677</c:v>
+                  <c:v>3085.0</c:v>
                 </c:pt>
                 <c:pt idx="3">
-                  <c:v>2806</c:v>
+                  <c:v>3621.0</c:v>
                 </c:pt>
                 <c:pt idx="4">
-                  <c:v>2463</c:v>
+                  <c:v>3335.0</c:v>
                 </c:pt>
                 <c:pt idx="5">
-                  <c:v>2511</c:v>
+                  <c:v>3878.0</c:v>
                 </c:pt>
                 <c:pt idx="6">
-                  <c:v>2435</c:v>
+                  <c:v>3712.0</c:v>
                 </c:pt>
                 <c:pt idx="7">
-                  <c:v>2393</c:v>
+                  <c:v>3289.0</c:v>
                 </c:pt>
                 <c:pt idx="8">
-                  <c:v>2327</c:v>
+                  <c:v>3496.0</c:v>
                 </c:pt>
                 <c:pt idx="9">
-                  <c:v>3250</c:v>
+                  <c:v>3501.0</c:v>
                 </c:pt>
                 <c:pt idx="10">
-                  <c:v>3500</c:v>
+                  <c:v>3419.0</c:v>
                 </c:pt>
                 <c:pt idx="11">
-                  <c:v>3568</c:v>
+                  <c:v>3715.0</c:v>
                 </c:pt>
               </c:numCache>
             </c:numRef>
@@ -556,7 +523,7 @@
               <c:strCache>
                 <c:ptCount val="1"/>
                 <c:pt idx="0">
-                  <c:v>FY16</c:v>
+                  <c:v>FY17</c:v>
                 </c:pt>
               </c:strCache>
             </c:strRef>
@@ -616,40 +583,40 @@
                 <c:formatCode>General</c:formatCode>
                 <c:ptCount val="12"/>
                 <c:pt idx="0">
-                  <c:v>3797</c:v>
+                  <c:v>3475.0</c:v>
                 </c:pt>
                 <c:pt idx="1">
-                  <c:v>3381</c:v>
+                  <c:v>3238.0</c:v>
                 </c:pt>
                 <c:pt idx="2">
-                  <c:v>3822</c:v>
+                  <c:v>2677.0</c:v>
                 </c:pt>
                 <c:pt idx="3">
-                  <c:v>4276</c:v>
+                  <c:v>2806.0</c:v>
                 </c:pt>
                 <c:pt idx="4">
-                  <c:v>4471</c:v>
+                  <c:v>2463.0</c:v>
                 </c:pt>
                 <c:pt idx="5">
-                  <c:v>4643</c:v>
+                  <c:v>2511.0</c:v>
                 </c:pt>
                 <c:pt idx="6">
-                  <c:v>3649</c:v>
+                  <c:v>2435.0</c:v>
                 </c:pt>
                 <c:pt idx="7">
-                  <c:v>3638</c:v>
+                  <c:v>2393.0</c:v>
                 </c:pt>
                 <c:pt idx="8">
-                  <c:v>3299</c:v>
+                  <c:v>2327.0</c:v>
                 </c:pt>
                 <c:pt idx="9">
-                  <c:v>3265</c:v>
+                  <c:v>3250.0</c:v>
                 </c:pt>
                 <c:pt idx="10">
-                  <c:v>3698</c:v>
+                  <c:v>3500.0</c:v>
                 </c:pt>
                 <c:pt idx="11">
-                  <c:v>3707</c:v>
+                  <c:v>3568.0</c:v>
                 </c:pt>
               </c:numCache>
             </c:numRef>
@@ -764,7 +731,7 @@
               <c:strCache>
                 <c:ptCount val="1"/>
                 <c:pt idx="0">
-                  <c:v>FY19</c:v>
+                  <c:v>FY20</c:v>
                 </c:pt>
               </c:strCache>
             </c:strRef>
@@ -824,40 +791,7 @@
                 <c:formatCode>General</c:formatCode>
                 <c:ptCount val="12"/>
                 <c:pt idx="0">
-                  <c:v>60</c:v>
-                </c:pt>
-                <c:pt idx="1">
-                  <c:v>69</c:v>
-                </c:pt>
-                <c:pt idx="2">
-                  <c:v>58</c:v>
-                </c:pt>
-                <c:pt idx="3">
-                  <c:v>83</c:v>
-                </c:pt>
-                <c:pt idx="4">
-                  <c:v>76</c:v>
-                </c:pt>
-                <c:pt idx="5">
-                  <c:v>52</c:v>
-                </c:pt>
-                <c:pt idx="6">
-                  <c:v>68</c:v>
-                </c:pt>
-                <c:pt idx="7">
-                  <c:v>49</c:v>
-                </c:pt>
-                <c:pt idx="8">
-                  <c:v>68</c:v>
-                </c:pt>
-                <c:pt idx="9">
-                  <c:v>60</c:v>
-                </c:pt>
-                <c:pt idx="10">
-                  <c:v>59</c:v>
-                </c:pt>
-                <c:pt idx="11">
-                  <c:v>47</c:v>
+                  <c:v>27.0</c:v>
                 </c:pt>
               </c:numCache>
             </c:numRef>
@@ -873,7 +807,7 @@
               <c:strCache>
                 <c:ptCount val="1"/>
                 <c:pt idx="0">
-                  <c:v>FY18</c:v>
+                  <c:v>FY19</c:v>
                 </c:pt>
               </c:strCache>
             </c:strRef>
@@ -933,40 +867,40 @@
                 <c:formatCode>General</c:formatCode>
                 <c:ptCount val="12"/>
                 <c:pt idx="0">
-                  <c:v>63</c:v>
+                  <c:v>60.0</c:v>
                 </c:pt>
                 <c:pt idx="1">
-                  <c:v>49</c:v>
+                  <c:v>69.0</c:v>
                 </c:pt>
                 <c:pt idx="2">
-                  <c:v>48</c:v>
+                  <c:v>58.0</c:v>
                 </c:pt>
                 <c:pt idx="3">
-                  <c:v>61</c:v>
+                  <c:v>83.0</c:v>
                 </c:pt>
                 <c:pt idx="4">
-                  <c:v>52</c:v>
+                  <c:v>76.0</c:v>
                 </c:pt>
                 <c:pt idx="5">
-                  <c:v>57</c:v>
+                  <c:v>52.0</c:v>
                 </c:pt>
                 <c:pt idx="6">
-                  <c:v>53</c:v>
+                  <c:v>68.0</c:v>
                 </c:pt>
                 <c:pt idx="7">
-                  <c:v>54</c:v>
+                  <c:v>49.0</c:v>
                 </c:pt>
                 <c:pt idx="8">
-                  <c:v>60</c:v>
+                  <c:v>68.0</c:v>
                 </c:pt>
                 <c:pt idx="9">
-                  <c:v>60</c:v>
+                  <c:v>60.0</c:v>
                 </c:pt>
                 <c:pt idx="10">
-                  <c:v>56</c:v>
+                  <c:v>59.0</c:v>
                 </c:pt>
                 <c:pt idx="11">
-                  <c:v>55</c:v>
+                  <c:v>47.0</c:v>
                 </c:pt>
               </c:numCache>
             </c:numRef>
@@ -982,7 +916,7 @@
               <c:strCache>
                 <c:ptCount val="1"/>
                 <c:pt idx="0">
-                  <c:v>FY17</c:v>
+                  <c:v>FY18</c:v>
                 </c:pt>
               </c:strCache>
             </c:strRef>
@@ -1042,40 +976,40 @@
                 <c:formatCode>General</c:formatCode>
                 <c:ptCount val="12"/>
                 <c:pt idx="0">
-                  <c:v>45</c:v>
+                  <c:v>63.0</c:v>
                 </c:pt>
                 <c:pt idx="1">
-                  <c:v>66</c:v>
+                  <c:v>49.0</c:v>
                 </c:pt>
                 <c:pt idx="2">
-                  <c:v>50</c:v>
+                  <c:v>48.0</c:v>
                 </c:pt>
                 <c:pt idx="3">
-                  <c:v>52</c:v>
+                  <c:v>61.0</c:v>
                 </c:pt>
                 <c:pt idx="4">
-                  <c:v>41</c:v>
+                  <c:v>52.0</c:v>
                 </c:pt>
                 <c:pt idx="5">
-                  <c:v>44</c:v>
+                  <c:v>57.0</c:v>
                 </c:pt>
                 <c:pt idx="6">
-                  <c:v>38</c:v>
+                  <c:v>53.0</c:v>
                 </c:pt>
                 <c:pt idx="7">
-                  <c:v>40</c:v>
+                  <c:v>54.0</c:v>
                 </c:pt>
                 <c:pt idx="8">
-                  <c:v>58</c:v>
+                  <c:v>60.0</c:v>
                 </c:pt>
                 <c:pt idx="9">
-                  <c:v>38</c:v>
+                  <c:v>60.0</c:v>
                 </c:pt>
                 <c:pt idx="10">
-                  <c:v>56</c:v>
+                  <c:v>56.0</c:v>
                 </c:pt>
                 <c:pt idx="11">
-                  <c:v>54</c:v>
+                  <c:v>55.0</c:v>
                 </c:pt>
               </c:numCache>
             </c:numRef>
@@ -1091,7 +1025,7 @@
               <c:strCache>
                 <c:ptCount val="1"/>
                 <c:pt idx="0">
-                  <c:v>FY16</c:v>
+                  <c:v>FY17</c:v>
                 </c:pt>
               </c:strCache>
             </c:strRef>
@@ -1151,40 +1085,40 @@
                 <c:formatCode>General</c:formatCode>
                 <c:ptCount val="12"/>
                 <c:pt idx="0">
-                  <c:v>56</c:v>
+                  <c:v>45.0</c:v>
                 </c:pt>
                 <c:pt idx="1">
-                  <c:v>44</c:v>
+                  <c:v>66.0</c:v>
                 </c:pt>
                 <c:pt idx="2">
-                  <c:v>40</c:v>
+                  <c:v>50.0</c:v>
                 </c:pt>
                 <c:pt idx="3">
-                  <c:v>47</c:v>
+                  <c:v>52.0</c:v>
                 </c:pt>
                 <c:pt idx="4">
-                  <c:v>38</c:v>
+                  <c:v>41.0</c:v>
                 </c:pt>
                 <c:pt idx="5">
-                  <c:v>54</c:v>
+                  <c:v>44.0</c:v>
                 </c:pt>
                 <c:pt idx="6">
-                  <c:v>44</c:v>
+                  <c:v>38.0</c:v>
                 </c:pt>
                 <c:pt idx="7">
-                  <c:v>46</c:v>
+                  <c:v>40.0</c:v>
                 </c:pt>
                 <c:pt idx="8">
-                  <c:v>52</c:v>
+                  <c:v>58.0</c:v>
                 </c:pt>
                 <c:pt idx="9">
-                  <c:v>50</c:v>
+                  <c:v>38.0</c:v>
                 </c:pt>
                 <c:pt idx="10">
-                  <c:v>57</c:v>
+                  <c:v>56.0</c:v>
                 </c:pt>
                 <c:pt idx="11">
-                  <c:v>51</c:v>
+                  <c:v>54.0</c:v>
                 </c:pt>
               </c:numCache>
             </c:numRef>
@@ -1299,7 +1233,7 @@
               <c:strCache>
                 <c:ptCount val="1"/>
                 <c:pt idx="0">
-                  <c:v>FY19</c:v>
+                  <c:v>FY20</c:v>
                 </c:pt>
               </c:strCache>
             </c:strRef>
@@ -1359,40 +1293,7 @@
                 <c:formatCode>General</c:formatCode>
                 <c:ptCount val="12"/>
                 <c:pt idx="0">
-                  <c:v>15</c:v>
-                </c:pt>
-                <c:pt idx="1">
-                  <c:v>13</c:v>
-                </c:pt>
-                <c:pt idx="2">
-                  <c:v>9</c:v>
-                </c:pt>
-                <c:pt idx="3">
-                  <c:v>10</c:v>
-                </c:pt>
-                <c:pt idx="4">
-                  <c:v>11</c:v>
-                </c:pt>
-                <c:pt idx="5">
-                  <c:v>13</c:v>
-                </c:pt>
-                <c:pt idx="6">
-                  <c:v>15</c:v>
-                </c:pt>
-                <c:pt idx="7">
-                  <c:v>8</c:v>
-                </c:pt>
-                <c:pt idx="8">
-                  <c:v>9</c:v>
-                </c:pt>
-                <c:pt idx="9">
-                  <c:v>9</c:v>
-                </c:pt>
-                <c:pt idx="10">
-                  <c:v>10</c:v>
-                </c:pt>
-                <c:pt idx="11">
-                  <c:v>9</c:v>
+                  <c:v>9.0</c:v>
                 </c:pt>
               </c:numCache>
             </c:numRef>
@@ -1408,7 +1309,7 @@
               <c:strCache>
                 <c:ptCount val="1"/>
                 <c:pt idx="0">
-                  <c:v>FY18</c:v>
+                  <c:v>FY19</c:v>
                 </c:pt>
               </c:strCache>
             </c:strRef>
@@ -1468,40 +1369,40 @@
                 <c:formatCode>General</c:formatCode>
                 <c:ptCount val="12"/>
                 <c:pt idx="0">
-                  <c:v>13</c:v>
+                  <c:v>15.0</c:v>
                 </c:pt>
                 <c:pt idx="1">
-                  <c:v>16</c:v>
+                  <c:v>13.0</c:v>
                 </c:pt>
                 <c:pt idx="2">
-                  <c:v>12</c:v>
+                  <c:v>9.0</c:v>
                 </c:pt>
                 <c:pt idx="3">
-                  <c:v>16</c:v>
+                  <c:v>10.0</c:v>
                 </c:pt>
                 <c:pt idx="4">
-                  <c:v>15</c:v>
+                  <c:v>11.0</c:v>
                 </c:pt>
                 <c:pt idx="5">
-                  <c:v>16</c:v>
+                  <c:v>13.0</c:v>
                 </c:pt>
                 <c:pt idx="6">
-                  <c:v>14</c:v>
+                  <c:v>15.0</c:v>
                 </c:pt>
                 <c:pt idx="7">
-                  <c:v>11</c:v>
+                  <c:v>8.0</c:v>
                 </c:pt>
                 <c:pt idx="8">
-                  <c:v>12</c:v>
+                  <c:v>9.0</c:v>
                 </c:pt>
                 <c:pt idx="9">
-                  <c:v>12</c:v>
+                  <c:v>9.0</c:v>
                 </c:pt>
                 <c:pt idx="10">
-                  <c:v>12</c:v>
+                  <c:v>10.0</c:v>
                 </c:pt>
                 <c:pt idx="11">
-                  <c:v>16</c:v>
+                  <c:v>9.0</c:v>
                 </c:pt>
               </c:numCache>
             </c:numRef>
@@ -1517,7 +1418,7 @@
               <c:strCache>
                 <c:ptCount val="1"/>
                 <c:pt idx="0">
-                  <c:v>FY17</c:v>
+                  <c:v>FY18</c:v>
                 </c:pt>
               </c:strCache>
             </c:strRef>
@@ -1577,40 +1478,40 @@
                 <c:formatCode>General</c:formatCode>
                 <c:ptCount val="12"/>
                 <c:pt idx="0">
-                  <c:v>14</c:v>
+                  <c:v>13.0</c:v>
                 </c:pt>
                 <c:pt idx="1">
-                  <c:v>10</c:v>
+                  <c:v>16.0</c:v>
                 </c:pt>
                 <c:pt idx="2">
-                  <c:v>11</c:v>
+                  <c:v>12.0</c:v>
                 </c:pt>
                 <c:pt idx="3">
-                  <c:v>11</c:v>
+                  <c:v>16.0</c:v>
                 </c:pt>
                 <c:pt idx="4">
-                  <c:v>13</c:v>
+                  <c:v>15.0</c:v>
                 </c:pt>
                 <c:pt idx="5">
-                  <c:v>13</c:v>
+                  <c:v>16.0</c:v>
                 </c:pt>
                 <c:pt idx="6">
-                  <c:v>9</c:v>
+                  <c:v>14.0</c:v>
                 </c:pt>
                 <c:pt idx="7">
-                  <c:v>11</c:v>
+                  <c:v>11.0</c:v>
                 </c:pt>
                 <c:pt idx="8">
-                  <c:v>16</c:v>
+                  <c:v>12.0</c:v>
                 </c:pt>
                 <c:pt idx="9">
-                  <c:v>14</c:v>
+                  <c:v>12.0</c:v>
                 </c:pt>
                 <c:pt idx="10">
-                  <c:v>15</c:v>
+                  <c:v>12.0</c:v>
                 </c:pt>
                 <c:pt idx="11">
-                  <c:v>17</c:v>
+                  <c:v>16.0</c:v>
                 </c:pt>
               </c:numCache>
             </c:numRef>
@@ -1626,7 +1527,7 @@
               <c:strCache>
                 <c:ptCount val="1"/>
                 <c:pt idx="0">
-                  <c:v>FY16</c:v>
+                  <c:v>FY17</c:v>
                 </c:pt>
               </c:strCache>
             </c:strRef>
@@ -1686,40 +1587,40 @@
                 <c:formatCode>General</c:formatCode>
                 <c:ptCount val="12"/>
                 <c:pt idx="0">
-                  <c:v>9</c:v>
+                  <c:v>14.0</c:v>
                 </c:pt>
                 <c:pt idx="1">
-                  <c:v>8</c:v>
+                  <c:v>10.0</c:v>
                 </c:pt>
                 <c:pt idx="2">
-                  <c:v>7</c:v>
+                  <c:v>11.0</c:v>
                 </c:pt>
                 <c:pt idx="3">
-                  <c:v>5</c:v>
+                  <c:v>11.0</c:v>
                 </c:pt>
                 <c:pt idx="4">
-                  <c:v>6</c:v>
+                  <c:v>13.0</c:v>
                 </c:pt>
                 <c:pt idx="5">
-                  <c:v>8</c:v>
+                  <c:v>13.0</c:v>
                 </c:pt>
                 <c:pt idx="6">
-                  <c:v>6</c:v>
+                  <c:v>9.0</c:v>
                 </c:pt>
                 <c:pt idx="7">
-                  <c:v>5</c:v>
+                  <c:v>11.0</c:v>
                 </c:pt>
                 <c:pt idx="8">
-                  <c:v>6</c:v>
+                  <c:v>16.0</c:v>
                 </c:pt>
                 <c:pt idx="9">
-                  <c:v>6</c:v>
+                  <c:v>14.0</c:v>
                 </c:pt>
                 <c:pt idx="10">
-                  <c:v>6</c:v>
+                  <c:v>15.0</c:v>
                 </c:pt>
                 <c:pt idx="11">
-                  <c:v>10</c:v>
+                  <c:v>17.0</c:v>
                 </c:pt>
               </c:numCache>
             </c:numRef>
@@ -1834,7 +1735,7 @@
               <c:strCache>
                 <c:ptCount val="1"/>
                 <c:pt idx="0">
-                  <c:v>FY19</c:v>
+                  <c:v>FY20</c:v>
                 </c:pt>
               </c:strCache>
             </c:strRef>
@@ -1894,40 +1795,7 @@
                 <c:formatCode>General</c:formatCode>
                 <c:ptCount val="12"/>
                 <c:pt idx="0">
-                  <c:v>174</c:v>
-                </c:pt>
-                <c:pt idx="1">
-                  <c:v>191</c:v>
-                </c:pt>
-                <c:pt idx="2">
-                  <c:v>124</c:v>
-                </c:pt>
-                <c:pt idx="3">
-                  <c:v>105</c:v>
-                </c:pt>
-                <c:pt idx="4">
-                  <c:v>93</c:v>
-                </c:pt>
-                <c:pt idx="5">
-                  <c:v>167</c:v>
-                </c:pt>
-                <c:pt idx="6">
-                  <c:v>96</c:v>
-                </c:pt>
-                <c:pt idx="7">
-                  <c:v>111</c:v>
-                </c:pt>
-                <c:pt idx="8">
-                  <c:v>193</c:v>
-                </c:pt>
-                <c:pt idx="9">
-                  <c:v>243</c:v>
-                </c:pt>
-                <c:pt idx="10">
-                  <c:v>64</c:v>
-                </c:pt>
-                <c:pt idx="11">
-                  <c:v>52</c:v>
+                  <c:v>136.0</c:v>
                 </c:pt>
               </c:numCache>
             </c:numRef>
@@ -1943,7 +1811,7 @@
               <c:strCache>
                 <c:ptCount val="1"/>
                 <c:pt idx="0">
-                  <c:v>FY18</c:v>
+                  <c:v>FY19</c:v>
                 </c:pt>
               </c:strCache>
             </c:strRef>
@@ -2003,40 +1871,40 @@
                 <c:formatCode>General</c:formatCode>
                 <c:ptCount val="12"/>
                 <c:pt idx="0">
-                  <c:v>151</c:v>
+                  <c:v>174.0</c:v>
                 </c:pt>
                 <c:pt idx="1">
-                  <c:v>159</c:v>
+                  <c:v>191.0</c:v>
                 </c:pt>
                 <c:pt idx="2">
-                  <c:v>189</c:v>
+                  <c:v>124.0</c:v>
                 </c:pt>
                 <c:pt idx="3">
-                  <c:v>259</c:v>
+                  <c:v>105.0</c:v>
                 </c:pt>
                 <c:pt idx="4">
-                  <c:v>98</c:v>
+                  <c:v>93.0</c:v>
                 </c:pt>
                 <c:pt idx="5">
-                  <c:v>230</c:v>
+                  <c:v>167.0</c:v>
                 </c:pt>
                 <c:pt idx="6">
-                  <c:v>257</c:v>
+                  <c:v>96.0</c:v>
                 </c:pt>
                 <c:pt idx="7">
-                  <c:v>255</c:v>
+                  <c:v>111.0</c:v>
                 </c:pt>
                 <c:pt idx="8">
-                  <c:v>415</c:v>
+                  <c:v>193.0</c:v>
                 </c:pt>
                 <c:pt idx="9">
-                  <c:v>128</c:v>
+                  <c:v>243.0</c:v>
                 </c:pt>
                 <c:pt idx="10">
-                  <c:v>100</c:v>
+                  <c:v>64.0</c:v>
                 </c:pt>
                 <c:pt idx="11">
-                  <c:v>192</c:v>
+                  <c:v>52.0</c:v>
                 </c:pt>
               </c:numCache>
             </c:numRef>
@@ -2052,7 +1920,7 @@
               <c:strCache>
                 <c:ptCount val="1"/>
                 <c:pt idx="0">
-                  <c:v>FY17</c:v>
+                  <c:v>FY18</c:v>
                 </c:pt>
               </c:strCache>
             </c:strRef>
@@ -2112,40 +1980,40 @@
                 <c:formatCode>General</c:formatCode>
                 <c:ptCount val="12"/>
                 <c:pt idx="0">
-                  <c:v>98</c:v>
+                  <c:v>151.0</c:v>
                 </c:pt>
                 <c:pt idx="1">
-                  <c:v>40</c:v>
+                  <c:v>159.0</c:v>
                 </c:pt>
                 <c:pt idx="2">
-                  <c:v>63</c:v>
+                  <c:v>189.0</c:v>
                 </c:pt>
                 <c:pt idx="3">
-                  <c:v>113</c:v>
+                  <c:v>259.0</c:v>
                 </c:pt>
                 <c:pt idx="4">
-                  <c:v>38</c:v>
+                  <c:v>98.0</c:v>
                 </c:pt>
                 <c:pt idx="5">
-                  <c:v>120</c:v>
+                  <c:v>230.0</c:v>
                 </c:pt>
                 <c:pt idx="6">
-                  <c:v>121</c:v>
+                  <c:v>257.0</c:v>
                 </c:pt>
                 <c:pt idx="7">
-                  <c:v>172</c:v>
+                  <c:v>255.0</c:v>
                 </c:pt>
                 <c:pt idx="8">
-                  <c:v>125</c:v>
+                  <c:v>415.0</c:v>
                 </c:pt>
                 <c:pt idx="9">
-                  <c:v>263</c:v>
+                  <c:v>128.0</c:v>
                 </c:pt>
                 <c:pt idx="10">
-                  <c:v>297</c:v>
+                  <c:v>100.0</c:v>
                 </c:pt>
                 <c:pt idx="11">
-                  <c:v>59</c:v>
+                  <c:v>192.0</c:v>
                 </c:pt>
               </c:numCache>
             </c:numRef>
@@ -2161,7 +2029,7 @@
               <c:strCache>
                 <c:ptCount val="1"/>
                 <c:pt idx="0">
-                  <c:v>FY16</c:v>
+                  <c:v>FY17</c:v>
                 </c:pt>
               </c:strCache>
             </c:strRef>
@@ -2221,40 +2089,40 @@
                 <c:formatCode>General</c:formatCode>
                 <c:ptCount val="12"/>
                 <c:pt idx="0">
-                  <c:v>27</c:v>
+                  <c:v>98.0</c:v>
                 </c:pt>
                 <c:pt idx="1">
-                  <c:v>100</c:v>
+                  <c:v>40.0</c:v>
                 </c:pt>
                 <c:pt idx="2">
-                  <c:v>73</c:v>
+                  <c:v>63.0</c:v>
                 </c:pt>
                 <c:pt idx="3">
-                  <c:v>31</c:v>
+                  <c:v>113.0</c:v>
                 </c:pt>
                 <c:pt idx="4">
-                  <c:v>162</c:v>
+                  <c:v>38.0</c:v>
                 </c:pt>
                 <c:pt idx="5">
-                  <c:v>64</c:v>
+                  <c:v>120.0</c:v>
                 </c:pt>
                 <c:pt idx="6">
-                  <c:v>119</c:v>
+                  <c:v>121.0</c:v>
                 </c:pt>
                 <c:pt idx="7">
-                  <c:v>151</c:v>
+                  <c:v>172.0</c:v>
                 </c:pt>
                 <c:pt idx="8">
-                  <c:v>58</c:v>
+                  <c:v>125.0</c:v>
                 </c:pt>
                 <c:pt idx="9">
-                  <c:v>68</c:v>
+                  <c:v>263.0</c:v>
                 </c:pt>
                 <c:pt idx="10">
-                  <c:v>160</c:v>
+                  <c:v>297.0</c:v>
                 </c:pt>
                 <c:pt idx="11">
-                  <c:v>162</c:v>
+                  <c:v>59.0</c:v>
                 </c:pt>
               </c:numCache>
             </c:numRef>
@@ -2369,7 +2237,7 @@
               <c:strCache>
                 <c:ptCount val="1"/>
                 <c:pt idx="0">
-                  <c:v>FY19</c:v>
+                  <c:v>FY20</c:v>
                 </c:pt>
               </c:strCache>
             </c:strRef>
@@ -2429,40 +2297,7 @@
                 <c:formatCode>General</c:formatCode>
                 <c:ptCount val="12"/>
                 <c:pt idx="0">
-                  <c:v>73</c:v>
-                </c:pt>
-                <c:pt idx="1">
-                  <c:v>13</c:v>
-                </c:pt>
-                <c:pt idx="2">
-                  <c:v>81</c:v>
-                </c:pt>
-                <c:pt idx="3">
-                  <c:v>128</c:v>
-                </c:pt>
-                <c:pt idx="4">
-                  <c:v>14</c:v>
-                </c:pt>
-                <c:pt idx="5">
-                  <c:v>218</c:v>
-                </c:pt>
-                <c:pt idx="6">
-                  <c:v>141</c:v>
-                </c:pt>
-                <c:pt idx="7">
-                  <c:v>76</c:v>
-                </c:pt>
-                <c:pt idx="8">
-                  <c:v>127</c:v>
-                </c:pt>
-                <c:pt idx="9">
-                  <c:v>92</c:v>
-                </c:pt>
-                <c:pt idx="10">
-                  <c:v>110</c:v>
-                </c:pt>
-                <c:pt idx="11">
-                  <c:v>63</c:v>
+                  <c:v>59.0</c:v>
                 </c:pt>
               </c:numCache>
             </c:numRef>
@@ -2478,7 +2313,7 @@
               <c:strCache>
                 <c:ptCount val="1"/>
                 <c:pt idx="0">
-                  <c:v>FY18</c:v>
+                  <c:v>FY19</c:v>
                 </c:pt>
               </c:strCache>
             </c:strRef>
@@ -2538,40 +2373,40 @@
                 <c:formatCode>General</c:formatCode>
                 <c:ptCount val="12"/>
                 <c:pt idx="0">
-                  <c:v>103</c:v>
+                  <c:v>73.0</c:v>
                 </c:pt>
                 <c:pt idx="1">
-                  <c:v>68</c:v>
+                  <c:v>13.0</c:v>
                 </c:pt>
                 <c:pt idx="2">
-                  <c:v>128</c:v>
+                  <c:v>81.0</c:v>
                 </c:pt>
                 <c:pt idx="3">
-                  <c:v>86</c:v>
+                  <c:v>128.0</c:v>
                 </c:pt>
                 <c:pt idx="4">
-                  <c:v>34</c:v>
+                  <c:v>14.0</c:v>
                 </c:pt>
                 <c:pt idx="5">
-                  <c:v>65</c:v>
+                  <c:v>218.0</c:v>
                 </c:pt>
                 <c:pt idx="6">
-                  <c:v>8</c:v>
+                  <c:v>141.0</c:v>
                 </c:pt>
                 <c:pt idx="7">
-                  <c:v>42</c:v>
+                  <c:v>76.0</c:v>
                 </c:pt>
                 <c:pt idx="8">
-                  <c:v>78</c:v>
+                  <c:v>127.0</c:v>
                 </c:pt>
                 <c:pt idx="9">
-                  <c:v>8</c:v>
+                  <c:v>92.0</c:v>
                 </c:pt>
                 <c:pt idx="10">
-                  <c:v>44</c:v>
+                  <c:v>110.0</c:v>
                 </c:pt>
                 <c:pt idx="11">
-                  <c:v>16</c:v>
+                  <c:v>63.0</c:v>
                 </c:pt>
               </c:numCache>
             </c:numRef>
@@ -2587,7 +2422,7 @@
               <c:strCache>
                 <c:ptCount val="1"/>
                 <c:pt idx="0">
-                  <c:v>FY17</c:v>
+                  <c:v>FY18</c:v>
                 </c:pt>
               </c:strCache>
             </c:strRef>
@@ -2647,40 +2482,40 @@
                 <c:formatCode>General</c:formatCode>
                 <c:ptCount val="12"/>
                 <c:pt idx="0">
-                  <c:v>33</c:v>
+                  <c:v>103.0</c:v>
                 </c:pt>
                 <c:pt idx="1">
-                  <c:v>0</c:v>
+                  <c:v>68.0</c:v>
                 </c:pt>
                 <c:pt idx="2">
-                  <c:v>0</c:v>
+                  <c:v>128.0</c:v>
                 </c:pt>
                 <c:pt idx="3">
-                  <c:v>0</c:v>
+                  <c:v>86.0</c:v>
                 </c:pt>
                 <c:pt idx="4">
-                  <c:v>0</c:v>
+                  <c:v>34.0</c:v>
                 </c:pt>
                 <c:pt idx="5">
-                  <c:v>10</c:v>
+                  <c:v>65.0</c:v>
                 </c:pt>
                 <c:pt idx="6">
-                  <c:v>133</c:v>
+                  <c:v>8.0</c:v>
                 </c:pt>
                 <c:pt idx="7">
-                  <c:v>37</c:v>
+                  <c:v>42.0</c:v>
                 </c:pt>
                 <c:pt idx="8">
-                  <c:v>0</c:v>
+                  <c:v>78.0</c:v>
                 </c:pt>
                 <c:pt idx="9">
-                  <c:v>58</c:v>
+                  <c:v>8.0</c:v>
                 </c:pt>
                 <c:pt idx="10">
-                  <c:v>24</c:v>
+                  <c:v>44.0</c:v>
                 </c:pt>
                 <c:pt idx="11">
-                  <c:v>54</c:v>
+                  <c:v>16.0</c:v>
                 </c:pt>
               </c:numCache>
             </c:numRef>
@@ -2696,7 +2531,7 @@
               <c:strCache>
                 <c:ptCount val="1"/>
                 <c:pt idx="0">
-                  <c:v>FY16</c:v>
+                  <c:v>FY17</c:v>
                 </c:pt>
               </c:strCache>
             </c:strRef>
@@ -2756,40 +2591,40 @@
                 <c:formatCode>General</c:formatCode>
                 <c:ptCount val="12"/>
                 <c:pt idx="0">
-                  <c:v>8</c:v>
+                  <c:v>33.0</c:v>
                 </c:pt>
                 <c:pt idx="1">
-                  <c:v>33</c:v>
+                  <c:v>0.0</c:v>
                 </c:pt>
                 <c:pt idx="2">
-                  <c:v>8</c:v>
+                  <c:v>0.0</c:v>
                 </c:pt>
                 <c:pt idx="3">
-                  <c:v>81</c:v>
+                  <c:v>0.0</c:v>
                 </c:pt>
                 <c:pt idx="4">
-                  <c:v>77</c:v>
+                  <c:v>0.0</c:v>
                 </c:pt>
                 <c:pt idx="5">
-                  <c:v>97</c:v>
+                  <c:v>10.0</c:v>
                 </c:pt>
                 <c:pt idx="6">
-                  <c:v>2</c:v>
+                  <c:v>133.0</c:v>
                 </c:pt>
                 <c:pt idx="7">
-                  <c:v>58</c:v>
+                  <c:v>37.0</c:v>
                 </c:pt>
                 <c:pt idx="8">
-                  <c:v>93</c:v>
+                  <c:v>0.0</c:v>
                 </c:pt>
                 <c:pt idx="9">
-                  <c:v>57</c:v>
+                  <c:v>58.0</c:v>
                 </c:pt>
                 <c:pt idx="10">
-                  <c:v>23</c:v>
+                  <c:v>24.0</c:v>
                 </c:pt>
                 <c:pt idx="11">
-                  <c:v>37</c:v>
+                  <c:v>54.0</c:v>
                 </c:pt>
               </c:numCache>
             </c:numRef>
@@ -2904,7 +2739,7 @@
               <c:strCache>
                 <c:ptCount val="1"/>
                 <c:pt idx="0">
-                  <c:v>FY19</c:v>
+                  <c:v>FY20</c:v>
                 </c:pt>
               </c:strCache>
             </c:strRef>
@@ -2964,40 +2799,7 @@
                 <c:formatCode>General</c:formatCode>
                 <c:ptCount val="12"/>
                 <c:pt idx="0">
-                  <c:v>214</c:v>
-                </c:pt>
-                <c:pt idx="1">
-                  <c:v>172</c:v>
-                </c:pt>
-                <c:pt idx="2">
-                  <c:v>75</c:v>
-                </c:pt>
-                <c:pt idx="3">
-                  <c:v>69</c:v>
-                </c:pt>
-                <c:pt idx="4">
-                  <c:v>70</c:v>
-                </c:pt>
-                <c:pt idx="5">
-                  <c:v>104</c:v>
-                </c:pt>
-                <c:pt idx="6">
-                  <c:v>84</c:v>
-                </c:pt>
-                <c:pt idx="7">
-                  <c:v>4</c:v>
-                </c:pt>
-                <c:pt idx="8">
-                  <c:v>38</c:v>
-                </c:pt>
-                <c:pt idx="9">
-                  <c:v>80</c:v>
-                </c:pt>
-                <c:pt idx="10">
-                  <c:v>107</c:v>
-                </c:pt>
-                <c:pt idx="11">
-                  <c:v>68</c:v>
+                  <c:v>140.0</c:v>
                 </c:pt>
               </c:numCache>
             </c:numRef>
@@ -3013,7 +2815,7 @@
               <c:strCache>
                 <c:ptCount val="1"/>
                 <c:pt idx="0">
-                  <c:v>FY18</c:v>
+                  <c:v>FY19</c:v>
                 </c:pt>
               </c:strCache>
             </c:strRef>
@@ -3073,40 +2875,40 @@
                 <c:formatCode>General</c:formatCode>
                 <c:ptCount val="12"/>
                 <c:pt idx="0">
-                  <c:v>149</c:v>
+                  <c:v>214.0</c:v>
                 </c:pt>
                 <c:pt idx="1">
-                  <c:v>180</c:v>
+                  <c:v>172.0</c:v>
                 </c:pt>
                 <c:pt idx="2">
-                  <c:v>147</c:v>
+                  <c:v>75.0</c:v>
                 </c:pt>
                 <c:pt idx="3">
-                  <c:v>8</c:v>
+                  <c:v>69.0</c:v>
                 </c:pt>
                 <c:pt idx="4">
-                  <c:v>36</c:v>
+                  <c:v>70.0</c:v>
                 </c:pt>
                 <c:pt idx="5">
-                  <c:v>86</c:v>
+                  <c:v>104.0</c:v>
                 </c:pt>
                 <c:pt idx="6">
-                  <c:v>14</c:v>
+                  <c:v>84.0</c:v>
                 </c:pt>
                 <c:pt idx="7">
-                  <c:v>59</c:v>
+                  <c:v>4.0</c:v>
                 </c:pt>
                 <c:pt idx="8">
-                  <c:v>128</c:v>
+                  <c:v>38.0</c:v>
                 </c:pt>
                 <c:pt idx="9">
-                  <c:v>133</c:v>
+                  <c:v>80.0</c:v>
                 </c:pt>
                 <c:pt idx="10">
-                  <c:v>288</c:v>
+                  <c:v>107.0</c:v>
                 </c:pt>
                 <c:pt idx="11">
-                  <c:v>353</c:v>
+                  <c:v>68.0</c:v>
                 </c:pt>
               </c:numCache>
             </c:numRef>
@@ -3122,7 +2924,7 @@
               <c:strCache>
                 <c:ptCount val="1"/>
                 <c:pt idx="0">
-                  <c:v>FY17</c:v>
+                  <c:v>FY18</c:v>
                 </c:pt>
               </c:strCache>
             </c:strRef>
@@ -3182,40 +2984,40 @@
                 <c:formatCode>General</c:formatCode>
                 <c:ptCount val="12"/>
                 <c:pt idx="0">
-                  <c:v>139</c:v>
+                  <c:v>149.0</c:v>
                 </c:pt>
                 <c:pt idx="1">
-                  <c:v>28</c:v>
+                  <c:v>180.0</c:v>
                 </c:pt>
                 <c:pt idx="2">
-                  <c:v>155</c:v>
+                  <c:v>147.0</c:v>
                 </c:pt>
                 <c:pt idx="3">
-                  <c:v>17</c:v>
+                  <c:v>8.0</c:v>
                 </c:pt>
                 <c:pt idx="4">
-                  <c:v>17</c:v>
+                  <c:v>36.0</c:v>
                 </c:pt>
                 <c:pt idx="5">
-                  <c:v>14</c:v>
+                  <c:v>86.0</c:v>
                 </c:pt>
                 <c:pt idx="6">
-                  <c:v>114</c:v>
+                  <c:v>14.0</c:v>
                 </c:pt>
                 <c:pt idx="7">
-                  <c:v>83</c:v>
+                  <c:v>59.0</c:v>
                 </c:pt>
                 <c:pt idx="8">
-                  <c:v>123</c:v>
+                  <c:v>128.0</c:v>
                 </c:pt>
                 <c:pt idx="9">
-                  <c:v>76</c:v>
+                  <c:v>133.0</c:v>
                 </c:pt>
                 <c:pt idx="10">
-                  <c:v>31</c:v>
+                  <c:v>288.0</c:v>
                 </c:pt>
                 <c:pt idx="11">
-                  <c:v>185</c:v>
+                  <c:v>353.0</c:v>
                 </c:pt>
               </c:numCache>
             </c:numRef>
@@ -3231,7 +3033,7 @@
               <c:strCache>
                 <c:ptCount val="1"/>
                 <c:pt idx="0">
-                  <c:v>FY16</c:v>
+                  <c:v>FY17</c:v>
                 </c:pt>
               </c:strCache>
             </c:strRef>
@@ -3291,40 +3093,40 @@
                 <c:formatCode>General</c:formatCode>
                 <c:ptCount val="12"/>
                 <c:pt idx="0">
-                  <c:v>57</c:v>
+                  <c:v>139.0</c:v>
                 </c:pt>
                 <c:pt idx="1">
-                  <c:v>145</c:v>
+                  <c:v>28.0</c:v>
                 </c:pt>
                 <c:pt idx="2">
-                  <c:v>121</c:v>
+                  <c:v>155.0</c:v>
                 </c:pt>
                 <c:pt idx="3">
-                  <c:v>122</c:v>
+                  <c:v>17.0</c:v>
                 </c:pt>
                 <c:pt idx="4">
-                  <c:v>81</c:v>
+                  <c:v>17.0</c:v>
                 </c:pt>
                 <c:pt idx="5">
-                  <c:v>50</c:v>
+                  <c:v>14.0</c:v>
                 </c:pt>
                 <c:pt idx="6">
-                  <c:v>59</c:v>
+                  <c:v>114.0</c:v>
                 </c:pt>
                 <c:pt idx="7">
-                  <c:v>35</c:v>
+                  <c:v>83.0</c:v>
                 </c:pt>
                 <c:pt idx="8">
-                  <c:v>15</c:v>
+                  <c:v>123.0</c:v>
                 </c:pt>
                 <c:pt idx="9">
-                  <c:v>108</c:v>
+                  <c:v>76.0</c:v>
                 </c:pt>
                 <c:pt idx="10">
-                  <c:v>113</c:v>
+                  <c:v>31.0</c:v>
                 </c:pt>
                 <c:pt idx="11">
-                  <c:v>58</c:v>
+                  <c:v>185.0</c:v>
                 </c:pt>
               </c:numCache>
             </c:numRef>
@@ -3439,7 +3241,7 @@
               <c:strCache>
                 <c:ptCount val="1"/>
                 <c:pt idx="0">
-                  <c:v>FY19</c:v>
+                  <c:v>FY20</c:v>
                 </c:pt>
               </c:strCache>
             </c:strRef>
@@ -3499,40 +3301,7 @@
                 <c:formatCode>General</c:formatCode>
                 <c:ptCount val="12"/>
                 <c:pt idx="0">
-                  <c:v>86</c:v>
-                </c:pt>
-                <c:pt idx="1">
-                  <c:v>73</c:v>
-                </c:pt>
-                <c:pt idx="2">
-                  <c:v>110</c:v>
-                </c:pt>
-                <c:pt idx="3">
-                  <c:v>97</c:v>
-                </c:pt>
-                <c:pt idx="4">
-                  <c:v>148</c:v>
-                </c:pt>
-                <c:pt idx="5">
-                  <c:v>92</c:v>
-                </c:pt>
-                <c:pt idx="6">
-                  <c:v>55</c:v>
-                </c:pt>
-                <c:pt idx="7">
-                  <c:v>52</c:v>
-                </c:pt>
-                <c:pt idx="8">
-                  <c:v>70</c:v>
-                </c:pt>
-                <c:pt idx="9">
-                  <c:v>103</c:v>
-                </c:pt>
-                <c:pt idx="10">
-                  <c:v>137</c:v>
-                </c:pt>
-                <c:pt idx="11">
-                  <c:v>220</c:v>
+                  <c:v>20.0</c:v>
                 </c:pt>
               </c:numCache>
             </c:numRef>
@@ -3548,7 +3317,7 @@
               <c:strCache>
                 <c:ptCount val="1"/>
                 <c:pt idx="0">
-                  <c:v>FY18</c:v>
+                  <c:v>FY19</c:v>
                 </c:pt>
               </c:strCache>
             </c:strRef>
@@ -3608,40 +3377,40 @@
                 <c:formatCode>General</c:formatCode>
                 <c:ptCount val="12"/>
                 <c:pt idx="0">
-                  <c:v>152</c:v>
+                  <c:v>86.0</c:v>
                 </c:pt>
                 <c:pt idx="1">
-                  <c:v>99</c:v>
+                  <c:v>73.0</c:v>
                 </c:pt>
                 <c:pt idx="2">
-                  <c:v>144</c:v>
+                  <c:v>110.0</c:v>
                 </c:pt>
                 <c:pt idx="3">
-                  <c:v>85</c:v>
+                  <c:v>97.0</c:v>
                 </c:pt>
                 <c:pt idx="4">
-                  <c:v>158</c:v>
+                  <c:v>148.0</c:v>
                 </c:pt>
                 <c:pt idx="5">
-                  <c:v>128</c:v>
+                  <c:v>92.0</c:v>
                 </c:pt>
                 <c:pt idx="6">
-                  <c:v>96</c:v>
+                  <c:v>55.0</c:v>
                 </c:pt>
                 <c:pt idx="7">
-                  <c:v>102</c:v>
+                  <c:v>52.0</c:v>
                 </c:pt>
                 <c:pt idx="8">
-                  <c:v>230</c:v>
+                  <c:v>70.0</c:v>
                 </c:pt>
                 <c:pt idx="9">
-                  <c:v>155</c:v>
+                  <c:v>103.0</c:v>
                 </c:pt>
                 <c:pt idx="10">
-                  <c:v>102</c:v>
+                  <c:v>137.0</c:v>
                 </c:pt>
                 <c:pt idx="11">
-                  <c:v>95</c:v>
+                  <c:v>220.0</c:v>
                 </c:pt>
               </c:numCache>
             </c:numRef>
@@ -3657,7 +3426,7 @@
               <c:strCache>
                 <c:ptCount val="1"/>
                 <c:pt idx="0">
-                  <c:v>FY17</c:v>
+                  <c:v>FY18</c:v>
                 </c:pt>
               </c:strCache>
             </c:strRef>
@@ -3717,40 +3486,40 @@
                 <c:formatCode>General</c:formatCode>
                 <c:ptCount val="12"/>
                 <c:pt idx="0">
-                  <c:v>218</c:v>
+                  <c:v>152.0</c:v>
                 </c:pt>
                 <c:pt idx="1">
-                  <c:v>103</c:v>
+                  <c:v>99.0</c:v>
                 </c:pt>
                 <c:pt idx="2">
-                  <c:v>123</c:v>
+                  <c:v>144.0</c:v>
                 </c:pt>
                 <c:pt idx="3">
-                  <c:v>135</c:v>
+                  <c:v>85.0</c:v>
                 </c:pt>
                 <c:pt idx="4">
-                  <c:v>74</c:v>
+                  <c:v>158.0</c:v>
                 </c:pt>
                 <c:pt idx="5">
-                  <c:v>130</c:v>
+                  <c:v>128.0</c:v>
                 </c:pt>
                 <c:pt idx="6">
-                  <c:v>149</c:v>
+                  <c:v>96.0</c:v>
                 </c:pt>
                 <c:pt idx="7">
-                  <c:v>118</c:v>
+                  <c:v>102.0</c:v>
                 </c:pt>
                 <c:pt idx="8">
-                  <c:v>163</c:v>
+                  <c:v>230.0</c:v>
                 </c:pt>
                 <c:pt idx="9">
-                  <c:v>104</c:v>
+                  <c:v>155.0</c:v>
                 </c:pt>
                 <c:pt idx="10">
-                  <c:v>106</c:v>
+                  <c:v>102.0</c:v>
                 </c:pt>
                 <c:pt idx="11">
-                  <c:v>100</c:v>
+                  <c:v>95.0</c:v>
                 </c:pt>
               </c:numCache>
             </c:numRef>
@@ -3766,7 +3535,7 @@
               <c:strCache>
                 <c:ptCount val="1"/>
                 <c:pt idx="0">
-                  <c:v>FY16</c:v>
+                  <c:v>FY17</c:v>
                 </c:pt>
               </c:strCache>
             </c:strRef>
@@ -3826,40 +3595,40 @@
                 <c:formatCode>General</c:formatCode>
                 <c:ptCount val="12"/>
                 <c:pt idx="0">
-                  <c:v>70</c:v>
+                  <c:v>218.0</c:v>
                 </c:pt>
                 <c:pt idx="1">
-                  <c:v>92</c:v>
+                  <c:v>103.0</c:v>
                 </c:pt>
                 <c:pt idx="2">
-                  <c:v>76</c:v>
+                  <c:v>123.0</c:v>
                 </c:pt>
                 <c:pt idx="3">
-                  <c:v>147</c:v>
+                  <c:v>135.0</c:v>
                 </c:pt>
                 <c:pt idx="4">
-                  <c:v>98</c:v>
+                  <c:v>74.0</c:v>
                 </c:pt>
                 <c:pt idx="5">
-                  <c:v>135</c:v>
+                  <c:v>130.0</c:v>
                 </c:pt>
                 <c:pt idx="6">
-                  <c:v>71</c:v>
+                  <c:v>149.0</c:v>
                 </c:pt>
                 <c:pt idx="7">
-                  <c:v>160</c:v>
+                  <c:v>118.0</c:v>
                 </c:pt>
                 <c:pt idx="8">
-                  <c:v>133</c:v>
+                  <c:v>163.0</c:v>
                 </c:pt>
                 <c:pt idx="9">
-                  <c:v>127</c:v>
+                  <c:v>104.0</c:v>
                 </c:pt>
                 <c:pt idx="10">
-                  <c:v>218</c:v>
+                  <c:v>106.0</c:v>
                 </c:pt>
                 <c:pt idx="11">
-                  <c:v>204</c:v>
+                  <c:v>100.0</c:v>
                 </c:pt>
               </c:numCache>
             </c:numRef>
@@ -3974,7 +3743,7 @@
               <c:strCache>
                 <c:ptCount val="1"/>
                 <c:pt idx="0">
-                  <c:v>FY19</c:v>
+                  <c:v>FY20</c:v>
                 </c:pt>
               </c:strCache>
             </c:strRef>
@@ -4034,40 +3803,7 @@
                 <c:formatCode>General</c:formatCode>
                 <c:ptCount val="12"/>
                 <c:pt idx="0">
-                  <c:v>105</c:v>
-                </c:pt>
-                <c:pt idx="1">
-                  <c:v>129</c:v>
-                </c:pt>
-                <c:pt idx="2">
-                  <c:v>148</c:v>
-                </c:pt>
-                <c:pt idx="3">
-                  <c:v>167</c:v>
-                </c:pt>
-                <c:pt idx="4">
-                  <c:v>124</c:v>
-                </c:pt>
-                <c:pt idx="5">
-                  <c:v>69</c:v>
-                </c:pt>
-                <c:pt idx="6">
-                  <c:v>142</c:v>
-                </c:pt>
-                <c:pt idx="7">
-                  <c:v>107</c:v>
-                </c:pt>
-                <c:pt idx="8">
-                  <c:v>103</c:v>
-                </c:pt>
-                <c:pt idx="9">
-                  <c:v>122</c:v>
-                </c:pt>
-                <c:pt idx="10">
-                  <c:v>203</c:v>
-                </c:pt>
-                <c:pt idx="11">
-                  <c:v>123</c:v>
+                  <c:v>137.0</c:v>
                 </c:pt>
               </c:numCache>
             </c:numRef>
@@ -4083,7 +3819,7 @@
               <c:strCache>
                 <c:ptCount val="1"/>
                 <c:pt idx="0">
-                  <c:v>FY18</c:v>
+                  <c:v>FY19</c:v>
                 </c:pt>
               </c:strCache>
             </c:strRef>
@@ -4143,40 +3879,40 @@
                 <c:formatCode>General</c:formatCode>
                 <c:ptCount val="12"/>
                 <c:pt idx="0">
-                  <c:v>122</c:v>
+                  <c:v>105.0</c:v>
                 </c:pt>
                 <c:pt idx="1">
-                  <c:v>121</c:v>
+                  <c:v>129.0</c:v>
                 </c:pt>
                 <c:pt idx="2">
-                  <c:v>102</c:v>
+                  <c:v>148.0</c:v>
                 </c:pt>
                 <c:pt idx="3">
-                  <c:v>128</c:v>
+                  <c:v>167.0</c:v>
                 </c:pt>
                 <c:pt idx="4">
-                  <c:v>161</c:v>
+                  <c:v>124.0</c:v>
                 </c:pt>
                 <c:pt idx="5">
-                  <c:v>185</c:v>
+                  <c:v>69.0</c:v>
                 </c:pt>
                 <c:pt idx="6">
-                  <c:v>229</c:v>
+                  <c:v>142.0</c:v>
                 </c:pt>
                 <c:pt idx="7">
-                  <c:v>102</c:v>
+                  <c:v>107.0</c:v>
                 </c:pt>
                 <c:pt idx="8">
-                  <c:v>132</c:v>
+                  <c:v>103.0</c:v>
                 </c:pt>
                 <c:pt idx="9">
-                  <c:v>188</c:v>
+                  <c:v>122.0</c:v>
                 </c:pt>
                 <c:pt idx="10">
-                  <c:v>128</c:v>
+                  <c:v>203.0</c:v>
                 </c:pt>
                 <c:pt idx="11">
-                  <c:v>143</c:v>
+                  <c:v>123.0</c:v>
                 </c:pt>
               </c:numCache>
             </c:numRef>
@@ -4192,7 +3928,7 @@
               <c:strCache>
                 <c:ptCount val="1"/>
                 <c:pt idx="0">
-                  <c:v>FY17</c:v>
+                  <c:v>FY18</c:v>
                 </c:pt>
               </c:strCache>
             </c:strRef>
@@ -4252,40 +3988,40 @@
                 <c:formatCode>General</c:formatCode>
                 <c:ptCount val="12"/>
                 <c:pt idx="0">
-                  <c:v>82</c:v>
+                  <c:v>122.0</c:v>
                 </c:pt>
                 <c:pt idx="1">
-                  <c:v>96</c:v>
+                  <c:v>121.0</c:v>
                 </c:pt>
                 <c:pt idx="2">
-                  <c:v>152</c:v>
+                  <c:v>102.0</c:v>
                 </c:pt>
                 <c:pt idx="3">
-                  <c:v>134</c:v>
+                  <c:v>128.0</c:v>
                 </c:pt>
                 <c:pt idx="4">
-                  <c:v>186</c:v>
+                  <c:v>161.0</c:v>
                 </c:pt>
                 <c:pt idx="5">
-                  <c:v>157</c:v>
+                  <c:v>185.0</c:v>
                 </c:pt>
                 <c:pt idx="6">
-                  <c:v>203</c:v>
+                  <c:v>229.0</c:v>
                 </c:pt>
                 <c:pt idx="7">
-                  <c:v>137</c:v>
+                  <c:v>102.0</c:v>
                 </c:pt>
                 <c:pt idx="8">
-                  <c:v>155</c:v>
+                  <c:v>132.0</c:v>
                 </c:pt>
                 <c:pt idx="9">
-                  <c:v>197</c:v>
+                  <c:v>188.0</c:v>
                 </c:pt>
                 <c:pt idx="10">
-                  <c:v>145</c:v>
+                  <c:v>128.0</c:v>
                 </c:pt>
                 <c:pt idx="11">
-                  <c:v>157</c:v>
+                  <c:v>143.0</c:v>
                 </c:pt>
               </c:numCache>
             </c:numRef>
@@ -4301,7 +4037,7 @@
               <c:strCache>
                 <c:ptCount val="1"/>
                 <c:pt idx="0">
-                  <c:v>FY16</c:v>
+                  <c:v>FY17</c:v>
                 </c:pt>
               </c:strCache>
             </c:strRef>
@@ -4361,40 +4097,40 @@
                 <c:formatCode>General</c:formatCode>
                 <c:ptCount val="12"/>
                 <c:pt idx="0">
-                  <c:v>266</c:v>
+                  <c:v>82.0</c:v>
                 </c:pt>
                 <c:pt idx="1">
-                  <c:v>165</c:v>
+                  <c:v>96.0</c:v>
                 </c:pt>
                 <c:pt idx="2">
-                  <c:v>168</c:v>
+                  <c:v>152.0</c:v>
                 </c:pt>
                 <c:pt idx="3">
-                  <c:v>199</c:v>
+                  <c:v>134.0</c:v>
                 </c:pt>
                 <c:pt idx="4">
-                  <c:v>191</c:v>
+                  <c:v>186.0</c:v>
                 </c:pt>
                 <c:pt idx="5">
-                  <c:v>165</c:v>
+                  <c:v>157.0</c:v>
                 </c:pt>
                 <c:pt idx="6">
-                  <c:v>142</c:v>
+                  <c:v>203.0</c:v>
                 </c:pt>
                 <c:pt idx="7">
-                  <c:v>185</c:v>
+                  <c:v>137.0</c:v>
                 </c:pt>
                 <c:pt idx="8">
-                  <c:v>158</c:v>
+                  <c:v>155.0</c:v>
                 </c:pt>
                 <c:pt idx="9">
-                  <c:v>151</c:v>
+                  <c:v>197.0</c:v>
                 </c:pt>
                 <c:pt idx="10">
-                  <c:v>137</c:v>
+                  <c:v>145.0</c:v>
                 </c:pt>
                 <c:pt idx="11">
-                  <c:v>147</c:v>
+                  <c:v>157.0</c:v>
                 </c:pt>
               </c:numCache>
             </c:numRef>
@@ -4509,7 +4245,7 @@
               <c:strCache>
                 <c:ptCount val="1"/>
                 <c:pt idx="0">
-                  <c:v>FY19</c:v>
+                  <c:v>FY20</c:v>
                 </c:pt>
               </c:strCache>
             </c:strRef>
@@ -4519,29 +4255,32 @@
           </c:marker>
           <c:cat>
             <c:numRef>
-              <c:f>Sheet1!$A$2:$A$8</c:f>
+              <c:f>Sheet1!$A$2:$A$9</c:f>
               <c:numCache>
                 <c:formatCode>yyyy\-mm\-dd</c:formatCode>
-                <c:ptCount val="7"/>
-                <c:pt idx="0">
+                <c:ptCount val="8"/>
+                <c:pt idx="0">
+                  <c:v>43647.0</c:v>
+                </c:pt>
+                <c:pt idx="1">
                   <c:v>43800.0</c:v>
                 </c:pt>
-                <c:pt idx="1">
+                <c:pt idx="2">
                   <c:v>43831.0</c:v>
                 </c:pt>
-                <c:pt idx="2">
+                <c:pt idx="3">
                   <c:v>43862.0</c:v>
                 </c:pt>
-                <c:pt idx="3">
+                <c:pt idx="4">
                   <c:v>43891.0</c:v>
                 </c:pt>
-                <c:pt idx="4">
+                <c:pt idx="5">
                   <c:v>43922.0</c:v>
                 </c:pt>
-                <c:pt idx="5">
+                <c:pt idx="6">
                   <c:v>43952.0</c:v>
                 </c:pt>
-                <c:pt idx="6">
+                <c:pt idx="7">
                   <c:v>43983.0</c:v>
                 </c:pt>
               </c:numCache>
@@ -4549,30 +4288,94 @@
           </c:cat>
           <c:val>
             <c:numRef>
-              <c:f>Sheet1!$B$2:$B$8</c:f>
+              <c:f>Sheet1!$B$2:$B$9</c:f>
               <c:numCache>
                 <c:formatCode>General</c:formatCode>
-                <c:ptCount val="7"/>
-                <c:pt idx="0">
-                  <c:v>1</c:v>
+                <c:ptCount val="8"/>
+                <c:pt idx="0">
+                  <c:v>1.0</c:v>
+                </c:pt>
+              </c:numCache>
+            </c:numRef>
+          </c:val>
+          <c:smooth val="0"/>
+        </c:ser>
+        <c:ser>
+          <c:idx val="1"/>
+          <c:order val="1"/>
+          <c:tx>
+            <c:strRef>
+              <c:f>Sheet1!$C$1</c:f>
+              <c:strCache>
+                <c:ptCount val="1"/>
+                <c:pt idx="0">
+                  <c:v>FY19</c:v>
+                </c:pt>
+              </c:strCache>
+            </c:strRef>
+          </c:tx>
+          <c:marker>
+            <c:symbol val="none"/>
+          </c:marker>
+          <c:cat>
+            <c:numRef>
+              <c:f>Sheet1!$A$2:$A$9</c:f>
+              <c:numCache>
+                <c:formatCode>yyyy\-mm\-dd</c:formatCode>
+                <c:ptCount val="8"/>
+                <c:pt idx="0">
+                  <c:v>43647.0</c:v>
                 </c:pt>
                 <c:pt idx="1">
-                  <c:v>36</c:v>
+                  <c:v>43800.0</c:v>
                 </c:pt>
                 <c:pt idx="2">
-                  <c:v>78</c:v>
+                  <c:v>43831.0</c:v>
                 </c:pt>
                 <c:pt idx="3">
-                  <c:v>43</c:v>
+                  <c:v>43862.0</c:v>
                 </c:pt>
                 <c:pt idx="4">
-                  <c:v>49</c:v>
+                  <c:v>43891.0</c:v>
                 </c:pt>
                 <c:pt idx="5">
-                  <c:v>50</c:v>
+                  <c:v>43922.0</c:v>
                 </c:pt>
                 <c:pt idx="6">
-                  <c:v>93</c:v>
+                  <c:v>43952.0</c:v>
+                </c:pt>
+                <c:pt idx="7">
+                  <c:v>43983.0</c:v>
+                </c:pt>
+              </c:numCache>
+            </c:numRef>
+          </c:cat>
+          <c:val>
+            <c:numRef>
+              <c:f>Sheet1!$C$2:$C$9</c:f>
+              <c:numCache>
+                <c:formatCode>General</c:formatCode>
+                <c:ptCount val="8"/>
+                <c:pt idx="1">
+                  <c:v>1.0</c:v>
+                </c:pt>
+                <c:pt idx="2">
+                  <c:v>36.0</c:v>
+                </c:pt>
+                <c:pt idx="3">
+                  <c:v>78.0</c:v>
+                </c:pt>
+                <c:pt idx="4">
+                  <c:v>43.0</c:v>
+                </c:pt>
+                <c:pt idx="5">
+                  <c:v>49.0</c:v>
+                </c:pt>
+                <c:pt idx="6">
+                  <c:v>50.0</c:v>
+                </c:pt>
+                <c:pt idx="7">
+                  <c:v>93.0</c:v>
                 </c:pt>
               </c:numCache>
             </c:numRef>
@@ -5005,115 +4808,6 @@
           </c:val>
           <c:smooth val="0"/>
         </c:ser>
-        <c:ser>
-          <c:idx val="3"/>
-          <c:order val="3"/>
-          <c:tx>
-            <c:strRef>
-              <c:f>Sheet1!$E$1</c:f>
-              <c:strCache>
-                <c:ptCount val="1"/>
-                <c:pt idx="0">
-                  <c:v>FY16</c:v>
-                </c:pt>
-              </c:strCache>
-            </c:strRef>
-          </c:tx>
-          <c:marker>
-            <c:symbol val="none"/>
-          </c:marker>
-          <c:cat>
-            <c:numRef>
-              <c:f>Sheet1!$A$2:$A$13</c:f>
-              <c:numCache>
-                <c:formatCode>yyyy\-mm\-dd</c:formatCode>
-                <c:ptCount val="12"/>
-                <c:pt idx="0">
-                  <c:v>43647.0</c:v>
-                </c:pt>
-                <c:pt idx="1">
-                  <c:v>43678.0</c:v>
-                </c:pt>
-                <c:pt idx="2">
-                  <c:v>43709.0</c:v>
-                </c:pt>
-                <c:pt idx="3">
-                  <c:v>43739.0</c:v>
-                </c:pt>
-                <c:pt idx="4">
-                  <c:v>43770.0</c:v>
-                </c:pt>
-                <c:pt idx="5">
-                  <c:v>43800.0</c:v>
-                </c:pt>
-                <c:pt idx="6">
-                  <c:v>43831.0</c:v>
-                </c:pt>
-                <c:pt idx="7">
-                  <c:v>43862.0</c:v>
-                </c:pt>
-                <c:pt idx="8">
-                  <c:v>43891.0</c:v>
-                </c:pt>
-                <c:pt idx="9">
-                  <c:v>43922.0</c:v>
-                </c:pt>
-                <c:pt idx="10">
-                  <c:v>43952.0</c:v>
-                </c:pt>
-                <c:pt idx="11">
-                  <c:v>43983.0</c:v>
-                </c:pt>
-              </c:numCache>
-            </c:numRef>
-          </c:cat>
-          <c:val>
-            <c:numRef>
-              <c:f>Sheet1!$E$2:$E$13</c:f>
-              <c:numCache>
-                <c:formatCode>General</c:formatCode>
-                <c:ptCount val="12"/>
-                <c:pt idx="0">
-                  <c:v>1304</c:v>
-                </c:pt>
-                <c:pt idx="1">
-                  <c:v>1369</c:v>
-                </c:pt>
-                <c:pt idx="2">
-                  <c:v>1586</c:v>
-                </c:pt>
-                <c:pt idx="3">
-                  <c:v>1356</c:v>
-                </c:pt>
-                <c:pt idx="4">
-                  <c:v>1178</c:v>
-                </c:pt>
-                <c:pt idx="5">
-                  <c:v>1353</c:v>
-                </c:pt>
-                <c:pt idx="6">
-                  <c:v>1352</c:v>
-                </c:pt>
-                <c:pt idx="7">
-                  <c:v>1482</c:v>
-                </c:pt>
-                <c:pt idx="8">
-                  <c:v>1424</c:v>
-                </c:pt>
-                <c:pt idx="9">
-                  <c:v>1595</c:v>
-                </c:pt>
-                <c:pt idx="10">
-                  <c:v>1615</c:v>
-                </c:pt>
-                <c:pt idx="11">
-                  <c:v>1355</c:v>
-                </c:pt>
-              </c:numCache>
-            </c:numRef>
-          </c:val>
-          <c:smooth val="0"/>
-        </c:ser>
         <c:marker val="1"/>
         <c:smooth val="0"/>
         <c:axId val="2118791784"/>
@@ -5222,7 +4916,7 @@
               <c:strCache>
                 <c:ptCount val="1"/>
                 <c:pt idx="0">
-                  <c:v>FY19</c:v>
+                  <c:v>FY20</c:v>
                 </c:pt>
               </c:strCache>
             </c:strRef>
@@ -5282,40 +4976,7 @@
                 <c:formatCode>General</c:formatCode>
                 <c:ptCount val="12"/>
                 <c:pt idx="0">
-                  <c:v>202.0</c:v>
-                </c:pt>
-                <c:pt idx="1">
-                  <c:v>238.0</c:v>
-                </c:pt>
-                <c:pt idx="2">
-                  <c:v>213.0</c:v>
-                </c:pt>
-                <c:pt idx="3">
-                  <c:v>250.0</c:v>
-                </c:pt>
-                <c:pt idx="4">
-                  <c:v>264.0</c:v>
-                </c:pt>
-                <c:pt idx="5">
-                  <c:v>298.0</c:v>
-                </c:pt>
-                <c:pt idx="6">
-                  <c:v>326.0</c:v>
-                </c:pt>
-                <c:pt idx="7">
-                  <c:v>284.0</c:v>
-                </c:pt>
-                <c:pt idx="8">
-                  <c:v>343.0</c:v>
-                </c:pt>
-                <c:pt idx="9">
-                  <c:v>367.0</c:v>
-                </c:pt>
-                <c:pt idx="10">
-                  <c:v>397.0</c:v>
-                </c:pt>
-                <c:pt idx="11">
-                  <c:v>334.0</c:v>
+                  <c:v>336.0</c:v>
                 </c:pt>
               </c:numCache>
             </c:numRef>
@@ -5331,7 +4992,7 @@
               <c:strCache>
                 <c:ptCount val="1"/>
                 <c:pt idx="0">
-                  <c:v>FY18</c:v>
+                  <c:v>FY19</c:v>
                 </c:pt>
               </c:strCache>
             </c:strRef>
@@ -5391,40 +5052,40 @@
                 <c:formatCode>General</c:formatCode>
                 <c:ptCount val="12"/>
                 <c:pt idx="0">
-                  <c:v>68.0</c:v>
+                  <c:v>202.0</c:v>
                 </c:pt>
                 <c:pt idx="1">
-                  <c:v>71.0</c:v>
+                  <c:v>238.0</c:v>
                 </c:pt>
                 <c:pt idx="2">
-                  <c:v>75.0</c:v>
+                  <c:v>213.0</c:v>
                 </c:pt>
                 <c:pt idx="3">
-                  <c:v>103.0</c:v>
+                  <c:v>250.0</c:v>
                 </c:pt>
                 <c:pt idx="4">
-                  <c:v>116.0</c:v>
+                  <c:v>264.0</c:v>
                 </c:pt>
                 <c:pt idx="5">
-                  <c:v>127.0</c:v>
+                  <c:v>298.0</c:v>
                 </c:pt>
                 <c:pt idx="6">
-                  <c:v>127.0</c:v>
+                  <c:v>326.0</c:v>
                 </c:pt>
                 <c:pt idx="7">
-                  <c:v>125.0</c:v>
+                  <c:v>284.0</c:v>
                 </c:pt>
                 <c:pt idx="8">
-                  <c:v>149.0</c:v>
+                  <c:v>343.0</c:v>
                 </c:pt>
                 <c:pt idx="9">
-                  <c:v>182.0</c:v>
+                  <c:v>367.0</c:v>
                 </c:pt>
                 <c:pt idx="10">
-                  <c:v>200.0</c:v>
+                  <c:v>397.0</c:v>
                 </c:pt>
                 <c:pt idx="11">
-                  <c:v>210.0</c:v>
+                  <c:v>334.0</c:v>
                 </c:pt>
               </c:numCache>
             </c:numRef>
@@ -5440,7 +5101,7 @@
               <c:strCache>
                 <c:ptCount val="1"/>
                 <c:pt idx="0">
-                  <c:v>FY17</c:v>
+                  <c:v>FY18</c:v>
                 </c:pt>
               </c:strCache>
             </c:strRef>
@@ -5496,6 +5157,115 @@
           <c:val>
             <c:numRef>
               <c:f>Sheet1!$D$2:$D$13</c:f>
+              <c:numCache>
+                <c:formatCode>General</c:formatCode>
+                <c:ptCount val="12"/>
+                <c:pt idx="0">
+                  <c:v>68.0</c:v>
+                </c:pt>
+                <c:pt idx="1">
+                  <c:v>71.0</c:v>
+                </c:pt>
+                <c:pt idx="2">
+                  <c:v>75.0</c:v>
+                </c:pt>
+                <c:pt idx="3">
+                  <c:v>103.0</c:v>
+                </c:pt>
+                <c:pt idx="4">
+                  <c:v>116.0</c:v>
+                </c:pt>
+                <c:pt idx="5">
+                  <c:v>127.0</c:v>
+                </c:pt>
+                <c:pt idx="6">
+                  <c:v>127.0</c:v>
+                </c:pt>
+                <c:pt idx="7">
+                  <c:v>125.0</c:v>
+                </c:pt>
+                <c:pt idx="8">
+                  <c:v>149.0</c:v>
+                </c:pt>
+                <c:pt idx="9">
+                  <c:v>182.0</c:v>
+                </c:pt>
+                <c:pt idx="10">
+                  <c:v>200.0</c:v>
+                </c:pt>
+                <c:pt idx="11">
+                  <c:v>210.0</c:v>
+                </c:pt>
+              </c:numCache>
+            </c:numRef>
+          </c:val>
+          <c:smooth val="0"/>
+        </c:ser>
+        <c:ser>
+          <c:idx val="3"/>
+          <c:order val="3"/>
+          <c:tx>
+            <c:strRef>
+              <c:f>Sheet1!$E$1</c:f>
+              <c:strCache>
+                <c:ptCount val="1"/>
+                <c:pt idx="0">
+                  <c:v>FY17</c:v>
+                </c:pt>
+              </c:strCache>
+            </c:strRef>
+          </c:tx>
+          <c:marker>
+            <c:symbol val="none"/>
+          </c:marker>
+          <c:cat>
+            <c:numRef>
+              <c:f>Sheet1!$A$2:$A$13</c:f>
+              <c:numCache>
+                <c:formatCode>yyyy\-mm\-dd</c:formatCode>
+                <c:ptCount val="12"/>
+                <c:pt idx="0">
+                  <c:v>43647.0</c:v>
+                </c:pt>
+                <c:pt idx="1">
+                  <c:v>43678.0</c:v>
+                </c:pt>
+                <c:pt idx="2">
+                  <c:v>43709.0</c:v>
+                </c:pt>
+                <c:pt idx="3">
+                  <c:v>43739.0</c:v>
+                </c:pt>
+                <c:pt idx="4">
+                  <c:v>43770.0</c:v>
+                </c:pt>
+                <c:pt idx="5">
+                  <c:v>43800.0</c:v>
+                </c:pt>
+                <c:pt idx="6">
+                  <c:v>43831.0</c:v>
+                </c:pt>
+                <c:pt idx="7">
+                  <c:v>43862.0</c:v>
+                </c:pt>
+                <c:pt idx="8">
+                  <c:v>43891.0</c:v>
+                </c:pt>
+                <c:pt idx="9">
+                  <c:v>43922.0</c:v>
+                </c:pt>
+                <c:pt idx="10">
+                  <c:v>43952.0</c:v>
+                </c:pt>
+                <c:pt idx="11">
+                  <c:v>43983.0</c:v>
+                </c:pt>
+              </c:numCache>
+            </c:numRef>
+          </c:cat>
+          <c:val>
+            <c:numRef>
+              <c:f>Sheet1!$E$2:$E$13</c:f>
               <c:numCache>
                 <c:formatCode>General</c:formatCode>
                 <c:ptCount val="12"/>
@@ -5630,7 +5400,7 @@
               <c:strCache>
                 <c:ptCount val="1"/>
                 <c:pt idx="0">
-                  <c:v>FY19</c:v>
+                  <c:v>FY20</c:v>
                 </c:pt>
               </c:strCache>
             </c:strRef>
@@ -5690,40 +5460,7 @@
                 <c:formatCode>General</c:formatCode>
                 <c:ptCount val="12"/>
                 <c:pt idx="0">
-                  <c:v>117</c:v>
-                </c:pt>
-                <c:pt idx="1">
-                  <c:v>126</c:v>
-                </c:pt>
-                <c:pt idx="2">
-                  <c:v>105</c:v>
-                </c:pt>
-                <c:pt idx="3">
-                  <c:v>106</c:v>
-                </c:pt>
-                <c:pt idx="4">
-                  <c:v>98</c:v>
-                </c:pt>
-                <c:pt idx="5">
-                  <c:v>108</c:v>
-                </c:pt>
-                <c:pt idx="6">
-                  <c:v>117</c:v>
-                </c:pt>
-                <c:pt idx="7">
-                  <c:v>98</c:v>
-                </c:pt>
-                <c:pt idx="8">
-                  <c:v>91</c:v>
-                </c:pt>
-                <c:pt idx="9">
-                  <c:v>99</c:v>
-                </c:pt>
-                <c:pt idx="10">
-                  <c:v>112</c:v>
-                </c:pt>
-                <c:pt idx="11">
-                  <c:v>114</c:v>
+                  <c:v>124.0</c:v>
                 </c:pt>
               </c:numCache>
             </c:numRef>
@@ -5739,7 +5476,7 @@
               <c:strCache>
                 <c:ptCount val="1"/>
                 <c:pt idx="0">
-                  <c:v>FY18</c:v>
+                  <c:v>FY19</c:v>
                 </c:pt>
               </c:strCache>
             </c:strRef>
@@ -5799,40 +5536,40 @@
                 <c:formatCode>General</c:formatCode>
                 <c:ptCount val="12"/>
                 <c:pt idx="0">
-                  <c:v>88</c:v>
+                  <c:v>117.0</c:v>
                 </c:pt>
                 <c:pt idx="1">
-                  <c:v>88</c:v>
+                  <c:v>126.0</c:v>
                 </c:pt>
                 <c:pt idx="2">
-                  <c:v>68</c:v>
+                  <c:v>105.0</c:v>
                 </c:pt>
                 <c:pt idx="3">
-                  <c:v>97</c:v>
+                  <c:v>106.0</c:v>
                 </c:pt>
                 <c:pt idx="4">
-                  <c:v>106</c:v>
+                  <c:v>98.0</c:v>
                 </c:pt>
                 <c:pt idx="5">
-                  <c:v>87</c:v>
+                  <c:v>108.0</c:v>
                 </c:pt>
                 <c:pt idx="6">
-                  <c:v>104</c:v>
+                  <c:v>117.0</c:v>
                 </c:pt>
                 <c:pt idx="7">
-                  <c:v>106</c:v>
+                  <c:v>98.0</c:v>
                 </c:pt>
                 <c:pt idx="8">
-                  <c:v>125</c:v>
+                  <c:v>91.0</c:v>
                 </c:pt>
                 <c:pt idx="9">
-                  <c:v>118</c:v>
+                  <c:v>99.0</c:v>
                 </c:pt>
                 <c:pt idx="10">
-                  <c:v>115</c:v>
+                  <c:v>112.0</c:v>
                 </c:pt>
                 <c:pt idx="11">
-                  <c:v>113</c:v>
+                  <c:v>114.0</c:v>
                 </c:pt>
               </c:numCache>
             </c:numRef>
@@ -5848,7 +5585,7 @@
               <c:strCache>
                 <c:ptCount val="1"/>
                 <c:pt idx="0">
-                  <c:v>FY17</c:v>
+                  <c:v>FY18</c:v>
                 </c:pt>
               </c:strCache>
             </c:strRef>
@@ -5908,40 +5645,40 @@
                 <c:formatCode>General</c:formatCode>
                 <c:ptCount val="12"/>
                 <c:pt idx="0">
-                  <c:v>138</c:v>
+                  <c:v>88.0</c:v>
                 </c:pt>
                 <c:pt idx="1">
-                  <c:v>151</c:v>
+                  <c:v>88.0</c:v>
                 </c:pt>
                 <c:pt idx="2">
-                  <c:v>137</c:v>
+                  <c:v>68.0</c:v>
                 </c:pt>
                 <c:pt idx="3">
-                  <c:v>126</c:v>
+                  <c:v>97.0</c:v>
                 </c:pt>
                 <c:pt idx="4">
-                  <c:v>112</c:v>
+                  <c:v>106.0</c:v>
                 </c:pt>
                 <c:pt idx="5">
-                  <c:v>96</c:v>
+                  <c:v>87.0</c:v>
                 </c:pt>
                 <c:pt idx="6">
-                  <c:v>126</c:v>
+                  <c:v>104.0</c:v>
                 </c:pt>
                 <c:pt idx="7">
-                  <c:v>96</c:v>
+                  <c:v>106.0</c:v>
                 </c:pt>
                 <c:pt idx="8">
-                  <c:v>125</c:v>
+                  <c:v>125.0</c:v>
                 </c:pt>
                 <c:pt idx="9">
-                  <c:v>108</c:v>
+                  <c:v>118.0</c:v>
                 </c:pt>
                 <c:pt idx="10">
-                  <c:v>105</c:v>
+                  <c:v>115.0</c:v>
                 </c:pt>
                 <c:pt idx="11">
-                  <c:v>104</c:v>
+                  <c:v>113.0</c:v>
                 </c:pt>
               </c:numCache>
             </c:numRef>
@@ -5957,7 +5694,7 @@
               <c:strCache>
                 <c:ptCount val="1"/>
                 <c:pt idx="0">
-                  <c:v>FY16</c:v>
+                  <c:v>FY17</c:v>
                 </c:pt>
               </c:strCache>
             </c:strRef>
@@ -6017,40 +5754,40 @@
                 <c:formatCode>General</c:formatCode>
                 <c:ptCount val="12"/>
                 <c:pt idx="0">
-                  <c:v>179</c:v>
+                  <c:v>138.0</c:v>
                 </c:pt>
                 <c:pt idx="1">
-                  <c:v>174</c:v>
+                  <c:v>151.0</c:v>
                 </c:pt>
                 <c:pt idx="2">
-                  <c:v>166</c:v>
+                  <c:v>137.0</c:v>
                 </c:pt>
                 <c:pt idx="3">
-                  <c:v>168</c:v>
+                  <c:v>126.0</c:v>
                 </c:pt>
                 <c:pt idx="4">
-                  <c:v>152</c:v>
+                  <c:v>112.0</c:v>
                 </c:pt>
                 <c:pt idx="5">
-                  <c:v>178</c:v>
+                  <c:v>96.0</c:v>
                 </c:pt>
                 <c:pt idx="6">
-                  <c:v>119</c:v>
+                  <c:v>126.0</c:v>
                 </c:pt>
                 <c:pt idx="7">
-                  <c:v>154</c:v>
+                  <c:v>96.0</c:v>
                 </c:pt>
                 <c:pt idx="8">
-                  <c:v>127</c:v>
+                  <c:v>125.0</c:v>
                 </c:pt>
                 <c:pt idx="9">
-                  <c:v>104</c:v>
+                  <c:v>108.0</c:v>
                 </c:pt>
                 <c:pt idx="10">
-                  <c:v>115</c:v>
+                  <c:v>105.0</c:v>
                 </c:pt>
                 <c:pt idx="11">
-                  <c:v>140</c:v>
+                  <c:v>104.0</c:v>
                 </c:pt>
               </c:numCache>
             </c:numRef>
@@ -6165,7 +5902,7 @@
               <c:strCache>
                 <c:ptCount val="1"/>
                 <c:pt idx="0">
-                  <c:v>FY19</c:v>
+                  <c:v>FY20</c:v>
                 </c:pt>
               </c:strCache>
             </c:strRef>
@@ -6225,40 +5962,7 @@
                 <c:formatCode>General</c:formatCode>
                 <c:ptCount val="12"/>
                 <c:pt idx="0">
-                  <c:v>68</c:v>
-                </c:pt>
-                <c:pt idx="1">
-                  <c:v>42</c:v>
-                </c:pt>
-                <c:pt idx="2">
-                  <c:v>25</c:v>
-                </c:pt>
-                <c:pt idx="3">
-                  <c:v>35</c:v>
-                </c:pt>
-                <c:pt idx="4">
-                  <c:v>14</c:v>
-                </c:pt>
-                <c:pt idx="5">
-                  <c:v>32</c:v>
-                </c:pt>
-                <c:pt idx="6">
-                  <c:v>35</c:v>
-                </c:pt>
-                <c:pt idx="7">
-                  <c:v>93</c:v>
-                </c:pt>
-                <c:pt idx="8">
-                  <c:v>69</c:v>
-                </c:pt>
-                <c:pt idx="9">
-                  <c:v>41</c:v>
-                </c:pt>
-                <c:pt idx="10">
-                  <c:v>75</c:v>
-                </c:pt>
-                <c:pt idx="11">
-                  <c:v>37</c:v>
+                  <c:v>50.0</c:v>
                 </c:pt>
               </c:numCache>
             </c:numRef>
@@ -6274,7 +5978,7 @@
               <c:strCache>
                 <c:ptCount val="1"/>
                 <c:pt idx="0">
-                  <c:v>FY18</c:v>
+                  <c:v>FY19</c:v>
                 </c:pt>
               </c:strCache>
             </c:strRef>
@@ -6334,40 +6038,40 @@
                 <c:formatCode>General</c:formatCode>
                 <c:ptCount val="12"/>
                 <c:pt idx="0">
-                  <c:v>26</c:v>
+                  <c:v>68.0</c:v>
                 </c:pt>
                 <c:pt idx="1">
-                  <c:v>40</c:v>
+                  <c:v>42.0</c:v>
                 </c:pt>
                 <c:pt idx="2">
-                  <c:v>5</c:v>
+                  <c:v>25.0</c:v>
                 </c:pt>
                 <c:pt idx="3">
-                  <c:v>18</c:v>
+                  <c:v>35.0</c:v>
                 </c:pt>
                 <c:pt idx="4">
-                  <c:v>24</c:v>
+                  <c:v>14.0</c:v>
                 </c:pt>
                 <c:pt idx="5">
-                  <c:v>22</c:v>
+                  <c:v>32.0</c:v>
                 </c:pt>
                 <c:pt idx="6">
-                  <c:v>30</c:v>
+                  <c:v>35.0</c:v>
                 </c:pt>
                 <c:pt idx="7">
-                  <c:v>34</c:v>
+                  <c:v>93.0</c:v>
                 </c:pt>
                 <c:pt idx="8">
-                  <c:v>15</c:v>
+                  <c:v>69.0</c:v>
                 </c:pt>
                 <c:pt idx="9">
-                  <c:v>44</c:v>
+                  <c:v>41.0</c:v>
                 </c:pt>
                 <c:pt idx="10">
-                  <c:v>91</c:v>
+                  <c:v>75.0</c:v>
                 </c:pt>
                 <c:pt idx="11">
-                  <c:v>145</c:v>
+                  <c:v>37.0</c:v>
                 </c:pt>
               </c:numCache>
             </c:numRef>
@@ -6383,7 +6087,7 @@
               <c:strCache>
                 <c:ptCount val="1"/>
                 <c:pt idx="0">
-                  <c:v>FY17</c:v>
+                  <c:v>FY18</c:v>
                 </c:pt>
               </c:strCache>
             </c:strRef>
@@ -6443,40 +6147,40 @@
                 <c:formatCode>General</c:formatCode>
                 <c:ptCount val="12"/>
                 <c:pt idx="0">
-                  <c:v>87</c:v>
+                  <c:v>26.0</c:v>
                 </c:pt>
                 <c:pt idx="1">
-                  <c:v>79</c:v>
+                  <c:v>40.0</c:v>
                 </c:pt>
                 <c:pt idx="2">
-                  <c:v>32</c:v>
+                  <c:v>5.0</c:v>
                 </c:pt>
                 <c:pt idx="3">
-                  <c:v>24</c:v>
+                  <c:v>18.0</c:v>
                 </c:pt>
                 <c:pt idx="4">
-                  <c:v>37</c:v>
+                  <c:v>24.0</c:v>
                 </c:pt>
                 <c:pt idx="5">
-                  <c:v>42</c:v>
+                  <c:v>22.0</c:v>
                 </c:pt>
                 <c:pt idx="6">
-                  <c:v>63</c:v>
+                  <c:v>30.0</c:v>
                 </c:pt>
                 <c:pt idx="7">
-                  <c:v>12</c:v>
+                  <c:v>34.0</c:v>
                 </c:pt>
                 <c:pt idx="8">
-                  <c:v>29</c:v>
+                  <c:v>15.0</c:v>
                 </c:pt>
                 <c:pt idx="9">
-                  <c:v>26</c:v>
+                  <c:v>44.0</c:v>
                 </c:pt>
                 <c:pt idx="10">
-                  <c:v>73</c:v>
+                  <c:v>91.0</c:v>
                 </c:pt>
                 <c:pt idx="11">
-                  <c:v>11</c:v>
+                  <c:v>145.0</c:v>
                 </c:pt>
               </c:numCache>
             </c:numRef>
@@ -6492,7 +6196,7 @@
               <c:strCache>
                 <c:ptCount val="1"/>
                 <c:pt idx="0">
-                  <c:v>FY16</c:v>
+                  <c:v>FY17</c:v>
                 </c:pt>
               </c:strCache>
             </c:strRef>
@@ -6552,40 +6256,40 @@
                 <c:formatCode>General</c:formatCode>
                 <c:ptCount val="12"/>
                 <c:pt idx="0">
-                  <c:v>123</c:v>
+                  <c:v>87.0</c:v>
                 </c:pt>
                 <c:pt idx="1">
-                  <c:v>56</c:v>
+                  <c:v>79.0</c:v>
                 </c:pt>
                 <c:pt idx="2">
-                  <c:v>50</c:v>
+                  <c:v>32.0</c:v>
                 </c:pt>
                 <c:pt idx="3">
-                  <c:v>48</c:v>
+                  <c:v>24.0</c:v>
                 </c:pt>
                 <c:pt idx="4">
-                  <c:v>70</c:v>
+                  <c:v>37.0</c:v>
                 </c:pt>
                 <c:pt idx="5">
-                  <c:v>46</c:v>
+                  <c:v>42.0</c:v>
                 </c:pt>
                 <c:pt idx="6">
-                  <c:v>10</c:v>
+                  <c:v>63.0</c:v>
                 </c:pt>
                 <c:pt idx="7">
-                  <c:v>55</c:v>
+                  <c:v>12.0</c:v>
                 </c:pt>
                 <c:pt idx="8">
-                  <c:v>69</c:v>
+                  <c:v>29.0</c:v>
                 </c:pt>
                 <c:pt idx="9">
-                  <c:v>61</c:v>
+                  <c:v>26.0</c:v>
                 </c:pt>
                 <c:pt idx="10">
-                  <c:v>58</c:v>
+                  <c:v>73.0</c:v>
                 </c:pt>
                 <c:pt idx="11">
-                  <c:v>87</c:v>
+                  <c:v>11.0</c:v>
                 </c:pt>
               </c:numCache>
             </c:numRef>
@@ -6700,7 +6404,7 @@
               <c:strCache>
                 <c:ptCount val="1"/>
                 <c:pt idx="0">
-                  <c:v>FY19</c:v>
+                  <c:v>FY20</c:v>
                 </c:pt>
               </c:strCache>
             </c:strRef>
@@ -6760,40 +6464,7 @@
                 <c:formatCode>General</c:formatCode>
                 <c:ptCount val="12"/>
                 <c:pt idx="0">
-                  <c:v>904</c:v>
-                </c:pt>
-                <c:pt idx="1">
-                  <c:v>804</c:v>
-                </c:pt>
-                <c:pt idx="2">
-                  <c:v>1038</c:v>
-                </c:pt>
-                <c:pt idx="3">
-                  <c:v>897</c:v>
-                </c:pt>
-                <c:pt idx="4">
-                  <c:v>901</c:v>
-                </c:pt>
-                <c:pt idx="5">
-                  <c:v>1174</c:v>
-                </c:pt>
-                <c:pt idx="6">
-                  <c:v>1017</c:v>
-                </c:pt>
-                <c:pt idx="7">
-                  <c:v>873</c:v>
-                </c:pt>
-                <c:pt idx="8">
-                  <c:v>1024</c:v>
-                </c:pt>
-                <c:pt idx="9">
-                  <c:v>832</c:v>
-                </c:pt>
-                <c:pt idx="10">
-                  <c:v>887</c:v>
-                </c:pt>
-                <c:pt idx="11">
-                  <c:v>1038</c:v>
+                  <c:v>1073.0</c:v>
                 </c:pt>
               </c:numCache>
             </c:numRef>
@@ -6809,7 +6480,7 @@
               <c:strCache>
                 <c:ptCount val="1"/>
                 <c:pt idx="0">
-                  <c:v>FY18</c:v>
+                  <c:v>FY19</c:v>
                 </c:pt>
               </c:strCache>
             </c:strRef>
@@ -6869,40 +6540,40 @@
                 <c:formatCode>General</c:formatCode>
                 <c:ptCount val="12"/>
                 <c:pt idx="0">
-                  <c:v>712</c:v>
+                  <c:v>904.0</c:v>
                 </c:pt>
                 <c:pt idx="1">
-                  <c:v>812</c:v>
+                  <c:v>804.0</c:v>
                 </c:pt>
                 <c:pt idx="2">
-                  <c:v>863</c:v>
+                  <c:v>1038.0</c:v>
                 </c:pt>
                 <c:pt idx="3">
-                  <c:v>945</c:v>
+                  <c:v>897.0</c:v>
                 </c:pt>
                 <c:pt idx="4">
-                  <c:v>894</c:v>
+                  <c:v>901.0</c:v>
                 </c:pt>
                 <c:pt idx="5">
-                  <c:v>944</c:v>
+                  <c:v>1174.0</c:v>
                 </c:pt>
                 <c:pt idx="6">
-                  <c:v>1099</c:v>
+                  <c:v>1017.0</c:v>
                 </c:pt>
                 <c:pt idx="7">
-                  <c:v>939</c:v>
+                  <c:v>873.0</c:v>
                 </c:pt>
                 <c:pt idx="8">
-                  <c:v>917</c:v>
+                  <c:v>1024.0</c:v>
                 </c:pt>
                 <c:pt idx="9">
-                  <c:v>1043</c:v>
+                  <c:v>832.0</c:v>
                 </c:pt>
                 <c:pt idx="10">
-                  <c:v>1096</c:v>
+                  <c:v>887.0</c:v>
                 </c:pt>
                 <c:pt idx="11">
-                  <c:v>782</c:v>
+                  <c:v>1038.0</c:v>
                 </c:pt>
               </c:numCache>
             </c:numRef>
@@ -6918,7 +6589,7 @@
               <c:strCache>
                 <c:ptCount val="1"/>
                 <c:pt idx="0">
-                  <c:v>FY17</c:v>
+                  <c:v>FY18</c:v>
                 </c:pt>
               </c:strCache>
             </c:strRef>
@@ -6978,40 +6649,40 @@
                 <c:formatCode>General</c:formatCode>
                 <c:ptCount val="12"/>
                 <c:pt idx="0">
-                  <c:v>811</c:v>
+                  <c:v>712.0</c:v>
                 </c:pt>
                 <c:pt idx="1">
-                  <c:v>654</c:v>
+                  <c:v>812.0</c:v>
                 </c:pt>
                 <c:pt idx="2">
-                  <c:v>530</c:v>
+                  <c:v>863.0</c:v>
                 </c:pt>
                 <c:pt idx="3">
-                  <c:v>709</c:v>
+                  <c:v>945.0</c:v>
                 </c:pt>
                 <c:pt idx="4">
-                  <c:v>717</c:v>
+                  <c:v>894.0</c:v>
                 </c:pt>
                 <c:pt idx="5">
-                  <c:v>634</c:v>
+                  <c:v>944.0</c:v>
                 </c:pt>
                 <c:pt idx="6">
-                  <c:v>857</c:v>
+                  <c:v>1099.0</c:v>
                 </c:pt>
                 <c:pt idx="7">
-                  <c:v>644</c:v>
+                  <c:v>939.0</c:v>
                 </c:pt>
                 <c:pt idx="8">
-                  <c:v>757</c:v>
+                  <c:v>917.0</c:v>
                 </c:pt>
                 <c:pt idx="9">
-                  <c:v>850</c:v>
+                  <c:v>1043.0</c:v>
                 </c:pt>
                 <c:pt idx="10">
-                  <c:v>819</c:v>
+                  <c:v>1096.0</c:v>
                 </c:pt>
                 <c:pt idx="11">
-                  <c:v>806</c:v>
+                  <c:v>782.0</c:v>
                 </c:pt>
               </c:numCache>
             </c:numRef>
@@ -7027,7 +6698,7 @@
               <c:strCache>
                 <c:ptCount val="1"/>
                 <c:pt idx="0">
-                  <c:v>FY16</c:v>
+                  <c:v>FY17</c:v>
                 </c:pt>
               </c:strCache>
             </c:strRef>
@@ -7087,40 +6758,40 @@
                 <c:formatCode>General</c:formatCode>
                 <c:ptCount val="12"/>
                 <c:pt idx="0">
-                  <c:v>581</c:v>
+                  <c:v>811.0</c:v>
                 </c:pt>
                 <c:pt idx="1">
-                  <c:v>738</c:v>
+                  <c:v>654.0</c:v>
                 </c:pt>
                 <c:pt idx="2">
-                  <c:v>644</c:v>
+                  <c:v>530.0</c:v>
                 </c:pt>
                 <c:pt idx="3">
-                  <c:v>652</c:v>
+                  <c:v>709.0</c:v>
                 </c:pt>
                 <c:pt idx="4">
-                  <c:v>621</c:v>
+                  <c:v>717.0</c:v>
                 </c:pt>
                 <c:pt idx="5">
-                  <c:v>806</c:v>
+                  <c:v>634.0</c:v>
                 </c:pt>
                 <c:pt idx="6">
-                  <c:v>809</c:v>
+                  <c:v>857.0</c:v>
                 </c:pt>
                 <c:pt idx="7">
-                  <c:v>687</c:v>
+                  <c:v>644.0</c:v>
                 </c:pt>
                 <c:pt idx="8">
-                  <c:v>905</c:v>
+                  <c:v>757.0</c:v>
                 </c:pt>
                 <c:pt idx="9">
-                  <c:v>664</c:v>
+                  <c:v>850.0</c:v>
                 </c:pt>
                 <c:pt idx="10">
-                  <c:v>562</c:v>
+                  <c:v>819.0</c:v>
                 </c:pt>
                 <c:pt idx="11">
-                  <c:v>657</c:v>
+                  <c:v>806.0</c:v>
                 </c:pt>
               </c:numCache>
             </c:numRef>
@@ -7235,7 +6906,7 @@
               <c:strCache>
                 <c:ptCount val="1"/>
                 <c:pt idx="0">
-                  <c:v>FY19</c:v>
+                  <c:v>FY20</c:v>
                 </c:pt>
               </c:strCache>
             </c:strRef>
@@ -7295,40 +6966,7 @@
                 <c:formatCode>General</c:formatCode>
                 <c:ptCount val="12"/>
                 <c:pt idx="0">
-                  <c:v>82</c:v>
-                </c:pt>
-                <c:pt idx="1">
-                  <c:v>53</c:v>
-                </c:pt>
-                <c:pt idx="2">
-                  <c:v>61</c:v>
-                </c:pt>
-                <c:pt idx="3">
-                  <c:v>85</c:v>
-                </c:pt>
-                <c:pt idx="4">
-                  <c:v>147</c:v>
-                </c:pt>
-                <c:pt idx="5">
-                  <c:v>178</c:v>
-                </c:pt>
-                <c:pt idx="6">
-                  <c:v>44</c:v>
-                </c:pt>
-                <c:pt idx="7">
-                  <c:v>46</c:v>
-                </c:pt>
-                <c:pt idx="8">
-                  <c:v>100</c:v>
-                </c:pt>
-                <c:pt idx="9">
-                  <c:v>74</c:v>
-                </c:pt>
-                <c:pt idx="10">
-                  <c:v>85</c:v>
-                </c:pt>
-                <c:pt idx="11">
-                  <c:v>33</c:v>
+                  <c:v>85.0</c:v>
                 </c:pt>
               </c:numCache>
             </c:numRef>
@@ -7344,7 +6982,7 @@
               <c:strCache>
                 <c:ptCount val="1"/>
                 <c:pt idx="0">
-                  <c:v>FY18</c:v>
+                  <c:v>FY19</c:v>
                 </c:pt>
               </c:strCache>
             </c:strRef>
@@ -7404,40 +7042,40 @@
                 <c:formatCode>General</c:formatCode>
                 <c:ptCount val="12"/>
                 <c:pt idx="0">
-                  <c:v>127</c:v>
+                  <c:v>82.0</c:v>
                 </c:pt>
                 <c:pt idx="1">
-                  <c:v>138</c:v>
+                  <c:v>53.0</c:v>
                 </c:pt>
                 <c:pt idx="2">
-                  <c:v>53</c:v>
+                  <c:v>61.0</c:v>
                 </c:pt>
                 <c:pt idx="3">
-                  <c:v>30</c:v>
+                  <c:v>85.0</c:v>
                 </c:pt>
                 <c:pt idx="4">
-                  <c:v>45</c:v>
+                  <c:v>147.0</c:v>
                 </c:pt>
                 <c:pt idx="5">
-                  <c:v>78</c:v>
+                  <c:v>178.0</c:v>
                 </c:pt>
                 <c:pt idx="6">
-                  <c:v>103</c:v>
+                  <c:v>44.0</c:v>
                 </c:pt>
                 <c:pt idx="7">
-                  <c:v>54</c:v>
+                  <c:v>46.0</c:v>
                 </c:pt>
                 <c:pt idx="8">
-                  <c:v>81</c:v>
+                  <c:v>100.0</c:v>
                 </c:pt>
                 <c:pt idx="9">
-                  <c:v>84</c:v>
+                  <c:v>74.0</c:v>
                 </c:pt>
                 <c:pt idx="10">
-                  <c:v>76</c:v>
+                  <c:v>85.0</c:v>
                 </c:pt>
                 <c:pt idx="11">
-                  <c:v>64</c:v>
+                  <c:v>33.0</c:v>
                 </c:pt>
               </c:numCache>
             </c:numRef>
@@ -7453,7 +7091,7 @@
               <c:strCache>
                 <c:ptCount val="1"/>
                 <c:pt idx="0">
-                  <c:v>FY17</c:v>
+                  <c:v>FY18</c:v>
                 </c:pt>
               </c:strCache>
             </c:strRef>
@@ -7513,40 +7151,40 @@
                 <c:formatCode>General</c:formatCode>
                 <c:ptCount val="12"/>
                 <c:pt idx="0">
-                  <c:v>160</c:v>
+                  <c:v>127.0</c:v>
                 </c:pt>
                 <c:pt idx="1">
-                  <c:v>104</c:v>
+                  <c:v>138.0</c:v>
                 </c:pt>
                 <c:pt idx="2">
-                  <c:v>90</c:v>
+                  <c:v>53.0</c:v>
                 </c:pt>
                 <c:pt idx="3">
-                  <c:v>124</c:v>
+                  <c:v>30.0</c:v>
                 </c:pt>
                 <c:pt idx="4">
-                  <c:v>158</c:v>
+                  <c:v>45.0</c:v>
                 </c:pt>
                 <c:pt idx="5">
-                  <c:v>186</c:v>
+                  <c:v>78.0</c:v>
                 </c:pt>
                 <c:pt idx="6">
-                  <c:v>105</c:v>
+                  <c:v>103.0</c:v>
                 </c:pt>
                 <c:pt idx="7">
-                  <c:v>70</c:v>
+                  <c:v>54.0</c:v>
                 </c:pt>
                 <c:pt idx="8">
-                  <c:v>136</c:v>
+                  <c:v>81.0</c:v>
                 </c:pt>
                 <c:pt idx="9">
-                  <c:v>66</c:v>
+                  <c:v>84.0</c:v>
                 </c:pt>
                 <c:pt idx="10">
-                  <c:v>141</c:v>
+                  <c:v>76.0</c:v>
                 </c:pt>
                 <c:pt idx="11">
-                  <c:v>54</c:v>
+                  <c:v>64.0</c:v>
                 </c:pt>
               </c:numCache>
             </c:numRef>
@@ -7562,7 +7200,7 @@
               <c:strCache>
                 <c:ptCount val="1"/>
                 <c:pt idx="0">
-                  <c:v>FY16</c:v>
+                  <c:v>FY17</c:v>
                 </c:pt>
               </c:strCache>
             </c:strRef>
@@ -7622,40 +7260,40 @@
                 <c:formatCode>General</c:formatCode>
                 <c:ptCount val="12"/>
                 <c:pt idx="0">
-                  <c:v>69</c:v>
+                  <c:v>160.0</c:v>
                 </c:pt>
                 <c:pt idx="1">
-                  <c:v>94</c:v>
+                  <c:v>104.0</c:v>
                 </c:pt>
                 <c:pt idx="2">
-                  <c:v>60</c:v>
+                  <c:v>90.0</c:v>
                 </c:pt>
                 <c:pt idx="3">
-                  <c:v>95</c:v>
+                  <c:v>124.0</c:v>
                 </c:pt>
                 <c:pt idx="4">
-                  <c:v>163</c:v>
+                  <c:v>158.0</c:v>
                 </c:pt>
                 <c:pt idx="5">
-                  <c:v>131</c:v>
+                  <c:v>186.0</c:v>
                 </c:pt>
                 <c:pt idx="6">
-                  <c:v>100</c:v>
+                  <c:v>105.0</c:v>
                 </c:pt>
                 <c:pt idx="7">
-                  <c:v>75</c:v>
+                  <c:v>70.0</c:v>
                 </c:pt>
                 <c:pt idx="8">
-                  <c:v>83</c:v>
+                  <c:v>136.0</c:v>
                 </c:pt>
                 <c:pt idx="9">
-                  <c:v>75</c:v>
+                  <c:v>66.0</c:v>
                 </c:pt>
                 <c:pt idx="10">
-                  <c:v>50</c:v>
+                  <c:v>141.0</c:v>
                 </c:pt>
                 <c:pt idx="11">
-                  <c:v>71</c:v>
+                  <c:v>54.0</c:v>
                 </c:pt>
               </c:numCache>
             </c:numRef>
@@ -7770,7 +7408,7 @@
               <c:strCache>
                 <c:ptCount val="1"/>
                 <c:pt idx="0">
-                  <c:v>FY19</c:v>
+                  <c:v>FY20</c:v>
                 </c:pt>
               </c:strCache>
             </c:strRef>
@@ -7830,40 +7468,7 @@
                 <c:formatCode>General</c:formatCode>
                 <c:ptCount val="12"/>
                 <c:pt idx="0">
-                  <c:v>24</c:v>
-                </c:pt>
-                <c:pt idx="1">
-                  <c:v>29</c:v>
-                </c:pt>
-                <c:pt idx="2">
-                  <c:v>9</c:v>
-                </c:pt>
-                <c:pt idx="3">
-                  <c:v>2</c:v>
-                </c:pt>
-                <c:pt idx="4">
-                  <c:v>0</c:v>
-                </c:pt>
-                <c:pt idx="5">
-                  <c:v>4</c:v>
-                </c:pt>
-                <c:pt idx="6">
-                  <c:v>28</c:v>
-                </c:pt>
-                <c:pt idx="7">
-                  <c:v>18</c:v>
-                </c:pt>
-                <c:pt idx="8">
-                  <c:v>24</c:v>
-                </c:pt>
-                <c:pt idx="9">
-                  <c:v>18</c:v>
-                </c:pt>
-                <c:pt idx="10">
-                  <c:v>6</c:v>
-                </c:pt>
-                <c:pt idx="11">
-                  <c:v>4</c:v>
+                  <c:v>2.0</c:v>
                 </c:pt>
               </c:numCache>
             </c:numRef>
@@ -7879,7 +7484,7 @@
               <c:strCache>
                 <c:ptCount val="1"/>
                 <c:pt idx="0">
-                  <c:v>FY18</c:v>
+                  <c:v>FY19</c:v>
                 </c:pt>
               </c:strCache>
             </c:strRef>
@@ -7939,40 +7544,40 @@
                 <c:formatCode>General</c:formatCode>
                 <c:ptCount val="12"/>
                 <c:pt idx="0">
-                  <c:v>70</c:v>
+                  <c:v>24.0</c:v>
                 </c:pt>
                 <c:pt idx="1">
-                  <c:v>31</c:v>
+                  <c:v>29.0</c:v>
                 </c:pt>
                 <c:pt idx="2">
-                  <c:v>39</c:v>
+                  <c:v>9.0</c:v>
                 </c:pt>
                 <c:pt idx="3">
-                  <c:v>38</c:v>
+                  <c:v>2.0</c:v>
                 </c:pt>
                 <c:pt idx="4">
-                  <c:v>60</c:v>
+                  <c:v>0.0</c:v>
                 </c:pt>
                 <c:pt idx="5">
-                  <c:v>87</c:v>
+                  <c:v>4.0</c:v>
                 </c:pt>
                 <c:pt idx="6">
-                  <c:v>65</c:v>
+                  <c:v>28.0</c:v>
                 </c:pt>
                 <c:pt idx="7">
-                  <c:v>30</c:v>
+                  <c:v>18.0</c:v>
                 </c:pt>
                 <c:pt idx="8">
-                  <c:v>55</c:v>
+                  <c:v>24.0</c:v>
                 </c:pt>
                 <c:pt idx="9">
-                  <c:v>27</c:v>
+                  <c:v>18.0</c:v>
                 </c:pt>
                 <c:pt idx="10">
-                  <c:v>28</c:v>
+                  <c:v>6.0</c:v>
                 </c:pt>
                 <c:pt idx="11">
-                  <c:v>31</c:v>
+                  <c:v>4.0</c:v>
                 </c:pt>
               </c:numCache>
             </c:numRef>
@@ -7988,7 +7593,7 @@
               <c:strCache>
                 <c:ptCount val="1"/>
                 <c:pt idx="0">
-                  <c:v>FY17</c:v>
+                  <c:v>FY18</c:v>
                 </c:pt>
               </c:strCache>
             </c:strRef>
@@ -8048,40 +7653,40 @@
                 <c:formatCode>General</c:formatCode>
                 <c:ptCount val="12"/>
                 <c:pt idx="0">
-                  <c:v>62</c:v>
+                  <c:v>70.0</c:v>
                 </c:pt>
                 <c:pt idx="1">
-                  <c:v>34</c:v>
+                  <c:v>31.0</c:v>
                 </c:pt>
                 <c:pt idx="2">
-                  <c:v>33</c:v>
+                  <c:v>39.0</c:v>
                 </c:pt>
                 <c:pt idx="3">
-                  <c:v>59</c:v>
+                  <c:v>38.0</c:v>
                 </c:pt>
                 <c:pt idx="4">
-                  <c:v>60</c:v>
+                  <c:v>60.0</c:v>
                 </c:pt>
                 <c:pt idx="5">
-                  <c:v>47</c:v>
+                  <c:v>87.0</c:v>
                 </c:pt>
                 <c:pt idx="6">
-                  <c:v>42</c:v>
+                  <c:v>65.0</c:v>
                 </c:pt>
                 <c:pt idx="7">
-                  <c:v>47</c:v>
+                  <c:v>30.0</c:v>
                 </c:pt>
                 <c:pt idx="8">
-                  <c:v>48</c:v>
+                  <c:v>55.0</c:v>
                 </c:pt>
                 <c:pt idx="9">
-                  <c:v>57</c:v>
+                  <c:v>27.0</c:v>
                 </c:pt>
                 <c:pt idx="10">
-                  <c:v>62</c:v>
+                  <c:v>28.0</c:v>
                 </c:pt>
                 <c:pt idx="11">
-                  <c:v>69</c:v>
+                  <c:v>31.0</c:v>
                 </c:pt>
               </c:numCache>
             </c:numRef>
@@ -8097,7 +7702,7 @@
               <c:strCache>
                 <c:ptCount val="1"/>
                 <c:pt idx="0">
-                  <c:v>FY16</c:v>
+                  <c:v>FY17</c:v>
                 </c:pt>
               </c:strCache>
             </c:strRef>
@@ -8157,40 +7762,40 @@
                 <c:formatCode>General</c:formatCode>
                 <c:ptCount val="12"/>
                 <c:pt idx="0">
-                  <c:v>97</c:v>
+                  <c:v>62.0</c:v>
                 </c:pt>
                 <c:pt idx="1">
-                  <c:v>60</c:v>
+                  <c:v>34.0</c:v>
                 </c:pt>
                 <c:pt idx="2">
-                  <c:v>61</c:v>
+                  <c:v>33.0</c:v>
                 </c:pt>
                 <c:pt idx="3">
-                  <c:v>66</c:v>
+                  <c:v>59.0</c:v>
                 </c:pt>
                 <c:pt idx="4">
-                  <c:v>60</c:v>
+                  <c:v>60.0</c:v>
                 </c:pt>
                 <c:pt idx="5">
-                  <c:v>61</c:v>
+                  <c:v>47.0</c:v>
                 </c:pt>
                 <c:pt idx="6">
-                  <c:v>60</c:v>
+                  <c:v>42.0</c:v>
                 </c:pt>
                 <c:pt idx="7">
-                  <c:v>60</c:v>
+                  <c:v>47.0</c:v>
                 </c:pt>
                 <c:pt idx="8">
-                  <c:v>87</c:v>
+                  <c:v>48.0</c:v>
                 </c:pt>
                 <c:pt idx="9">
-                  <c:v>61</c:v>
+                  <c:v>57.0</c:v>
                 </c:pt>
                 <c:pt idx="10">
-                  <c:v>59</c:v>
+                  <c:v>62.0</c:v>
                 </c:pt>
                 <c:pt idx="11">
-                  <c:v>78</c:v>
+                  <c:v>69.0</c:v>
                 </c:pt>
               </c:numCache>
             </c:numRef>
@@ -8305,7 +7910,7 @@
               <c:strCache>
                 <c:ptCount val="1"/>
                 <c:pt idx="0">
-                  <c:v>FY19</c:v>
+                  <c:v>FY20</c:v>
                 </c:pt>
               </c:strCache>
             </c:strRef>
@@ -8365,40 +7970,7 @@
                 <c:formatCode>General</c:formatCode>
                 <c:ptCount val="12"/>
                 <c:pt idx="0">
-                  <c:v>0</c:v>
-                </c:pt>
-                <c:pt idx="1">
-                  <c:v>16</c:v>
-                </c:pt>
-                <c:pt idx="2">
-                  <c:v>6</c:v>
-                </c:pt>
-                <c:pt idx="3">
-                  <c:v>2</c:v>
-                </c:pt>
-                <c:pt idx="4">
-                  <c:v>0</c:v>
-                </c:pt>
-                <c:pt idx="5">
-                  <c:v>9</c:v>
-                </c:pt>
-                <c:pt idx="6">
-                  <c:v>13</c:v>
-                </c:pt>
-                <c:pt idx="7">
-                  <c:v>0</c:v>
-                </c:pt>
-                <c:pt idx="8">
-                  <c:v>11</c:v>
-                </c:pt>
-                <c:pt idx="9">
-                  <c:v>12</c:v>
-                </c:pt>
-                <c:pt idx="10">
-                  <c:v>6</c:v>
-                </c:pt>
-                <c:pt idx="11">
-                  <c:v>5</c:v>
+                  <c:v>2.0</c:v>
                 </c:pt>
               </c:numCache>
             </c:numRef>
@@ -8414,7 +7986,7 @@
               <c:strCache>
                 <c:ptCount val="1"/>
                 <c:pt idx="0">
-                  <c:v>FY18</c:v>
+                  <c:v>FY19</c:v>
                 </c:pt>
               </c:strCache>
             </c:strRef>
@@ -8474,40 +8046,40 @@
                 <c:formatCode>General</c:formatCode>
                 <c:ptCount val="12"/>
                 <c:pt idx="0">
-                  <c:v>2</c:v>
+                  <c:v>0.0</c:v>
                 </c:pt>
                 <c:pt idx="1">
-                  <c:v>12</c:v>
+                  <c:v>16.0</c:v>
                 </c:pt>
                 <c:pt idx="2">
-                  <c:v>8</c:v>
+                  <c:v>6.0</c:v>
                 </c:pt>
                 <c:pt idx="3">
-                  <c:v>1</c:v>
+                  <c:v>2.0</c:v>
                 </c:pt>
                 <c:pt idx="4">
-                  <c:v>1</c:v>
+                  <c:v>0.0</c:v>
                 </c:pt>
                 <c:pt idx="5">
-                  <c:v>6</c:v>
+                  <c:v>9.0</c:v>
                 </c:pt>
                 <c:pt idx="6">
-                  <c:v>18</c:v>
+                  <c:v>13.0</c:v>
                 </c:pt>
                 <c:pt idx="7">
-                  <c:v>8</c:v>
+                  <c:v>0.0</c:v>
                 </c:pt>
                 <c:pt idx="8">
-                  <c:v>4</c:v>
+                  <c:v>11.0</c:v>
                 </c:pt>
                 <c:pt idx="9">
-                  <c:v>4</c:v>
+                  <c:v>12.0</c:v>
                 </c:pt>
                 <c:pt idx="10">
-                  <c:v>17</c:v>
+                  <c:v>6.0</c:v>
                 </c:pt>
                 <c:pt idx="11">
-                  <c:v>1</c:v>
+                  <c:v>5.0</c:v>
                 </c:pt>
               </c:numCache>
             </c:numRef>
@@ -8523,7 +8095,7 @@
               <c:strCache>
                 <c:ptCount val="1"/>
                 <c:pt idx="0">
-                  <c:v>FY17</c:v>
+                  <c:v>FY18</c:v>
                 </c:pt>
               </c:strCache>
             </c:strRef>
@@ -8583,40 +8155,40 @@
                 <c:formatCode>General</c:formatCode>
                 <c:ptCount val="12"/>
                 <c:pt idx="0">
-                  <c:v>59</c:v>
+                  <c:v>2.0</c:v>
                 </c:pt>
                 <c:pt idx="1">
-                  <c:v>19</c:v>
+                  <c:v>12.0</c:v>
                 </c:pt>
                 <c:pt idx="2">
-                  <c:v>4</c:v>
+                  <c:v>8.0</c:v>
                 </c:pt>
                 <c:pt idx="3">
-                  <c:v>3</c:v>
+                  <c:v>1.0</c:v>
                 </c:pt>
                 <c:pt idx="4">
-                  <c:v>4</c:v>
+                  <c:v>1.0</c:v>
                 </c:pt>
                 <c:pt idx="5">
-                  <c:v>1</c:v>
+                  <c:v>6.0</c:v>
                 </c:pt>
                 <c:pt idx="6">
-                  <c:v>2</c:v>
+                  <c:v>18.0</c:v>
                 </c:pt>
                 <c:pt idx="7">
-                  <c:v>0</c:v>
+                  <c:v>8.0</c:v>
                 </c:pt>
                 <c:pt idx="8">
-                  <c:v>6</c:v>
+                  <c:v>4.0</c:v>
                 </c:pt>
                 <c:pt idx="9">
-                  <c:v>9</c:v>
+                  <c:v>4.0</c:v>
                 </c:pt>
                 <c:pt idx="10">
-                  <c:v>23</c:v>
+                  <c:v>17.0</c:v>
                 </c:pt>
                 <c:pt idx="11">
-                  <c:v>10</c:v>
+                  <c:v>1.0</c:v>
                 </c:pt>
               </c:numCache>
             </c:numRef>
@@ -8632,7 +8204,7 @@
               <c:strCache>
                 <c:ptCount val="1"/>
                 <c:pt idx="0">
-                  <c:v>FY16</c:v>
+                  <c:v>FY17</c:v>
                 </c:pt>
               </c:strCache>
             </c:strRef>
@@ -8692,40 +8264,40 @@
                 <c:formatCode>General</c:formatCode>
                 <c:ptCount val="12"/>
                 <c:pt idx="0">
-                  <c:v>1</c:v>
+                  <c:v>59.0</c:v>
                 </c:pt>
                 <c:pt idx="1">
-                  <c:v>11</c:v>
+                  <c:v>19.0</c:v>
                 </c:pt>
                 <c:pt idx="2">
-                  <c:v>18</c:v>
+                  <c:v>4.0</c:v>
                 </c:pt>
                 <c:pt idx="3">
-                  <c:v>27</c:v>
+                  <c:v>3.0</c:v>
                 </c:pt>
                 <c:pt idx="4">
-                  <c:v>5</c:v>
+                  <c:v>4.0</c:v>
                 </c:pt>
                 <c:pt idx="5">
-                  <c:v>39</c:v>
+                  <c:v>1.0</c:v>
                 </c:pt>
                 <c:pt idx="6">
-                  <c:v>15</c:v>
+                  <c:v>2.0</c:v>
                 </c:pt>
                 <c:pt idx="7">
-                  <c:v>3</c:v>
+                  <c:v>0.0</c:v>
                 </c:pt>
                 <c:pt idx="8">
-                  <c:v>16</c:v>
+                  <c:v>6.0</c:v>
                 </c:pt>
                 <c:pt idx="9">
-                  <c:v>26</c:v>
+                  <c:v>9.0</c:v>
                 </c:pt>
                 <c:pt idx="10">
-                  <c:v>15</c:v>
+                  <c:v>23.0</c:v>
                 </c:pt>
                 <c:pt idx="11">
-                  <c:v>5</c:v>
+                  <c:v>10.0</c:v>
                 </c:pt>
               </c:numCache>
             </c:numRef>
@@ -11696,7 +11268,7 @@
           <a:lstStyle/>
           <a:p>
             <a:r>
-              <a:t>Data through: June 2019</a:t>
+              <a:t>Data through: July 2019</a:t>
             </a:r>
           </a:p>
           <a:p>

--- a/report/utilization/python_utilization_slides.pptx
+++ b/report/utilization/python_utilization_slides.pptx
@@ -4490,7 +4490,7 @@
               <c:strCache>
                 <c:ptCount val="1"/>
                 <c:pt idx="0">
-                  <c:v>FY19</c:v>
+                  <c:v>FY20</c:v>
                 </c:pt>
               </c:strCache>
             </c:strRef>
@@ -4550,40 +4550,7 @@
                 <c:formatCode>General</c:formatCode>
                 <c:ptCount val="12"/>
                 <c:pt idx="0">
-                  <c:v>1093</c:v>
-                </c:pt>
-                <c:pt idx="1">
-                  <c:v>1134</c:v>
-                </c:pt>
-                <c:pt idx="2">
-                  <c:v>1548</c:v>
-                </c:pt>
-                <c:pt idx="3">
-                  <c:v>1665</c:v>
-                </c:pt>
-                <c:pt idx="4">
-                  <c:v>1144</c:v>
-                </c:pt>
-                <c:pt idx="5">
-                  <c:v>1276</c:v>
-                </c:pt>
-                <c:pt idx="6">
-                  <c:v>1895</c:v>
-                </c:pt>
-                <c:pt idx="7">
-                  <c:v>1118</c:v>
-                </c:pt>
-                <c:pt idx="8">
-                  <c:v>1280</c:v>
-                </c:pt>
-                <c:pt idx="9">
-                  <c:v>1273</c:v>
-                </c:pt>
-                <c:pt idx="10">
-                  <c:v>1099</c:v>
-                </c:pt>
-                <c:pt idx="11">
-                  <c:v>1463</c:v>
+                  <c:v>1126.0</c:v>
                 </c:pt>
               </c:numCache>
             </c:numRef>
@@ -4599,7 +4566,7 @@
               <c:strCache>
                 <c:ptCount val="1"/>
                 <c:pt idx="0">
-                  <c:v>FY18</c:v>
+                  <c:v>FY19</c:v>
                 </c:pt>
               </c:strCache>
             </c:strRef>
@@ -4659,40 +4626,40 @@
                 <c:formatCode>General</c:formatCode>
                 <c:ptCount val="12"/>
                 <c:pt idx="0">
-                  <c:v>1217</c:v>
+                  <c:v>1093.0</c:v>
                 </c:pt>
                 <c:pt idx="1">
-                  <c:v>1193</c:v>
+                  <c:v>1134.0</c:v>
                 </c:pt>
                 <c:pt idx="2">
-                  <c:v>1396</c:v>
+                  <c:v>1548.0</c:v>
                 </c:pt>
                 <c:pt idx="3">
-                  <c:v>1850</c:v>
+                  <c:v>1665.0</c:v>
                 </c:pt>
                 <c:pt idx="4">
-                  <c:v>1283</c:v>
+                  <c:v>1144.0</c:v>
                 </c:pt>
                 <c:pt idx="5">
-                  <c:v>1936</c:v>
+                  <c:v>1276.0</c:v>
                 </c:pt>
                 <c:pt idx="6">
-                  <c:v>1228</c:v>
+                  <c:v>1895.0</c:v>
                 </c:pt>
                 <c:pt idx="7">
-                  <c:v>1067</c:v>
+                  <c:v>1118.0</c:v>
                 </c:pt>
                 <c:pt idx="8">
-                  <c:v>1189</c:v>
+                  <c:v>1280.0</c:v>
                 </c:pt>
                 <c:pt idx="9">
-                  <c:v>1460</c:v>
+                  <c:v>1273.0</c:v>
                 </c:pt>
                 <c:pt idx="10">
-                  <c:v>2000</c:v>
+                  <c:v>1099.0</c:v>
                 </c:pt>
                 <c:pt idx="11">
-                  <c:v>1593</c:v>
+                  <c:v>1463.0</c:v>
                 </c:pt>
               </c:numCache>
             </c:numRef>
@@ -4708,7 +4675,7 @@
               <c:strCache>
                 <c:ptCount val="1"/>
                 <c:pt idx="0">
-                  <c:v>FY17</c:v>
+                  <c:v>FY18</c:v>
                 </c:pt>
               </c:strCache>
             </c:strRef>
@@ -4768,40 +4735,149 @@
                 <c:formatCode>General</c:formatCode>
                 <c:ptCount val="12"/>
                 <c:pt idx="0">
-                  <c:v>1425</c:v>
+                  <c:v>1217.0</c:v>
                 </c:pt>
                 <c:pt idx="1">
-                  <c:v>1642</c:v>
+                  <c:v>1193.0</c:v>
                 </c:pt>
                 <c:pt idx="2">
-                  <c:v>1474</c:v>
+                  <c:v>1396.0</c:v>
                 </c:pt>
                 <c:pt idx="3">
-                  <c:v>1309</c:v>
+                  <c:v>1850.0</c:v>
                 </c:pt>
                 <c:pt idx="4">
-                  <c:v>1397</c:v>
+                  <c:v>1283.0</c:v>
                 </c:pt>
                 <c:pt idx="5">
-                  <c:v>1702</c:v>
+                  <c:v>1936.0</c:v>
                 </c:pt>
                 <c:pt idx="6">
-                  <c:v>1465</c:v>
+                  <c:v>1228.0</c:v>
                 </c:pt>
                 <c:pt idx="7">
-                  <c:v>1681</c:v>
+                  <c:v>1067.0</c:v>
                 </c:pt>
                 <c:pt idx="8">
-                  <c:v>1242</c:v>
+                  <c:v>1189.0</c:v>
                 </c:pt>
                 <c:pt idx="9">
-                  <c:v>1347</c:v>
+                  <c:v>1460.0</c:v>
                 </c:pt>
                 <c:pt idx="10">
-                  <c:v>1302</c:v>
+                  <c:v>2000.0</c:v>
                 </c:pt>
                 <c:pt idx="11">
-                  <c:v>1296</c:v>
+                  <c:v>1593.0</c:v>
+                </c:pt>
+              </c:numCache>
+            </c:numRef>
+          </c:val>
+          <c:smooth val="0"/>
+        </c:ser>
+        <c:ser>
+          <c:idx val="3"/>
+          <c:order val="3"/>
+          <c:tx>
+            <c:strRef>
+              <c:f>Sheet1!$E$1</c:f>
+              <c:strCache>
+                <c:ptCount val="1"/>
+                <c:pt idx="0">
+                  <c:v>FY17</c:v>
+                </c:pt>
+              </c:strCache>
+            </c:strRef>
+          </c:tx>
+          <c:marker>
+            <c:symbol val="none"/>
+          </c:marker>
+          <c:cat>
+            <c:numRef>
+              <c:f>Sheet1!$A$2:$A$13</c:f>
+              <c:numCache>
+                <c:formatCode>yyyy\-mm\-dd</c:formatCode>
+                <c:ptCount val="12"/>
+                <c:pt idx="0">
+                  <c:v>43647.0</c:v>
+                </c:pt>
+                <c:pt idx="1">
+                  <c:v>43678.0</c:v>
+                </c:pt>
+                <c:pt idx="2">
+                  <c:v>43709.0</c:v>
+                </c:pt>
+                <c:pt idx="3">
+                  <c:v>43739.0</c:v>
+                </c:pt>
+                <c:pt idx="4">
+                  <c:v>43770.0</c:v>
+                </c:pt>
+                <c:pt idx="5">
+                  <c:v>43800.0</c:v>
+                </c:pt>
+                <c:pt idx="6">
+                  <c:v>43831.0</c:v>
+                </c:pt>
+                <c:pt idx="7">
+                  <c:v>43862.0</c:v>
+                </c:pt>
+                <c:pt idx="8">
+                  <c:v>43891.0</c:v>
+                </c:pt>
+                <c:pt idx="9">
+                  <c:v>43922.0</c:v>
+                </c:pt>
+                <c:pt idx="10">
+                  <c:v>43952.0</c:v>
+                </c:pt>
+                <c:pt idx="11">
+                  <c:v>43983.0</c:v>
+                </c:pt>
+              </c:numCache>
+            </c:numRef>
+          </c:cat>
+          <c:val>
+            <c:numRef>
+              <c:f>Sheet1!$E$2:$E$13</c:f>
+              <c:numCache>
+                <c:formatCode>General</c:formatCode>
+                <c:ptCount val="12"/>
+                <c:pt idx="0">
+                  <c:v>1425.0</c:v>
+                </c:pt>
+                <c:pt idx="1">
+                  <c:v>1642.0</c:v>
+                </c:pt>
+                <c:pt idx="2">
+                  <c:v>1474.0</c:v>
+                </c:pt>
+                <c:pt idx="3">
+                  <c:v>1309.0</c:v>
+                </c:pt>
+                <c:pt idx="4">
+                  <c:v>1397.0</c:v>
+                </c:pt>
+                <c:pt idx="5">
+                  <c:v>1702.0</c:v>
+                </c:pt>
+                <c:pt idx="6">
+                  <c:v>1465.0</c:v>
+                </c:pt>
+                <c:pt idx="7">
+                  <c:v>1681.0</c:v>
+                </c:pt>
+                <c:pt idx="8">
+                  <c:v>1242.0</c:v>
+                </c:pt>
+                <c:pt idx="9">
+                  <c:v>1347.0</c:v>
+                </c:pt>
+                <c:pt idx="10">
+                  <c:v>1302.0</c:v>
+                </c:pt>
+                <c:pt idx="11">
+                  <c:v>1296.0</c:v>
                 </c:pt>
               </c:numCache>
             </c:numRef>

--- a/report/utilization/python_utilization_slides.pptx
+++ b/report/utilization/python_utilization_slides.pptx
@@ -23,6 +23,7 @@
     <p:sldId id="271" r:id="rId23"/>
     <p:sldId id="272" r:id="rId24"/>
     <p:sldId id="273" r:id="rId25"/>
+    <p:sldId id="274" r:id="rId26"/>
   </p:sldIdLst>
   <p:sldSz cx="9144000" cy="6858000" type="screen4x3"/>
   <p:notesSz cx="6858000" cy="9144000"/>
@@ -709,7 +710,7 @@
           <a:lstStyle/>
           <a:p>
             <a:r>
-              <a:t>Pegfilgrastim utilization</a:t>
+              <a:t>Calcitonin utilization</a:t>
             </a:r>
           </a:p>
         </c:rich>
@@ -791,7 +792,7 @@
                 <c:formatCode>General</c:formatCode>
                 <c:ptCount val="12"/>
                 <c:pt idx="0">
-                  <c:v>27.0</c:v>
+                  <c:v>2.0</c:v>
                 </c:pt>
               </c:numCache>
             </c:numRef>
@@ -867,40 +868,40 @@
                 <c:formatCode>General</c:formatCode>
                 <c:ptCount val="12"/>
                 <c:pt idx="0">
-                  <c:v>60.0</c:v>
+                  <c:v>0.0</c:v>
                 </c:pt>
                 <c:pt idx="1">
-                  <c:v>69.0</c:v>
+                  <c:v>16.0</c:v>
                 </c:pt>
                 <c:pt idx="2">
-                  <c:v>58.0</c:v>
+                  <c:v>6.0</c:v>
                 </c:pt>
                 <c:pt idx="3">
-                  <c:v>83.0</c:v>
+                  <c:v>2.0</c:v>
                 </c:pt>
                 <c:pt idx="4">
-                  <c:v>76.0</c:v>
+                  <c:v>0.0</c:v>
                 </c:pt>
                 <c:pt idx="5">
-                  <c:v>52.0</c:v>
+                  <c:v>9.0</c:v>
                 </c:pt>
                 <c:pt idx="6">
-                  <c:v>68.0</c:v>
+                  <c:v>13.0</c:v>
                 </c:pt>
                 <c:pt idx="7">
-                  <c:v>49.0</c:v>
+                  <c:v>0.0</c:v>
                 </c:pt>
                 <c:pt idx="8">
-                  <c:v>68.0</c:v>
+                  <c:v>11.0</c:v>
                 </c:pt>
                 <c:pt idx="9">
-                  <c:v>60.0</c:v>
+                  <c:v>12.0</c:v>
                 </c:pt>
                 <c:pt idx="10">
-                  <c:v>59.0</c:v>
+                  <c:v>6.0</c:v>
                 </c:pt>
                 <c:pt idx="11">
-                  <c:v>47.0</c:v>
+                  <c:v>5.0</c:v>
                 </c:pt>
               </c:numCache>
             </c:numRef>
@@ -976,40 +977,40 @@
                 <c:formatCode>General</c:formatCode>
                 <c:ptCount val="12"/>
                 <c:pt idx="0">
-                  <c:v>63.0</c:v>
+                  <c:v>2.0</c:v>
                 </c:pt>
                 <c:pt idx="1">
-                  <c:v>49.0</c:v>
+                  <c:v>12.0</c:v>
                 </c:pt>
                 <c:pt idx="2">
-                  <c:v>48.0</c:v>
+                  <c:v>8.0</c:v>
                 </c:pt>
                 <c:pt idx="3">
-                  <c:v>61.0</c:v>
+                  <c:v>1.0</c:v>
                 </c:pt>
                 <c:pt idx="4">
-                  <c:v>52.0</c:v>
+                  <c:v>1.0</c:v>
                 </c:pt>
                 <c:pt idx="5">
-                  <c:v>57.0</c:v>
+                  <c:v>6.0</c:v>
                 </c:pt>
                 <c:pt idx="6">
-                  <c:v>53.0</c:v>
+                  <c:v>18.0</c:v>
                 </c:pt>
                 <c:pt idx="7">
-                  <c:v>54.0</c:v>
+                  <c:v>8.0</c:v>
                 </c:pt>
                 <c:pt idx="8">
-                  <c:v>60.0</c:v>
+                  <c:v>4.0</c:v>
                 </c:pt>
                 <c:pt idx="9">
-                  <c:v>60.0</c:v>
+                  <c:v>4.0</c:v>
                 </c:pt>
                 <c:pt idx="10">
-                  <c:v>56.0</c:v>
+                  <c:v>17.0</c:v>
                 </c:pt>
                 <c:pt idx="11">
-                  <c:v>55.0</c:v>
+                  <c:v>1.0</c:v>
                 </c:pt>
               </c:numCache>
             </c:numRef>
@@ -1085,40 +1086,40 @@
                 <c:formatCode>General</c:formatCode>
                 <c:ptCount val="12"/>
                 <c:pt idx="0">
-                  <c:v>45.0</c:v>
+                  <c:v>59.0</c:v>
                 </c:pt>
                 <c:pt idx="1">
-                  <c:v>66.0</c:v>
+                  <c:v>19.0</c:v>
                 </c:pt>
                 <c:pt idx="2">
-                  <c:v>50.0</c:v>
+                  <c:v>4.0</c:v>
                 </c:pt>
                 <c:pt idx="3">
-                  <c:v>52.0</c:v>
+                  <c:v>3.0</c:v>
                 </c:pt>
                 <c:pt idx="4">
-                  <c:v>41.0</c:v>
+                  <c:v>4.0</c:v>
                 </c:pt>
                 <c:pt idx="5">
-                  <c:v>44.0</c:v>
+                  <c:v>1.0</c:v>
                 </c:pt>
                 <c:pt idx="6">
-                  <c:v>38.0</c:v>
+                  <c:v>2.0</c:v>
                 </c:pt>
                 <c:pt idx="7">
-                  <c:v>40.0</c:v>
+                  <c:v>0.0</c:v>
                 </c:pt>
                 <c:pt idx="8">
-                  <c:v>58.0</c:v>
+                  <c:v>6.0</c:v>
                 </c:pt>
                 <c:pt idx="9">
-                  <c:v>38.0</c:v>
+                  <c:v>9.0</c:v>
                 </c:pt>
                 <c:pt idx="10">
-                  <c:v>56.0</c:v>
+                  <c:v>23.0</c:v>
                 </c:pt>
                 <c:pt idx="11">
-                  <c:v>54.0</c:v>
+                  <c:v>10.0</c:v>
                 </c:pt>
               </c:numCache>
             </c:numRef>
@@ -1211,7 +1212,7 @@
           <a:lstStyle/>
           <a:p>
             <a:r>
-              <a:t>Eculizumab utilization</a:t>
+              <a:t>Pegfilgrastim utilization</a:t>
             </a:r>
           </a:p>
         </c:rich>
@@ -1293,7 +1294,7 @@
                 <c:formatCode>General</c:formatCode>
                 <c:ptCount val="12"/>
                 <c:pt idx="0">
-                  <c:v>9.0</c:v>
+                  <c:v>27.0</c:v>
                 </c:pt>
               </c:numCache>
             </c:numRef>
@@ -1369,40 +1370,40 @@
                 <c:formatCode>General</c:formatCode>
                 <c:ptCount val="12"/>
                 <c:pt idx="0">
-                  <c:v>15.0</c:v>
+                  <c:v>60.0</c:v>
                 </c:pt>
                 <c:pt idx="1">
-                  <c:v>13.0</c:v>
+                  <c:v>69.0</c:v>
                 </c:pt>
                 <c:pt idx="2">
-                  <c:v>9.0</c:v>
+                  <c:v>58.0</c:v>
                 </c:pt>
                 <c:pt idx="3">
-                  <c:v>10.0</c:v>
+                  <c:v>83.0</c:v>
                 </c:pt>
                 <c:pt idx="4">
-                  <c:v>11.0</c:v>
+                  <c:v>76.0</c:v>
                 </c:pt>
                 <c:pt idx="5">
-                  <c:v>13.0</c:v>
+                  <c:v>52.0</c:v>
                 </c:pt>
                 <c:pt idx="6">
-                  <c:v>15.0</c:v>
+                  <c:v>68.0</c:v>
                 </c:pt>
                 <c:pt idx="7">
-                  <c:v>8.0</c:v>
+                  <c:v>49.0</c:v>
                 </c:pt>
                 <c:pt idx="8">
-                  <c:v>9.0</c:v>
+                  <c:v>68.0</c:v>
                 </c:pt>
                 <c:pt idx="9">
-                  <c:v>9.0</c:v>
+                  <c:v>60.0</c:v>
                 </c:pt>
                 <c:pt idx="10">
-                  <c:v>10.0</c:v>
+                  <c:v>59.0</c:v>
                 </c:pt>
                 <c:pt idx="11">
-                  <c:v>9.0</c:v>
+                  <c:v>47.0</c:v>
                 </c:pt>
               </c:numCache>
             </c:numRef>
@@ -1478,40 +1479,40 @@
                 <c:formatCode>General</c:formatCode>
                 <c:ptCount val="12"/>
                 <c:pt idx="0">
-                  <c:v>13.0</c:v>
+                  <c:v>63.0</c:v>
                 </c:pt>
                 <c:pt idx="1">
-                  <c:v>16.0</c:v>
+                  <c:v>49.0</c:v>
                 </c:pt>
                 <c:pt idx="2">
-                  <c:v>12.0</c:v>
+                  <c:v>48.0</c:v>
                 </c:pt>
                 <c:pt idx="3">
-                  <c:v>16.0</c:v>
+                  <c:v>61.0</c:v>
                 </c:pt>
                 <c:pt idx="4">
-                  <c:v>15.0</c:v>
+                  <c:v>52.0</c:v>
                 </c:pt>
                 <c:pt idx="5">
-                  <c:v>16.0</c:v>
+                  <c:v>57.0</c:v>
                 </c:pt>
                 <c:pt idx="6">
-                  <c:v>14.0</c:v>
+                  <c:v>53.0</c:v>
                 </c:pt>
                 <c:pt idx="7">
-                  <c:v>11.0</c:v>
+                  <c:v>54.0</c:v>
                 </c:pt>
                 <c:pt idx="8">
-                  <c:v>12.0</c:v>
+                  <c:v>60.0</c:v>
                 </c:pt>
                 <c:pt idx="9">
-                  <c:v>12.0</c:v>
+                  <c:v>60.0</c:v>
                 </c:pt>
                 <c:pt idx="10">
-                  <c:v>12.0</c:v>
+                  <c:v>56.0</c:v>
                 </c:pt>
                 <c:pt idx="11">
-                  <c:v>16.0</c:v>
+                  <c:v>55.0</c:v>
                 </c:pt>
               </c:numCache>
             </c:numRef>
@@ -1587,40 +1588,40 @@
                 <c:formatCode>General</c:formatCode>
                 <c:ptCount val="12"/>
                 <c:pt idx="0">
-                  <c:v>14.0</c:v>
+                  <c:v>45.0</c:v>
                 </c:pt>
                 <c:pt idx="1">
-                  <c:v>10.0</c:v>
+                  <c:v>66.0</c:v>
                 </c:pt>
                 <c:pt idx="2">
-                  <c:v>11.0</c:v>
+                  <c:v>50.0</c:v>
                 </c:pt>
                 <c:pt idx="3">
-                  <c:v>11.0</c:v>
+                  <c:v>52.0</c:v>
                 </c:pt>
                 <c:pt idx="4">
-                  <c:v>13.0</c:v>
+                  <c:v>41.0</c:v>
                 </c:pt>
                 <c:pt idx="5">
-                  <c:v>13.0</c:v>
+                  <c:v>44.0</c:v>
                 </c:pt>
                 <c:pt idx="6">
-                  <c:v>9.0</c:v>
+                  <c:v>38.0</c:v>
                 </c:pt>
                 <c:pt idx="7">
-                  <c:v>11.0</c:v>
+                  <c:v>40.0</c:v>
                 </c:pt>
                 <c:pt idx="8">
-                  <c:v>16.0</c:v>
+                  <c:v>58.0</c:v>
                 </c:pt>
                 <c:pt idx="9">
-                  <c:v>14.0</c:v>
+                  <c:v>38.0</c:v>
                 </c:pt>
                 <c:pt idx="10">
-                  <c:v>15.0</c:v>
+                  <c:v>56.0</c:v>
                 </c:pt>
                 <c:pt idx="11">
-                  <c:v>17.0</c:v>
+                  <c:v>54.0</c:v>
                 </c:pt>
               </c:numCache>
             </c:numRef>
@@ -1713,7 +1714,7 @@
           <a:lstStyle/>
           <a:p>
             <a:r>
-              <a:t>Ceftaroline utilization</a:t>
+              <a:t>Eculizumab utilization</a:t>
             </a:r>
           </a:p>
         </c:rich>
@@ -1795,7 +1796,7 @@
                 <c:formatCode>General</c:formatCode>
                 <c:ptCount val="12"/>
                 <c:pt idx="0">
-                  <c:v>136.0</c:v>
+                  <c:v>9.0</c:v>
                 </c:pt>
               </c:numCache>
             </c:numRef>
@@ -1871,40 +1872,40 @@
                 <c:formatCode>General</c:formatCode>
                 <c:ptCount val="12"/>
                 <c:pt idx="0">
-                  <c:v>174.0</c:v>
+                  <c:v>15.0</c:v>
                 </c:pt>
                 <c:pt idx="1">
-                  <c:v>191.0</c:v>
+                  <c:v>13.0</c:v>
                 </c:pt>
                 <c:pt idx="2">
-                  <c:v>124.0</c:v>
+                  <c:v>9.0</c:v>
                 </c:pt>
                 <c:pt idx="3">
-                  <c:v>105.0</c:v>
+                  <c:v>10.0</c:v>
                 </c:pt>
                 <c:pt idx="4">
-                  <c:v>93.0</c:v>
+                  <c:v>11.0</c:v>
                 </c:pt>
                 <c:pt idx="5">
-                  <c:v>167.0</c:v>
+                  <c:v>13.0</c:v>
                 </c:pt>
                 <c:pt idx="6">
-                  <c:v>96.0</c:v>
+                  <c:v>15.0</c:v>
                 </c:pt>
                 <c:pt idx="7">
-                  <c:v>111.0</c:v>
+                  <c:v>8.0</c:v>
                 </c:pt>
                 <c:pt idx="8">
-                  <c:v>193.0</c:v>
+                  <c:v>9.0</c:v>
                 </c:pt>
                 <c:pt idx="9">
-                  <c:v>243.0</c:v>
+                  <c:v>9.0</c:v>
                 </c:pt>
                 <c:pt idx="10">
-                  <c:v>64.0</c:v>
+                  <c:v>10.0</c:v>
                 </c:pt>
                 <c:pt idx="11">
-                  <c:v>52.0</c:v>
+                  <c:v>9.0</c:v>
                 </c:pt>
               </c:numCache>
             </c:numRef>
@@ -1980,40 +1981,40 @@
                 <c:formatCode>General</c:formatCode>
                 <c:ptCount val="12"/>
                 <c:pt idx="0">
-                  <c:v>151.0</c:v>
+                  <c:v>13.0</c:v>
                 </c:pt>
                 <c:pt idx="1">
-                  <c:v>159.0</c:v>
+                  <c:v>16.0</c:v>
                 </c:pt>
                 <c:pt idx="2">
-                  <c:v>189.0</c:v>
+                  <c:v>12.0</c:v>
                 </c:pt>
                 <c:pt idx="3">
-                  <c:v>259.0</c:v>
+                  <c:v>16.0</c:v>
                 </c:pt>
                 <c:pt idx="4">
-                  <c:v>98.0</c:v>
+                  <c:v>15.0</c:v>
                 </c:pt>
                 <c:pt idx="5">
-                  <c:v>230.0</c:v>
+                  <c:v>16.0</c:v>
                 </c:pt>
                 <c:pt idx="6">
-                  <c:v>257.0</c:v>
+                  <c:v>14.0</c:v>
                 </c:pt>
                 <c:pt idx="7">
-                  <c:v>255.0</c:v>
+                  <c:v>11.0</c:v>
                 </c:pt>
                 <c:pt idx="8">
-                  <c:v>415.0</c:v>
+                  <c:v>12.0</c:v>
                 </c:pt>
                 <c:pt idx="9">
-                  <c:v>128.0</c:v>
+                  <c:v>12.0</c:v>
                 </c:pt>
                 <c:pt idx="10">
-                  <c:v>100.0</c:v>
+                  <c:v>12.0</c:v>
                 </c:pt>
                 <c:pt idx="11">
-                  <c:v>192.0</c:v>
+                  <c:v>16.0</c:v>
                 </c:pt>
               </c:numCache>
             </c:numRef>
@@ -2089,40 +2090,40 @@
                 <c:formatCode>General</c:formatCode>
                 <c:ptCount val="12"/>
                 <c:pt idx="0">
-                  <c:v>98.0</c:v>
+                  <c:v>14.0</c:v>
                 </c:pt>
                 <c:pt idx="1">
-                  <c:v>40.0</c:v>
+                  <c:v>10.0</c:v>
                 </c:pt>
                 <c:pt idx="2">
-                  <c:v>63.0</c:v>
+                  <c:v>11.0</c:v>
                 </c:pt>
                 <c:pt idx="3">
-                  <c:v>113.0</c:v>
+                  <c:v>11.0</c:v>
                 </c:pt>
                 <c:pt idx="4">
-                  <c:v>38.0</c:v>
+                  <c:v>13.0</c:v>
                 </c:pt>
                 <c:pt idx="5">
-                  <c:v>120.0</c:v>
+                  <c:v>13.0</c:v>
                 </c:pt>
                 <c:pt idx="6">
-                  <c:v>121.0</c:v>
+                  <c:v>9.0</c:v>
                 </c:pt>
                 <c:pt idx="7">
-                  <c:v>172.0</c:v>
+                  <c:v>11.0</c:v>
                 </c:pt>
                 <c:pt idx="8">
-                  <c:v>125.0</c:v>
+                  <c:v>16.0</c:v>
                 </c:pt>
                 <c:pt idx="9">
-                  <c:v>263.0</c:v>
+                  <c:v>14.0</c:v>
                 </c:pt>
                 <c:pt idx="10">
-                  <c:v>297.0</c:v>
+                  <c:v>15.0</c:v>
                 </c:pt>
                 <c:pt idx="11">
-                  <c:v>59.0</c:v>
+                  <c:v>17.0</c:v>
                 </c:pt>
               </c:numCache>
             </c:numRef>
@@ -2215,7 +2216,7 @@
           <a:lstStyle/>
           <a:p>
             <a:r>
-              <a:t>Ceftazidime-Avibactam utilization</a:t>
+              <a:t>Ceftaroline utilization</a:t>
             </a:r>
           </a:p>
         </c:rich>
@@ -2297,7 +2298,7 @@
                 <c:formatCode>General</c:formatCode>
                 <c:ptCount val="12"/>
                 <c:pt idx="0">
-                  <c:v>59.0</c:v>
+                  <c:v>136.0</c:v>
                 </c:pt>
               </c:numCache>
             </c:numRef>
@@ -2373,40 +2374,40 @@
                 <c:formatCode>General</c:formatCode>
                 <c:ptCount val="12"/>
                 <c:pt idx="0">
-                  <c:v>73.0</c:v>
+                  <c:v>174.0</c:v>
                 </c:pt>
                 <c:pt idx="1">
-                  <c:v>13.0</c:v>
+                  <c:v>191.0</c:v>
                 </c:pt>
                 <c:pt idx="2">
-                  <c:v>81.0</c:v>
+                  <c:v>124.0</c:v>
                 </c:pt>
                 <c:pt idx="3">
-                  <c:v>128.0</c:v>
+                  <c:v>105.0</c:v>
                 </c:pt>
                 <c:pt idx="4">
-                  <c:v>14.0</c:v>
+                  <c:v>93.0</c:v>
                 </c:pt>
                 <c:pt idx="5">
-                  <c:v>218.0</c:v>
+                  <c:v>167.0</c:v>
                 </c:pt>
                 <c:pt idx="6">
-                  <c:v>141.0</c:v>
+                  <c:v>96.0</c:v>
                 </c:pt>
                 <c:pt idx="7">
-                  <c:v>76.0</c:v>
+                  <c:v>111.0</c:v>
                 </c:pt>
                 <c:pt idx="8">
-                  <c:v>127.0</c:v>
+                  <c:v>193.0</c:v>
                 </c:pt>
                 <c:pt idx="9">
-                  <c:v>92.0</c:v>
+                  <c:v>243.0</c:v>
                 </c:pt>
                 <c:pt idx="10">
-                  <c:v>110.0</c:v>
+                  <c:v>64.0</c:v>
                 </c:pt>
                 <c:pt idx="11">
-                  <c:v>63.0</c:v>
+                  <c:v>52.0</c:v>
                 </c:pt>
               </c:numCache>
             </c:numRef>
@@ -2482,40 +2483,40 @@
                 <c:formatCode>General</c:formatCode>
                 <c:ptCount val="12"/>
                 <c:pt idx="0">
-                  <c:v>103.0</c:v>
+                  <c:v>151.0</c:v>
                 </c:pt>
                 <c:pt idx="1">
-                  <c:v>68.0</c:v>
+                  <c:v>159.0</c:v>
                 </c:pt>
                 <c:pt idx="2">
+                  <c:v>189.0</c:v>
+                </c:pt>
+                <c:pt idx="3">
+                  <c:v>259.0</c:v>
+                </c:pt>
+                <c:pt idx="4">
+                  <c:v>98.0</c:v>
+                </c:pt>
+                <c:pt idx="5">
+                  <c:v>230.0</c:v>
+                </c:pt>
+                <c:pt idx="6">
+                  <c:v>257.0</c:v>
+                </c:pt>
+                <c:pt idx="7">
+                  <c:v>255.0</c:v>
+                </c:pt>
+                <c:pt idx="8">
+                  <c:v>415.0</c:v>
+                </c:pt>
+                <c:pt idx="9">
                   <c:v>128.0</c:v>
                 </c:pt>
-                <c:pt idx="3">
-                  <c:v>86.0</c:v>
-                </c:pt>
-                <c:pt idx="4">
-                  <c:v>34.0</c:v>
-                </c:pt>
-                <c:pt idx="5">
-                  <c:v>65.0</c:v>
-                </c:pt>
-                <c:pt idx="6">
-                  <c:v>8.0</c:v>
-                </c:pt>
-                <c:pt idx="7">
-                  <c:v>42.0</c:v>
-                </c:pt>
-                <c:pt idx="8">
-                  <c:v>78.0</c:v>
-                </c:pt>
-                <c:pt idx="9">
-                  <c:v>8.0</c:v>
-                </c:pt>
                 <c:pt idx="10">
-                  <c:v>44.0</c:v>
+                  <c:v>100.0</c:v>
                 </c:pt>
                 <c:pt idx="11">
-                  <c:v>16.0</c:v>
+                  <c:v>192.0</c:v>
                 </c:pt>
               </c:numCache>
             </c:numRef>
@@ -2591,40 +2592,40 @@
                 <c:formatCode>General</c:formatCode>
                 <c:ptCount val="12"/>
                 <c:pt idx="0">
-                  <c:v>33.0</c:v>
+                  <c:v>98.0</c:v>
                 </c:pt>
                 <c:pt idx="1">
-                  <c:v>0.0</c:v>
+                  <c:v>40.0</c:v>
                 </c:pt>
                 <c:pt idx="2">
-                  <c:v>0.0</c:v>
+                  <c:v>63.0</c:v>
                 </c:pt>
                 <c:pt idx="3">
-                  <c:v>0.0</c:v>
+                  <c:v>113.0</c:v>
                 </c:pt>
                 <c:pt idx="4">
-                  <c:v>0.0</c:v>
+                  <c:v>38.0</c:v>
                 </c:pt>
                 <c:pt idx="5">
-                  <c:v>10.0</c:v>
+                  <c:v>120.0</c:v>
                 </c:pt>
                 <c:pt idx="6">
-                  <c:v>133.0</c:v>
+                  <c:v>121.0</c:v>
                 </c:pt>
                 <c:pt idx="7">
-                  <c:v>37.0</c:v>
+                  <c:v>172.0</c:v>
                 </c:pt>
                 <c:pt idx="8">
-                  <c:v>0.0</c:v>
+                  <c:v>125.0</c:v>
                 </c:pt>
                 <c:pt idx="9">
-                  <c:v>58.0</c:v>
+                  <c:v>263.0</c:v>
                 </c:pt>
                 <c:pt idx="10">
-                  <c:v>24.0</c:v>
+                  <c:v>297.0</c:v>
                 </c:pt>
                 <c:pt idx="11">
-                  <c:v>54.0</c:v>
+                  <c:v>59.0</c:v>
                 </c:pt>
               </c:numCache>
             </c:numRef>
@@ -2717,7 +2718,7 @@
           <a:lstStyle/>
           <a:p>
             <a:r>
-              <a:t>Ceftolozane-Tazobactam utilization</a:t>
+              <a:t>Ceftazidime-Avibactam utilization</a:t>
             </a:r>
           </a:p>
         </c:rich>
@@ -2799,7 +2800,7 @@
                 <c:formatCode>General</c:formatCode>
                 <c:ptCount val="12"/>
                 <c:pt idx="0">
-                  <c:v>140.0</c:v>
+                  <c:v>59.0</c:v>
                 </c:pt>
               </c:numCache>
             </c:numRef>
@@ -2875,40 +2876,40 @@
                 <c:formatCode>General</c:formatCode>
                 <c:ptCount val="12"/>
                 <c:pt idx="0">
-                  <c:v>214.0</c:v>
+                  <c:v>73.0</c:v>
                 </c:pt>
                 <c:pt idx="1">
-                  <c:v>172.0</c:v>
+                  <c:v>13.0</c:v>
                 </c:pt>
                 <c:pt idx="2">
-                  <c:v>75.0</c:v>
+                  <c:v>81.0</c:v>
                 </c:pt>
                 <c:pt idx="3">
-                  <c:v>69.0</c:v>
+                  <c:v>128.0</c:v>
                 </c:pt>
                 <c:pt idx="4">
-                  <c:v>70.0</c:v>
+                  <c:v>14.0</c:v>
                 </c:pt>
                 <c:pt idx="5">
-                  <c:v>104.0</c:v>
+                  <c:v>218.0</c:v>
                 </c:pt>
                 <c:pt idx="6">
-                  <c:v>84.0</c:v>
+                  <c:v>141.0</c:v>
                 </c:pt>
                 <c:pt idx="7">
-                  <c:v>4.0</c:v>
+                  <c:v>76.0</c:v>
                 </c:pt>
                 <c:pt idx="8">
-                  <c:v>38.0</c:v>
+                  <c:v>127.0</c:v>
                 </c:pt>
                 <c:pt idx="9">
-                  <c:v>80.0</c:v>
+                  <c:v>92.0</c:v>
                 </c:pt>
                 <c:pt idx="10">
-                  <c:v>107.0</c:v>
+                  <c:v>110.0</c:v>
                 </c:pt>
                 <c:pt idx="11">
-                  <c:v>68.0</c:v>
+                  <c:v>63.0</c:v>
                 </c:pt>
               </c:numCache>
             </c:numRef>
@@ -2984,40 +2985,40 @@
                 <c:formatCode>General</c:formatCode>
                 <c:ptCount val="12"/>
                 <c:pt idx="0">
-                  <c:v>149.0</c:v>
+                  <c:v>103.0</c:v>
                 </c:pt>
                 <c:pt idx="1">
-                  <c:v>180.0</c:v>
+                  <c:v>68.0</c:v>
                 </c:pt>
                 <c:pt idx="2">
-                  <c:v>147.0</c:v>
+                  <c:v>128.0</c:v>
                 </c:pt>
                 <c:pt idx="3">
+                  <c:v>86.0</c:v>
+                </c:pt>
+                <c:pt idx="4">
+                  <c:v>34.0</c:v>
+                </c:pt>
+                <c:pt idx="5">
+                  <c:v>65.0</c:v>
+                </c:pt>
+                <c:pt idx="6">
                   <c:v>8.0</c:v>
                 </c:pt>
-                <c:pt idx="4">
-                  <c:v>36.0</c:v>
-                </c:pt>
-                <c:pt idx="5">
-                  <c:v>86.0</c:v>
-                </c:pt>
-                <c:pt idx="6">
-                  <c:v>14.0</c:v>
-                </c:pt>
                 <c:pt idx="7">
-                  <c:v>59.0</c:v>
+                  <c:v>42.0</c:v>
                 </c:pt>
                 <c:pt idx="8">
-                  <c:v>128.0</c:v>
+                  <c:v>78.0</c:v>
                 </c:pt>
                 <c:pt idx="9">
-                  <c:v>133.0</c:v>
+                  <c:v>8.0</c:v>
                 </c:pt>
                 <c:pt idx="10">
-                  <c:v>288.0</c:v>
+                  <c:v>44.0</c:v>
                 </c:pt>
                 <c:pt idx="11">
-                  <c:v>353.0</c:v>
+                  <c:v>16.0</c:v>
                 </c:pt>
               </c:numCache>
             </c:numRef>
@@ -3093,40 +3094,40 @@
                 <c:formatCode>General</c:formatCode>
                 <c:ptCount val="12"/>
                 <c:pt idx="0">
-                  <c:v>139.0</c:v>
+                  <c:v>33.0</c:v>
                 </c:pt>
                 <c:pt idx="1">
-                  <c:v>28.0</c:v>
+                  <c:v>0.0</c:v>
                 </c:pt>
                 <c:pt idx="2">
-                  <c:v>155.0</c:v>
+                  <c:v>0.0</c:v>
                 </c:pt>
                 <c:pt idx="3">
-                  <c:v>17.0</c:v>
+                  <c:v>0.0</c:v>
                 </c:pt>
                 <c:pt idx="4">
-                  <c:v>17.0</c:v>
+                  <c:v>0.0</c:v>
                 </c:pt>
                 <c:pt idx="5">
-                  <c:v>14.0</c:v>
+                  <c:v>10.0</c:v>
                 </c:pt>
                 <c:pt idx="6">
-                  <c:v>114.0</c:v>
+                  <c:v>133.0</c:v>
                 </c:pt>
                 <c:pt idx="7">
-                  <c:v>83.0</c:v>
+                  <c:v>37.0</c:v>
                 </c:pt>
                 <c:pt idx="8">
-                  <c:v>123.0</c:v>
+                  <c:v>0.0</c:v>
                 </c:pt>
                 <c:pt idx="9">
-                  <c:v>76.0</c:v>
+                  <c:v>58.0</c:v>
                 </c:pt>
                 <c:pt idx="10">
-                  <c:v>31.0</c:v>
+                  <c:v>24.0</c:v>
                 </c:pt>
                 <c:pt idx="11">
-                  <c:v>185.0</c:v>
+                  <c:v>54.0</c:v>
                 </c:pt>
               </c:numCache>
             </c:numRef>
@@ -3219,7 +3220,7 @@
           <a:lstStyle/>
           <a:p>
             <a:r>
-              <a:t>Daptomycin utilization</a:t>
+              <a:t>Ceftolozane-Tazobactam utilization</a:t>
             </a:r>
           </a:p>
         </c:rich>
@@ -3301,7 +3302,7 @@
                 <c:formatCode>General</c:formatCode>
                 <c:ptCount val="12"/>
                 <c:pt idx="0">
-                  <c:v>20.0</c:v>
+                  <c:v>140.0</c:v>
                 </c:pt>
               </c:numCache>
             </c:numRef>
@@ -3377,40 +3378,40 @@
                 <c:formatCode>General</c:formatCode>
                 <c:ptCount val="12"/>
                 <c:pt idx="0">
-                  <c:v>86.0</c:v>
+                  <c:v>214.0</c:v>
                 </c:pt>
                 <c:pt idx="1">
-                  <c:v>73.0</c:v>
+                  <c:v>172.0</c:v>
                 </c:pt>
                 <c:pt idx="2">
-                  <c:v>110.0</c:v>
+                  <c:v>75.0</c:v>
                 </c:pt>
                 <c:pt idx="3">
-                  <c:v>97.0</c:v>
+                  <c:v>69.0</c:v>
                 </c:pt>
                 <c:pt idx="4">
-                  <c:v>148.0</c:v>
+                  <c:v>70.0</c:v>
                 </c:pt>
                 <c:pt idx="5">
-                  <c:v>92.0</c:v>
+                  <c:v>104.0</c:v>
                 </c:pt>
                 <c:pt idx="6">
-                  <c:v>55.0</c:v>
+                  <c:v>84.0</c:v>
                 </c:pt>
                 <c:pt idx="7">
-                  <c:v>52.0</c:v>
+                  <c:v>4.0</c:v>
                 </c:pt>
                 <c:pt idx="8">
-                  <c:v>70.0</c:v>
+                  <c:v>38.0</c:v>
                 </c:pt>
                 <c:pt idx="9">
-                  <c:v>103.0</c:v>
+                  <c:v>80.0</c:v>
                 </c:pt>
                 <c:pt idx="10">
-                  <c:v>137.0</c:v>
+                  <c:v>107.0</c:v>
                 </c:pt>
                 <c:pt idx="11">
-                  <c:v>220.0</c:v>
+                  <c:v>68.0</c:v>
                 </c:pt>
               </c:numCache>
             </c:numRef>
@@ -3486,40 +3487,40 @@
                 <c:formatCode>General</c:formatCode>
                 <c:ptCount val="12"/>
                 <c:pt idx="0">
-                  <c:v>152.0</c:v>
+                  <c:v>149.0</c:v>
                 </c:pt>
                 <c:pt idx="1">
-                  <c:v>99.0</c:v>
+                  <c:v>180.0</c:v>
                 </c:pt>
                 <c:pt idx="2">
-                  <c:v>144.0</c:v>
+                  <c:v>147.0</c:v>
                 </c:pt>
                 <c:pt idx="3">
-                  <c:v>85.0</c:v>
+                  <c:v>8.0</c:v>
                 </c:pt>
                 <c:pt idx="4">
-                  <c:v>158.0</c:v>
+                  <c:v>36.0</c:v>
                 </c:pt>
                 <c:pt idx="5">
+                  <c:v>86.0</c:v>
+                </c:pt>
+                <c:pt idx="6">
+                  <c:v>14.0</c:v>
+                </c:pt>
+                <c:pt idx="7">
+                  <c:v>59.0</c:v>
+                </c:pt>
+                <c:pt idx="8">
                   <c:v>128.0</c:v>
                 </c:pt>
-                <c:pt idx="6">
-                  <c:v>96.0</c:v>
-                </c:pt>
-                <c:pt idx="7">
-                  <c:v>102.0</c:v>
-                </c:pt>
-                <c:pt idx="8">
-                  <c:v>230.0</c:v>
-                </c:pt>
                 <c:pt idx="9">
-                  <c:v>155.0</c:v>
+                  <c:v>133.0</c:v>
                 </c:pt>
                 <c:pt idx="10">
-                  <c:v>102.0</c:v>
+                  <c:v>288.0</c:v>
                 </c:pt>
                 <c:pt idx="11">
-                  <c:v>95.0</c:v>
+                  <c:v>353.0</c:v>
                 </c:pt>
               </c:numCache>
             </c:numRef>
@@ -3595,40 +3596,40 @@
                 <c:formatCode>General</c:formatCode>
                 <c:ptCount val="12"/>
                 <c:pt idx="0">
-                  <c:v>218.0</c:v>
+                  <c:v>139.0</c:v>
                 </c:pt>
                 <c:pt idx="1">
-                  <c:v>103.0</c:v>
+                  <c:v>28.0</c:v>
                 </c:pt>
                 <c:pt idx="2">
+                  <c:v>155.0</c:v>
+                </c:pt>
+                <c:pt idx="3">
+                  <c:v>17.0</c:v>
+                </c:pt>
+                <c:pt idx="4">
+                  <c:v>17.0</c:v>
+                </c:pt>
+                <c:pt idx="5">
+                  <c:v>14.0</c:v>
+                </c:pt>
+                <c:pt idx="6">
+                  <c:v>114.0</c:v>
+                </c:pt>
+                <c:pt idx="7">
+                  <c:v>83.0</c:v>
+                </c:pt>
+                <c:pt idx="8">
                   <c:v>123.0</c:v>
                 </c:pt>
-                <c:pt idx="3">
-                  <c:v>135.0</c:v>
-                </c:pt>
-                <c:pt idx="4">
-                  <c:v>74.0</c:v>
-                </c:pt>
-                <c:pt idx="5">
-                  <c:v>130.0</c:v>
-                </c:pt>
-                <c:pt idx="6">
-                  <c:v>149.0</c:v>
-                </c:pt>
-                <c:pt idx="7">
-                  <c:v>118.0</c:v>
-                </c:pt>
-                <c:pt idx="8">
-                  <c:v>163.0</c:v>
-                </c:pt>
                 <c:pt idx="9">
-                  <c:v>104.0</c:v>
+                  <c:v>76.0</c:v>
                 </c:pt>
                 <c:pt idx="10">
-                  <c:v>106.0</c:v>
+                  <c:v>31.0</c:v>
                 </c:pt>
                 <c:pt idx="11">
-                  <c:v>100.0</c:v>
+                  <c:v>185.0</c:v>
                 </c:pt>
               </c:numCache>
             </c:numRef>
@@ -3721,7 +3722,7 @@
           <a:lstStyle/>
           <a:p>
             <a:r>
-              <a:t>Ertapenem utilization</a:t>
+              <a:t>Daptomycin utilization</a:t>
             </a:r>
           </a:p>
         </c:rich>
@@ -3803,7 +3804,7 @@
                 <c:formatCode>General</c:formatCode>
                 <c:ptCount val="12"/>
                 <c:pt idx="0">
-                  <c:v>137.0</c:v>
+                  <c:v>20.0</c:v>
                 </c:pt>
               </c:numCache>
             </c:numRef>
@@ -3879,40 +3880,40 @@
                 <c:formatCode>General</c:formatCode>
                 <c:ptCount val="12"/>
                 <c:pt idx="0">
-                  <c:v>105.0</c:v>
+                  <c:v>86.0</c:v>
                 </c:pt>
                 <c:pt idx="1">
-                  <c:v>129.0</c:v>
+                  <c:v>73.0</c:v>
                 </c:pt>
                 <c:pt idx="2">
+                  <c:v>110.0</c:v>
+                </c:pt>
+                <c:pt idx="3">
+                  <c:v>97.0</c:v>
+                </c:pt>
+                <c:pt idx="4">
                   <c:v>148.0</c:v>
                 </c:pt>
-                <c:pt idx="3">
-                  <c:v>167.0</c:v>
-                </c:pt>
-                <c:pt idx="4">
-                  <c:v>124.0</c:v>
-                </c:pt>
                 <c:pt idx="5">
-                  <c:v>69.0</c:v>
+                  <c:v>92.0</c:v>
                 </c:pt>
                 <c:pt idx="6">
-                  <c:v>142.0</c:v>
+                  <c:v>55.0</c:v>
                 </c:pt>
                 <c:pt idx="7">
-                  <c:v>107.0</c:v>
+                  <c:v>52.0</c:v>
                 </c:pt>
                 <c:pt idx="8">
+                  <c:v>70.0</c:v>
+                </c:pt>
+                <c:pt idx="9">
                   <c:v>103.0</c:v>
                 </c:pt>
-                <c:pt idx="9">
-                  <c:v>122.0</c:v>
-                </c:pt>
                 <c:pt idx="10">
-                  <c:v>203.0</c:v>
+                  <c:v>137.0</c:v>
                 </c:pt>
                 <c:pt idx="11">
-                  <c:v>123.0</c:v>
+                  <c:v>220.0</c:v>
                 </c:pt>
               </c:numCache>
             </c:numRef>
@@ -3988,40 +3989,40 @@
                 <c:formatCode>General</c:formatCode>
                 <c:ptCount val="12"/>
                 <c:pt idx="0">
-                  <c:v>122.0</c:v>
+                  <c:v>152.0</c:v>
                 </c:pt>
                 <c:pt idx="1">
-                  <c:v>121.0</c:v>
+                  <c:v>99.0</c:v>
                 </c:pt>
                 <c:pt idx="2">
-                  <c:v>102.0</c:v>
+                  <c:v>144.0</c:v>
                 </c:pt>
                 <c:pt idx="3">
+                  <c:v>85.0</c:v>
+                </c:pt>
+                <c:pt idx="4">
+                  <c:v>158.0</c:v>
+                </c:pt>
+                <c:pt idx="5">
                   <c:v>128.0</c:v>
                 </c:pt>
-                <c:pt idx="4">
-                  <c:v>161.0</c:v>
-                </c:pt>
-                <c:pt idx="5">
-                  <c:v>185.0</c:v>
-                </c:pt>
                 <c:pt idx="6">
-                  <c:v>229.0</c:v>
+                  <c:v>96.0</c:v>
                 </c:pt>
                 <c:pt idx="7">
                   <c:v>102.0</c:v>
                 </c:pt>
                 <c:pt idx="8">
-                  <c:v>132.0</c:v>
+                  <c:v>230.0</c:v>
                 </c:pt>
                 <c:pt idx="9">
-                  <c:v>188.0</c:v>
+                  <c:v>155.0</c:v>
                 </c:pt>
                 <c:pt idx="10">
-                  <c:v>128.0</c:v>
+                  <c:v>102.0</c:v>
                 </c:pt>
                 <c:pt idx="11">
-                  <c:v>143.0</c:v>
+                  <c:v>95.0</c:v>
                 </c:pt>
               </c:numCache>
             </c:numRef>
@@ -4097,40 +4098,40 @@
                 <c:formatCode>General</c:formatCode>
                 <c:ptCount val="12"/>
                 <c:pt idx="0">
-                  <c:v>82.0</c:v>
+                  <c:v>218.0</c:v>
                 </c:pt>
                 <c:pt idx="1">
-                  <c:v>96.0</c:v>
+                  <c:v>103.0</c:v>
                 </c:pt>
                 <c:pt idx="2">
-                  <c:v>152.0</c:v>
+                  <c:v>123.0</c:v>
                 </c:pt>
                 <c:pt idx="3">
-                  <c:v>134.0</c:v>
+                  <c:v>135.0</c:v>
                 </c:pt>
                 <c:pt idx="4">
-                  <c:v>186.0</c:v>
+                  <c:v>74.0</c:v>
                 </c:pt>
                 <c:pt idx="5">
-                  <c:v>157.0</c:v>
+                  <c:v>130.0</c:v>
                 </c:pt>
                 <c:pt idx="6">
-                  <c:v>203.0</c:v>
+                  <c:v>149.0</c:v>
                 </c:pt>
                 <c:pt idx="7">
-                  <c:v>137.0</c:v>
+                  <c:v>118.0</c:v>
                 </c:pt>
                 <c:pt idx="8">
-                  <c:v>155.0</c:v>
+                  <c:v>163.0</c:v>
                 </c:pt>
                 <c:pt idx="9">
-                  <c:v>197.0</c:v>
+                  <c:v>104.0</c:v>
                 </c:pt>
                 <c:pt idx="10">
-                  <c:v>145.0</c:v>
+                  <c:v>106.0</c:v>
                 </c:pt>
                 <c:pt idx="11">
-                  <c:v>157.0</c:v>
+                  <c:v>100.0</c:v>
                 </c:pt>
               </c:numCache>
             </c:numRef>
@@ -4213,6 +4214,508 @@
 </file>
 
 <file path=ppt/charts/chart17.xml><?xml version="1.0" encoding="utf-8"?>
+<c:chartSpace xmlns:c="http://schemas.openxmlformats.org/drawingml/2006/chart" xmlns:a="http://schemas.openxmlformats.org/drawingml/2006/main" xmlns:r="http://schemas.openxmlformats.org/officeDocument/2006/relationships">
+  <c:date1904 val="0"/>
+  <c:chart>
+    <c:title>
+      <c:tx>
+        <c:rich>
+          <a:bodyPr/>
+          <a:lstStyle/>
+          <a:p>
+            <a:r>
+              <a:t>Ertapenem utilization</a:t>
+            </a:r>
+          </a:p>
+        </c:rich>
+      </c:tx>
+      <c:layout/>
+      <c:overlay val="0"/>
+    </c:title>
+    <c:autoTitleDeleted val="0"/>
+    <c:plotArea>
+      <c:lineChart>
+        <c:grouping val="standard"/>
+        <c:varyColors val="0"/>
+        <c:ser>
+          <c:idx val="0"/>
+          <c:order val="0"/>
+          <c:tx>
+            <c:strRef>
+              <c:f>Sheet1!$B$1</c:f>
+              <c:strCache>
+                <c:ptCount val="1"/>
+                <c:pt idx="0">
+                  <c:v>FY20</c:v>
+                </c:pt>
+              </c:strCache>
+            </c:strRef>
+          </c:tx>
+          <c:marker>
+            <c:symbol val="none"/>
+          </c:marker>
+          <c:cat>
+            <c:numRef>
+              <c:f>Sheet1!$A$2:$A$13</c:f>
+              <c:numCache>
+                <c:formatCode>yyyy\-mm\-dd</c:formatCode>
+                <c:ptCount val="12"/>
+                <c:pt idx="0">
+                  <c:v>43647.0</c:v>
+                </c:pt>
+                <c:pt idx="1">
+                  <c:v>43678.0</c:v>
+                </c:pt>
+                <c:pt idx="2">
+                  <c:v>43709.0</c:v>
+                </c:pt>
+                <c:pt idx="3">
+                  <c:v>43739.0</c:v>
+                </c:pt>
+                <c:pt idx="4">
+                  <c:v>43770.0</c:v>
+                </c:pt>
+                <c:pt idx="5">
+                  <c:v>43800.0</c:v>
+                </c:pt>
+                <c:pt idx="6">
+                  <c:v>43831.0</c:v>
+                </c:pt>
+                <c:pt idx="7">
+                  <c:v>43862.0</c:v>
+                </c:pt>
+                <c:pt idx="8">
+                  <c:v>43891.0</c:v>
+                </c:pt>
+                <c:pt idx="9">
+                  <c:v>43922.0</c:v>
+                </c:pt>
+                <c:pt idx="10">
+                  <c:v>43952.0</c:v>
+                </c:pt>
+                <c:pt idx="11">
+                  <c:v>43983.0</c:v>
+                </c:pt>
+              </c:numCache>
+            </c:numRef>
+          </c:cat>
+          <c:val>
+            <c:numRef>
+              <c:f>Sheet1!$B$2:$B$13</c:f>
+              <c:numCache>
+                <c:formatCode>General</c:formatCode>
+                <c:ptCount val="12"/>
+                <c:pt idx="0">
+                  <c:v>137.0</c:v>
+                </c:pt>
+              </c:numCache>
+            </c:numRef>
+          </c:val>
+          <c:smooth val="0"/>
+        </c:ser>
+        <c:ser>
+          <c:idx val="1"/>
+          <c:order val="1"/>
+          <c:tx>
+            <c:strRef>
+              <c:f>Sheet1!$C$1</c:f>
+              <c:strCache>
+                <c:ptCount val="1"/>
+                <c:pt idx="0">
+                  <c:v>FY19</c:v>
+                </c:pt>
+              </c:strCache>
+            </c:strRef>
+          </c:tx>
+          <c:marker>
+            <c:symbol val="none"/>
+          </c:marker>
+          <c:cat>
+            <c:numRef>
+              <c:f>Sheet1!$A$2:$A$13</c:f>
+              <c:numCache>
+                <c:formatCode>yyyy\-mm\-dd</c:formatCode>
+                <c:ptCount val="12"/>
+                <c:pt idx="0">
+                  <c:v>43647.0</c:v>
+                </c:pt>
+                <c:pt idx="1">
+                  <c:v>43678.0</c:v>
+                </c:pt>
+                <c:pt idx="2">
+                  <c:v>43709.0</c:v>
+                </c:pt>
+                <c:pt idx="3">
+                  <c:v>43739.0</c:v>
+                </c:pt>
+                <c:pt idx="4">
+                  <c:v>43770.0</c:v>
+                </c:pt>
+                <c:pt idx="5">
+                  <c:v>43800.0</c:v>
+                </c:pt>
+                <c:pt idx="6">
+                  <c:v>43831.0</c:v>
+                </c:pt>
+                <c:pt idx="7">
+                  <c:v>43862.0</c:v>
+                </c:pt>
+                <c:pt idx="8">
+                  <c:v>43891.0</c:v>
+                </c:pt>
+                <c:pt idx="9">
+                  <c:v>43922.0</c:v>
+                </c:pt>
+                <c:pt idx="10">
+                  <c:v>43952.0</c:v>
+                </c:pt>
+                <c:pt idx="11">
+                  <c:v>43983.0</c:v>
+                </c:pt>
+              </c:numCache>
+            </c:numRef>
+          </c:cat>
+          <c:val>
+            <c:numRef>
+              <c:f>Sheet1!$C$2:$C$13</c:f>
+              <c:numCache>
+                <c:formatCode>General</c:formatCode>
+                <c:ptCount val="12"/>
+                <c:pt idx="0">
+                  <c:v>105.0</c:v>
+                </c:pt>
+                <c:pt idx="1">
+                  <c:v>129.0</c:v>
+                </c:pt>
+                <c:pt idx="2">
+                  <c:v>148.0</c:v>
+                </c:pt>
+                <c:pt idx="3">
+                  <c:v>167.0</c:v>
+                </c:pt>
+                <c:pt idx="4">
+                  <c:v>124.0</c:v>
+                </c:pt>
+                <c:pt idx="5">
+                  <c:v>69.0</c:v>
+                </c:pt>
+                <c:pt idx="6">
+                  <c:v>142.0</c:v>
+                </c:pt>
+                <c:pt idx="7">
+                  <c:v>107.0</c:v>
+                </c:pt>
+                <c:pt idx="8">
+                  <c:v>103.0</c:v>
+                </c:pt>
+                <c:pt idx="9">
+                  <c:v>122.0</c:v>
+                </c:pt>
+                <c:pt idx="10">
+                  <c:v>203.0</c:v>
+                </c:pt>
+                <c:pt idx="11">
+                  <c:v>123.0</c:v>
+                </c:pt>
+              </c:numCache>
+            </c:numRef>
+          </c:val>
+          <c:smooth val="0"/>
+        </c:ser>
+        <c:ser>
+          <c:idx val="2"/>
+          <c:order val="2"/>
+          <c:tx>
+            <c:strRef>
+              <c:f>Sheet1!$D$1</c:f>
+              <c:strCache>
+                <c:ptCount val="1"/>
+                <c:pt idx="0">
+                  <c:v>FY18</c:v>
+                </c:pt>
+              </c:strCache>
+            </c:strRef>
+          </c:tx>
+          <c:marker>
+            <c:symbol val="none"/>
+          </c:marker>
+          <c:cat>
+            <c:numRef>
+              <c:f>Sheet1!$A$2:$A$13</c:f>
+              <c:numCache>
+                <c:formatCode>yyyy\-mm\-dd</c:formatCode>
+                <c:ptCount val="12"/>
+                <c:pt idx="0">
+                  <c:v>43647.0</c:v>
+                </c:pt>
+                <c:pt idx="1">
+                  <c:v>43678.0</c:v>
+                </c:pt>
+                <c:pt idx="2">
+                  <c:v>43709.0</c:v>
+                </c:pt>
+                <c:pt idx="3">
+                  <c:v>43739.0</c:v>
+                </c:pt>
+                <c:pt idx="4">
+                  <c:v>43770.0</c:v>
+                </c:pt>
+                <c:pt idx="5">
+                  <c:v>43800.0</c:v>
+                </c:pt>
+                <c:pt idx="6">
+                  <c:v>43831.0</c:v>
+                </c:pt>
+                <c:pt idx="7">
+                  <c:v>43862.0</c:v>
+                </c:pt>
+                <c:pt idx="8">
+                  <c:v>43891.0</c:v>
+                </c:pt>
+                <c:pt idx="9">
+                  <c:v>43922.0</c:v>
+                </c:pt>
+                <c:pt idx="10">
+                  <c:v>43952.0</c:v>
+                </c:pt>
+                <c:pt idx="11">
+                  <c:v>43983.0</c:v>
+                </c:pt>
+              </c:numCache>
+            </c:numRef>
+          </c:cat>
+          <c:val>
+            <c:numRef>
+              <c:f>Sheet1!$D$2:$D$13</c:f>
+              <c:numCache>
+                <c:formatCode>General</c:formatCode>
+                <c:ptCount val="12"/>
+                <c:pt idx="0">
+                  <c:v>122.0</c:v>
+                </c:pt>
+                <c:pt idx="1">
+                  <c:v>121.0</c:v>
+                </c:pt>
+                <c:pt idx="2">
+                  <c:v>102.0</c:v>
+                </c:pt>
+                <c:pt idx="3">
+                  <c:v>128.0</c:v>
+                </c:pt>
+                <c:pt idx="4">
+                  <c:v>161.0</c:v>
+                </c:pt>
+                <c:pt idx="5">
+                  <c:v>185.0</c:v>
+                </c:pt>
+                <c:pt idx="6">
+                  <c:v>229.0</c:v>
+                </c:pt>
+                <c:pt idx="7">
+                  <c:v>102.0</c:v>
+                </c:pt>
+                <c:pt idx="8">
+                  <c:v>132.0</c:v>
+                </c:pt>
+                <c:pt idx="9">
+                  <c:v>188.0</c:v>
+                </c:pt>
+                <c:pt idx="10">
+                  <c:v>128.0</c:v>
+                </c:pt>
+                <c:pt idx="11">
+                  <c:v>143.0</c:v>
+                </c:pt>
+              </c:numCache>
+            </c:numRef>
+          </c:val>
+          <c:smooth val="0"/>
+        </c:ser>
+        <c:ser>
+          <c:idx val="3"/>
+          <c:order val="3"/>
+          <c:tx>
+            <c:strRef>
+              <c:f>Sheet1!$E$1</c:f>
+              <c:strCache>
+                <c:ptCount val="1"/>
+                <c:pt idx="0">
+                  <c:v>FY17</c:v>
+                </c:pt>
+              </c:strCache>
+            </c:strRef>
+          </c:tx>
+          <c:marker>
+            <c:symbol val="none"/>
+          </c:marker>
+          <c:cat>
+            <c:numRef>
+              <c:f>Sheet1!$A$2:$A$13</c:f>
+              <c:numCache>
+                <c:formatCode>yyyy\-mm\-dd</c:formatCode>
+                <c:ptCount val="12"/>
+                <c:pt idx="0">
+                  <c:v>43647.0</c:v>
+                </c:pt>
+                <c:pt idx="1">
+                  <c:v>43678.0</c:v>
+                </c:pt>
+                <c:pt idx="2">
+                  <c:v>43709.0</c:v>
+                </c:pt>
+                <c:pt idx="3">
+                  <c:v>43739.0</c:v>
+                </c:pt>
+                <c:pt idx="4">
+                  <c:v>43770.0</c:v>
+                </c:pt>
+                <c:pt idx="5">
+                  <c:v>43800.0</c:v>
+                </c:pt>
+                <c:pt idx="6">
+                  <c:v>43831.0</c:v>
+                </c:pt>
+                <c:pt idx="7">
+                  <c:v>43862.0</c:v>
+                </c:pt>
+                <c:pt idx="8">
+                  <c:v>43891.0</c:v>
+                </c:pt>
+                <c:pt idx="9">
+                  <c:v>43922.0</c:v>
+                </c:pt>
+                <c:pt idx="10">
+                  <c:v>43952.0</c:v>
+                </c:pt>
+                <c:pt idx="11">
+                  <c:v>43983.0</c:v>
+                </c:pt>
+              </c:numCache>
+            </c:numRef>
+          </c:cat>
+          <c:val>
+            <c:numRef>
+              <c:f>Sheet1!$E$2:$E$13</c:f>
+              <c:numCache>
+                <c:formatCode>General</c:formatCode>
+                <c:ptCount val="12"/>
+                <c:pt idx="0">
+                  <c:v>82.0</c:v>
+                </c:pt>
+                <c:pt idx="1">
+                  <c:v>96.0</c:v>
+                </c:pt>
+                <c:pt idx="2">
+                  <c:v>152.0</c:v>
+                </c:pt>
+                <c:pt idx="3">
+                  <c:v>134.0</c:v>
+                </c:pt>
+                <c:pt idx="4">
+                  <c:v>186.0</c:v>
+                </c:pt>
+                <c:pt idx="5">
+                  <c:v>157.0</c:v>
+                </c:pt>
+                <c:pt idx="6">
+                  <c:v>203.0</c:v>
+                </c:pt>
+                <c:pt idx="7">
+                  <c:v>137.0</c:v>
+                </c:pt>
+                <c:pt idx="8">
+                  <c:v>155.0</c:v>
+                </c:pt>
+                <c:pt idx="9">
+                  <c:v>197.0</c:v>
+                </c:pt>
+                <c:pt idx="10">
+                  <c:v>145.0</c:v>
+                </c:pt>
+                <c:pt idx="11">
+                  <c:v>157.0</c:v>
+                </c:pt>
+              </c:numCache>
+            </c:numRef>
+          </c:val>
+          <c:smooth val="0"/>
+        </c:ser>
+        <c:marker val="1"/>
+        <c:smooth val="0"/>
+        <c:axId val="2118791784"/>
+        <c:axId val="2140495176"/>
+      </c:lineChart>
+      <c:dateAx>
+        <c:axId val="2118791784"/>
+        <c:scaling>
+          <c:orientation val="minMax"/>
+        </c:scaling>
+        <c:delete val="0"/>
+        <c:axPos val="b"/>
+        <c:numFmt formatCode="yyyy\-mm\-dd" sourceLinked="1"/>
+        <c:majorTickMark val="out"/>
+        <c:minorTickMark val="none"/>
+        <c:tickLblPos val="nextTo"/>
+        <c:crossAx val="2140495176"/>
+        <c:crosses val="autoZero"/>
+        <c:auto val="1"/>
+        <c:lblOffset val="100"/>
+        <c:baseTimeUnit val="days"/>
+      </c:dateAx>
+      <c:valAx>
+        <c:axId val="2140495176"/>
+        <c:scaling/>
+        <c:delete val="0"/>
+        <c:axPos val="l"/>
+        <c:majorGridlines/>
+        <c:title>
+          <c:tx>
+            <c:rich>
+              <a:bodyPr/>
+              <a:lstStyle/>
+              <a:p>
+                <a:r>
+                  <a:t>Doses per month</a:t>
+                </a:r>
+              </a:p>
+            </c:rich>
+          </c:tx>
+          <c:layout/>
+          <c:overlay val="0"/>
+        </c:title>
+        <c:majorTickMark val="out"/>
+        <c:minorTickMark val="none"/>
+        <c:tickLblPos val="nextTo"/>
+        <c:crossAx val="2118791784"/>
+        <c:crosses val="autoZero"/>
+      </c:valAx>
+    </c:plotArea>
+    <c:legend>
+      <c:legendPos val="r"/>
+      <c:layout/>
+      <c:overlay val="0"/>
+    </c:legend>
+    <c:plotVisOnly val="1"/>
+    <c:dispBlanksAs val="gap"/>
+    <c:showDLblsOverMax val="0"/>
+  </c:chart>
+  <c:txPr>
+    <a:bodyPr/>
+    <a:lstStyle/>
+    <a:p>
+      <a:pPr>
+        <a:defRPr sz="1800"/>
+      </a:pPr>
+      <a:endParaRPr lang="en-US"/>
+    </a:p>
+  </c:txPr>
+  <c:externalData r:id="rId1">
+    <c:autoUpdate val="0"/>
+  </c:externalData>
+</c:chartSpace>
+</file>
+
+<file path=ppt/charts/chart18.xml><?xml version="1.0" encoding="utf-8"?>
 <c:chartSpace xmlns:c="http://schemas.openxmlformats.org/drawingml/2006/chart" xmlns:a="http://schemas.openxmlformats.org/drawingml/2006/main" xmlns:r="http://schemas.openxmlformats.org/officeDocument/2006/relationships">
   <c:date1904 val="0"/>
   <c:chart>
@@ -7462,7 +7965,7 @@
           <a:lstStyle/>
           <a:p>
             <a:r>
-              <a:t>IVIG utilization</a:t>
+              <a:t>IVIG utilization (inpatient)</a:t>
             </a:r>
           </a:p>
         </c:rich>
@@ -7544,7 +8047,7 @@
                 <c:formatCode>General</c:formatCode>
                 <c:ptCount val="12"/>
                 <c:pt idx="0">
-                  <c:v>2.0</c:v>
+                  <c:v>59.0</c:v>
                 </c:pt>
               </c:numCache>
             </c:numRef>
@@ -7620,40 +8123,40 @@
                 <c:formatCode>General</c:formatCode>
                 <c:ptCount val="12"/>
                 <c:pt idx="0">
-                  <c:v>24.0</c:v>
+                  <c:v>37.0</c:v>
                 </c:pt>
                 <c:pt idx="1">
-                  <c:v>29.0</c:v>
+                  <c:v>46.0</c:v>
                 </c:pt>
                 <c:pt idx="2">
-                  <c:v>9.0</c:v>
+                  <c:v>33.0</c:v>
                 </c:pt>
                 <c:pt idx="3">
-                  <c:v>2.0</c:v>
+                  <c:v>36.0</c:v>
                 </c:pt>
                 <c:pt idx="4">
-                  <c:v>0.0</c:v>
+                  <c:v>36.0</c:v>
                 </c:pt>
                 <c:pt idx="5">
-                  <c:v>4.0</c:v>
+                  <c:v>34.0</c:v>
                 </c:pt>
                 <c:pt idx="6">
+                  <c:v>54.0</c:v>
+                </c:pt>
+                <c:pt idx="7">
                   <c:v>28.0</c:v>
                 </c:pt>
-                <c:pt idx="7">
-                  <c:v>18.0</c:v>
-                </c:pt>
                 <c:pt idx="8">
-                  <c:v>24.0</c:v>
+                  <c:v>41.0</c:v>
                 </c:pt>
                 <c:pt idx="9">
-                  <c:v>18.0</c:v>
+                  <c:v>63.0</c:v>
                 </c:pt>
                 <c:pt idx="10">
-                  <c:v>6.0</c:v>
+                  <c:v>46.0</c:v>
                 </c:pt>
                 <c:pt idx="11">
-                  <c:v>4.0</c:v>
+                  <c:v>55.0</c:v>
                 </c:pt>
               </c:numCache>
             </c:numRef>
@@ -7729,40 +8232,40 @@
                 <c:formatCode>General</c:formatCode>
                 <c:ptCount val="12"/>
                 <c:pt idx="0">
-                  <c:v>70.0</c:v>
+                  <c:v>54.0</c:v>
                 </c:pt>
                 <c:pt idx="1">
-                  <c:v>31.0</c:v>
+                  <c:v>19.0</c:v>
                 </c:pt>
                 <c:pt idx="2">
-                  <c:v>39.0</c:v>
+                  <c:v>22.0</c:v>
                 </c:pt>
                 <c:pt idx="3">
-                  <c:v>38.0</c:v>
+                  <c:v>26.0</c:v>
                 </c:pt>
                 <c:pt idx="4">
-                  <c:v>60.0</c:v>
+                  <c:v>44.0</c:v>
                 </c:pt>
                 <c:pt idx="5">
-                  <c:v>87.0</c:v>
+                  <c:v>69.0</c:v>
                 </c:pt>
                 <c:pt idx="6">
-                  <c:v>65.0</c:v>
+                  <c:v>55.0</c:v>
                 </c:pt>
                 <c:pt idx="7">
-                  <c:v>30.0</c:v>
+                  <c:v>35.0</c:v>
                 </c:pt>
                 <c:pt idx="8">
-                  <c:v>55.0</c:v>
+                  <c:v>68.0</c:v>
                 </c:pt>
                 <c:pt idx="9">
-                  <c:v>27.0</c:v>
+                  <c:v>36.0</c:v>
                 </c:pt>
                 <c:pt idx="10">
-                  <c:v>28.0</c:v>
+                  <c:v>32.0</c:v>
                 </c:pt>
                 <c:pt idx="11">
-                  <c:v>31.0</c:v>
+                  <c:v>48.0</c:v>
                 </c:pt>
               </c:numCache>
             </c:numRef>
@@ -7838,40 +8341,40 @@
                 <c:formatCode>General</c:formatCode>
                 <c:ptCount val="12"/>
                 <c:pt idx="0">
-                  <c:v>62.0</c:v>
+                  <c:v>52.0</c:v>
                 </c:pt>
                 <c:pt idx="1">
-                  <c:v>34.0</c:v>
+                  <c:v>25.0</c:v>
                 </c:pt>
                 <c:pt idx="2">
+                  <c:v>24.0</c:v>
+                </c:pt>
+                <c:pt idx="3">
+                  <c:v>47.0</c:v>
+                </c:pt>
+                <c:pt idx="4">
+                  <c:v>44.0</c:v>
+                </c:pt>
+                <c:pt idx="5">
+                  <c:v>35.0</c:v>
+                </c:pt>
+                <c:pt idx="6">
+                  <c:v>25.0</c:v>
+                </c:pt>
+                <c:pt idx="7">
+                  <c:v>31.0</c:v>
+                </c:pt>
+                <c:pt idx="8">
                   <c:v>33.0</c:v>
                 </c:pt>
-                <c:pt idx="3">
-                  <c:v>59.0</c:v>
-                </c:pt>
-                <c:pt idx="4">
-                  <c:v>60.0</c:v>
-                </c:pt>
-                <c:pt idx="5">
-                  <c:v>47.0</c:v>
-                </c:pt>
-                <c:pt idx="6">
-                  <c:v>42.0</c:v>
-                </c:pt>
-                <c:pt idx="7">
-                  <c:v>47.0</c:v>
-                </c:pt>
-                <c:pt idx="8">
+                <c:pt idx="9">
+                  <c:v>45.0</c:v>
+                </c:pt>
+                <c:pt idx="10">
                   <c:v>48.0</c:v>
                 </c:pt>
-                <c:pt idx="9">
-                  <c:v>57.0</c:v>
-                </c:pt>
-                <c:pt idx="10">
-                  <c:v>62.0</c:v>
-                </c:pt>
                 <c:pt idx="11">
-                  <c:v>69.0</c:v>
+                  <c:v>48.0</c:v>
                 </c:pt>
               </c:numCache>
             </c:numRef>
@@ -7964,7 +8467,7 @@
           <a:lstStyle/>
           <a:p>
             <a:r>
-              <a:t>Calcitonin utilization</a:t>
+              <a:t>IVIG utilization (outpatient)</a:t>
             </a:r>
           </a:p>
         </c:rich>
@@ -8046,7 +8549,7 @@
                 <c:formatCode>General</c:formatCode>
                 <c:ptCount val="12"/>
                 <c:pt idx="0">
-                  <c:v>2.0</c:v>
+                  <c:v>23.0</c:v>
                 </c:pt>
               </c:numCache>
             </c:numRef>
@@ -8122,40 +8625,40 @@
                 <c:formatCode>General</c:formatCode>
                 <c:ptCount val="12"/>
                 <c:pt idx="0">
-                  <c:v>0.0</c:v>
+                  <c:v>23.0</c:v>
                 </c:pt>
                 <c:pt idx="1">
-                  <c:v>16.0</c:v>
+                  <c:v>20.0</c:v>
                 </c:pt>
                 <c:pt idx="2">
-                  <c:v>6.0</c:v>
+                  <c:v>19.0</c:v>
                 </c:pt>
                 <c:pt idx="3">
-                  <c:v>2.0</c:v>
+                  <c:v>21.0</c:v>
                 </c:pt>
                 <c:pt idx="4">
-                  <c:v>0.0</c:v>
+                  <c:v>20.0</c:v>
                 </c:pt>
                 <c:pt idx="5">
-                  <c:v>9.0</c:v>
+                  <c:v>23.0</c:v>
                 </c:pt>
                 <c:pt idx="6">
-                  <c:v>13.0</c:v>
+                  <c:v>34.0</c:v>
                 </c:pt>
                 <c:pt idx="7">
-                  <c:v>0.0</c:v>
+                  <c:v>21.0</c:v>
                 </c:pt>
                 <c:pt idx="8">
-                  <c:v>11.0</c:v>
+                  <c:v>24.0</c:v>
                 </c:pt>
                 <c:pt idx="9">
-                  <c:v>12.0</c:v>
+                  <c:v>28.0</c:v>
                 </c:pt>
                 <c:pt idx="10">
-                  <c:v>6.0</c:v>
+                  <c:v>23.0</c:v>
                 </c:pt>
                 <c:pt idx="11">
-                  <c:v>5.0</c:v>
+                  <c:v>22.0</c:v>
                 </c:pt>
               </c:numCache>
             </c:numRef>
@@ -8231,40 +8734,40 @@
                 <c:formatCode>General</c:formatCode>
                 <c:ptCount val="12"/>
                 <c:pt idx="0">
-                  <c:v>2.0</c:v>
+                  <c:v>19.0</c:v>
                 </c:pt>
                 <c:pt idx="1">
-                  <c:v>12.0</c:v>
+                  <c:v>20.0</c:v>
                 </c:pt>
                 <c:pt idx="2">
-                  <c:v>8.0</c:v>
+                  <c:v>22.0</c:v>
                 </c:pt>
                 <c:pt idx="3">
-                  <c:v>1.0</c:v>
+                  <c:v>16.0</c:v>
                 </c:pt>
                 <c:pt idx="4">
-                  <c:v>1.0</c:v>
+                  <c:v>20.0</c:v>
                 </c:pt>
                 <c:pt idx="5">
-                  <c:v>6.0</c:v>
+                  <c:v>21.0</c:v>
                 </c:pt>
                 <c:pt idx="6">
-                  <c:v>18.0</c:v>
+                  <c:v>16.0</c:v>
                 </c:pt>
                 <c:pt idx="7">
-                  <c:v>8.0</c:v>
+                  <c:v>20.0</c:v>
                 </c:pt>
                 <c:pt idx="8">
-                  <c:v>4.0</c:v>
+                  <c:v>26.0</c:v>
                 </c:pt>
                 <c:pt idx="9">
-                  <c:v>4.0</c:v>
+                  <c:v>24.0</c:v>
                 </c:pt>
                 <c:pt idx="10">
-                  <c:v>17.0</c:v>
+                  <c:v>22.0</c:v>
                 </c:pt>
                 <c:pt idx="11">
-                  <c:v>1.0</c:v>
+                  <c:v>25.0</c:v>
                 </c:pt>
               </c:numCache>
             </c:numRef>
@@ -8340,40 +8843,40 @@
                 <c:formatCode>General</c:formatCode>
                 <c:ptCount val="12"/>
                 <c:pt idx="0">
-                  <c:v>59.0</c:v>
+                  <c:v>12.0</c:v>
                 </c:pt>
                 <c:pt idx="1">
+                  <c:v>12.0</c:v>
+                </c:pt>
+                <c:pt idx="2">
+                  <c:v>15.0</c:v>
+                </c:pt>
+                <c:pt idx="3">
+                  <c:v>15.0</c:v>
+                </c:pt>
+                <c:pt idx="4">
                   <c:v>19.0</c:v>
                 </c:pt>
-                <c:pt idx="2">
-                  <c:v>4.0</c:v>
-                </c:pt>
-                <c:pt idx="3">
-                  <c:v>3.0</c:v>
-                </c:pt>
-                <c:pt idx="4">
-                  <c:v>4.0</c:v>
-                </c:pt>
                 <c:pt idx="5">
-                  <c:v>1.0</c:v>
+                  <c:v>15.0</c:v>
                 </c:pt>
                 <c:pt idx="6">
-                  <c:v>2.0</c:v>
+                  <c:v>20.0</c:v>
                 </c:pt>
                 <c:pt idx="7">
-                  <c:v>0.0</c:v>
+                  <c:v>17.0</c:v>
                 </c:pt>
                 <c:pt idx="8">
-                  <c:v>6.0</c:v>
+                  <c:v>19.0</c:v>
                 </c:pt>
                 <c:pt idx="9">
-                  <c:v>9.0</c:v>
+                  <c:v>15.0</c:v>
                 </c:pt>
                 <c:pt idx="10">
-                  <c:v>23.0</c:v>
+                  <c:v>18.0</c:v>
                 </c:pt>
                 <c:pt idx="11">
-                  <c:v>10.0</c:v>
+                  <c:v>24.0</c:v>
                 </c:pt>
               </c:numCache>
             </c:numRef>
@@ -11686,6 +12189,42 @@
 </p:sld>
 </file>
 
+<file path=ppt/slides/slide19.xml><?xml version="1.0" encoding="utf-8"?>
+<p:sld xmlns:a="http://schemas.openxmlformats.org/drawingml/2006/main" xmlns:p="http://schemas.openxmlformats.org/presentationml/2006/main" xmlns:r="http://schemas.openxmlformats.org/officeDocument/2006/relationships">
+  <p:cSld>
+    <p:spTree>
+      <p:nvGrpSpPr>
+        <p:cNvPr id="1" name=""/>
+        <p:cNvGrpSpPr/>
+        <p:nvPr/>
+      </p:nvGrpSpPr>
+      <p:grpSpPr/>
+      <p:graphicFrame>
+        <p:nvGraphicFramePr>
+          <p:cNvPr id="2" name="Chart 1"/>
+          <p:cNvGraphicFramePr>
+            <a:graphicFrameLocks noGrp="1"/>
+          </p:cNvGraphicFramePr>
+          <p:nvPr/>
+        </p:nvGraphicFramePr>
+        <p:xfrm>
+          <a:off x="457200" y="914400"/>
+          <a:ext cx="8229600" cy="5486400"/>
+        </p:xfrm>
+        <a:graphic>
+          <a:graphicData uri="http://schemas.openxmlformats.org/drawingml/2006/chart">
+            <c:chart xmlns:c="http://schemas.openxmlformats.org/drawingml/2006/chart" r:id="rId2"/>
+          </a:graphicData>
+        </a:graphic>
+      </p:graphicFrame>
+    </p:spTree>
+  </p:cSld>
+  <p:clrMapOvr>
+    <a:masterClrMapping/>
+  </p:clrMapOvr>
+</p:sld>
+</file>
+
 <file path=ppt/slides/slide2.xml><?xml version="1.0" encoding="utf-8"?>
 <p:sld xmlns:a="http://schemas.openxmlformats.org/drawingml/2006/main" xmlns:p="http://schemas.openxmlformats.org/presentationml/2006/main" xmlns:r="http://schemas.openxmlformats.org/officeDocument/2006/relationships">
   <p:cSld>
